--- a/Doc/Architecture.pptx
+++ b/Doc/Architecture.pptx
@@ -8,6 +8,7 @@
   <p:sldIdLst>
     <p:sldId id="256" r:id="rId3"/>
     <p:sldId id="280" r:id="rId4"/>
+    <p:sldId id="281" r:id="rId5"/>
   </p:sldIdLst>
   <p:sldSz cx="46080363" cy="25920700"/>
   <p:notesSz cx="6858000" cy="9144000"/>
@@ -117,7 +118,7 @@
 <file path=ppt/revisionInfo.xml><?xml version="1.0" encoding="utf-8"?>
 <p1510:revInfo xmlns:a="http://schemas.openxmlformats.org/drawingml/2006/main" xmlns:r="http://schemas.openxmlformats.org/officeDocument/2006/relationships" xmlns:p1510="http://schemas.microsoft.com/office/powerpoint/2015/10/main">
   <p1510:revLst>
-    <p1510:client id="{7CCF9389-FC57-442E-8C8F-013ED0D606B0}" v="20" dt="2024-12-13T14:14:58.223"/>
+    <p1510:client id="{7CCF9389-FC57-442E-8C8F-013ED0D606B0}" v="43" dt="2024-12-15T14:26:04.920"/>
   </p1510:revLst>
 </p1510:revInfo>
 </file>
@@ -126,8 +127,8 @@
 <pc:chgInfo xmlns:a="http://schemas.openxmlformats.org/drawingml/2006/main" xmlns:r="http://schemas.openxmlformats.org/officeDocument/2006/relationships" xmlns:ac="http://schemas.microsoft.com/office/drawing/2013/main/command" xmlns:pc="http://schemas.microsoft.com/office/powerpoint/2013/main/command">
   <pc:docChgLst>
     <pc:chgData name="seungkyun park" userId="f1574e86df6b37cf" providerId="LiveId" clId="{7CCF9389-FC57-442E-8C8F-013ED0D606B0}"/>
-    <pc:docChg chg="undo custSel addSld delSld modSld delMainMaster modMainMaster">
-      <pc:chgData name="seungkyun park" userId="f1574e86df6b37cf" providerId="LiveId" clId="{7CCF9389-FC57-442E-8C8F-013ED0D606B0}" dt="2024-12-13T14:15:19.770" v="260" actId="478"/>
+    <pc:docChg chg="undo redo custSel mod addSld delSld modSld delMainMaster modMainMaster">
+      <pc:chgData name="seungkyun park" userId="f1574e86df6b37cf" providerId="LiveId" clId="{7CCF9389-FC57-442E-8C8F-013ED0D606B0}" dt="2024-12-15T14:26:04.919" v="934"/>
       <pc:docMkLst>
         <pc:docMk/>
       </pc:docMkLst>
@@ -143,14 +144,6 @@
             <pc:docMk/>
             <pc:sldMk cId="837102360" sldId="256"/>
             <ac:spMk id="2" creationId="{554B5361-4E89-484E-9801-F239DFBFABEA}"/>
-          </ac:spMkLst>
-        </pc:spChg>
-        <pc:spChg chg="del mod">
-          <ac:chgData name="seungkyun park" userId="f1574e86df6b37cf" providerId="LiveId" clId="{7CCF9389-FC57-442E-8C8F-013ED0D606B0}" dt="2024-12-13T14:11:11.161" v="43" actId="478"/>
-          <ac:spMkLst>
-            <pc:docMk/>
-            <pc:sldMk cId="837102360" sldId="256"/>
-            <ac:spMk id="3" creationId="{D9B8E6C8-0412-6861-EDBC-4C2509DD06E6}"/>
           </ac:spMkLst>
         </pc:spChg>
       </pc:sldChg>
@@ -216,44 +209,12 @@
           <pc:docMk/>
           <pc:sldMk cId="68514707" sldId="280"/>
         </pc:sldMkLst>
-        <pc:spChg chg="del mod">
-          <ac:chgData name="seungkyun park" userId="f1574e86df6b37cf" providerId="LiveId" clId="{7CCF9389-FC57-442E-8C8F-013ED0D606B0}" dt="2024-12-13T14:06:35.562" v="40" actId="478"/>
-          <ac:spMkLst>
-            <pc:docMk/>
-            <pc:sldMk cId="68514707" sldId="280"/>
-            <ac:spMk id="2" creationId="{7EF16D64-9B57-73BC-846A-4689F5756B5C}"/>
-          </ac:spMkLst>
-        </pc:spChg>
-        <pc:spChg chg="del mod">
-          <ac:chgData name="seungkyun park" userId="f1574e86df6b37cf" providerId="LiveId" clId="{7CCF9389-FC57-442E-8C8F-013ED0D606B0}" dt="2024-12-13T14:06:31.967" v="38" actId="478"/>
-          <ac:spMkLst>
-            <pc:docMk/>
-            <pc:sldMk cId="68514707" sldId="280"/>
-            <ac:spMk id="3" creationId="{0C7C5AAD-F193-881C-8F38-0DF6F149288F}"/>
-          </ac:spMkLst>
-        </pc:spChg>
         <pc:spChg chg="mod">
           <ac:chgData name="seungkyun park" userId="f1574e86df6b37cf" providerId="LiveId" clId="{7CCF9389-FC57-442E-8C8F-013ED0D606B0}" dt="2024-12-13T14:06:26.875" v="37"/>
           <ac:spMkLst>
             <pc:docMk/>
             <pc:sldMk cId="68514707" sldId="280"/>
             <ac:spMk id="4" creationId="{F0FE6A13-BDF1-7242-D5F3-CBDCB3FFCCD4}"/>
-          </ac:spMkLst>
-        </pc:spChg>
-        <pc:spChg chg="add del mod">
-          <ac:chgData name="seungkyun park" userId="f1574e86df6b37cf" providerId="LiveId" clId="{7CCF9389-FC57-442E-8C8F-013ED0D606B0}" dt="2024-12-12T13:56:58.043" v="22" actId="478"/>
-          <ac:spMkLst>
-            <pc:docMk/>
-            <pc:sldMk cId="68514707" sldId="280"/>
-            <ac:spMk id="5" creationId="{E10E8D7A-FD3F-75ED-B685-E302E73FB589}"/>
-          </ac:spMkLst>
-        </pc:spChg>
-        <pc:spChg chg="add del mod">
-          <ac:chgData name="seungkyun park" userId="f1574e86df6b37cf" providerId="LiveId" clId="{7CCF9389-FC57-442E-8C8F-013ED0D606B0}" dt="2024-12-13T14:06:33.849" v="39" actId="478"/>
-          <ac:spMkLst>
-            <pc:docMk/>
-            <pc:sldMk cId="68514707" sldId="280"/>
-            <ac:spMk id="6" creationId="{4B51CF3D-E2F8-2A96-B2B6-1FA6F3B2D5C3}"/>
           </ac:spMkLst>
         </pc:spChg>
         <pc:spChg chg="mod">
@@ -262,14 +223,6 @@
             <pc:docMk/>
             <pc:sldMk cId="68514707" sldId="280"/>
             <ac:spMk id="8" creationId="{EB39365E-C944-74CF-3368-57FF28418F7E}"/>
-          </ac:spMkLst>
-        </pc:spChg>
-        <pc:spChg chg="add del mod">
-          <ac:chgData name="seungkyun park" userId="f1574e86df6b37cf" providerId="LiveId" clId="{7CCF9389-FC57-442E-8C8F-013ED0D606B0}" dt="2024-12-13T14:06:37.059" v="41" actId="478"/>
-          <ac:spMkLst>
-            <pc:docMk/>
-            <pc:sldMk cId="68514707" sldId="280"/>
-            <ac:spMk id="9" creationId="{E0D69F5F-B110-0DC0-B32E-F2482890C766}"/>
           </ac:spMkLst>
         </pc:spChg>
         <pc:spChg chg="mod">
@@ -382,14 +335,6 @@
             <pc:docMk/>
             <pc:sldMk cId="68514707" sldId="280"/>
             <ac:spMk id="23" creationId="{794B3F60-7121-E60B-3643-BB41F5985F5F}"/>
-          </ac:spMkLst>
-        </pc:spChg>
-        <pc:spChg chg="add del mod">
-          <ac:chgData name="seungkyun park" userId="f1574e86df6b37cf" providerId="LiveId" clId="{7CCF9389-FC57-442E-8C8F-013ED0D606B0}" dt="2024-12-13T14:15:19.770" v="260" actId="478"/>
-          <ac:spMkLst>
-            <pc:docMk/>
-            <pc:sldMk cId="68514707" sldId="280"/>
-            <ac:spMk id="24" creationId="{2871EED2-1A8F-C240-8717-844B707DFE13}"/>
           </ac:spMkLst>
         </pc:spChg>
         <pc:spChg chg="add mod">
@@ -767,430 +712,6 @@
           <pc:docMk/>
           <pc:sldMk cId="1723837309" sldId="281"/>
         </pc:sldMkLst>
-        <pc:spChg chg="mod">
-          <ac:chgData name="seungkyun park" userId="f1574e86df6b37cf" providerId="LiveId" clId="{7CCF9389-FC57-442E-8C8F-013ED0D606B0}" dt="2024-12-13T14:02:16.100" v="26"/>
-          <ac:spMkLst>
-            <pc:docMk/>
-            <pc:sldMk cId="1723837309" sldId="281"/>
-            <ac:spMk id="2" creationId="{44A45C4B-5593-403B-B78E-C04C242C78A5}"/>
-          </ac:spMkLst>
-        </pc:spChg>
-        <pc:spChg chg="mod">
-          <ac:chgData name="seungkyun park" userId="f1574e86df6b37cf" providerId="LiveId" clId="{7CCF9389-FC57-442E-8C8F-013ED0D606B0}" dt="2024-12-13T14:02:16.100" v="26"/>
-          <ac:spMkLst>
-            <pc:docMk/>
-            <pc:sldMk cId="1723837309" sldId="281"/>
-            <ac:spMk id="3" creationId="{2BAAB3DF-5F81-932D-1753-5DDF393E6B05}"/>
-          </ac:spMkLst>
-        </pc:spChg>
-        <pc:spChg chg="mod">
-          <ac:chgData name="seungkyun park" userId="f1574e86df6b37cf" providerId="LiveId" clId="{7CCF9389-FC57-442E-8C8F-013ED0D606B0}" dt="2024-12-13T14:02:16.100" v="26"/>
-          <ac:spMkLst>
-            <pc:docMk/>
-            <pc:sldMk cId="1723837309" sldId="281"/>
-            <ac:spMk id="4" creationId="{69C19300-64B5-3A16-3302-B59B8002D50B}"/>
-          </ac:spMkLst>
-        </pc:spChg>
-        <pc:spChg chg="mod">
-          <ac:chgData name="seungkyun park" userId="f1574e86df6b37cf" providerId="LiveId" clId="{7CCF9389-FC57-442E-8C8F-013ED0D606B0}" dt="2024-12-13T14:02:16.100" v="26"/>
-          <ac:spMkLst>
-            <pc:docMk/>
-            <pc:sldMk cId="1723837309" sldId="281"/>
-            <ac:spMk id="8" creationId="{F7A2E7F6-2281-AAA9-C6A6-471AFDE04639}"/>
-          </ac:spMkLst>
-        </pc:spChg>
-        <pc:spChg chg="mod">
-          <ac:chgData name="seungkyun park" userId="f1574e86df6b37cf" providerId="LiveId" clId="{7CCF9389-FC57-442E-8C8F-013ED0D606B0}" dt="2024-12-13T14:02:16.100" v="26"/>
-          <ac:spMkLst>
-            <pc:docMk/>
-            <pc:sldMk cId="1723837309" sldId="281"/>
-            <ac:spMk id="10" creationId="{96A0A257-88E4-BB0B-10E2-83C47A9F0D48}"/>
-          </ac:spMkLst>
-        </pc:spChg>
-        <pc:spChg chg="mod">
-          <ac:chgData name="seungkyun park" userId="f1574e86df6b37cf" providerId="LiveId" clId="{7CCF9389-FC57-442E-8C8F-013ED0D606B0}" dt="2024-12-13T14:02:16.100" v="26"/>
-          <ac:spMkLst>
-            <pc:docMk/>
-            <pc:sldMk cId="1723837309" sldId="281"/>
-            <ac:spMk id="16" creationId="{652CBC07-37D7-6EEF-DD07-9403450C25C3}"/>
-          </ac:spMkLst>
-        </pc:spChg>
-        <pc:spChg chg="mod">
-          <ac:chgData name="seungkyun park" userId="f1574e86df6b37cf" providerId="LiveId" clId="{7CCF9389-FC57-442E-8C8F-013ED0D606B0}" dt="2024-12-13T14:02:16.100" v="26"/>
-          <ac:spMkLst>
-            <pc:docMk/>
-            <pc:sldMk cId="1723837309" sldId="281"/>
-            <ac:spMk id="17" creationId="{A3A35C78-86AF-CA4E-2B90-AE8A1C53BC5D}"/>
-          </ac:spMkLst>
-        </pc:spChg>
-        <pc:spChg chg="mod">
-          <ac:chgData name="seungkyun park" userId="f1574e86df6b37cf" providerId="LiveId" clId="{7CCF9389-FC57-442E-8C8F-013ED0D606B0}" dt="2024-12-13T14:02:16.100" v="26"/>
-          <ac:spMkLst>
-            <pc:docMk/>
-            <pc:sldMk cId="1723837309" sldId="281"/>
-            <ac:spMk id="18" creationId="{1A31BD02-1DDE-AB80-17D0-7B0975A46739}"/>
-          </ac:spMkLst>
-        </pc:spChg>
-        <pc:spChg chg="mod">
-          <ac:chgData name="seungkyun park" userId="f1574e86df6b37cf" providerId="LiveId" clId="{7CCF9389-FC57-442E-8C8F-013ED0D606B0}" dt="2024-12-13T14:02:16.100" v="26"/>
-          <ac:spMkLst>
-            <pc:docMk/>
-            <pc:sldMk cId="1723837309" sldId="281"/>
-            <ac:spMk id="20" creationId="{2D5A99C2-C3AC-B7CB-4BE6-3AC4546F1460}"/>
-          </ac:spMkLst>
-        </pc:spChg>
-        <pc:spChg chg="mod">
-          <ac:chgData name="seungkyun park" userId="f1574e86df6b37cf" providerId="LiveId" clId="{7CCF9389-FC57-442E-8C8F-013ED0D606B0}" dt="2024-12-13T14:02:16.100" v="26"/>
-          <ac:spMkLst>
-            <pc:docMk/>
-            <pc:sldMk cId="1723837309" sldId="281"/>
-            <ac:spMk id="21" creationId="{1EF0242C-1D8E-3E82-516B-1F61BED6C984}"/>
-          </ac:spMkLst>
-        </pc:spChg>
-        <pc:spChg chg="mod">
-          <ac:chgData name="seungkyun park" userId="f1574e86df6b37cf" providerId="LiveId" clId="{7CCF9389-FC57-442E-8C8F-013ED0D606B0}" dt="2024-12-13T14:02:16.100" v="26"/>
-          <ac:spMkLst>
-            <pc:docMk/>
-            <pc:sldMk cId="1723837309" sldId="281"/>
-            <ac:spMk id="23" creationId="{CFE74A3C-E042-735D-DB24-13B570FDE7F0}"/>
-          </ac:spMkLst>
-        </pc:spChg>
-        <pc:spChg chg="mod">
-          <ac:chgData name="seungkyun park" userId="f1574e86df6b37cf" providerId="LiveId" clId="{7CCF9389-FC57-442E-8C8F-013ED0D606B0}" dt="2024-12-13T14:02:16.100" v="26"/>
-          <ac:spMkLst>
-            <pc:docMk/>
-            <pc:sldMk cId="1723837309" sldId="281"/>
-            <ac:spMk id="30" creationId="{ED6A0635-778F-147E-23C8-CB9D59B9C6A4}"/>
-          </ac:spMkLst>
-        </pc:spChg>
-        <pc:spChg chg="mod">
-          <ac:chgData name="seungkyun park" userId="f1574e86df6b37cf" providerId="LiveId" clId="{7CCF9389-FC57-442E-8C8F-013ED0D606B0}" dt="2024-12-13T14:02:16.100" v="26"/>
-          <ac:spMkLst>
-            <pc:docMk/>
-            <pc:sldMk cId="1723837309" sldId="281"/>
-            <ac:spMk id="31" creationId="{F683B12F-0181-D5F2-A4D6-DB97E6463F7A}"/>
-          </ac:spMkLst>
-        </pc:spChg>
-        <pc:spChg chg="mod">
-          <ac:chgData name="seungkyun park" userId="f1574e86df6b37cf" providerId="LiveId" clId="{7CCF9389-FC57-442E-8C8F-013ED0D606B0}" dt="2024-12-13T14:02:16.100" v="26"/>
-          <ac:spMkLst>
-            <pc:docMk/>
-            <pc:sldMk cId="1723837309" sldId="281"/>
-            <ac:spMk id="36" creationId="{36CEC68D-4153-6BC2-DDD1-35CB474961DC}"/>
-          </ac:spMkLst>
-        </pc:spChg>
-        <pc:spChg chg="mod">
-          <ac:chgData name="seungkyun park" userId="f1574e86df6b37cf" providerId="LiveId" clId="{7CCF9389-FC57-442E-8C8F-013ED0D606B0}" dt="2024-12-13T14:02:16.100" v="26"/>
-          <ac:spMkLst>
-            <pc:docMk/>
-            <pc:sldMk cId="1723837309" sldId="281"/>
-            <ac:spMk id="37" creationId="{8DA6A536-28DC-7396-1D9A-FCC344E6CC5A}"/>
-          </ac:spMkLst>
-        </pc:spChg>
-        <pc:spChg chg="mod">
-          <ac:chgData name="seungkyun park" userId="f1574e86df6b37cf" providerId="LiveId" clId="{7CCF9389-FC57-442E-8C8F-013ED0D606B0}" dt="2024-12-13T14:02:16.100" v="26"/>
-          <ac:spMkLst>
-            <pc:docMk/>
-            <pc:sldMk cId="1723837309" sldId="281"/>
-            <ac:spMk id="38" creationId="{4B48663F-AD4F-1305-BAAD-7A276EFF24D7}"/>
-          </ac:spMkLst>
-        </pc:spChg>
-        <pc:spChg chg="mod">
-          <ac:chgData name="seungkyun park" userId="f1574e86df6b37cf" providerId="LiveId" clId="{7CCF9389-FC57-442E-8C8F-013ED0D606B0}" dt="2024-12-13T14:02:16.100" v="26"/>
-          <ac:spMkLst>
-            <pc:docMk/>
-            <pc:sldMk cId="1723837309" sldId="281"/>
-            <ac:spMk id="39" creationId="{8FA83636-2CAC-A6A3-F331-63FAA23F7A95}"/>
-          </ac:spMkLst>
-        </pc:spChg>
-        <pc:spChg chg="mod">
-          <ac:chgData name="seungkyun park" userId="f1574e86df6b37cf" providerId="LiveId" clId="{7CCF9389-FC57-442E-8C8F-013ED0D606B0}" dt="2024-12-13T14:02:16.100" v="26"/>
-          <ac:spMkLst>
-            <pc:docMk/>
-            <pc:sldMk cId="1723837309" sldId="281"/>
-            <ac:spMk id="40" creationId="{2E6D9B4E-21CD-C18D-BF78-C1F4E1D1C8B9}"/>
-          </ac:spMkLst>
-        </pc:spChg>
-        <pc:spChg chg="mod">
-          <ac:chgData name="seungkyun park" userId="f1574e86df6b37cf" providerId="LiveId" clId="{7CCF9389-FC57-442E-8C8F-013ED0D606B0}" dt="2024-12-13T14:02:16.100" v="26"/>
-          <ac:spMkLst>
-            <pc:docMk/>
-            <pc:sldMk cId="1723837309" sldId="281"/>
-            <ac:spMk id="42" creationId="{05BF2065-7A19-0A12-15CF-7C2AA51B2DB5}"/>
-          </ac:spMkLst>
-        </pc:spChg>
-        <pc:spChg chg="mod">
-          <ac:chgData name="seungkyun park" userId="f1574e86df6b37cf" providerId="LiveId" clId="{7CCF9389-FC57-442E-8C8F-013ED0D606B0}" dt="2024-12-13T14:02:16.100" v="26"/>
-          <ac:spMkLst>
-            <pc:docMk/>
-            <pc:sldMk cId="1723837309" sldId="281"/>
-            <ac:spMk id="43" creationId="{505650FC-330E-D136-46AC-D8948006F5A2}"/>
-          </ac:spMkLst>
-        </pc:spChg>
-        <pc:spChg chg="mod">
-          <ac:chgData name="seungkyun park" userId="f1574e86df6b37cf" providerId="LiveId" clId="{7CCF9389-FC57-442E-8C8F-013ED0D606B0}" dt="2024-12-13T14:02:16.100" v="26"/>
-          <ac:spMkLst>
-            <pc:docMk/>
-            <pc:sldMk cId="1723837309" sldId="281"/>
-            <ac:spMk id="45" creationId="{43F02A73-A6B9-D9C2-73AD-78928C4CB2E8}"/>
-          </ac:spMkLst>
-        </pc:spChg>
-        <pc:spChg chg="mod">
-          <ac:chgData name="seungkyun park" userId="f1574e86df6b37cf" providerId="LiveId" clId="{7CCF9389-FC57-442E-8C8F-013ED0D606B0}" dt="2024-12-13T14:02:16.100" v="26"/>
-          <ac:spMkLst>
-            <pc:docMk/>
-            <pc:sldMk cId="1723837309" sldId="281"/>
-            <ac:spMk id="46" creationId="{D1526CD0-3BDE-8B7F-69D5-FECF4654A550}"/>
-          </ac:spMkLst>
-        </pc:spChg>
-        <pc:spChg chg="mod">
-          <ac:chgData name="seungkyun park" userId="f1574e86df6b37cf" providerId="LiveId" clId="{7CCF9389-FC57-442E-8C8F-013ED0D606B0}" dt="2024-12-13T14:02:16.100" v="26"/>
-          <ac:spMkLst>
-            <pc:docMk/>
-            <pc:sldMk cId="1723837309" sldId="281"/>
-            <ac:spMk id="47" creationId="{2770C156-3055-A44A-177A-2AC29B38BEC4}"/>
-          </ac:spMkLst>
-        </pc:spChg>
-        <pc:spChg chg="mod">
-          <ac:chgData name="seungkyun park" userId="f1574e86df6b37cf" providerId="LiveId" clId="{7CCF9389-FC57-442E-8C8F-013ED0D606B0}" dt="2024-12-13T14:02:16.100" v="26"/>
-          <ac:spMkLst>
-            <pc:docMk/>
-            <pc:sldMk cId="1723837309" sldId="281"/>
-            <ac:spMk id="48" creationId="{A712A36D-89C6-8677-C62A-DBE10A03F0A5}"/>
-          </ac:spMkLst>
-        </pc:spChg>
-        <pc:spChg chg="mod">
-          <ac:chgData name="seungkyun park" userId="f1574e86df6b37cf" providerId="LiveId" clId="{7CCF9389-FC57-442E-8C8F-013ED0D606B0}" dt="2024-12-13T14:02:16.100" v="26"/>
-          <ac:spMkLst>
-            <pc:docMk/>
-            <pc:sldMk cId="1723837309" sldId="281"/>
-            <ac:spMk id="49" creationId="{69717E9C-E751-648F-049F-A1C1B5B3DF31}"/>
-          </ac:spMkLst>
-        </pc:spChg>
-        <pc:spChg chg="mod">
-          <ac:chgData name="seungkyun park" userId="f1574e86df6b37cf" providerId="LiveId" clId="{7CCF9389-FC57-442E-8C8F-013ED0D606B0}" dt="2024-12-13T14:02:16.100" v="26"/>
-          <ac:spMkLst>
-            <pc:docMk/>
-            <pc:sldMk cId="1723837309" sldId="281"/>
-            <ac:spMk id="50" creationId="{DDEE5AC4-8DA0-7419-BA7E-42B183FE24BE}"/>
-          </ac:spMkLst>
-        </pc:spChg>
-        <pc:spChg chg="mod">
-          <ac:chgData name="seungkyun park" userId="f1574e86df6b37cf" providerId="LiveId" clId="{7CCF9389-FC57-442E-8C8F-013ED0D606B0}" dt="2024-12-13T14:02:16.100" v="26"/>
-          <ac:spMkLst>
-            <pc:docMk/>
-            <pc:sldMk cId="1723837309" sldId="281"/>
-            <ac:spMk id="51" creationId="{8F341ADE-DDE8-14BA-52A8-3F038968A579}"/>
-          </ac:spMkLst>
-        </pc:spChg>
-        <pc:spChg chg="mod">
-          <ac:chgData name="seungkyun park" userId="f1574e86df6b37cf" providerId="LiveId" clId="{7CCF9389-FC57-442E-8C8F-013ED0D606B0}" dt="2024-12-13T14:02:16.100" v="26"/>
-          <ac:spMkLst>
-            <pc:docMk/>
-            <pc:sldMk cId="1723837309" sldId="281"/>
-            <ac:spMk id="52" creationId="{FAA33030-4D75-F601-945E-4ACED4E27368}"/>
-          </ac:spMkLst>
-        </pc:spChg>
-        <pc:spChg chg="mod">
-          <ac:chgData name="seungkyun park" userId="f1574e86df6b37cf" providerId="LiveId" clId="{7CCF9389-FC57-442E-8C8F-013ED0D606B0}" dt="2024-12-13T14:02:16.100" v="26"/>
-          <ac:spMkLst>
-            <pc:docMk/>
-            <pc:sldMk cId="1723837309" sldId="281"/>
-            <ac:spMk id="53" creationId="{8F4BA22E-716F-17A7-D9CA-16D71DCBD859}"/>
-          </ac:spMkLst>
-        </pc:spChg>
-        <pc:spChg chg="mod">
-          <ac:chgData name="seungkyun park" userId="f1574e86df6b37cf" providerId="LiveId" clId="{7CCF9389-FC57-442E-8C8F-013ED0D606B0}" dt="2024-12-13T14:02:16.100" v="26"/>
-          <ac:spMkLst>
-            <pc:docMk/>
-            <pc:sldMk cId="1723837309" sldId="281"/>
-            <ac:spMk id="54" creationId="{E4CD592D-42C5-92FD-D0D6-346E3F2C043D}"/>
-          </ac:spMkLst>
-        </pc:spChg>
-        <pc:spChg chg="mod">
-          <ac:chgData name="seungkyun park" userId="f1574e86df6b37cf" providerId="LiveId" clId="{7CCF9389-FC57-442E-8C8F-013ED0D606B0}" dt="2024-12-13T14:02:16.100" v="26"/>
-          <ac:spMkLst>
-            <pc:docMk/>
-            <pc:sldMk cId="1723837309" sldId="281"/>
-            <ac:spMk id="55" creationId="{D089AA56-F800-6DAE-9F8A-A8B3B7AF3C53}"/>
-          </ac:spMkLst>
-        </pc:spChg>
-        <pc:spChg chg="mod">
-          <ac:chgData name="seungkyun park" userId="f1574e86df6b37cf" providerId="LiveId" clId="{7CCF9389-FC57-442E-8C8F-013ED0D606B0}" dt="2024-12-13T14:02:16.100" v="26"/>
-          <ac:spMkLst>
-            <pc:docMk/>
-            <pc:sldMk cId="1723837309" sldId="281"/>
-            <ac:spMk id="56" creationId="{4E00AAED-BBF7-40FF-F825-9926A12927C2}"/>
-          </ac:spMkLst>
-        </pc:spChg>
-        <pc:spChg chg="mod">
-          <ac:chgData name="seungkyun park" userId="f1574e86df6b37cf" providerId="LiveId" clId="{7CCF9389-FC57-442E-8C8F-013ED0D606B0}" dt="2024-12-13T14:02:16.100" v="26"/>
-          <ac:spMkLst>
-            <pc:docMk/>
-            <pc:sldMk cId="1723837309" sldId="281"/>
-            <ac:spMk id="57" creationId="{DA08840E-FED4-2766-3DE8-03E5ECA5A9E7}"/>
-          </ac:spMkLst>
-        </pc:spChg>
-        <pc:spChg chg="mod">
-          <ac:chgData name="seungkyun park" userId="f1574e86df6b37cf" providerId="LiveId" clId="{7CCF9389-FC57-442E-8C8F-013ED0D606B0}" dt="2024-12-13T14:02:16.100" v="26"/>
-          <ac:spMkLst>
-            <pc:docMk/>
-            <pc:sldMk cId="1723837309" sldId="281"/>
-            <ac:spMk id="58" creationId="{6DA76E6D-9B0F-15C2-C639-F57D6527D5EA}"/>
-          </ac:spMkLst>
-        </pc:spChg>
-        <pc:spChg chg="mod">
-          <ac:chgData name="seungkyun park" userId="f1574e86df6b37cf" providerId="LiveId" clId="{7CCF9389-FC57-442E-8C8F-013ED0D606B0}" dt="2024-12-13T14:02:16.100" v="26"/>
-          <ac:spMkLst>
-            <pc:docMk/>
-            <pc:sldMk cId="1723837309" sldId="281"/>
-            <ac:spMk id="59" creationId="{B70FC1CF-9AF7-F862-3000-E2C12C8AB2A5}"/>
-          </ac:spMkLst>
-        </pc:spChg>
-        <pc:spChg chg="mod">
-          <ac:chgData name="seungkyun park" userId="f1574e86df6b37cf" providerId="LiveId" clId="{7CCF9389-FC57-442E-8C8F-013ED0D606B0}" dt="2024-12-13T14:02:16.100" v="26"/>
-          <ac:spMkLst>
-            <pc:docMk/>
-            <pc:sldMk cId="1723837309" sldId="281"/>
-            <ac:spMk id="60" creationId="{AB35D74C-63A7-ACCE-8098-0F062A9E5C29}"/>
-          </ac:spMkLst>
-        </pc:spChg>
-        <pc:spChg chg="mod">
-          <ac:chgData name="seungkyun park" userId="f1574e86df6b37cf" providerId="LiveId" clId="{7CCF9389-FC57-442E-8C8F-013ED0D606B0}" dt="2024-12-13T14:02:16.100" v="26"/>
-          <ac:spMkLst>
-            <pc:docMk/>
-            <pc:sldMk cId="1723837309" sldId="281"/>
-            <ac:spMk id="61" creationId="{D8C5A763-7CBC-90C0-C23D-2E896D8831E5}"/>
-          </ac:spMkLst>
-        </pc:spChg>
-        <pc:spChg chg="mod">
-          <ac:chgData name="seungkyun park" userId="f1574e86df6b37cf" providerId="LiveId" clId="{7CCF9389-FC57-442E-8C8F-013ED0D606B0}" dt="2024-12-13T14:02:16.100" v="26"/>
-          <ac:spMkLst>
-            <pc:docMk/>
-            <pc:sldMk cId="1723837309" sldId="281"/>
-            <ac:spMk id="62" creationId="{3653D00B-B18D-85E3-5A27-63341B2A0FCA}"/>
-          </ac:spMkLst>
-        </pc:spChg>
-        <pc:spChg chg="mod">
-          <ac:chgData name="seungkyun park" userId="f1574e86df6b37cf" providerId="LiveId" clId="{7CCF9389-FC57-442E-8C8F-013ED0D606B0}" dt="2024-12-13T14:02:16.100" v="26"/>
-          <ac:spMkLst>
-            <pc:docMk/>
-            <pc:sldMk cId="1723837309" sldId="281"/>
-            <ac:spMk id="63" creationId="{3CD07085-0864-4752-C154-4686C0B82097}"/>
-          </ac:spMkLst>
-        </pc:spChg>
-        <pc:spChg chg="mod">
-          <ac:chgData name="seungkyun park" userId="f1574e86df6b37cf" providerId="LiveId" clId="{7CCF9389-FC57-442E-8C8F-013ED0D606B0}" dt="2024-12-13T14:02:16.100" v="26"/>
-          <ac:spMkLst>
-            <pc:docMk/>
-            <pc:sldMk cId="1723837309" sldId="281"/>
-            <ac:spMk id="67" creationId="{3BC9BBFA-4012-662F-4129-678ED46EAB66}"/>
-          </ac:spMkLst>
-        </pc:spChg>
-        <pc:spChg chg="mod">
-          <ac:chgData name="seungkyun park" userId="f1574e86df6b37cf" providerId="LiveId" clId="{7CCF9389-FC57-442E-8C8F-013ED0D606B0}" dt="2024-12-13T14:02:16.100" v="26"/>
-          <ac:spMkLst>
-            <pc:docMk/>
-            <pc:sldMk cId="1723837309" sldId="281"/>
-            <ac:spMk id="69" creationId="{B37251FE-F0DC-30F6-A112-A05E408E3868}"/>
-          </ac:spMkLst>
-        </pc:spChg>
-        <pc:spChg chg="mod">
-          <ac:chgData name="seungkyun park" userId="f1574e86df6b37cf" providerId="LiveId" clId="{7CCF9389-FC57-442E-8C8F-013ED0D606B0}" dt="2024-12-13T14:02:16.100" v="26"/>
-          <ac:spMkLst>
-            <pc:docMk/>
-            <pc:sldMk cId="1723837309" sldId="281"/>
-            <ac:spMk id="79" creationId="{DF08DDCC-90D7-F6BC-DFC5-10E22E206529}"/>
-          </ac:spMkLst>
-        </pc:spChg>
-        <pc:spChg chg="mod">
-          <ac:chgData name="seungkyun park" userId="f1574e86df6b37cf" providerId="LiveId" clId="{7CCF9389-FC57-442E-8C8F-013ED0D606B0}" dt="2024-12-13T14:02:16.100" v="26"/>
-          <ac:spMkLst>
-            <pc:docMk/>
-            <pc:sldMk cId="1723837309" sldId="281"/>
-            <ac:spMk id="80" creationId="{7D49AFBB-3BBD-D1E9-E752-E6F31ED0F008}"/>
-          </ac:spMkLst>
-        </pc:spChg>
-        <pc:spChg chg="mod">
-          <ac:chgData name="seungkyun park" userId="f1574e86df6b37cf" providerId="LiveId" clId="{7CCF9389-FC57-442E-8C8F-013ED0D606B0}" dt="2024-12-13T14:02:16.100" v="26"/>
-          <ac:spMkLst>
-            <pc:docMk/>
-            <pc:sldMk cId="1723837309" sldId="281"/>
-            <ac:spMk id="81" creationId="{85D85BA3-04D5-ED40-1B9E-196115A8FBDF}"/>
-          </ac:spMkLst>
-        </pc:spChg>
-        <pc:spChg chg="mod">
-          <ac:chgData name="seungkyun park" userId="f1574e86df6b37cf" providerId="LiveId" clId="{7CCF9389-FC57-442E-8C8F-013ED0D606B0}" dt="2024-12-13T14:02:16.100" v="26"/>
-          <ac:spMkLst>
-            <pc:docMk/>
-            <pc:sldMk cId="1723837309" sldId="281"/>
-            <ac:spMk id="83" creationId="{943DC407-FC19-5D26-0006-BA77AE220128}"/>
-          </ac:spMkLst>
-        </pc:spChg>
-        <pc:spChg chg="mod">
-          <ac:chgData name="seungkyun park" userId="f1574e86df6b37cf" providerId="LiveId" clId="{7CCF9389-FC57-442E-8C8F-013ED0D606B0}" dt="2024-12-13T14:02:16.100" v="26"/>
-          <ac:spMkLst>
-            <pc:docMk/>
-            <pc:sldMk cId="1723837309" sldId="281"/>
-            <ac:spMk id="84" creationId="{02A84FB5-58A9-D988-3F66-8E34416C0610}"/>
-          </ac:spMkLst>
-        </pc:spChg>
-        <pc:spChg chg="mod">
-          <ac:chgData name="seungkyun park" userId="f1574e86df6b37cf" providerId="LiveId" clId="{7CCF9389-FC57-442E-8C8F-013ED0D606B0}" dt="2024-12-13T14:02:16.100" v="26"/>
-          <ac:spMkLst>
-            <pc:docMk/>
-            <pc:sldMk cId="1723837309" sldId="281"/>
-            <ac:spMk id="85" creationId="{D3C57054-DDCF-545E-8E47-0A410B73545D}"/>
-          </ac:spMkLst>
-        </pc:spChg>
-        <pc:spChg chg="mod">
-          <ac:chgData name="seungkyun park" userId="f1574e86df6b37cf" providerId="LiveId" clId="{7CCF9389-FC57-442E-8C8F-013ED0D606B0}" dt="2024-12-13T14:02:16.100" v="26"/>
-          <ac:spMkLst>
-            <pc:docMk/>
-            <pc:sldMk cId="1723837309" sldId="281"/>
-            <ac:spMk id="87" creationId="{958495C9-5553-4215-391F-1990852D2F78}"/>
-          </ac:spMkLst>
-        </pc:spChg>
-        <pc:spChg chg="mod">
-          <ac:chgData name="seungkyun park" userId="f1574e86df6b37cf" providerId="LiveId" clId="{7CCF9389-FC57-442E-8C8F-013ED0D606B0}" dt="2024-12-13T14:02:16.100" v="26"/>
-          <ac:spMkLst>
-            <pc:docMk/>
-            <pc:sldMk cId="1723837309" sldId="281"/>
-            <ac:spMk id="90" creationId="{4CADD815-EDC9-864C-183B-B69A61DE032D}"/>
-          </ac:spMkLst>
-        </pc:spChg>
-        <pc:spChg chg="mod">
-          <ac:chgData name="seungkyun park" userId="f1574e86df6b37cf" providerId="LiveId" clId="{7CCF9389-FC57-442E-8C8F-013ED0D606B0}" dt="2024-12-13T14:02:16.100" v="26"/>
-          <ac:spMkLst>
-            <pc:docMk/>
-            <pc:sldMk cId="1723837309" sldId="281"/>
-            <ac:spMk id="91" creationId="{A8DCAE5C-A6B5-EBE0-CB0B-ADD331C8E558}"/>
-          </ac:spMkLst>
-        </pc:spChg>
-        <pc:spChg chg="mod">
-          <ac:chgData name="seungkyun park" userId="f1574e86df6b37cf" providerId="LiveId" clId="{7CCF9389-FC57-442E-8C8F-013ED0D606B0}" dt="2024-12-13T14:02:16.100" v="26"/>
-          <ac:spMkLst>
-            <pc:docMk/>
-            <pc:sldMk cId="1723837309" sldId="281"/>
-            <ac:spMk id="92" creationId="{370FB5FE-F30B-FD61-9659-CAC99ACCA35E}"/>
-          </ac:spMkLst>
-        </pc:spChg>
-        <pc:spChg chg="mod">
-          <ac:chgData name="seungkyun park" userId="f1574e86df6b37cf" providerId="LiveId" clId="{7CCF9389-FC57-442E-8C8F-013ED0D606B0}" dt="2024-12-13T14:02:16.100" v="26"/>
-          <ac:spMkLst>
-            <pc:docMk/>
-            <pc:sldMk cId="1723837309" sldId="281"/>
-            <ac:spMk id="93" creationId="{01ED2258-2837-0605-D4BD-DE300E315C44}"/>
-          </ac:spMkLst>
-        </pc:spChg>
-        <pc:spChg chg="mod">
-          <ac:chgData name="seungkyun park" userId="f1574e86df6b37cf" providerId="LiveId" clId="{7CCF9389-FC57-442E-8C8F-013ED0D606B0}" dt="2024-12-13T14:02:16.100" v="26"/>
-          <ac:spMkLst>
-            <pc:docMk/>
-            <pc:sldMk cId="1723837309" sldId="281"/>
-            <ac:spMk id="94" creationId="{6D973CDE-72DD-4B04-C461-FAA782D3249A}"/>
-          </ac:spMkLst>
-        </pc:spChg>
       </pc:sldChg>
       <pc:sldChg chg="del">
         <pc:chgData name="seungkyun park" userId="f1574e86df6b37cf" providerId="LiveId" clId="{7CCF9389-FC57-442E-8C8F-013ED0D606B0}" dt="2024-12-11T16:53:52.756" v="17" actId="47"/>
@@ -1198,6 +719,597 @@
           <pc:docMk/>
           <pc:sldMk cId="2574761150" sldId="281"/>
         </pc:sldMkLst>
+      </pc:sldChg>
+      <pc:sldChg chg="addSp delSp modSp add mod">
+        <pc:chgData name="seungkyun park" userId="f1574e86df6b37cf" providerId="LiveId" clId="{7CCF9389-FC57-442E-8C8F-013ED0D606B0}" dt="2024-12-15T14:26:04.919" v="934"/>
+        <pc:sldMkLst>
+          <pc:docMk/>
+          <pc:sldMk cId="3377727067" sldId="281"/>
+        </pc:sldMkLst>
+        <pc:spChg chg="add mod">
+          <ac:chgData name="seungkyun park" userId="f1574e86df6b37cf" providerId="LiveId" clId="{7CCF9389-FC57-442E-8C8F-013ED0D606B0}" dt="2024-12-15T13:40:24.430" v="488" actId="14100"/>
+          <ac:spMkLst>
+            <pc:docMk/>
+            <pc:sldMk cId="3377727067" sldId="281"/>
+            <ac:spMk id="5" creationId="{9591C613-1ABB-E01E-D114-98A8918DEC35}"/>
+          </ac:spMkLst>
+        </pc:spChg>
+        <pc:spChg chg="add del">
+          <ac:chgData name="seungkyun park" userId="f1574e86df6b37cf" providerId="LiveId" clId="{7CCF9389-FC57-442E-8C8F-013ED0D606B0}" dt="2024-12-15T13:29:23.790" v="376" actId="478"/>
+          <ac:spMkLst>
+            <pc:docMk/>
+            <pc:sldMk cId="3377727067" sldId="281"/>
+            <ac:spMk id="8" creationId="{6A10F452-0A74-AA5B-33EF-207B012894BC}"/>
+          </ac:spMkLst>
+        </pc:spChg>
+        <pc:spChg chg="add mod">
+          <ac:chgData name="seungkyun park" userId="f1574e86df6b37cf" providerId="LiveId" clId="{7CCF9389-FC57-442E-8C8F-013ED0D606B0}" dt="2024-12-15T14:09:01.174" v="747" actId="14100"/>
+          <ac:spMkLst>
+            <pc:docMk/>
+            <pc:sldMk cId="3377727067" sldId="281"/>
+            <ac:spMk id="9" creationId="{06A07F58-889F-8825-389D-ECC4BBC227A0}"/>
+          </ac:spMkLst>
+        </pc:spChg>
+        <pc:spChg chg="add del">
+          <ac:chgData name="seungkyun park" userId="f1574e86df6b37cf" providerId="LiveId" clId="{7CCF9389-FC57-442E-8C8F-013ED0D606B0}" dt="2024-12-15T13:29:23.790" v="376" actId="478"/>
+          <ac:spMkLst>
+            <pc:docMk/>
+            <pc:sldMk cId="3377727067" sldId="281"/>
+            <ac:spMk id="10" creationId="{4670B29A-A38B-D481-51C1-1733904DCD16}"/>
+          </ac:spMkLst>
+        </pc:spChg>
+        <pc:spChg chg="mod">
+          <ac:chgData name="seungkyun park" userId="f1574e86df6b37cf" providerId="LiveId" clId="{7CCF9389-FC57-442E-8C8F-013ED0D606B0}" dt="2024-12-15T13:52:41.970" v="648" actId="1036"/>
+          <ac:spMkLst>
+            <pc:docMk/>
+            <pc:sldMk cId="3377727067" sldId="281"/>
+            <ac:spMk id="11" creationId="{1B589482-A493-93E1-9DE4-853505E0DA7E}"/>
+          </ac:spMkLst>
+        </pc:spChg>
+        <pc:spChg chg="del mod">
+          <ac:chgData name="seungkyun park" userId="f1574e86df6b37cf" providerId="LiveId" clId="{7CCF9389-FC57-442E-8C8F-013ED0D606B0}" dt="2024-12-15T13:37:51.516" v="453" actId="478"/>
+          <ac:spMkLst>
+            <pc:docMk/>
+            <pc:sldMk cId="3377727067" sldId="281"/>
+            <ac:spMk id="12" creationId="{A89CB89F-22EC-AB2C-E9C7-9D3DEB7B7AEC}"/>
+          </ac:spMkLst>
+        </pc:spChg>
+        <pc:spChg chg="del mod">
+          <ac:chgData name="seungkyun park" userId="f1574e86df6b37cf" providerId="LiveId" clId="{7CCF9389-FC57-442E-8C8F-013ED0D606B0}" dt="2024-12-15T13:37:51.516" v="453" actId="478"/>
+          <ac:spMkLst>
+            <pc:docMk/>
+            <pc:sldMk cId="3377727067" sldId="281"/>
+            <ac:spMk id="13" creationId="{E366E2DB-AA1C-7365-F99B-F26BA8BD2161}"/>
+          </ac:spMkLst>
+        </pc:spChg>
+        <pc:spChg chg="del mod">
+          <ac:chgData name="seungkyun park" userId="f1574e86df6b37cf" providerId="LiveId" clId="{7CCF9389-FC57-442E-8C8F-013ED0D606B0}" dt="2024-12-15T13:37:51.516" v="453" actId="478"/>
+          <ac:spMkLst>
+            <pc:docMk/>
+            <pc:sldMk cId="3377727067" sldId="281"/>
+            <ac:spMk id="14" creationId="{FB39896F-0BF5-0754-C922-4FBE7CB325AE}"/>
+          </ac:spMkLst>
+        </pc:spChg>
+        <pc:spChg chg="del mod">
+          <ac:chgData name="seungkyun park" userId="f1574e86df6b37cf" providerId="LiveId" clId="{7CCF9389-FC57-442E-8C8F-013ED0D606B0}" dt="2024-12-15T13:37:51.516" v="453" actId="478"/>
+          <ac:spMkLst>
+            <pc:docMk/>
+            <pc:sldMk cId="3377727067" sldId="281"/>
+            <ac:spMk id="15" creationId="{75343EAB-5173-B75C-F2DC-304BF7AF091A}"/>
+          </ac:spMkLst>
+        </pc:spChg>
+        <pc:spChg chg="add del">
+          <ac:chgData name="seungkyun park" userId="f1574e86df6b37cf" providerId="LiveId" clId="{7CCF9389-FC57-442E-8C8F-013ED0D606B0}" dt="2024-12-15T13:29:23.790" v="376" actId="478"/>
+          <ac:spMkLst>
+            <pc:docMk/>
+            <pc:sldMk cId="3377727067" sldId="281"/>
+            <ac:spMk id="16" creationId="{817FFF4D-AB3D-F133-A362-E4F5FAC0180A}"/>
+          </ac:spMkLst>
+        </pc:spChg>
+        <pc:spChg chg="add del">
+          <ac:chgData name="seungkyun park" userId="f1574e86df6b37cf" providerId="LiveId" clId="{7CCF9389-FC57-442E-8C8F-013ED0D606B0}" dt="2024-12-15T13:29:23.790" v="376" actId="478"/>
+          <ac:spMkLst>
+            <pc:docMk/>
+            <pc:sldMk cId="3377727067" sldId="281"/>
+            <ac:spMk id="17" creationId="{ACB37743-F079-D498-A6F7-40E92CF9D0C8}"/>
+          </ac:spMkLst>
+        </pc:spChg>
+        <pc:spChg chg="add del">
+          <ac:chgData name="seungkyun park" userId="f1574e86df6b37cf" providerId="LiveId" clId="{7CCF9389-FC57-442E-8C8F-013ED0D606B0}" dt="2024-12-15T13:29:23.790" v="376" actId="478"/>
+          <ac:spMkLst>
+            <pc:docMk/>
+            <pc:sldMk cId="3377727067" sldId="281"/>
+            <ac:spMk id="18" creationId="{AE4C0A92-D24E-3A27-2CA0-ECEA37620D2B}"/>
+          </ac:spMkLst>
+        </pc:spChg>
+        <pc:spChg chg="del mod">
+          <ac:chgData name="seungkyun park" userId="f1574e86df6b37cf" providerId="LiveId" clId="{7CCF9389-FC57-442E-8C8F-013ED0D606B0}" dt="2024-12-15T13:37:51.516" v="453" actId="478"/>
+          <ac:spMkLst>
+            <pc:docMk/>
+            <pc:sldMk cId="3377727067" sldId="281"/>
+            <ac:spMk id="19" creationId="{FE19E3B2-4C3B-4728-7A13-390A0CC5C26B}"/>
+          </ac:spMkLst>
+        </pc:spChg>
+        <pc:spChg chg="add del">
+          <ac:chgData name="seungkyun park" userId="f1574e86df6b37cf" providerId="LiveId" clId="{7CCF9389-FC57-442E-8C8F-013ED0D606B0}" dt="2024-12-15T13:29:23.790" v="376" actId="478"/>
+          <ac:spMkLst>
+            <pc:docMk/>
+            <pc:sldMk cId="3377727067" sldId="281"/>
+            <ac:spMk id="20" creationId="{F27C3A18-8C25-E0B0-89C6-98D251706810}"/>
+          </ac:spMkLst>
+        </pc:spChg>
+        <pc:spChg chg="add del">
+          <ac:chgData name="seungkyun park" userId="f1574e86df6b37cf" providerId="LiveId" clId="{7CCF9389-FC57-442E-8C8F-013ED0D606B0}" dt="2024-12-15T13:29:23.790" v="376" actId="478"/>
+          <ac:spMkLst>
+            <pc:docMk/>
+            <pc:sldMk cId="3377727067" sldId="281"/>
+            <ac:spMk id="21" creationId="{194B82F3-1217-7CA1-F646-4BA4BDC4326E}"/>
+          </ac:spMkLst>
+        </pc:spChg>
+        <pc:spChg chg="add del">
+          <ac:chgData name="seungkyun park" userId="f1574e86df6b37cf" providerId="LiveId" clId="{7CCF9389-FC57-442E-8C8F-013ED0D606B0}" dt="2024-12-15T13:21:59.367" v="264" actId="478"/>
+          <ac:spMkLst>
+            <pc:docMk/>
+            <pc:sldMk cId="3377727067" sldId="281"/>
+            <ac:spMk id="22" creationId="{8648270C-AF5D-FFF3-2C62-680905FF4F3E}"/>
+          </ac:spMkLst>
+        </pc:spChg>
+        <pc:spChg chg="add del">
+          <ac:chgData name="seungkyun park" userId="f1574e86df6b37cf" providerId="LiveId" clId="{7CCF9389-FC57-442E-8C8F-013ED0D606B0}" dt="2024-12-15T13:29:23.790" v="376" actId="478"/>
+          <ac:spMkLst>
+            <pc:docMk/>
+            <pc:sldMk cId="3377727067" sldId="281"/>
+            <ac:spMk id="23" creationId="{2DD6024B-5950-24FC-ABB1-027F23E90E6B}"/>
+          </ac:spMkLst>
+        </pc:spChg>
+        <pc:spChg chg="add mod">
+          <ac:chgData name="seungkyun park" userId="f1574e86df6b37cf" providerId="LiveId" clId="{7CCF9389-FC57-442E-8C8F-013ED0D606B0}" dt="2024-12-15T14:09:02.603" v="748" actId="1035"/>
+          <ac:spMkLst>
+            <pc:docMk/>
+            <pc:sldMk cId="3377727067" sldId="281"/>
+            <ac:spMk id="24" creationId="{EFC03C75-6535-81B1-6249-36EA302F3BD8}"/>
+          </ac:spMkLst>
+        </pc:spChg>
+        <pc:spChg chg="add del">
+          <ac:chgData name="seungkyun park" userId="f1574e86df6b37cf" providerId="LiveId" clId="{7CCF9389-FC57-442E-8C8F-013ED0D606B0}" dt="2024-12-15T13:21:59.367" v="264" actId="478"/>
+          <ac:spMkLst>
+            <pc:docMk/>
+            <pc:sldMk cId="3377727067" sldId="281"/>
+            <ac:spMk id="25" creationId="{E3A06A33-9A07-1E8F-20DC-DA2B51113606}"/>
+          </ac:spMkLst>
+        </pc:spChg>
+        <pc:spChg chg="add del">
+          <ac:chgData name="seungkyun park" userId="f1574e86df6b37cf" providerId="LiveId" clId="{7CCF9389-FC57-442E-8C8F-013ED0D606B0}" dt="2024-12-15T13:21:59.367" v="264" actId="478"/>
+          <ac:spMkLst>
+            <pc:docMk/>
+            <pc:sldMk cId="3377727067" sldId="281"/>
+            <ac:spMk id="26" creationId="{BE1AC8D1-193F-1D46-46AA-1DFCD37C0533}"/>
+          </ac:spMkLst>
+        </pc:spChg>
+        <pc:spChg chg="add del">
+          <ac:chgData name="seungkyun park" userId="f1574e86df6b37cf" providerId="LiveId" clId="{7CCF9389-FC57-442E-8C8F-013ED0D606B0}" dt="2024-12-15T13:21:59.367" v="264" actId="478"/>
+          <ac:spMkLst>
+            <pc:docMk/>
+            <pc:sldMk cId="3377727067" sldId="281"/>
+            <ac:spMk id="27" creationId="{033B8F2F-C6E7-4C55-2DFA-A6CDAE923F7B}"/>
+          </ac:spMkLst>
+        </pc:spChg>
+        <pc:spChg chg="add del">
+          <ac:chgData name="seungkyun park" userId="f1574e86df6b37cf" providerId="LiveId" clId="{7CCF9389-FC57-442E-8C8F-013ED0D606B0}" dt="2024-12-15T13:21:59.367" v="264" actId="478"/>
+          <ac:spMkLst>
+            <pc:docMk/>
+            <pc:sldMk cId="3377727067" sldId="281"/>
+            <ac:spMk id="28" creationId="{C239FDDD-7F49-B0C1-ACE1-49C8EB0DEDB8}"/>
+          </ac:spMkLst>
+        </pc:spChg>
+        <pc:spChg chg="add mod">
+          <ac:chgData name="seungkyun park" userId="f1574e86df6b37cf" providerId="LiveId" clId="{7CCF9389-FC57-442E-8C8F-013ED0D606B0}" dt="2024-12-15T14:09:03.819" v="750" actId="1035"/>
+          <ac:spMkLst>
+            <pc:docMk/>
+            <pc:sldMk cId="3377727067" sldId="281"/>
+            <ac:spMk id="29" creationId="{772C92AA-4AE6-E77A-0843-CEC935EE1B2A}"/>
+          </ac:spMkLst>
+        </pc:spChg>
+        <pc:spChg chg="add del">
+          <ac:chgData name="seungkyun park" userId="f1574e86df6b37cf" providerId="LiveId" clId="{7CCF9389-FC57-442E-8C8F-013ED0D606B0}" dt="2024-12-15T13:29:23.790" v="376" actId="478"/>
+          <ac:spMkLst>
+            <pc:docMk/>
+            <pc:sldMk cId="3377727067" sldId="281"/>
+            <ac:spMk id="30" creationId="{C0160DC9-AF2D-55E4-1A87-7E6CCB6C78D6}"/>
+          </ac:spMkLst>
+        </pc:spChg>
+        <pc:spChg chg="add del">
+          <ac:chgData name="seungkyun park" userId="f1574e86df6b37cf" providerId="LiveId" clId="{7CCF9389-FC57-442E-8C8F-013ED0D606B0}" dt="2024-12-15T13:29:23.790" v="376" actId="478"/>
+          <ac:spMkLst>
+            <pc:docMk/>
+            <pc:sldMk cId="3377727067" sldId="281"/>
+            <ac:spMk id="31" creationId="{52EBA7FF-1656-DDDD-19C3-22B4ECD8EFFA}"/>
+          </ac:spMkLst>
+        </pc:spChg>
+        <pc:spChg chg="add mod">
+          <ac:chgData name="seungkyun park" userId="f1574e86df6b37cf" providerId="LiveId" clId="{7CCF9389-FC57-442E-8C8F-013ED0D606B0}" dt="2024-12-15T13:52:41.970" v="648" actId="1036"/>
+          <ac:spMkLst>
+            <pc:docMk/>
+            <pc:sldMk cId="3377727067" sldId="281"/>
+            <ac:spMk id="32" creationId="{0E6D1CBC-8F51-7E18-BECC-72DE39FA6725}"/>
+          </ac:spMkLst>
+        </pc:spChg>
+        <pc:spChg chg="add mod">
+          <ac:chgData name="seungkyun park" userId="f1574e86df6b37cf" providerId="LiveId" clId="{7CCF9389-FC57-442E-8C8F-013ED0D606B0}" dt="2024-12-15T13:53:06.581" v="661" actId="20577"/>
+          <ac:spMkLst>
+            <pc:docMk/>
+            <pc:sldMk cId="3377727067" sldId="281"/>
+            <ac:spMk id="33" creationId="{C246FF22-4EDD-7876-CF92-B3DE80691544}"/>
+          </ac:spMkLst>
+        </pc:spChg>
+        <pc:spChg chg="add mod">
+          <ac:chgData name="seungkyun park" userId="f1574e86df6b37cf" providerId="LiveId" clId="{7CCF9389-FC57-442E-8C8F-013ED0D606B0}" dt="2024-12-15T14:09:06.306" v="752" actId="1035"/>
+          <ac:spMkLst>
+            <pc:docMk/>
+            <pc:sldMk cId="3377727067" sldId="281"/>
+            <ac:spMk id="34" creationId="{1485CC3B-E283-538C-270F-AF31649FD14F}"/>
+          </ac:spMkLst>
+        </pc:spChg>
+        <pc:spChg chg="add mod">
+          <ac:chgData name="seungkyun park" userId="f1574e86df6b37cf" providerId="LiveId" clId="{7CCF9389-FC57-442E-8C8F-013ED0D606B0}" dt="2024-12-15T14:09:10.522" v="762" actId="1036"/>
+          <ac:spMkLst>
+            <pc:docMk/>
+            <pc:sldMk cId="3377727067" sldId="281"/>
+            <ac:spMk id="35" creationId="{23CE7577-1349-FCA4-F1B5-2F3F99FD8CC7}"/>
+          </ac:spMkLst>
+        </pc:spChg>
+        <pc:spChg chg="add del">
+          <ac:chgData name="seungkyun park" userId="f1574e86df6b37cf" providerId="LiveId" clId="{7CCF9389-FC57-442E-8C8F-013ED0D606B0}" dt="2024-12-15T13:29:23.790" v="376" actId="478"/>
+          <ac:spMkLst>
+            <pc:docMk/>
+            <pc:sldMk cId="3377727067" sldId="281"/>
+            <ac:spMk id="36" creationId="{5F3D9E26-5911-42D6-E6FF-CDFAB0A0CFD1}"/>
+          </ac:spMkLst>
+        </pc:spChg>
+        <pc:spChg chg="add del">
+          <ac:chgData name="seungkyun park" userId="f1574e86df6b37cf" providerId="LiveId" clId="{7CCF9389-FC57-442E-8C8F-013ED0D606B0}" dt="2024-12-15T13:29:23.790" v="376" actId="478"/>
+          <ac:spMkLst>
+            <pc:docMk/>
+            <pc:sldMk cId="3377727067" sldId="281"/>
+            <ac:spMk id="37" creationId="{087A5208-293A-B2D9-F618-0699290C747D}"/>
+          </ac:spMkLst>
+        </pc:spChg>
+        <pc:spChg chg="add del">
+          <ac:chgData name="seungkyun park" userId="f1574e86df6b37cf" providerId="LiveId" clId="{7CCF9389-FC57-442E-8C8F-013ED0D606B0}" dt="2024-12-15T13:29:23.790" v="376" actId="478"/>
+          <ac:spMkLst>
+            <pc:docMk/>
+            <pc:sldMk cId="3377727067" sldId="281"/>
+            <ac:spMk id="38" creationId="{902D8CA8-42C5-E6EC-21D7-1BDC1DA88E5A}"/>
+          </ac:spMkLst>
+        </pc:spChg>
+        <pc:spChg chg="add del">
+          <ac:chgData name="seungkyun park" userId="f1574e86df6b37cf" providerId="LiveId" clId="{7CCF9389-FC57-442E-8C8F-013ED0D606B0}" dt="2024-12-15T13:29:23.790" v="376" actId="478"/>
+          <ac:spMkLst>
+            <pc:docMk/>
+            <pc:sldMk cId="3377727067" sldId="281"/>
+            <ac:spMk id="39" creationId="{C8E0DFDD-931F-9597-7217-3907C7C83D1D}"/>
+          </ac:spMkLst>
+        </pc:spChg>
+        <pc:spChg chg="add del">
+          <ac:chgData name="seungkyun park" userId="f1574e86df6b37cf" providerId="LiveId" clId="{7CCF9389-FC57-442E-8C8F-013ED0D606B0}" dt="2024-12-15T13:29:23.790" v="376" actId="478"/>
+          <ac:spMkLst>
+            <pc:docMk/>
+            <pc:sldMk cId="3377727067" sldId="281"/>
+            <ac:spMk id="40" creationId="{E5F9ACE4-AA14-B931-105F-D9E96AEBD8C1}"/>
+          </ac:spMkLst>
+        </pc:spChg>
+        <pc:spChg chg="add mod">
+          <ac:chgData name="seungkyun park" userId="f1574e86df6b37cf" providerId="LiveId" clId="{7CCF9389-FC57-442E-8C8F-013ED0D606B0}" dt="2024-12-15T14:26:04.919" v="934"/>
+          <ac:spMkLst>
+            <pc:docMk/>
+            <pc:sldMk cId="3377727067" sldId="281"/>
+            <ac:spMk id="41" creationId="{3A31B2B8-7E63-4379-0A5E-B7B2626D14D7}"/>
+          </ac:spMkLst>
+        </pc:spChg>
+        <pc:spChg chg="add del">
+          <ac:chgData name="seungkyun park" userId="f1574e86df6b37cf" providerId="LiveId" clId="{7CCF9389-FC57-442E-8C8F-013ED0D606B0}" dt="2024-12-15T13:29:23.790" v="376" actId="478"/>
+          <ac:spMkLst>
+            <pc:docMk/>
+            <pc:sldMk cId="3377727067" sldId="281"/>
+            <ac:spMk id="42" creationId="{77F983E7-F353-1BEF-BC4E-989BC26B309C}"/>
+          </ac:spMkLst>
+        </pc:spChg>
+        <pc:spChg chg="add del">
+          <ac:chgData name="seungkyun park" userId="f1574e86df6b37cf" providerId="LiveId" clId="{7CCF9389-FC57-442E-8C8F-013ED0D606B0}" dt="2024-12-15T13:29:23.790" v="376" actId="478"/>
+          <ac:spMkLst>
+            <pc:docMk/>
+            <pc:sldMk cId="3377727067" sldId="281"/>
+            <ac:spMk id="43" creationId="{D80C312F-4CBE-658B-F0EF-3469818B0A43}"/>
+          </ac:spMkLst>
+        </pc:spChg>
+        <pc:spChg chg="add del">
+          <ac:chgData name="seungkyun park" userId="f1574e86df6b37cf" providerId="LiveId" clId="{7CCF9389-FC57-442E-8C8F-013ED0D606B0}" dt="2024-12-15T13:29:23.790" v="376" actId="478"/>
+          <ac:spMkLst>
+            <pc:docMk/>
+            <pc:sldMk cId="3377727067" sldId="281"/>
+            <ac:spMk id="45" creationId="{DA10CED8-782F-D106-8977-9CE278226A87}"/>
+          </ac:spMkLst>
+        </pc:spChg>
+        <pc:spChg chg="add del">
+          <ac:chgData name="seungkyun park" userId="f1574e86df6b37cf" providerId="LiveId" clId="{7CCF9389-FC57-442E-8C8F-013ED0D606B0}" dt="2024-12-15T13:29:23.790" v="376" actId="478"/>
+          <ac:spMkLst>
+            <pc:docMk/>
+            <pc:sldMk cId="3377727067" sldId="281"/>
+            <ac:spMk id="46" creationId="{55C209F9-065E-C98A-E53B-EA46185641F2}"/>
+          </ac:spMkLst>
+        </pc:spChg>
+        <pc:spChg chg="add del">
+          <ac:chgData name="seungkyun park" userId="f1574e86df6b37cf" providerId="LiveId" clId="{7CCF9389-FC57-442E-8C8F-013ED0D606B0}" dt="2024-12-15T13:29:23.790" v="376" actId="478"/>
+          <ac:spMkLst>
+            <pc:docMk/>
+            <pc:sldMk cId="3377727067" sldId="281"/>
+            <ac:spMk id="47" creationId="{057AB4DC-14CA-FB19-794E-5ED9936016D0}"/>
+          </ac:spMkLst>
+        </pc:spChg>
+        <pc:spChg chg="add del">
+          <ac:chgData name="seungkyun park" userId="f1574e86df6b37cf" providerId="LiveId" clId="{7CCF9389-FC57-442E-8C8F-013ED0D606B0}" dt="2024-12-15T13:29:23.790" v="376" actId="478"/>
+          <ac:spMkLst>
+            <pc:docMk/>
+            <pc:sldMk cId="3377727067" sldId="281"/>
+            <ac:spMk id="48" creationId="{5122B5FF-3FB5-BD2A-A097-ED958DD78F56}"/>
+          </ac:spMkLst>
+        </pc:spChg>
+        <pc:spChg chg="add del">
+          <ac:chgData name="seungkyun park" userId="f1574e86df6b37cf" providerId="LiveId" clId="{7CCF9389-FC57-442E-8C8F-013ED0D606B0}" dt="2024-12-15T13:29:23.790" v="376" actId="478"/>
+          <ac:spMkLst>
+            <pc:docMk/>
+            <pc:sldMk cId="3377727067" sldId="281"/>
+            <ac:spMk id="49" creationId="{22F11521-BCB5-E778-84A9-A76DAD882E68}"/>
+          </ac:spMkLst>
+        </pc:spChg>
+        <pc:spChg chg="add del">
+          <ac:chgData name="seungkyun park" userId="f1574e86df6b37cf" providerId="LiveId" clId="{7CCF9389-FC57-442E-8C8F-013ED0D606B0}" dt="2024-12-15T13:29:23.790" v="376" actId="478"/>
+          <ac:spMkLst>
+            <pc:docMk/>
+            <pc:sldMk cId="3377727067" sldId="281"/>
+            <ac:spMk id="50" creationId="{B89D2213-C360-A0B1-C5CA-49C760A5CFFA}"/>
+          </ac:spMkLst>
+        </pc:spChg>
+        <pc:spChg chg="add del">
+          <ac:chgData name="seungkyun park" userId="f1574e86df6b37cf" providerId="LiveId" clId="{7CCF9389-FC57-442E-8C8F-013ED0D606B0}" dt="2024-12-15T13:29:23.790" v="376" actId="478"/>
+          <ac:spMkLst>
+            <pc:docMk/>
+            <pc:sldMk cId="3377727067" sldId="281"/>
+            <ac:spMk id="51" creationId="{5CE361C8-BFA9-D3B5-B942-6F7A9CEDE93C}"/>
+          </ac:spMkLst>
+        </pc:spChg>
+        <pc:spChg chg="add del">
+          <ac:chgData name="seungkyun park" userId="f1574e86df6b37cf" providerId="LiveId" clId="{7CCF9389-FC57-442E-8C8F-013ED0D606B0}" dt="2024-12-15T13:29:23.790" v="376" actId="478"/>
+          <ac:spMkLst>
+            <pc:docMk/>
+            <pc:sldMk cId="3377727067" sldId="281"/>
+            <ac:spMk id="52" creationId="{20FD700F-FDFB-0142-403D-001D6CBCB286}"/>
+          </ac:spMkLst>
+        </pc:spChg>
+        <pc:spChg chg="add del">
+          <ac:chgData name="seungkyun park" userId="f1574e86df6b37cf" providerId="LiveId" clId="{7CCF9389-FC57-442E-8C8F-013ED0D606B0}" dt="2024-12-15T13:29:23.790" v="376" actId="478"/>
+          <ac:spMkLst>
+            <pc:docMk/>
+            <pc:sldMk cId="3377727067" sldId="281"/>
+            <ac:spMk id="53" creationId="{57A7B79E-B0C3-F655-79C9-039B4EFC71F2}"/>
+          </ac:spMkLst>
+        </pc:spChg>
+        <pc:spChg chg="add del">
+          <ac:chgData name="seungkyun park" userId="f1574e86df6b37cf" providerId="LiveId" clId="{7CCF9389-FC57-442E-8C8F-013ED0D606B0}" dt="2024-12-15T13:29:23.790" v="376" actId="478"/>
+          <ac:spMkLst>
+            <pc:docMk/>
+            <pc:sldMk cId="3377727067" sldId="281"/>
+            <ac:spMk id="54" creationId="{35AADAA5-E864-7091-6FBB-FEAAB0970F75}"/>
+          </ac:spMkLst>
+        </pc:spChg>
+        <pc:spChg chg="add del">
+          <ac:chgData name="seungkyun park" userId="f1574e86df6b37cf" providerId="LiveId" clId="{7CCF9389-FC57-442E-8C8F-013ED0D606B0}" dt="2024-12-15T13:29:23.790" v="376" actId="478"/>
+          <ac:spMkLst>
+            <pc:docMk/>
+            <pc:sldMk cId="3377727067" sldId="281"/>
+            <ac:spMk id="55" creationId="{805B412E-CDA5-7993-33B6-6D623D0A25C4}"/>
+          </ac:spMkLst>
+        </pc:spChg>
+        <pc:spChg chg="add del">
+          <ac:chgData name="seungkyun park" userId="f1574e86df6b37cf" providerId="LiveId" clId="{7CCF9389-FC57-442E-8C8F-013ED0D606B0}" dt="2024-12-15T13:29:23.790" v="376" actId="478"/>
+          <ac:spMkLst>
+            <pc:docMk/>
+            <pc:sldMk cId="3377727067" sldId="281"/>
+            <ac:spMk id="56" creationId="{7C63E631-D58F-6D01-1761-633E2CF0357D}"/>
+          </ac:spMkLst>
+        </pc:spChg>
+        <pc:spChg chg="add del">
+          <ac:chgData name="seungkyun park" userId="f1574e86df6b37cf" providerId="LiveId" clId="{7CCF9389-FC57-442E-8C8F-013ED0D606B0}" dt="2024-12-15T13:29:23.790" v="376" actId="478"/>
+          <ac:spMkLst>
+            <pc:docMk/>
+            <pc:sldMk cId="3377727067" sldId="281"/>
+            <ac:spMk id="57" creationId="{6EB9830E-0321-DC7E-2BEE-D2D687778234}"/>
+          </ac:spMkLst>
+        </pc:spChg>
+        <pc:spChg chg="add del">
+          <ac:chgData name="seungkyun park" userId="f1574e86df6b37cf" providerId="LiveId" clId="{7CCF9389-FC57-442E-8C8F-013ED0D606B0}" dt="2024-12-15T13:29:23.790" v="376" actId="478"/>
+          <ac:spMkLst>
+            <pc:docMk/>
+            <pc:sldMk cId="3377727067" sldId="281"/>
+            <ac:spMk id="58" creationId="{E1DE5937-6F21-6AD7-55A0-B215A0334BE1}"/>
+          </ac:spMkLst>
+        </pc:spChg>
+        <pc:spChg chg="add del">
+          <ac:chgData name="seungkyun park" userId="f1574e86df6b37cf" providerId="LiveId" clId="{7CCF9389-FC57-442E-8C8F-013ED0D606B0}" dt="2024-12-15T13:29:23.790" v="376" actId="478"/>
+          <ac:spMkLst>
+            <pc:docMk/>
+            <pc:sldMk cId="3377727067" sldId="281"/>
+            <ac:spMk id="59" creationId="{F84208C5-E491-9739-017B-C1657AECC0AB}"/>
+          </ac:spMkLst>
+        </pc:spChg>
+        <pc:spChg chg="add del">
+          <ac:chgData name="seungkyun park" userId="f1574e86df6b37cf" providerId="LiveId" clId="{7CCF9389-FC57-442E-8C8F-013ED0D606B0}" dt="2024-12-15T13:29:23.790" v="376" actId="478"/>
+          <ac:spMkLst>
+            <pc:docMk/>
+            <pc:sldMk cId="3377727067" sldId="281"/>
+            <ac:spMk id="60" creationId="{E17BABC0-AD8F-427A-739D-DEBF64C23C40}"/>
+          </ac:spMkLst>
+        </pc:spChg>
+        <pc:spChg chg="add del">
+          <ac:chgData name="seungkyun park" userId="f1574e86df6b37cf" providerId="LiveId" clId="{7CCF9389-FC57-442E-8C8F-013ED0D606B0}" dt="2024-12-15T13:29:23.790" v="376" actId="478"/>
+          <ac:spMkLst>
+            <pc:docMk/>
+            <pc:sldMk cId="3377727067" sldId="281"/>
+            <ac:spMk id="61" creationId="{446F51FB-45DA-0351-B4C1-4B4B6D60BC42}"/>
+          </ac:spMkLst>
+        </pc:spChg>
+        <pc:spChg chg="add del">
+          <ac:chgData name="seungkyun park" userId="f1574e86df6b37cf" providerId="LiveId" clId="{7CCF9389-FC57-442E-8C8F-013ED0D606B0}" dt="2024-12-15T13:29:23.790" v="376" actId="478"/>
+          <ac:spMkLst>
+            <pc:docMk/>
+            <pc:sldMk cId="3377727067" sldId="281"/>
+            <ac:spMk id="62" creationId="{AFDF1A5C-3FD2-D4DD-54F7-76B9DEC2EF85}"/>
+          </ac:spMkLst>
+        </pc:spChg>
+        <pc:spChg chg="add del">
+          <ac:chgData name="seungkyun park" userId="f1574e86df6b37cf" providerId="LiveId" clId="{7CCF9389-FC57-442E-8C8F-013ED0D606B0}" dt="2024-12-15T13:29:23.790" v="376" actId="478"/>
+          <ac:spMkLst>
+            <pc:docMk/>
+            <pc:sldMk cId="3377727067" sldId="281"/>
+            <ac:spMk id="63" creationId="{E332DB9B-3DAE-721F-D14D-F09E7B9B5E84}"/>
+          </ac:spMkLst>
+        </pc:spChg>
+        <pc:spChg chg="add del">
+          <ac:chgData name="seungkyun park" userId="f1574e86df6b37cf" providerId="LiveId" clId="{7CCF9389-FC57-442E-8C8F-013ED0D606B0}" dt="2024-12-15T13:29:23.790" v="376" actId="478"/>
+          <ac:spMkLst>
+            <pc:docMk/>
+            <pc:sldMk cId="3377727067" sldId="281"/>
+            <ac:spMk id="67" creationId="{B40CD3CB-99BC-E462-3BE0-269028322CF8}"/>
+          </ac:spMkLst>
+        </pc:spChg>
+        <pc:spChg chg="add del">
+          <ac:chgData name="seungkyun park" userId="f1574e86df6b37cf" providerId="LiveId" clId="{7CCF9389-FC57-442E-8C8F-013ED0D606B0}" dt="2024-12-15T13:29:23.790" v="376" actId="478"/>
+          <ac:spMkLst>
+            <pc:docMk/>
+            <pc:sldMk cId="3377727067" sldId="281"/>
+            <ac:spMk id="69" creationId="{00E67241-4624-4305-C1AC-C50AE8B55AC9}"/>
+          </ac:spMkLst>
+        </pc:spChg>
+        <pc:spChg chg="add del">
+          <ac:chgData name="seungkyun park" userId="f1574e86df6b37cf" providerId="LiveId" clId="{7CCF9389-FC57-442E-8C8F-013ED0D606B0}" dt="2024-12-15T13:29:23.790" v="376" actId="478"/>
+          <ac:spMkLst>
+            <pc:docMk/>
+            <pc:sldMk cId="3377727067" sldId="281"/>
+            <ac:spMk id="79" creationId="{ABD77993-9C3E-8BF0-D6E8-83998EF8FE15}"/>
+          </ac:spMkLst>
+        </pc:spChg>
+        <pc:spChg chg="add del">
+          <ac:chgData name="seungkyun park" userId="f1574e86df6b37cf" providerId="LiveId" clId="{7CCF9389-FC57-442E-8C8F-013ED0D606B0}" dt="2024-12-15T13:29:23.790" v="376" actId="478"/>
+          <ac:spMkLst>
+            <pc:docMk/>
+            <pc:sldMk cId="3377727067" sldId="281"/>
+            <ac:spMk id="80" creationId="{8962BFA5-B362-60C7-4E28-61EB21DFB675}"/>
+          </ac:spMkLst>
+        </pc:spChg>
+        <pc:spChg chg="add del">
+          <ac:chgData name="seungkyun park" userId="f1574e86df6b37cf" providerId="LiveId" clId="{7CCF9389-FC57-442E-8C8F-013ED0D606B0}" dt="2024-12-15T13:29:23.790" v="376" actId="478"/>
+          <ac:spMkLst>
+            <pc:docMk/>
+            <pc:sldMk cId="3377727067" sldId="281"/>
+            <ac:spMk id="81" creationId="{4760DFFB-F4CB-2667-E1BC-7F7E00AB9E03}"/>
+          </ac:spMkLst>
+        </pc:spChg>
+        <pc:spChg chg="add del">
+          <ac:chgData name="seungkyun park" userId="f1574e86df6b37cf" providerId="LiveId" clId="{7CCF9389-FC57-442E-8C8F-013ED0D606B0}" dt="2024-12-15T13:29:23.790" v="376" actId="478"/>
+          <ac:spMkLst>
+            <pc:docMk/>
+            <pc:sldMk cId="3377727067" sldId="281"/>
+            <ac:spMk id="83" creationId="{C6D149CE-2427-45A8-B476-E09DE949C6CB}"/>
+          </ac:spMkLst>
+        </pc:spChg>
+        <pc:spChg chg="add del">
+          <ac:chgData name="seungkyun park" userId="f1574e86df6b37cf" providerId="LiveId" clId="{7CCF9389-FC57-442E-8C8F-013ED0D606B0}" dt="2024-12-15T13:29:23.790" v="376" actId="478"/>
+          <ac:spMkLst>
+            <pc:docMk/>
+            <pc:sldMk cId="3377727067" sldId="281"/>
+            <ac:spMk id="84" creationId="{1D4FA4F0-001A-C22D-0AB3-95ABE81AAFEB}"/>
+          </ac:spMkLst>
+        </pc:spChg>
+        <pc:spChg chg="add del">
+          <ac:chgData name="seungkyun park" userId="f1574e86df6b37cf" providerId="LiveId" clId="{7CCF9389-FC57-442E-8C8F-013ED0D606B0}" dt="2024-12-15T13:29:23.790" v="376" actId="478"/>
+          <ac:spMkLst>
+            <pc:docMk/>
+            <pc:sldMk cId="3377727067" sldId="281"/>
+            <ac:spMk id="85" creationId="{742FF32F-1076-E749-1E12-22AACEA79CFD}"/>
+          </ac:spMkLst>
+        </pc:spChg>
+        <pc:spChg chg="add del">
+          <ac:chgData name="seungkyun park" userId="f1574e86df6b37cf" providerId="LiveId" clId="{7CCF9389-FC57-442E-8C8F-013ED0D606B0}" dt="2024-12-15T13:29:23.790" v="376" actId="478"/>
+          <ac:spMkLst>
+            <pc:docMk/>
+            <pc:sldMk cId="3377727067" sldId="281"/>
+            <ac:spMk id="87" creationId="{728CF6BB-DC95-3812-27AF-D40204437E41}"/>
+          </ac:spMkLst>
+        </pc:spChg>
+        <pc:spChg chg="add del">
+          <ac:chgData name="seungkyun park" userId="f1574e86df6b37cf" providerId="LiveId" clId="{7CCF9389-FC57-442E-8C8F-013ED0D606B0}" dt="2024-12-15T13:29:23.790" v="376" actId="478"/>
+          <ac:spMkLst>
+            <pc:docMk/>
+            <pc:sldMk cId="3377727067" sldId="281"/>
+            <ac:spMk id="90" creationId="{298938B9-925B-80DA-4E8B-2F71C6BD416D}"/>
+          </ac:spMkLst>
+        </pc:spChg>
+        <pc:spChg chg="add del">
+          <ac:chgData name="seungkyun park" userId="f1574e86df6b37cf" providerId="LiveId" clId="{7CCF9389-FC57-442E-8C8F-013ED0D606B0}" dt="2024-12-15T13:29:23.790" v="376" actId="478"/>
+          <ac:spMkLst>
+            <pc:docMk/>
+            <pc:sldMk cId="3377727067" sldId="281"/>
+            <ac:spMk id="91" creationId="{A444FEDC-AFA6-B617-FD7F-EF48A6FA686D}"/>
+          </ac:spMkLst>
+        </pc:spChg>
+        <pc:spChg chg="add del">
+          <ac:chgData name="seungkyun park" userId="f1574e86df6b37cf" providerId="LiveId" clId="{7CCF9389-FC57-442E-8C8F-013ED0D606B0}" dt="2024-12-15T13:29:23.790" v="376" actId="478"/>
+          <ac:spMkLst>
+            <pc:docMk/>
+            <pc:sldMk cId="3377727067" sldId="281"/>
+            <ac:spMk id="92" creationId="{2F3B5ED7-AF50-C091-8115-1F76C5F73400}"/>
+          </ac:spMkLst>
+        </pc:spChg>
+        <pc:spChg chg="add del">
+          <ac:chgData name="seungkyun park" userId="f1574e86df6b37cf" providerId="LiveId" clId="{7CCF9389-FC57-442E-8C8F-013ED0D606B0}" dt="2024-12-15T13:29:23.790" v="376" actId="478"/>
+          <ac:spMkLst>
+            <pc:docMk/>
+            <pc:sldMk cId="3377727067" sldId="281"/>
+            <ac:spMk id="93" creationId="{7EDB930F-21D0-07AE-460F-FCA66A8E1A00}"/>
+          </ac:spMkLst>
+        </pc:spChg>
+        <pc:spChg chg="add del">
+          <ac:chgData name="seungkyun park" userId="f1574e86df6b37cf" providerId="LiveId" clId="{7CCF9389-FC57-442E-8C8F-013ED0D606B0}" dt="2024-12-15T13:29:23.790" v="376" actId="478"/>
+          <ac:spMkLst>
+            <pc:docMk/>
+            <pc:sldMk cId="3377727067" sldId="281"/>
+            <ac:spMk id="94" creationId="{4F600A06-FF3D-2868-3483-2DC26F85D128}"/>
+          </ac:spMkLst>
+        </pc:spChg>
+        <pc:picChg chg="add mod">
+          <ac:chgData name="seungkyun park" userId="f1574e86df6b37cf" providerId="LiveId" clId="{7CCF9389-FC57-442E-8C8F-013ED0D606B0}" dt="2024-12-15T13:44:06.186" v="494" actId="1076"/>
+          <ac:picMkLst>
+            <pc:docMk/>
+            <pc:sldMk cId="3377727067" sldId="281"/>
+            <ac:picMk id="3" creationId="{5BA9A80F-47E7-9F9C-FD1A-BAA42873C648}"/>
+          </ac:picMkLst>
+        </pc:picChg>
+        <pc:picChg chg="add mod">
+          <ac:chgData name="seungkyun park" userId="f1574e86df6b37cf" providerId="LiveId" clId="{7CCF9389-FC57-442E-8C8F-013ED0D606B0}" dt="2024-12-15T13:44:06.186" v="494" actId="1076"/>
+          <ac:picMkLst>
+            <pc:docMk/>
+            <pc:sldMk cId="3377727067" sldId="281"/>
+            <ac:picMk id="7" creationId="{D4EB59FA-BE44-37FD-BCEA-9812C10ABAF7}"/>
+          </ac:picMkLst>
+        </pc:picChg>
+        <pc:picChg chg="add mod">
+          <ac:chgData name="seungkyun park" userId="f1574e86df6b37cf" providerId="LiveId" clId="{7CCF9389-FC57-442E-8C8F-013ED0D606B0}" dt="2024-12-15T14:20:52.469" v="811" actId="14100"/>
+          <ac:picMkLst>
+            <pc:docMk/>
+            <pc:sldMk cId="3377727067" sldId="281"/>
+            <ac:picMk id="64" creationId="{E76E8A22-DF52-1EDB-5703-A92A003ECDF1}"/>
+          </ac:picMkLst>
+        </pc:picChg>
       </pc:sldChg>
       <pc:sldChg chg="del">
         <pc:chgData name="seungkyun park" userId="f1574e86df6b37cf" providerId="LiveId" clId="{7CCF9389-FC57-442E-8C8F-013ED0D606B0}" dt="2024-12-11T16:53:52.756" v="17" actId="47"/>
@@ -1219,46 +1331,6 @@
           <pc:docMk/>
           <pc:sldMasterMk cId="1164409469" sldId="2147483660"/>
         </pc:sldMasterMkLst>
-        <pc:spChg chg="mod">
-          <ac:chgData name="seungkyun park" userId="f1574e86df6b37cf" providerId="LiveId" clId="{7CCF9389-FC57-442E-8C8F-013ED0D606B0}" dt="2024-12-13T14:02:16.100" v="26"/>
-          <ac:spMkLst>
-            <pc:docMk/>
-            <pc:sldMasterMk cId="1164409469" sldId="2147483660"/>
-            <ac:spMk id="2" creationId="{00000000-0000-0000-0000-000000000000}"/>
-          </ac:spMkLst>
-        </pc:spChg>
-        <pc:spChg chg="mod">
-          <ac:chgData name="seungkyun park" userId="f1574e86df6b37cf" providerId="LiveId" clId="{7CCF9389-FC57-442E-8C8F-013ED0D606B0}" dt="2024-12-13T14:02:16.100" v="26"/>
-          <ac:spMkLst>
-            <pc:docMk/>
-            <pc:sldMasterMk cId="1164409469" sldId="2147483660"/>
-            <ac:spMk id="3" creationId="{00000000-0000-0000-0000-000000000000}"/>
-          </ac:spMkLst>
-        </pc:spChg>
-        <pc:spChg chg="mod">
-          <ac:chgData name="seungkyun park" userId="f1574e86df6b37cf" providerId="LiveId" clId="{7CCF9389-FC57-442E-8C8F-013ED0D606B0}" dt="2024-12-13T14:02:16.100" v="26"/>
-          <ac:spMkLst>
-            <pc:docMk/>
-            <pc:sldMasterMk cId="1164409469" sldId="2147483660"/>
-            <ac:spMk id="4" creationId="{00000000-0000-0000-0000-000000000000}"/>
-          </ac:spMkLst>
-        </pc:spChg>
-        <pc:spChg chg="mod">
-          <ac:chgData name="seungkyun park" userId="f1574e86df6b37cf" providerId="LiveId" clId="{7CCF9389-FC57-442E-8C8F-013ED0D606B0}" dt="2024-12-13T14:02:16.100" v="26"/>
-          <ac:spMkLst>
-            <pc:docMk/>
-            <pc:sldMasterMk cId="1164409469" sldId="2147483660"/>
-            <ac:spMk id="5" creationId="{00000000-0000-0000-0000-000000000000}"/>
-          </ac:spMkLst>
-        </pc:spChg>
-        <pc:spChg chg="mod">
-          <ac:chgData name="seungkyun park" userId="f1574e86df6b37cf" providerId="LiveId" clId="{7CCF9389-FC57-442E-8C8F-013ED0D606B0}" dt="2024-12-13T14:02:16.100" v="26"/>
-          <ac:spMkLst>
-            <pc:docMk/>
-            <pc:sldMasterMk cId="1164409469" sldId="2147483660"/>
-            <ac:spMk id="6" creationId="{00000000-0000-0000-0000-000000000000}"/>
-          </ac:spMkLst>
-        </pc:spChg>
         <pc:sldLayoutChg chg="modSp">
           <pc:chgData name="seungkyun park" userId="f1574e86df6b37cf" providerId="LiveId" clId="{7CCF9389-FC57-442E-8C8F-013ED0D606B0}" dt="2024-12-13T14:02:16.100" v="26"/>
           <pc:sldLayoutMkLst>
@@ -1266,24 +1338,6 @@
             <pc:sldMasterMk cId="1164409469" sldId="2147483660"/>
             <pc:sldLayoutMk cId="3099226172" sldId="2147483661"/>
           </pc:sldLayoutMkLst>
-          <pc:spChg chg="mod">
-            <ac:chgData name="seungkyun park" userId="f1574e86df6b37cf" providerId="LiveId" clId="{7CCF9389-FC57-442E-8C8F-013ED0D606B0}" dt="2024-12-13T14:02:16.100" v="26"/>
-            <ac:spMkLst>
-              <pc:docMk/>
-              <pc:sldMasterMk cId="1164409469" sldId="2147483660"/>
-              <pc:sldLayoutMk cId="3099226172" sldId="2147483661"/>
-              <ac:spMk id="2" creationId="{00000000-0000-0000-0000-000000000000}"/>
-            </ac:spMkLst>
-          </pc:spChg>
-          <pc:spChg chg="mod">
-            <ac:chgData name="seungkyun park" userId="f1574e86df6b37cf" providerId="LiveId" clId="{7CCF9389-FC57-442E-8C8F-013ED0D606B0}" dt="2024-12-13T14:02:16.100" v="26"/>
-            <ac:spMkLst>
-              <pc:docMk/>
-              <pc:sldMasterMk cId="1164409469" sldId="2147483660"/>
-              <pc:sldLayoutMk cId="3099226172" sldId="2147483661"/>
-              <ac:spMk id="3" creationId="{00000000-0000-0000-0000-000000000000}"/>
-            </ac:spMkLst>
-          </pc:spChg>
         </pc:sldLayoutChg>
         <pc:sldLayoutChg chg="modSp">
           <pc:chgData name="seungkyun park" userId="f1574e86df6b37cf" providerId="LiveId" clId="{7CCF9389-FC57-442E-8C8F-013ED0D606B0}" dt="2024-12-13T14:02:16.100" v="26"/>
@@ -1292,24 +1346,6 @@
             <pc:sldMasterMk cId="1164409469" sldId="2147483660"/>
             <pc:sldLayoutMk cId="1440664780" sldId="2147483663"/>
           </pc:sldLayoutMkLst>
-          <pc:spChg chg="mod">
-            <ac:chgData name="seungkyun park" userId="f1574e86df6b37cf" providerId="LiveId" clId="{7CCF9389-FC57-442E-8C8F-013ED0D606B0}" dt="2024-12-13T14:02:16.100" v="26"/>
-            <ac:spMkLst>
-              <pc:docMk/>
-              <pc:sldMasterMk cId="1164409469" sldId="2147483660"/>
-              <pc:sldLayoutMk cId="1440664780" sldId="2147483663"/>
-              <ac:spMk id="2" creationId="{00000000-0000-0000-0000-000000000000}"/>
-            </ac:spMkLst>
-          </pc:spChg>
-          <pc:spChg chg="mod">
-            <ac:chgData name="seungkyun park" userId="f1574e86df6b37cf" providerId="LiveId" clId="{7CCF9389-FC57-442E-8C8F-013ED0D606B0}" dt="2024-12-13T14:02:16.100" v="26"/>
-            <ac:spMkLst>
-              <pc:docMk/>
-              <pc:sldMasterMk cId="1164409469" sldId="2147483660"/>
-              <pc:sldLayoutMk cId="1440664780" sldId="2147483663"/>
-              <ac:spMk id="3" creationId="{00000000-0000-0000-0000-000000000000}"/>
-            </ac:spMkLst>
-          </pc:spChg>
         </pc:sldLayoutChg>
         <pc:sldLayoutChg chg="modSp">
           <pc:chgData name="seungkyun park" userId="f1574e86df6b37cf" providerId="LiveId" clId="{7CCF9389-FC57-442E-8C8F-013ED0D606B0}" dt="2024-12-13T14:02:16.100" v="26"/>
@@ -1318,24 +1354,6 @@
             <pc:sldMasterMk cId="1164409469" sldId="2147483660"/>
             <pc:sldLayoutMk cId="3198770134" sldId="2147483664"/>
           </pc:sldLayoutMkLst>
-          <pc:spChg chg="mod">
-            <ac:chgData name="seungkyun park" userId="f1574e86df6b37cf" providerId="LiveId" clId="{7CCF9389-FC57-442E-8C8F-013ED0D606B0}" dt="2024-12-13T14:02:16.100" v="26"/>
-            <ac:spMkLst>
-              <pc:docMk/>
-              <pc:sldMasterMk cId="1164409469" sldId="2147483660"/>
-              <pc:sldLayoutMk cId="3198770134" sldId="2147483664"/>
-              <ac:spMk id="3" creationId="{00000000-0000-0000-0000-000000000000}"/>
-            </ac:spMkLst>
-          </pc:spChg>
-          <pc:spChg chg="mod">
-            <ac:chgData name="seungkyun park" userId="f1574e86df6b37cf" providerId="LiveId" clId="{7CCF9389-FC57-442E-8C8F-013ED0D606B0}" dt="2024-12-13T14:02:16.100" v="26"/>
-            <ac:spMkLst>
-              <pc:docMk/>
-              <pc:sldMasterMk cId="1164409469" sldId="2147483660"/>
-              <pc:sldLayoutMk cId="3198770134" sldId="2147483664"/>
-              <ac:spMk id="4" creationId="{00000000-0000-0000-0000-000000000000}"/>
-            </ac:spMkLst>
-          </pc:spChg>
         </pc:sldLayoutChg>
         <pc:sldLayoutChg chg="modSp">
           <pc:chgData name="seungkyun park" userId="f1574e86df6b37cf" providerId="LiveId" clId="{7CCF9389-FC57-442E-8C8F-013ED0D606B0}" dt="2024-12-13T14:02:16.100" v="26"/>
@@ -1344,51 +1362,6 @@
             <pc:sldMasterMk cId="1164409469" sldId="2147483660"/>
             <pc:sldLayoutMk cId="1022480562" sldId="2147483665"/>
           </pc:sldLayoutMkLst>
-          <pc:spChg chg="mod">
-            <ac:chgData name="seungkyun park" userId="f1574e86df6b37cf" providerId="LiveId" clId="{7CCF9389-FC57-442E-8C8F-013ED0D606B0}" dt="2024-12-13T14:02:16.100" v="26"/>
-            <ac:spMkLst>
-              <pc:docMk/>
-              <pc:sldMasterMk cId="1164409469" sldId="2147483660"/>
-              <pc:sldLayoutMk cId="1022480562" sldId="2147483665"/>
-              <ac:spMk id="2" creationId="{00000000-0000-0000-0000-000000000000}"/>
-            </ac:spMkLst>
-          </pc:spChg>
-          <pc:spChg chg="mod">
-            <ac:chgData name="seungkyun park" userId="f1574e86df6b37cf" providerId="LiveId" clId="{7CCF9389-FC57-442E-8C8F-013ED0D606B0}" dt="2024-12-13T14:02:16.100" v="26"/>
-            <ac:spMkLst>
-              <pc:docMk/>
-              <pc:sldMasterMk cId="1164409469" sldId="2147483660"/>
-              <pc:sldLayoutMk cId="1022480562" sldId="2147483665"/>
-              <ac:spMk id="3" creationId="{00000000-0000-0000-0000-000000000000}"/>
-            </ac:spMkLst>
-          </pc:spChg>
-          <pc:spChg chg="mod">
-            <ac:chgData name="seungkyun park" userId="f1574e86df6b37cf" providerId="LiveId" clId="{7CCF9389-FC57-442E-8C8F-013ED0D606B0}" dt="2024-12-13T14:02:16.100" v="26"/>
-            <ac:spMkLst>
-              <pc:docMk/>
-              <pc:sldMasterMk cId="1164409469" sldId="2147483660"/>
-              <pc:sldLayoutMk cId="1022480562" sldId="2147483665"/>
-              <ac:spMk id="4" creationId="{00000000-0000-0000-0000-000000000000}"/>
-            </ac:spMkLst>
-          </pc:spChg>
-          <pc:spChg chg="mod">
-            <ac:chgData name="seungkyun park" userId="f1574e86df6b37cf" providerId="LiveId" clId="{7CCF9389-FC57-442E-8C8F-013ED0D606B0}" dt="2024-12-13T14:02:16.100" v="26"/>
-            <ac:spMkLst>
-              <pc:docMk/>
-              <pc:sldMasterMk cId="1164409469" sldId="2147483660"/>
-              <pc:sldLayoutMk cId="1022480562" sldId="2147483665"/>
-              <ac:spMk id="5" creationId="{00000000-0000-0000-0000-000000000000}"/>
-            </ac:spMkLst>
-          </pc:spChg>
-          <pc:spChg chg="mod">
-            <ac:chgData name="seungkyun park" userId="f1574e86df6b37cf" providerId="LiveId" clId="{7CCF9389-FC57-442E-8C8F-013ED0D606B0}" dt="2024-12-13T14:02:16.100" v="26"/>
-            <ac:spMkLst>
-              <pc:docMk/>
-              <pc:sldMasterMk cId="1164409469" sldId="2147483660"/>
-              <pc:sldLayoutMk cId="1022480562" sldId="2147483665"/>
-              <ac:spMk id="6" creationId="{00000000-0000-0000-0000-000000000000}"/>
-            </ac:spMkLst>
-          </pc:spChg>
         </pc:sldLayoutChg>
         <pc:sldLayoutChg chg="modSp">
           <pc:chgData name="seungkyun park" userId="f1574e86df6b37cf" providerId="LiveId" clId="{7CCF9389-FC57-442E-8C8F-013ED0D606B0}" dt="2024-12-13T14:02:16.100" v="26"/>
@@ -1397,33 +1370,6 @@
             <pc:sldMasterMk cId="1164409469" sldId="2147483660"/>
             <pc:sldLayoutMk cId="26329112" sldId="2147483668"/>
           </pc:sldLayoutMkLst>
-          <pc:spChg chg="mod">
-            <ac:chgData name="seungkyun park" userId="f1574e86df6b37cf" providerId="LiveId" clId="{7CCF9389-FC57-442E-8C8F-013ED0D606B0}" dt="2024-12-13T14:02:16.100" v="26"/>
-            <ac:spMkLst>
-              <pc:docMk/>
-              <pc:sldMasterMk cId="1164409469" sldId="2147483660"/>
-              <pc:sldLayoutMk cId="26329112" sldId="2147483668"/>
-              <ac:spMk id="2" creationId="{00000000-0000-0000-0000-000000000000}"/>
-            </ac:spMkLst>
-          </pc:spChg>
-          <pc:spChg chg="mod">
-            <ac:chgData name="seungkyun park" userId="f1574e86df6b37cf" providerId="LiveId" clId="{7CCF9389-FC57-442E-8C8F-013ED0D606B0}" dt="2024-12-13T14:02:16.100" v="26"/>
-            <ac:spMkLst>
-              <pc:docMk/>
-              <pc:sldMasterMk cId="1164409469" sldId="2147483660"/>
-              <pc:sldLayoutMk cId="26329112" sldId="2147483668"/>
-              <ac:spMk id="3" creationId="{00000000-0000-0000-0000-000000000000}"/>
-            </ac:spMkLst>
-          </pc:spChg>
-          <pc:spChg chg="mod">
-            <ac:chgData name="seungkyun park" userId="f1574e86df6b37cf" providerId="LiveId" clId="{7CCF9389-FC57-442E-8C8F-013ED0D606B0}" dt="2024-12-13T14:02:16.100" v="26"/>
-            <ac:spMkLst>
-              <pc:docMk/>
-              <pc:sldMasterMk cId="1164409469" sldId="2147483660"/>
-              <pc:sldLayoutMk cId="26329112" sldId="2147483668"/>
-              <ac:spMk id="4" creationId="{00000000-0000-0000-0000-000000000000}"/>
-            </ac:spMkLst>
-          </pc:spChg>
         </pc:sldLayoutChg>
         <pc:sldLayoutChg chg="modSp">
           <pc:chgData name="seungkyun park" userId="f1574e86df6b37cf" providerId="LiveId" clId="{7CCF9389-FC57-442E-8C8F-013ED0D606B0}" dt="2024-12-13T14:02:16.100" v="26"/>
@@ -1432,33 +1378,6 @@
             <pc:sldMasterMk cId="1164409469" sldId="2147483660"/>
             <pc:sldLayoutMk cId="1090547929" sldId="2147483669"/>
           </pc:sldLayoutMkLst>
-          <pc:spChg chg="mod">
-            <ac:chgData name="seungkyun park" userId="f1574e86df6b37cf" providerId="LiveId" clId="{7CCF9389-FC57-442E-8C8F-013ED0D606B0}" dt="2024-12-13T14:02:16.100" v="26"/>
-            <ac:spMkLst>
-              <pc:docMk/>
-              <pc:sldMasterMk cId="1164409469" sldId="2147483660"/>
-              <pc:sldLayoutMk cId="1090547929" sldId="2147483669"/>
-              <ac:spMk id="2" creationId="{00000000-0000-0000-0000-000000000000}"/>
-            </ac:spMkLst>
-          </pc:spChg>
-          <pc:spChg chg="mod">
-            <ac:chgData name="seungkyun park" userId="f1574e86df6b37cf" providerId="LiveId" clId="{7CCF9389-FC57-442E-8C8F-013ED0D606B0}" dt="2024-12-13T14:02:16.100" v="26"/>
-            <ac:spMkLst>
-              <pc:docMk/>
-              <pc:sldMasterMk cId="1164409469" sldId="2147483660"/>
-              <pc:sldLayoutMk cId="1090547929" sldId="2147483669"/>
-              <ac:spMk id="3" creationId="{00000000-0000-0000-0000-000000000000}"/>
-            </ac:spMkLst>
-          </pc:spChg>
-          <pc:spChg chg="mod">
-            <ac:chgData name="seungkyun park" userId="f1574e86df6b37cf" providerId="LiveId" clId="{7CCF9389-FC57-442E-8C8F-013ED0D606B0}" dt="2024-12-13T14:02:16.100" v="26"/>
-            <ac:spMkLst>
-              <pc:docMk/>
-              <pc:sldMasterMk cId="1164409469" sldId="2147483660"/>
-              <pc:sldLayoutMk cId="1090547929" sldId="2147483669"/>
-              <ac:spMk id="4" creationId="{00000000-0000-0000-0000-000000000000}"/>
-            </ac:spMkLst>
-          </pc:spChg>
         </pc:sldLayoutChg>
         <pc:sldLayoutChg chg="modSp">
           <pc:chgData name="seungkyun park" userId="f1574e86df6b37cf" providerId="LiveId" clId="{7CCF9389-FC57-442E-8C8F-013ED0D606B0}" dt="2024-12-13T14:02:16.100" v="26"/>
@@ -1467,24 +1386,6 @@
             <pc:sldMasterMk cId="1164409469" sldId="2147483660"/>
             <pc:sldLayoutMk cId="4086337804" sldId="2147483671"/>
           </pc:sldLayoutMkLst>
-          <pc:spChg chg="mod">
-            <ac:chgData name="seungkyun park" userId="f1574e86df6b37cf" providerId="LiveId" clId="{7CCF9389-FC57-442E-8C8F-013ED0D606B0}" dt="2024-12-13T14:02:16.100" v="26"/>
-            <ac:spMkLst>
-              <pc:docMk/>
-              <pc:sldMasterMk cId="1164409469" sldId="2147483660"/>
-              <pc:sldLayoutMk cId="4086337804" sldId="2147483671"/>
-              <ac:spMk id="2" creationId="{00000000-0000-0000-0000-000000000000}"/>
-            </ac:spMkLst>
-          </pc:spChg>
-          <pc:spChg chg="mod">
-            <ac:chgData name="seungkyun park" userId="f1574e86df6b37cf" providerId="LiveId" clId="{7CCF9389-FC57-442E-8C8F-013ED0D606B0}" dt="2024-12-13T14:02:16.100" v="26"/>
-            <ac:spMkLst>
-              <pc:docMk/>
-              <pc:sldMasterMk cId="1164409469" sldId="2147483660"/>
-              <pc:sldLayoutMk cId="4086337804" sldId="2147483671"/>
-              <ac:spMk id="3" creationId="{00000000-0000-0000-0000-000000000000}"/>
-            </ac:spMkLst>
-          </pc:spChg>
         </pc:sldLayoutChg>
       </pc:sldMasterChg>
       <pc:sldMasterChg chg="del delSldLayout">
@@ -1596,46 +1497,6 @@
           <pc:docMk/>
           <pc:sldMasterMk cId="3734028872" sldId="2147483685"/>
         </pc:sldMasterMkLst>
-        <pc:spChg chg="mod">
-          <ac:chgData name="seungkyun park" userId="f1574e86df6b37cf" providerId="LiveId" clId="{7CCF9389-FC57-442E-8C8F-013ED0D606B0}" dt="2024-12-13T14:02:16.100" v="26"/>
-          <ac:spMkLst>
-            <pc:docMk/>
-            <pc:sldMasterMk cId="3734028872" sldId="2147483685"/>
-            <ac:spMk id="2" creationId="{00000000-0000-0000-0000-000000000000}"/>
-          </ac:spMkLst>
-        </pc:spChg>
-        <pc:spChg chg="mod">
-          <ac:chgData name="seungkyun park" userId="f1574e86df6b37cf" providerId="LiveId" clId="{7CCF9389-FC57-442E-8C8F-013ED0D606B0}" dt="2024-12-13T14:02:16.100" v="26"/>
-          <ac:spMkLst>
-            <pc:docMk/>
-            <pc:sldMasterMk cId="3734028872" sldId="2147483685"/>
-            <ac:spMk id="3" creationId="{00000000-0000-0000-0000-000000000000}"/>
-          </ac:spMkLst>
-        </pc:spChg>
-        <pc:spChg chg="mod">
-          <ac:chgData name="seungkyun park" userId="f1574e86df6b37cf" providerId="LiveId" clId="{7CCF9389-FC57-442E-8C8F-013ED0D606B0}" dt="2024-12-13T14:02:16.100" v="26"/>
-          <ac:spMkLst>
-            <pc:docMk/>
-            <pc:sldMasterMk cId="3734028872" sldId="2147483685"/>
-            <ac:spMk id="4" creationId="{00000000-0000-0000-0000-000000000000}"/>
-          </ac:spMkLst>
-        </pc:spChg>
-        <pc:spChg chg="mod">
-          <ac:chgData name="seungkyun park" userId="f1574e86df6b37cf" providerId="LiveId" clId="{7CCF9389-FC57-442E-8C8F-013ED0D606B0}" dt="2024-12-13T14:02:16.100" v="26"/>
-          <ac:spMkLst>
-            <pc:docMk/>
-            <pc:sldMasterMk cId="3734028872" sldId="2147483685"/>
-            <ac:spMk id="5" creationId="{00000000-0000-0000-0000-000000000000}"/>
-          </ac:spMkLst>
-        </pc:spChg>
-        <pc:spChg chg="mod">
-          <ac:chgData name="seungkyun park" userId="f1574e86df6b37cf" providerId="LiveId" clId="{7CCF9389-FC57-442E-8C8F-013ED0D606B0}" dt="2024-12-13T14:02:16.100" v="26"/>
-          <ac:spMkLst>
-            <pc:docMk/>
-            <pc:sldMasterMk cId="3734028872" sldId="2147483685"/>
-            <ac:spMk id="6" creationId="{00000000-0000-0000-0000-000000000000}"/>
-          </ac:spMkLst>
-        </pc:spChg>
         <pc:sldLayoutChg chg="modSp">
           <pc:chgData name="seungkyun park" userId="f1574e86df6b37cf" providerId="LiveId" clId="{7CCF9389-FC57-442E-8C8F-013ED0D606B0}" dt="2024-12-13T14:02:16.100" v="26"/>
           <pc:sldLayoutMkLst>
@@ -1643,24 +1504,6 @@
             <pc:sldMasterMk cId="3734028872" sldId="2147483685"/>
             <pc:sldLayoutMk cId="3683556651" sldId="2147483686"/>
           </pc:sldLayoutMkLst>
-          <pc:spChg chg="mod">
-            <ac:chgData name="seungkyun park" userId="f1574e86df6b37cf" providerId="LiveId" clId="{7CCF9389-FC57-442E-8C8F-013ED0D606B0}" dt="2024-12-13T14:02:16.100" v="26"/>
-            <ac:spMkLst>
-              <pc:docMk/>
-              <pc:sldMasterMk cId="3734028872" sldId="2147483685"/>
-              <pc:sldLayoutMk cId="3683556651" sldId="2147483686"/>
-              <ac:spMk id="2" creationId="{00000000-0000-0000-0000-000000000000}"/>
-            </ac:spMkLst>
-          </pc:spChg>
-          <pc:spChg chg="mod">
-            <ac:chgData name="seungkyun park" userId="f1574e86df6b37cf" providerId="LiveId" clId="{7CCF9389-FC57-442E-8C8F-013ED0D606B0}" dt="2024-12-13T14:02:16.100" v="26"/>
-            <ac:spMkLst>
-              <pc:docMk/>
-              <pc:sldMasterMk cId="3734028872" sldId="2147483685"/>
-              <pc:sldLayoutMk cId="3683556651" sldId="2147483686"/>
-              <ac:spMk id="3" creationId="{00000000-0000-0000-0000-000000000000}"/>
-            </ac:spMkLst>
-          </pc:spChg>
         </pc:sldLayoutChg>
         <pc:sldLayoutChg chg="modSp">
           <pc:chgData name="seungkyun park" userId="f1574e86df6b37cf" providerId="LiveId" clId="{7CCF9389-FC57-442E-8C8F-013ED0D606B0}" dt="2024-12-13T14:02:16.100" v="26"/>
@@ -1713,24 +1556,6 @@
             <pc:sldMasterMk cId="3734028872" sldId="2147483685"/>
             <pc:sldLayoutMk cId="1605802766" sldId="2147483688"/>
           </pc:sldLayoutMkLst>
-          <pc:spChg chg="mod">
-            <ac:chgData name="seungkyun park" userId="f1574e86df6b37cf" providerId="LiveId" clId="{7CCF9389-FC57-442E-8C8F-013ED0D606B0}" dt="2024-12-13T14:02:16.100" v="26"/>
-            <ac:spMkLst>
-              <pc:docMk/>
-              <pc:sldMasterMk cId="3734028872" sldId="2147483685"/>
-              <pc:sldLayoutMk cId="1605802766" sldId="2147483688"/>
-              <ac:spMk id="2" creationId="{00000000-0000-0000-0000-000000000000}"/>
-            </ac:spMkLst>
-          </pc:spChg>
-          <pc:spChg chg="mod">
-            <ac:chgData name="seungkyun park" userId="f1574e86df6b37cf" providerId="LiveId" clId="{7CCF9389-FC57-442E-8C8F-013ED0D606B0}" dt="2024-12-13T14:02:16.100" v="26"/>
-            <ac:spMkLst>
-              <pc:docMk/>
-              <pc:sldMasterMk cId="3734028872" sldId="2147483685"/>
-              <pc:sldLayoutMk cId="1605802766" sldId="2147483688"/>
-              <ac:spMk id="3" creationId="{00000000-0000-0000-0000-000000000000}"/>
-            </ac:spMkLst>
-          </pc:spChg>
         </pc:sldLayoutChg>
         <pc:sldLayoutChg chg="modSp">
           <pc:chgData name="seungkyun park" userId="f1574e86df6b37cf" providerId="LiveId" clId="{7CCF9389-FC57-442E-8C8F-013ED0D606B0}" dt="2024-12-13T14:02:16.100" v="26"/>
@@ -1739,24 +1564,6 @@
             <pc:sldMasterMk cId="3734028872" sldId="2147483685"/>
             <pc:sldLayoutMk cId="143842270" sldId="2147483689"/>
           </pc:sldLayoutMkLst>
-          <pc:spChg chg="mod">
-            <ac:chgData name="seungkyun park" userId="f1574e86df6b37cf" providerId="LiveId" clId="{7CCF9389-FC57-442E-8C8F-013ED0D606B0}" dt="2024-12-13T14:02:16.100" v="26"/>
-            <ac:spMkLst>
-              <pc:docMk/>
-              <pc:sldMasterMk cId="3734028872" sldId="2147483685"/>
-              <pc:sldLayoutMk cId="143842270" sldId="2147483689"/>
-              <ac:spMk id="3" creationId="{00000000-0000-0000-0000-000000000000}"/>
-            </ac:spMkLst>
-          </pc:spChg>
-          <pc:spChg chg="mod">
-            <ac:chgData name="seungkyun park" userId="f1574e86df6b37cf" providerId="LiveId" clId="{7CCF9389-FC57-442E-8C8F-013ED0D606B0}" dt="2024-12-13T14:02:16.100" v="26"/>
-            <ac:spMkLst>
-              <pc:docMk/>
-              <pc:sldMasterMk cId="3734028872" sldId="2147483685"/>
-              <pc:sldLayoutMk cId="143842270" sldId="2147483689"/>
-              <ac:spMk id="4" creationId="{00000000-0000-0000-0000-000000000000}"/>
-            </ac:spMkLst>
-          </pc:spChg>
         </pc:sldLayoutChg>
         <pc:sldLayoutChg chg="modSp">
           <pc:chgData name="seungkyun park" userId="f1574e86df6b37cf" providerId="LiveId" clId="{7CCF9389-FC57-442E-8C8F-013ED0D606B0}" dt="2024-12-13T14:02:16.100" v="26"/>
@@ -1765,51 +1572,6 @@
             <pc:sldMasterMk cId="3734028872" sldId="2147483685"/>
             <pc:sldLayoutMk cId="899162192" sldId="2147483690"/>
           </pc:sldLayoutMkLst>
-          <pc:spChg chg="mod">
-            <ac:chgData name="seungkyun park" userId="f1574e86df6b37cf" providerId="LiveId" clId="{7CCF9389-FC57-442E-8C8F-013ED0D606B0}" dt="2024-12-13T14:02:16.100" v="26"/>
-            <ac:spMkLst>
-              <pc:docMk/>
-              <pc:sldMasterMk cId="3734028872" sldId="2147483685"/>
-              <pc:sldLayoutMk cId="899162192" sldId="2147483690"/>
-              <ac:spMk id="2" creationId="{00000000-0000-0000-0000-000000000000}"/>
-            </ac:spMkLst>
-          </pc:spChg>
-          <pc:spChg chg="mod">
-            <ac:chgData name="seungkyun park" userId="f1574e86df6b37cf" providerId="LiveId" clId="{7CCF9389-FC57-442E-8C8F-013ED0D606B0}" dt="2024-12-13T14:02:16.100" v="26"/>
-            <ac:spMkLst>
-              <pc:docMk/>
-              <pc:sldMasterMk cId="3734028872" sldId="2147483685"/>
-              <pc:sldLayoutMk cId="899162192" sldId="2147483690"/>
-              <ac:spMk id="3" creationId="{00000000-0000-0000-0000-000000000000}"/>
-            </ac:spMkLst>
-          </pc:spChg>
-          <pc:spChg chg="mod">
-            <ac:chgData name="seungkyun park" userId="f1574e86df6b37cf" providerId="LiveId" clId="{7CCF9389-FC57-442E-8C8F-013ED0D606B0}" dt="2024-12-13T14:02:16.100" v="26"/>
-            <ac:spMkLst>
-              <pc:docMk/>
-              <pc:sldMasterMk cId="3734028872" sldId="2147483685"/>
-              <pc:sldLayoutMk cId="899162192" sldId="2147483690"/>
-              <ac:spMk id="4" creationId="{00000000-0000-0000-0000-000000000000}"/>
-            </ac:spMkLst>
-          </pc:spChg>
-          <pc:spChg chg="mod">
-            <ac:chgData name="seungkyun park" userId="f1574e86df6b37cf" providerId="LiveId" clId="{7CCF9389-FC57-442E-8C8F-013ED0D606B0}" dt="2024-12-13T14:02:16.100" v="26"/>
-            <ac:spMkLst>
-              <pc:docMk/>
-              <pc:sldMasterMk cId="3734028872" sldId="2147483685"/>
-              <pc:sldLayoutMk cId="899162192" sldId="2147483690"/>
-              <ac:spMk id="5" creationId="{00000000-0000-0000-0000-000000000000}"/>
-            </ac:spMkLst>
-          </pc:spChg>
-          <pc:spChg chg="mod">
-            <ac:chgData name="seungkyun park" userId="f1574e86df6b37cf" providerId="LiveId" clId="{7CCF9389-FC57-442E-8C8F-013ED0D606B0}" dt="2024-12-13T14:02:16.100" v="26"/>
-            <ac:spMkLst>
-              <pc:docMk/>
-              <pc:sldMasterMk cId="3734028872" sldId="2147483685"/>
-              <pc:sldLayoutMk cId="899162192" sldId="2147483690"/>
-              <ac:spMk id="6" creationId="{00000000-0000-0000-0000-000000000000}"/>
-            </ac:spMkLst>
-          </pc:spChg>
         </pc:sldLayoutChg>
         <pc:sldLayoutChg chg="modSp">
           <pc:chgData name="seungkyun park" userId="f1574e86df6b37cf" providerId="LiveId" clId="{7CCF9389-FC57-442E-8C8F-013ED0D606B0}" dt="2024-12-13T14:02:16.100" v="26"/>
@@ -1818,33 +1580,6 @@
             <pc:sldMasterMk cId="3734028872" sldId="2147483685"/>
             <pc:sldLayoutMk cId="2338826127" sldId="2147483693"/>
           </pc:sldLayoutMkLst>
-          <pc:spChg chg="mod">
-            <ac:chgData name="seungkyun park" userId="f1574e86df6b37cf" providerId="LiveId" clId="{7CCF9389-FC57-442E-8C8F-013ED0D606B0}" dt="2024-12-13T14:02:16.100" v="26"/>
-            <ac:spMkLst>
-              <pc:docMk/>
-              <pc:sldMasterMk cId="3734028872" sldId="2147483685"/>
-              <pc:sldLayoutMk cId="2338826127" sldId="2147483693"/>
-              <ac:spMk id="2" creationId="{00000000-0000-0000-0000-000000000000}"/>
-            </ac:spMkLst>
-          </pc:spChg>
-          <pc:spChg chg="mod">
-            <ac:chgData name="seungkyun park" userId="f1574e86df6b37cf" providerId="LiveId" clId="{7CCF9389-FC57-442E-8C8F-013ED0D606B0}" dt="2024-12-13T14:02:16.100" v="26"/>
-            <ac:spMkLst>
-              <pc:docMk/>
-              <pc:sldMasterMk cId="3734028872" sldId="2147483685"/>
-              <pc:sldLayoutMk cId="2338826127" sldId="2147483693"/>
-              <ac:spMk id="3" creationId="{00000000-0000-0000-0000-000000000000}"/>
-            </ac:spMkLst>
-          </pc:spChg>
-          <pc:spChg chg="mod">
-            <ac:chgData name="seungkyun park" userId="f1574e86df6b37cf" providerId="LiveId" clId="{7CCF9389-FC57-442E-8C8F-013ED0D606B0}" dt="2024-12-13T14:02:16.100" v="26"/>
-            <ac:spMkLst>
-              <pc:docMk/>
-              <pc:sldMasterMk cId="3734028872" sldId="2147483685"/>
-              <pc:sldLayoutMk cId="2338826127" sldId="2147483693"/>
-              <ac:spMk id="4" creationId="{00000000-0000-0000-0000-000000000000}"/>
-            </ac:spMkLst>
-          </pc:spChg>
         </pc:sldLayoutChg>
         <pc:sldLayoutChg chg="modSp">
           <pc:chgData name="seungkyun park" userId="f1574e86df6b37cf" providerId="LiveId" clId="{7CCF9389-FC57-442E-8C8F-013ED0D606B0}" dt="2024-12-13T14:02:16.100" v="26"/>
@@ -1853,33 +1588,6 @@
             <pc:sldMasterMk cId="3734028872" sldId="2147483685"/>
             <pc:sldLayoutMk cId="2457459909" sldId="2147483694"/>
           </pc:sldLayoutMkLst>
-          <pc:spChg chg="mod">
-            <ac:chgData name="seungkyun park" userId="f1574e86df6b37cf" providerId="LiveId" clId="{7CCF9389-FC57-442E-8C8F-013ED0D606B0}" dt="2024-12-13T14:02:16.100" v="26"/>
-            <ac:spMkLst>
-              <pc:docMk/>
-              <pc:sldMasterMk cId="3734028872" sldId="2147483685"/>
-              <pc:sldLayoutMk cId="2457459909" sldId="2147483694"/>
-              <ac:spMk id="2" creationId="{00000000-0000-0000-0000-000000000000}"/>
-            </ac:spMkLst>
-          </pc:spChg>
-          <pc:spChg chg="mod">
-            <ac:chgData name="seungkyun park" userId="f1574e86df6b37cf" providerId="LiveId" clId="{7CCF9389-FC57-442E-8C8F-013ED0D606B0}" dt="2024-12-13T14:02:16.100" v="26"/>
-            <ac:spMkLst>
-              <pc:docMk/>
-              <pc:sldMasterMk cId="3734028872" sldId="2147483685"/>
-              <pc:sldLayoutMk cId="2457459909" sldId="2147483694"/>
-              <ac:spMk id="3" creationId="{00000000-0000-0000-0000-000000000000}"/>
-            </ac:spMkLst>
-          </pc:spChg>
-          <pc:spChg chg="mod">
-            <ac:chgData name="seungkyun park" userId="f1574e86df6b37cf" providerId="LiveId" clId="{7CCF9389-FC57-442E-8C8F-013ED0D606B0}" dt="2024-12-13T14:02:16.100" v="26"/>
-            <ac:spMkLst>
-              <pc:docMk/>
-              <pc:sldMasterMk cId="3734028872" sldId="2147483685"/>
-              <pc:sldLayoutMk cId="2457459909" sldId="2147483694"/>
-              <ac:spMk id="4" creationId="{00000000-0000-0000-0000-000000000000}"/>
-            </ac:spMkLst>
-          </pc:spChg>
         </pc:sldLayoutChg>
         <pc:sldLayoutChg chg="modSp">
           <pc:chgData name="seungkyun park" userId="f1574e86df6b37cf" providerId="LiveId" clId="{7CCF9389-FC57-442E-8C8F-013ED0D606B0}" dt="2024-12-13T14:02:16.100" v="26"/>
@@ -1888,24 +1596,6 @@
             <pc:sldMasterMk cId="3734028872" sldId="2147483685"/>
             <pc:sldLayoutMk cId="8067147" sldId="2147483696"/>
           </pc:sldLayoutMkLst>
-          <pc:spChg chg="mod">
-            <ac:chgData name="seungkyun park" userId="f1574e86df6b37cf" providerId="LiveId" clId="{7CCF9389-FC57-442E-8C8F-013ED0D606B0}" dt="2024-12-13T14:02:16.100" v="26"/>
-            <ac:spMkLst>
-              <pc:docMk/>
-              <pc:sldMasterMk cId="3734028872" sldId="2147483685"/>
-              <pc:sldLayoutMk cId="8067147" sldId="2147483696"/>
-              <ac:spMk id="2" creationId="{00000000-0000-0000-0000-000000000000}"/>
-            </ac:spMkLst>
-          </pc:spChg>
-          <pc:spChg chg="mod">
-            <ac:chgData name="seungkyun park" userId="f1574e86df6b37cf" providerId="LiveId" clId="{7CCF9389-FC57-442E-8C8F-013ED0D606B0}" dt="2024-12-13T14:02:16.100" v="26"/>
-            <ac:spMkLst>
-              <pc:docMk/>
-              <pc:sldMasterMk cId="3734028872" sldId="2147483685"/>
-              <pc:sldLayoutMk cId="8067147" sldId="2147483696"/>
-              <ac:spMk id="3" creationId="{00000000-0000-0000-0000-000000000000}"/>
-            </ac:spMkLst>
-          </pc:spChg>
         </pc:sldLayoutChg>
         <pc:sldLayoutChg chg="modSp">
           <pc:chgData name="seungkyun park" userId="f1574e86df6b37cf" providerId="LiveId" clId="{7CCF9389-FC57-442E-8C8F-013ED0D606B0}" dt="2024-12-13T14:02:16.100" v="26"/>
@@ -1949,46 +1639,6 @@
           <pc:docMk/>
           <pc:sldMasterMk cId="3531425498" sldId="2147483698"/>
         </pc:sldMasterMkLst>
-        <pc:spChg chg="mod">
-          <ac:chgData name="seungkyun park" userId="f1574e86df6b37cf" providerId="LiveId" clId="{7CCF9389-FC57-442E-8C8F-013ED0D606B0}" dt="2024-12-13T14:02:15.648" v="25"/>
-          <ac:spMkLst>
-            <pc:docMk/>
-            <pc:sldMasterMk cId="3531425498" sldId="2147483698"/>
-            <ac:spMk id="2" creationId="{00000000-0000-0000-0000-000000000000}"/>
-          </ac:spMkLst>
-        </pc:spChg>
-        <pc:spChg chg="mod">
-          <ac:chgData name="seungkyun park" userId="f1574e86df6b37cf" providerId="LiveId" clId="{7CCF9389-FC57-442E-8C8F-013ED0D606B0}" dt="2024-12-13T14:02:15.648" v="25"/>
-          <ac:spMkLst>
-            <pc:docMk/>
-            <pc:sldMasterMk cId="3531425498" sldId="2147483698"/>
-            <ac:spMk id="3" creationId="{00000000-0000-0000-0000-000000000000}"/>
-          </ac:spMkLst>
-        </pc:spChg>
-        <pc:spChg chg="mod">
-          <ac:chgData name="seungkyun park" userId="f1574e86df6b37cf" providerId="LiveId" clId="{7CCF9389-FC57-442E-8C8F-013ED0D606B0}" dt="2024-12-13T14:02:15.648" v="25"/>
-          <ac:spMkLst>
-            <pc:docMk/>
-            <pc:sldMasterMk cId="3531425498" sldId="2147483698"/>
-            <ac:spMk id="4" creationId="{00000000-0000-0000-0000-000000000000}"/>
-          </ac:spMkLst>
-        </pc:spChg>
-        <pc:spChg chg="mod">
-          <ac:chgData name="seungkyun park" userId="f1574e86df6b37cf" providerId="LiveId" clId="{7CCF9389-FC57-442E-8C8F-013ED0D606B0}" dt="2024-12-13T14:02:15.648" v="25"/>
-          <ac:spMkLst>
-            <pc:docMk/>
-            <pc:sldMasterMk cId="3531425498" sldId="2147483698"/>
-            <ac:spMk id="5" creationId="{00000000-0000-0000-0000-000000000000}"/>
-          </ac:spMkLst>
-        </pc:spChg>
-        <pc:spChg chg="mod">
-          <ac:chgData name="seungkyun park" userId="f1574e86df6b37cf" providerId="LiveId" clId="{7CCF9389-FC57-442E-8C8F-013ED0D606B0}" dt="2024-12-13T14:02:15.648" v="25"/>
-          <ac:spMkLst>
-            <pc:docMk/>
-            <pc:sldMasterMk cId="3531425498" sldId="2147483698"/>
-            <ac:spMk id="6" creationId="{00000000-0000-0000-0000-000000000000}"/>
-          </ac:spMkLst>
-        </pc:spChg>
         <pc:sldLayoutChg chg="modSp">
           <pc:chgData name="seungkyun park" userId="f1574e86df6b37cf" providerId="LiveId" clId="{7CCF9389-FC57-442E-8C8F-013ED0D606B0}" dt="2024-12-13T14:02:15.648" v="25"/>
           <pc:sldLayoutMkLst>
@@ -1996,24 +1646,6 @@
             <pc:sldMasterMk cId="3531425498" sldId="2147483698"/>
             <pc:sldLayoutMk cId="3746773872" sldId="2147483699"/>
           </pc:sldLayoutMkLst>
-          <pc:spChg chg="mod">
-            <ac:chgData name="seungkyun park" userId="f1574e86df6b37cf" providerId="LiveId" clId="{7CCF9389-FC57-442E-8C8F-013ED0D606B0}" dt="2024-12-13T14:02:15.648" v="25"/>
-            <ac:spMkLst>
-              <pc:docMk/>
-              <pc:sldMasterMk cId="3531425498" sldId="2147483698"/>
-              <pc:sldLayoutMk cId="3746773872" sldId="2147483699"/>
-              <ac:spMk id="2" creationId="{00000000-0000-0000-0000-000000000000}"/>
-            </ac:spMkLst>
-          </pc:spChg>
-          <pc:spChg chg="mod">
-            <ac:chgData name="seungkyun park" userId="f1574e86df6b37cf" providerId="LiveId" clId="{7CCF9389-FC57-442E-8C8F-013ED0D606B0}" dt="2024-12-13T14:02:15.648" v="25"/>
-            <ac:spMkLst>
-              <pc:docMk/>
-              <pc:sldMasterMk cId="3531425498" sldId="2147483698"/>
-              <pc:sldLayoutMk cId="3746773872" sldId="2147483699"/>
-              <ac:spMk id="3" creationId="{00000000-0000-0000-0000-000000000000}"/>
-            </ac:spMkLst>
-          </pc:spChg>
         </pc:sldLayoutChg>
         <pc:sldLayoutChg chg="modSp">
           <pc:chgData name="seungkyun park" userId="f1574e86df6b37cf" providerId="LiveId" clId="{7CCF9389-FC57-442E-8C8F-013ED0D606B0}" dt="2024-12-13T14:02:15.648" v="25"/>
@@ -2022,24 +1654,6 @@
             <pc:sldMasterMk cId="3531425498" sldId="2147483698"/>
             <pc:sldLayoutMk cId="387866230" sldId="2147483701"/>
           </pc:sldLayoutMkLst>
-          <pc:spChg chg="mod">
-            <ac:chgData name="seungkyun park" userId="f1574e86df6b37cf" providerId="LiveId" clId="{7CCF9389-FC57-442E-8C8F-013ED0D606B0}" dt="2024-12-13T14:02:15.648" v="25"/>
-            <ac:spMkLst>
-              <pc:docMk/>
-              <pc:sldMasterMk cId="3531425498" sldId="2147483698"/>
-              <pc:sldLayoutMk cId="387866230" sldId="2147483701"/>
-              <ac:spMk id="2" creationId="{00000000-0000-0000-0000-000000000000}"/>
-            </ac:spMkLst>
-          </pc:spChg>
-          <pc:spChg chg="mod">
-            <ac:chgData name="seungkyun park" userId="f1574e86df6b37cf" providerId="LiveId" clId="{7CCF9389-FC57-442E-8C8F-013ED0D606B0}" dt="2024-12-13T14:02:15.648" v="25"/>
-            <ac:spMkLst>
-              <pc:docMk/>
-              <pc:sldMasterMk cId="3531425498" sldId="2147483698"/>
-              <pc:sldLayoutMk cId="387866230" sldId="2147483701"/>
-              <ac:spMk id="3" creationId="{00000000-0000-0000-0000-000000000000}"/>
-            </ac:spMkLst>
-          </pc:spChg>
         </pc:sldLayoutChg>
         <pc:sldLayoutChg chg="modSp">
           <pc:chgData name="seungkyun park" userId="f1574e86df6b37cf" providerId="LiveId" clId="{7CCF9389-FC57-442E-8C8F-013ED0D606B0}" dt="2024-12-13T14:02:15.648" v="25"/>
@@ -2048,24 +1662,6 @@
             <pc:sldMasterMk cId="3531425498" sldId="2147483698"/>
             <pc:sldLayoutMk cId="1203682737" sldId="2147483702"/>
           </pc:sldLayoutMkLst>
-          <pc:spChg chg="mod">
-            <ac:chgData name="seungkyun park" userId="f1574e86df6b37cf" providerId="LiveId" clId="{7CCF9389-FC57-442E-8C8F-013ED0D606B0}" dt="2024-12-13T14:02:15.648" v="25"/>
-            <ac:spMkLst>
-              <pc:docMk/>
-              <pc:sldMasterMk cId="3531425498" sldId="2147483698"/>
-              <pc:sldLayoutMk cId="1203682737" sldId="2147483702"/>
-              <ac:spMk id="3" creationId="{00000000-0000-0000-0000-000000000000}"/>
-            </ac:spMkLst>
-          </pc:spChg>
-          <pc:spChg chg="mod">
-            <ac:chgData name="seungkyun park" userId="f1574e86df6b37cf" providerId="LiveId" clId="{7CCF9389-FC57-442E-8C8F-013ED0D606B0}" dt="2024-12-13T14:02:15.648" v="25"/>
-            <ac:spMkLst>
-              <pc:docMk/>
-              <pc:sldMasterMk cId="3531425498" sldId="2147483698"/>
-              <pc:sldLayoutMk cId="1203682737" sldId="2147483702"/>
-              <ac:spMk id="4" creationId="{00000000-0000-0000-0000-000000000000}"/>
-            </ac:spMkLst>
-          </pc:spChg>
         </pc:sldLayoutChg>
         <pc:sldLayoutChg chg="modSp">
           <pc:chgData name="seungkyun park" userId="f1574e86df6b37cf" providerId="LiveId" clId="{7CCF9389-FC57-442E-8C8F-013ED0D606B0}" dt="2024-12-13T14:02:15.648" v="25"/>
@@ -2074,51 +1670,6 @@
             <pc:sldMasterMk cId="3531425498" sldId="2147483698"/>
             <pc:sldLayoutMk cId="3782900137" sldId="2147483703"/>
           </pc:sldLayoutMkLst>
-          <pc:spChg chg="mod">
-            <ac:chgData name="seungkyun park" userId="f1574e86df6b37cf" providerId="LiveId" clId="{7CCF9389-FC57-442E-8C8F-013ED0D606B0}" dt="2024-12-13T14:02:15.648" v="25"/>
-            <ac:spMkLst>
-              <pc:docMk/>
-              <pc:sldMasterMk cId="3531425498" sldId="2147483698"/>
-              <pc:sldLayoutMk cId="3782900137" sldId="2147483703"/>
-              <ac:spMk id="2" creationId="{00000000-0000-0000-0000-000000000000}"/>
-            </ac:spMkLst>
-          </pc:spChg>
-          <pc:spChg chg="mod">
-            <ac:chgData name="seungkyun park" userId="f1574e86df6b37cf" providerId="LiveId" clId="{7CCF9389-FC57-442E-8C8F-013ED0D606B0}" dt="2024-12-13T14:02:15.648" v="25"/>
-            <ac:spMkLst>
-              <pc:docMk/>
-              <pc:sldMasterMk cId="3531425498" sldId="2147483698"/>
-              <pc:sldLayoutMk cId="3782900137" sldId="2147483703"/>
-              <ac:spMk id="3" creationId="{00000000-0000-0000-0000-000000000000}"/>
-            </ac:spMkLst>
-          </pc:spChg>
-          <pc:spChg chg="mod">
-            <ac:chgData name="seungkyun park" userId="f1574e86df6b37cf" providerId="LiveId" clId="{7CCF9389-FC57-442E-8C8F-013ED0D606B0}" dt="2024-12-13T14:02:15.648" v="25"/>
-            <ac:spMkLst>
-              <pc:docMk/>
-              <pc:sldMasterMk cId="3531425498" sldId="2147483698"/>
-              <pc:sldLayoutMk cId="3782900137" sldId="2147483703"/>
-              <ac:spMk id="4" creationId="{00000000-0000-0000-0000-000000000000}"/>
-            </ac:spMkLst>
-          </pc:spChg>
-          <pc:spChg chg="mod">
-            <ac:chgData name="seungkyun park" userId="f1574e86df6b37cf" providerId="LiveId" clId="{7CCF9389-FC57-442E-8C8F-013ED0D606B0}" dt="2024-12-13T14:02:15.648" v="25"/>
-            <ac:spMkLst>
-              <pc:docMk/>
-              <pc:sldMasterMk cId="3531425498" sldId="2147483698"/>
-              <pc:sldLayoutMk cId="3782900137" sldId="2147483703"/>
-              <ac:spMk id="5" creationId="{00000000-0000-0000-0000-000000000000}"/>
-            </ac:spMkLst>
-          </pc:spChg>
-          <pc:spChg chg="mod">
-            <ac:chgData name="seungkyun park" userId="f1574e86df6b37cf" providerId="LiveId" clId="{7CCF9389-FC57-442E-8C8F-013ED0D606B0}" dt="2024-12-13T14:02:15.648" v="25"/>
-            <ac:spMkLst>
-              <pc:docMk/>
-              <pc:sldMasterMk cId="3531425498" sldId="2147483698"/>
-              <pc:sldLayoutMk cId="3782900137" sldId="2147483703"/>
-              <ac:spMk id="6" creationId="{00000000-0000-0000-0000-000000000000}"/>
-            </ac:spMkLst>
-          </pc:spChg>
         </pc:sldLayoutChg>
         <pc:sldLayoutChg chg="modSp">
           <pc:chgData name="seungkyun park" userId="f1574e86df6b37cf" providerId="LiveId" clId="{7CCF9389-FC57-442E-8C8F-013ED0D606B0}" dt="2024-12-13T14:02:15.648" v="25"/>
@@ -2127,33 +1678,6 @@
             <pc:sldMasterMk cId="3531425498" sldId="2147483698"/>
             <pc:sldLayoutMk cId="3147057144" sldId="2147483706"/>
           </pc:sldLayoutMkLst>
-          <pc:spChg chg="mod">
-            <ac:chgData name="seungkyun park" userId="f1574e86df6b37cf" providerId="LiveId" clId="{7CCF9389-FC57-442E-8C8F-013ED0D606B0}" dt="2024-12-13T14:02:15.648" v="25"/>
-            <ac:spMkLst>
-              <pc:docMk/>
-              <pc:sldMasterMk cId="3531425498" sldId="2147483698"/>
-              <pc:sldLayoutMk cId="3147057144" sldId="2147483706"/>
-              <ac:spMk id="2" creationId="{00000000-0000-0000-0000-000000000000}"/>
-            </ac:spMkLst>
-          </pc:spChg>
-          <pc:spChg chg="mod">
-            <ac:chgData name="seungkyun park" userId="f1574e86df6b37cf" providerId="LiveId" clId="{7CCF9389-FC57-442E-8C8F-013ED0D606B0}" dt="2024-12-13T14:02:15.648" v="25"/>
-            <ac:spMkLst>
-              <pc:docMk/>
-              <pc:sldMasterMk cId="3531425498" sldId="2147483698"/>
-              <pc:sldLayoutMk cId="3147057144" sldId="2147483706"/>
-              <ac:spMk id="3" creationId="{00000000-0000-0000-0000-000000000000}"/>
-            </ac:spMkLst>
-          </pc:spChg>
-          <pc:spChg chg="mod">
-            <ac:chgData name="seungkyun park" userId="f1574e86df6b37cf" providerId="LiveId" clId="{7CCF9389-FC57-442E-8C8F-013ED0D606B0}" dt="2024-12-13T14:02:15.648" v="25"/>
-            <ac:spMkLst>
-              <pc:docMk/>
-              <pc:sldMasterMk cId="3531425498" sldId="2147483698"/>
-              <pc:sldLayoutMk cId="3147057144" sldId="2147483706"/>
-              <ac:spMk id="4" creationId="{00000000-0000-0000-0000-000000000000}"/>
-            </ac:spMkLst>
-          </pc:spChg>
         </pc:sldLayoutChg>
         <pc:sldLayoutChg chg="modSp">
           <pc:chgData name="seungkyun park" userId="f1574e86df6b37cf" providerId="LiveId" clId="{7CCF9389-FC57-442E-8C8F-013ED0D606B0}" dt="2024-12-13T14:02:15.648" v="25"/>
@@ -2162,33 +1686,6 @@
             <pc:sldMasterMk cId="3531425498" sldId="2147483698"/>
             <pc:sldLayoutMk cId="1783478024" sldId="2147483707"/>
           </pc:sldLayoutMkLst>
-          <pc:spChg chg="mod">
-            <ac:chgData name="seungkyun park" userId="f1574e86df6b37cf" providerId="LiveId" clId="{7CCF9389-FC57-442E-8C8F-013ED0D606B0}" dt="2024-12-13T14:02:15.648" v="25"/>
-            <ac:spMkLst>
-              <pc:docMk/>
-              <pc:sldMasterMk cId="3531425498" sldId="2147483698"/>
-              <pc:sldLayoutMk cId="1783478024" sldId="2147483707"/>
-              <ac:spMk id="2" creationId="{00000000-0000-0000-0000-000000000000}"/>
-            </ac:spMkLst>
-          </pc:spChg>
-          <pc:spChg chg="mod">
-            <ac:chgData name="seungkyun park" userId="f1574e86df6b37cf" providerId="LiveId" clId="{7CCF9389-FC57-442E-8C8F-013ED0D606B0}" dt="2024-12-13T14:02:15.648" v="25"/>
-            <ac:spMkLst>
-              <pc:docMk/>
-              <pc:sldMasterMk cId="3531425498" sldId="2147483698"/>
-              <pc:sldLayoutMk cId="1783478024" sldId="2147483707"/>
-              <ac:spMk id="3" creationId="{00000000-0000-0000-0000-000000000000}"/>
-            </ac:spMkLst>
-          </pc:spChg>
-          <pc:spChg chg="mod">
-            <ac:chgData name="seungkyun park" userId="f1574e86df6b37cf" providerId="LiveId" clId="{7CCF9389-FC57-442E-8C8F-013ED0D606B0}" dt="2024-12-13T14:02:15.648" v="25"/>
-            <ac:spMkLst>
-              <pc:docMk/>
-              <pc:sldMasterMk cId="3531425498" sldId="2147483698"/>
-              <pc:sldLayoutMk cId="1783478024" sldId="2147483707"/>
-              <ac:spMk id="4" creationId="{00000000-0000-0000-0000-000000000000}"/>
-            </ac:spMkLst>
-          </pc:spChg>
         </pc:sldLayoutChg>
         <pc:sldLayoutChg chg="modSp">
           <pc:chgData name="seungkyun park" userId="f1574e86df6b37cf" providerId="LiveId" clId="{7CCF9389-FC57-442E-8C8F-013ED0D606B0}" dt="2024-12-13T14:02:15.648" v="25"/>
@@ -2197,24 +1694,6 @@
             <pc:sldMasterMk cId="3531425498" sldId="2147483698"/>
             <pc:sldLayoutMk cId="2250244780" sldId="2147483709"/>
           </pc:sldLayoutMkLst>
-          <pc:spChg chg="mod">
-            <ac:chgData name="seungkyun park" userId="f1574e86df6b37cf" providerId="LiveId" clId="{7CCF9389-FC57-442E-8C8F-013ED0D606B0}" dt="2024-12-13T14:02:15.648" v="25"/>
-            <ac:spMkLst>
-              <pc:docMk/>
-              <pc:sldMasterMk cId="3531425498" sldId="2147483698"/>
-              <pc:sldLayoutMk cId="2250244780" sldId="2147483709"/>
-              <ac:spMk id="2" creationId="{00000000-0000-0000-0000-000000000000}"/>
-            </ac:spMkLst>
-          </pc:spChg>
-          <pc:spChg chg="mod">
-            <ac:chgData name="seungkyun park" userId="f1574e86df6b37cf" providerId="LiveId" clId="{7CCF9389-FC57-442E-8C8F-013ED0D606B0}" dt="2024-12-13T14:02:15.648" v="25"/>
-            <ac:spMkLst>
-              <pc:docMk/>
-              <pc:sldMasterMk cId="3531425498" sldId="2147483698"/>
-              <pc:sldLayoutMk cId="2250244780" sldId="2147483709"/>
-              <ac:spMk id="3" creationId="{00000000-0000-0000-0000-000000000000}"/>
-            </ac:spMkLst>
-          </pc:spChg>
         </pc:sldLayoutChg>
       </pc:sldMasterChg>
       <pc:sldMasterChg chg="modSp modSldLayout">
@@ -2223,46 +1702,6 @@
           <pc:docMk/>
           <pc:sldMasterMk cId="4234636751" sldId="2147483698"/>
         </pc:sldMasterMkLst>
-        <pc:spChg chg="mod">
-          <ac:chgData name="seungkyun park" userId="f1574e86df6b37cf" providerId="LiveId" clId="{7CCF9389-FC57-442E-8C8F-013ED0D606B0}" dt="2024-12-13T14:06:26.875" v="37"/>
-          <ac:spMkLst>
-            <pc:docMk/>
-            <pc:sldMasterMk cId="4234636751" sldId="2147483698"/>
-            <ac:spMk id="2" creationId="{00000000-0000-0000-0000-000000000000}"/>
-          </ac:spMkLst>
-        </pc:spChg>
-        <pc:spChg chg="mod">
-          <ac:chgData name="seungkyun park" userId="f1574e86df6b37cf" providerId="LiveId" clId="{7CCF9389-FC57-442E-8C8F-013ED0D606B0}" dt="2024-12-13T14:06:26.875" v="37"/>
-          <ac:spMkLst>
-            <pc:docMk/>
-            <pc:sldMasterMk cId="4234636751" sldId="2147483698"/>
-            <ac:spMk id="3" creationId="{00000000-0000-0000-0000-000000000000}"/>
-          </ac:spMkLst>
-        </pc:spChg>
-        <pc:spChg chg="mod">
-          <ac:chgData name="seungkyun park" userId="f1574e86df6b37cf" providerId="LiveId" clId="{7CCF9389-FC57-442E-8C8F-013ED0D606B0}" dt="2024-12-13T14:06:26.875" v="37"/>
-          <ac:spMkLst>
-            <pc:docMk/>
-            <pc:sldMasterMk cId="4234636751" sldId="2147483698"/>
-            <ac:spMk id="4" creationId="{00000000-0000-0000-0000-000000000000}"/>
-          </ac:spMkLst>
-        </pc:spChg>
-        <pc:spChg chg="mod">
-          <ac:chgData name="seungkyun park" userId="f1574e86df6b37cf" providerId="LiveId" clId="{7CCF9389-FC57-442E-8C8F-013ED0D606B0}" dt="2024-12-13T14:06:26.875" v="37"/>
-          <ac:spMkLst>
-            <pc:docMk/>
-            <pc:sldMasterMk cId="4234636751" sldId="2147483698"/>
-            <ac:spMk id="5" creationId="{00000000-0000-0000-0000-000000000000}"/>
-          </ac:spMkLst>
-        </pc:spChg>
-        <pc:spChg chg="mod">
-          <ac:chgData name="seungkyun park" userId="f1574e86df6b37cf" providerId="LiveId" clId="{7CCF9389-FC57-442E-8C8F-013ED0D606B0}" dt="2024-12-13T14:06:26.875" v="37"/>
-          <ac:spMkLst>
-            <pc:docMk/>
-            <pc:sldMasterMk cId="4234636751" sldId="2147483698"/>
-            <ac:spMk id="6" creationId="{00000000-0000-0000-0000-000000000000}"/>
-          </ac:spMkLst>
-        </pc:spChg>
         <pc:sldLayoutChg chg="modSp">
           <pc:chgData name="seungkyun park" userId="f1574e86df6b37cf" providerId="LiveId" clId="{7CCF9389-FC57-442E-8C8F-013ED0D606B0}" dt="2024-12-13T14:06:26.875" v="37"/>
           <pc:sldLayoutMkLst>
@@ -2270,24 +1709,6 @@
             <pc:sldMasterMk cId="4234636751" sldId="2147483698"/>
             <pc:sldLayoutMk cId="1987076141" sldId="2147483699"/>
           </pc:sldLayoutMkLst>
-          <pc:spChg chg="mod">
-            <ac:chgData name="seungkyun park" userId="f1574e86df6b37cf" providerId="LiveId" clId="{7CCF9389-FC57-442E-8C8F-013ED0D606B0}" dt="2024-12-13T14:06:26.875" v="37"/>
-            <ac:spMkLst>
-              <pc:docMk/>
-              <pc:sldMasterMk cId="4234636751" sldId="2147483698"/>
-              <pc:sldLayoutMk cId="1987076141" sldId="2147483699"/>
-              <ac:spMk id="2" creationId="{00000000-0000-0000-0000-000000000000}"/>
-            </ac:spMkLst>
-          </pc:spChg>
-          <pc:spChg chg="mod">
-            <ac:chgData name="seungkyun park" userId="f1574e86df6b37cf" providerId="LiveId" clId="{7CCF9389-FC57-442E-8C8F-013ED0D606B0}" dt="2024-12-13T14:06:26.875" v="37"/>
-            <ac:spMkLst>
-              <pc:docMk/>
-              <pc:sldMasterMk cId="4234636751" sldId="2147483698"/>
-              <pc:sldLayoutMk cId="1987076141" sldId="2147483699"/>
-              <ac:spMk id="3" creationId="{00000000-0000-0000-0000-000000000000}"/>
-            </ac:spMkLst>
-          </pc:spChg>
         </pc:sldLayoutChg>
         <pc:sldLayoutChg chg="modSp">
           <pc:chgData name="seungkyun park" userId="f1574e86df6b37cf" providerId="LiveId" clId="{7CCF9389-FC57-442E-8C8F-013ED0D606B0}" dt="2024-12-13T14:06:26.875" v="37"/>
@@ -2296,24 +1717,6 @@
             <pc:sldMasterMk cId="4234636751" sldId="2147483698"/>
             <pc:sldLayoutMk cId="1424525908" sldId="2147483701"/>
           </pc:sldLayoutMkLst>
-          <pc:spChg chg="mod">
-            <ac:chgData name="seungkyun park" userId="f1574e86df6b37cf" providerId="LiveId" clId="{7CCF9389-FC57-442E-8C8F-013ED0D606B0}" dt="2024-12-13T14:06:26.875" v="37"/>
-            <ac:spMkLst>
-              <pc:docMk/>
-              <pc:sldMasterMk cId="4234636751" sldId="2147483698"/>
-              <pc:sldLayoutMk cId="1424525908" sldId="2147483701"/>
-              <ac:spMk id="2" creationId="{00000000-0000-0000-0000-000000000000}"/>
-            </ac:spMkLst>
-          </pc:spChg>
-          <pc:spChg chg="mod">
-            <ac:chgData name="seungkyun park" userId="f1574e86df6b37cf" providerId="LiveId" clId="{7CCF9389-FC57-442E-8C8F-013ED0D606B0}" dt="2024-12-13T14:06:26.875" v="37"/>
-            <ac:spMkLst>
-              <pc:docMk/>
-              <pc:sldMasterMk cId="4234636751" sldId="2147483698"/>
-              <pc:sldLayoutMk cId="1424525908" sldId="2147483701"/>
-              <ac:spMk id="3" creationId="{00000000-0000-0000-0000-000000000000}"/>
-            </ac:spMkLst>
-          </pc:spChg>
         </pc:sldLayoutChg>
         <pc:sldLayoutChg chg="modSp">
           <pc:chgData name="seungkyun park" userId="f1574e86df6b37cf" providerId="LiveId" clId="{7CCF9389-FC57-442E-8C8F-013ED0D606B0}" dt="2024-12-13T14:06:26.875" v="37"/>
@@ -2322,24 +1725,6 @@
             <pc:sldMasterMk cId="4234636751" sldId="2147483698"/>
             <pc:sldLayoutMk cId="4100268934" sldId="2147483702"/>
           </pc:sldLayoutMkLst>
-          <pc:spChg chg="mod">
-            <ac:chgData name="seungkyun park" userId="f1574e86df6b37cf" providerId="LiveId" clId="{7CCF9389-FC57-442E-8C8F-013ED0D606B0}" dt="2024-12-13T14:06:26.875" v="37"/>
-            <ac:spMkLst>
-              <pc:docMk/>
-              <pc:sldMasterMk cId="4234636751" sldId="2147483698"/>
-              <pc:sldLayoutMk cId="4100268934" sldId="2147483702"/>
-              <ac:spMk id="3" creationId="{00000000-0000-0000-0000-000000000000}"/>
-            </ac:spMkLst>
-          </pc:spChg>
-          <pc:spChg chg="mod">
-            <ac:chgData name="seungkyun park" userId="f1574e86df6b37cf" providerId="LiveId" clId="{7CCF9389-FC57-442E-8C8F-013ED0D606B0}" dt="2024-12-13T14:06:26.875" v="37"/>
-            <ac:spMkLst>
-              <pc:docMk/>
-              <pc:sldMasterMk cId="4234636751" sldId="2147483698"/>
-              <pc:sldLayoutMk cId="4100268934" sldId="2147483702"/>
-              <ac:spMk id="4" creationId="{00000000-0000-0000-0000-000000000000}"/>
-            </ac:spMkLst>
-          </pc:spChg>
         </pc:sldLayoutChg>
         <pc:sldLayoutChg chg="modSp">
           <pc:chgData name="seungkyun park" userId="f1574e86df6b37cf" providerId="LiveId" clId="{7CCF9389-FC57-442E-8C8F-013ED0D606B0}" dt="2024-12-13T14:06:26.875" v="37"/>
@@ -2348,51 +1733,6 @@
             <pc:sldMasterMk cId="4234636751" sldId="2147483698"/>
             <pc:sldLayoutMk cId="2468249855" sldId="2147483703"/>
           </pc:sldLayoutMkLst>
-          <pc:spChg chg="mod">
-            <ac:chgData name="seungkyun park" userId="f1574e86df6b37cf" providerId="LiveId" clId="{7CCF9389-FC57-442E-8C8F-013ED0D606B0}" dt="2024-12-13T14:06:26.875" v="37"/>
-            <ac:spMkLst>
-              <pc:docMk/>
-              <pc:sldMasterMk cId="4234636751" sldId="2147483698"/>
-              <pc:sldLayoutMk cId="2468249855" sldId="2147483703"/>
-              <ac:spMk id="2" creationId="{00000000-0000-0000-0000-000000000000}"/>
-            </ac:spMkLst>
-          </pc:spChg>
-          <pc:spChg chg="mod">
-            <ac:chgData name="seungkyun park" userId="f1574e86df6b37cf" providerId="LiveId" clId="{7CCF9389-FC57-442E-8C8F-013ED0D606B0}" dt="2024-12-13T14:06:26.875" v="37"/>
-            <ac:spMkLst>
-              <pc:docMk/>
-              <pc:sldMasterMk cId="4234636751" sldId="2147483698"/>
-              <pc:sldLayoutMk cId="2468249855" sldId="2147483703"/>
-              <ac:spMk id="3" creationId="{00000000-0000-0000-0000-000000000000}"/>
-            </ac:spMkLst>
-          </pc:spChg>
-          <pc:spChg chg="mod">
-            <ac:chgData name="seungkyun park" userId="f1574e86df6b37cf" providerId="LiveId" clId="{7CCF9389-FC57-442E-8C8F-013ED0D606B0}" dt="2024-12-13T14:06:26.875" v="37"/>
-            <ac:spMkLst>
-              <pc:docMk/>
-              <pc:sldMasterMk cId="4234636751" sldId="2147483698"/>
-              <pc:sldLayoutMk cId="2468249855" sldId="2147483703"/>
-              <ac:spMk id="4" creationId="{00000000-0000-0000-0000-000000000000}"/>
-            </ac:spMkLst>
-          </pc:spChg>
-          <pc:spChg chg="mod">
-            <ac:chgData name="seungkyun park" userId="f1574e86df6b37cf" providerId="LiveId" clId="{7CCF9389-FC57-442E-8C8F-013ED0D606B0}" dt="2024-12-13T14:06:26.875" v="37"/>
-            <ac:spMkLst>
-              <pc:docMk/>
-              <pc:sldMasterMk cId="4234636751" sldId="2147483698"/>
-              <pc:sldLayoutMk cId="2468249855" sldId="2147483703"/>
-              <ac:spMk id="5" creationId="{00000000-0000-0000-0000-000000000000}"/>
-            </ac:spMkLst>
-          </pc:spChg>
-          <pc:spChg chg="mod">
-            <ac:chgData name="seungkyun park" userId="f1574e86df6b37cf" providerId="LiveId" clId="{7CCF9389-FC57-442E-8C8F-013ED0D606B0}" dt="2024-12-13T14:06:26.875" v="37"/>
-            <ac:spMkLst>
-              <pc:docMk/>
-              <pc:sldMasterMk cId="4234636751" sldId="2147483698"/>
-              <pc:sldLayoutMk cId="2468249855" sldId="2147483703"/>
-              <ac:spMk id="6" creationId="{00000000-0000-0000-0000-000000000000}"/>
-            </ac:spMkLst>
-          </pc:spChg>
         </pc:sldLayoutChg>
         <pc:sldLayoutChg chg="modSp">
           <pc:chgData name="seungkyun park" userId="f1574e86df6b37cf" providerId="LiveId" clId="{7CCF9389-FC57-442E-8C8F-013ED0D606B0}" dt="2024-12-13T14:06:26.875" v="37"/>
@@ -2401,33 +1741,6 @@
             <pc:sldMasterMk cId="4234636751" sldId="2147483698"/>
             <pc:sldLayoutMk cId="2695869940" sldId="2147483706"/>
           </pc:sldLayoutMkLst>
-          <pc:spChg chg="mod">
-            <ac:chgData name="seungkyun park" userId="f1574e86df6b37cf" providerId="LiveId" clId="{7CCF9389-FC57-442E-8C8F-013ED0D606B0}" dt="2024-12-13T14:06:26.875" v="37"/>
-            <ac:spMkLst>
-              <pc:docMk/>
-              <pc:sldMasterMk cId="4234636751" sldId="2147483698"/>
-              <pc:sldLayoutMk cId="2695869940" sldId="2147483706"/>
-              <ac:spMk id="2" creationId="{00000000-0000-0000-0000-000000000000}"/>
-            </ac:spMkLst>
-          </pc:spChg>
-          <pc:spChg chg="mod">
-            <ac:chgData name="seungkyun park" userId="f1574e86df6b37cf" providerId="LiveId" clId="{7CCF9389-FC57-442E-8C8F-013ED0D606B0}" dt="2024-12-13T14:06:26.875" v="37"/>
-            <ac:spMkLst>
-              <pc:docMk/>
-              <pc:sldMasterMk cId="4234636751" sldId="2147483698"/>
-              <pc:sldLayoutMk cId="2695869940" sldId="2147483706"/>
-              <ac:spMk id="3" creationId="{00000000-0000-0000-0000-000000000000}"/>
-            </ac:spMkLst>
-          </pc:spChg>
-          <pc:spChg chg="mod">
-            <ac:chgData name="seungkyun park" userId="f1574e86df6b37cf" providerId="LiveId" clId="{7CCF9389-FC57-442E-8C8F-013ED0D606B0}" dt="2024-12-13T14:06:26.875" v="37"/>
-            <ac:spMkLst>
-              <pc:docMk/>
-              <pc:sldMasterMk cId="4234636751" sldId="2147483698"/>
-              <pc:sldLayoutMk cId="2695869940" sldId="2147483706"/>
-              <ac:spMk id="4" creationId="{00000000-0000-0000-0000-000000000000}"/>
-            </ac:spMkLst>
-          </pc:spChg>
         </pc:sldLayoutChg>
         <pc:sldLayoutChg chg="modSp">
           <pc:chgData name="seungkyun park" userId="f1574e86df6b37cf" providerId="LiveId" clId="{7CCF9389-FC57-442E-8C8F-013ED0D606B0}" dt="2024-12-13T14:06:26.875" v="37"/>
@@ -2436,33 +1749,6 @@
             <pc:sldMasterMk cId="4234636751" sldId="2147483698"/>
             <pc:sldLayoutMk cId="3589454759" sldId="2147483707"/>
           </pc:sldLayoutMkLst>
-          <pc:spChg chg="mod">
-            <ac:chgData name="seungkyun park" userId="f1574e86df6b37cf" providerId="LiveId" clId="{7CCF9389-FC57-442E-8C8F-013ED0D606B0}" dt="2024-12-13T14:06:26.875" v="37"/>
-            <ac:spMkLst>
-              <pc:docMk/>
-              <pc:sldMasterMk cId="4234636751" sldId="2147483698"/>
-              <pc:sldLayoutMk cId="3589454759" sldId="2147483707"/>
-              <ac:spMk id="2" creationId="{00000000-0000-0000-0000-000000000000}"/>
-            </ac:spMkLst>
-          </pc:spChg>
-          <pc:spChg chg="mod">
-            <ac:chgData name="seungkyun park" userId="f1574e86df6b37cf" providerId="LiveId" clId="{7CCF9389-FC57-442E-8C8F-013ED0D606B0}" dt="2024-12-13T14:06:26.875" v="37"/>
-            <ac:spMkLst>
-              <pc:docMk/>
-              <pc:sldMasterMk cId="4234636751" sldId="2147483698"/>
-              <pc:sldLayoutMk cId="3589454759" sldId="2147483707"/>
-              <ac:spMk id="3" creationId="{00000000-0000-0000-0000-000000000000}"/>
-            </ac:spMkLst>
-          </pc:spChg>
-          <pc:spChg chg="mod">
-            <ac:chgData name="seungkyun park" userId="f1574e86df6b37cf" providerId="LiveId" clId="{7CCF9389-FC57-442E-8C8F-013ED0D606B0}" dt="2024-12-13T14:06:26.875" v="37"/>
-            <ac:spMkLst>
-              <pc:docMk/>
-              <pc:sldMasterMk cId="4234636751" sldId="2147483698"/>
-              <pc:sldLayoutMk cId="3589454759" sldId="2147483707"/>
-              <ac:spMk id="4" creationId="{00000000-0000-0000-0000-000000000000}"/>
-            </ac:spMkLst>
-          </pc:spChg>
         </pc:sldLayoutChg>
         <pc:sldLayoutChg chg="modSp">
           <pc:chgData name="seungkyun park" userId="f1574e86df6b37cf" providerId="LiveId" clId="{7CCF9389-FC57-442E-8C8F-013ED0D606B0}" dt="2024-12-13T14:06:26.875" v="37"/>
@@ -2471,24 +1757,6 @@
             <pc:sldMasterMk cId="4234636751" sldId="2147483698"/>
             <pc:sldLayoutMk cId="23945614" sldId="2147483709"/>
           </pc:sldLayoutMkLst>
-          <pc:spChg chg="mod">
-            <ac:chgData name="seungkyun park" userId="f1574e86df6b37cf" providerId="LiveId" clId="{7CCF9389-FC57-442E-8C8F-013ED0D606B0}" dt="2024-12-13T14:06:26.875" v="37"/>
-            <ac:spMkLst>
-              <pc:docMk/>
-              <pc:sldMasterMk cId="4234636751" sldId="2147483698"/>
-              <pc:sldLayoutMk cId="23945614" sldId="2147483709"/>
-              <ac:spMk id="2" creationId="{00000000-0000-0000-0000-000000000000}"/>
-            </ac:spMkLst>
-          </pc:spChg>
-          <pc:spChg chg="mod">
-            <ac:chgData name="seungkyun park" userId="f1574e86df6b37cf" providerId="LiveId" clId="{7CCF9389-FC57-442E-8C8F-013ED0D606B0}" dt="2024-12-13T14:06:26.875" v="37"/>
-            <ac:spMkLst>
-              <pc:docMk/>
-              <pc:sldMasterMk cId="4234636751" sldId="2147483698"/>
-              <pc:sldLayoutMk cId="23945614" sldId="2147483709"/>
-              <ac:spMk id="3" creationId="{00000000-0000-0000-0000-000000000000}"/>
-            </ac:spMkLst>
-          </pc:spChg>
         </pc:sldLayoutChg>
       </pc:sldMasterChg>
       <pc:sldMasterChg chg="modSp modSldLayout">
@@ -2497,46 +1765,6 @@
           <pc:docMk/>
           <pc:sldMasterMk cId="2707882511" sldId="2147483710"/>
         </pc:sldMasterMkLst>
-        <pc:spChg chg="mod">
-          <ac:chgData name="seungkyun park" userId="f1574e86df6b37cf" providerId="LiveId" clId="{7CCF9389-FC57-442E-8C8F-013ED0D606B0}" dt="2024-12-13T14:02:15.648" v="25"/>
-          <ac:spMkLst>
-            <pc:docMk/>
-            <pc:sldMasterMk cId="2707882511" sldId="2147483710"/>
-            <ac:spMk id="2" creationId="{00000000-0000-0000-0000-000000000000}"/>
-          </ac:spMkLst>
-        </pc:spChg>
-        <pc:spChg chg="mod">
-          <ac:chgData name="seungkyun park" userId="f1574e86df6b37cf" providerId="LiveId" clId="{7CCF9389-FC57-442E-8C8F-013ED0D606B0}" dt="2024-12-13T14:02:15.648" v="25"/>
-          <ac:spMkLst>
-            <pc:docMk/>
-            <pc:sldMasterMk cId="2707882511" sldId="2147483710"/>
-            <ac:spMk id="3" creationId="{00000000-0000-0000-0000-000000000000}"/>
-          </ac:spMkLst>
-        </pc:spChg>
-        <pc:spChg chg="mod">
-          <ac:chgData name="seungkyun park" userId="f1574e86df6b37cf" providerId="LiveId" clId="{7CCF9389-FC57-442E-8C8F-013ED0D606B0}" dt="2024-12-13T14:02:15.648" v="25"/>
-          <ac:spMkLst>
-            <pc:docMk/>
-            <pc:sldMasterMk cId="2707882511" sldId="2147483710"/>
-            <ac:spMk id="4" creationId="{00000000-0000-0000-0000-000000000000}"/>
-          </ac:spMkLst>
-        </pc:spChg>
-        <pc:spChg chg="mod">
-          <ac:chgData name="seungkyun park" userId="f1574e86df6b37cf" providerId="LiveId" clId="{7CCF9389-FC57-442E-8C8F-013ED0D606B0}" dt="2024-12-13T14:02:15.648" v="25"/>
-          <ac:spMkLst>
-            <pc:docMk/>
-            <pc:sldMasterMk cId="2707882511" sldId="2147483710"/>
-            <ac:spMk id="5" creationId="{00000000-0000-0000-0000-000000000000}"/>
-          </ac:spMkLst>
-        </pc:spChg>
-        <pc:spChg chg="mod">
-          <ac:chgData name="seungkyun park" userId="f1574e86df6b37cf" providerId="LiveId" clId="{7CCF9389-FC57-442E-8C8F-013ED0D606B0}" dt="2024-12-13T14:02:15.648" v="25"/>
-          <ac:spMkLst>
-            <pc:docMk/>
-            <pc:sldMasterMk cId="2707882511" sldId="2147483710"/>
-            <ac:spMk id="6" creationId="{00000000-0000-0000-0000-000000000000}"/>
-          </ac:spMkLst>
-        </pc:spChg>
         <pc:sldLayoutChg chg="modSp">
           <pc:chgData name="seungkyun park" userId="f1574e86df6b37cf" providerId="LiveId" clId="{7CCF9389-FC57-442E-8C8F-013ED0D606B0}" dt="2024-12-13T14:02:15.648" v="25"/>
           <pc:sldLayoutMkLst>
@@ -2623,24 +1851,6 @@
             <pc:sldMasterMk cId="2707882511" sldId="2147483710"/>
             <pc:sldLayoutMk cId="538054238" sldId="2147483711"/>
           </pc:sldLayoutMkLst>
-          <pc:spChg chg="mod">
-            <ac:chgData name="seungkyun park" userId="f1574e86df6b37cf" providerId="LiveId" clId="{7CCF9389-FC57-442E-8C8F-013ED0D606B0}" dt="2024-12-13T14:02:15.648" v="25"/>
-            <ac:spMkLst>
-              <pc:docMk/>
-              <pc:sldMasterMk cId="2707882511" sldId="2147483710"/>
-              <pc:sldLayoutMk cId="538054238" sldId="2147483711"/>
-              <ac:spMk id="2" creationId="{00000000-0000-0000-0000-000000000000}"/>
-            </ac:spMkLst>
-          </pc:spChg>
-          <pc:spChg chg="mod">
-            <ac:chgData name="seungkyun park" userId="f1574e86df6b37cf" providerId="LiveId" clId="{7CCF9389-FC57-442E-8C8F-013ED0D606B0}" dt="2024-12-13T14:02:15.648" v="25"/>
-            <ac:spMkLst>
-              <pc:docMk/>
-              <pc:sldMasterMk cId="2707882511" sldId="2147483710"/>
-              <pc:sldLayoutMk cId="538054238" sldId="2147483711"/>
-              <ac:spMk id="3" creationId="{00000000-0000-0000-0000-000000000000}"/>
-            </ac:spMkLst>
-          </pc:spChg>
         </pc:sldLayoutChg>
         <pc:sldLayoutChg chg="modSp">
           <pc:chgData name="seungkyun park" userId="f1574e86df6b37cf" providerId="LiveId" clId="{7CCF9389-FC57-442E-8C8F-013ED0D606B0}" dt="2024-12-13T14:02:15.648" v="25"/>
@@ -2649,15 +1859,6 @@
             <pc:sldMasterMk cId="2707882511" sldId="2147483710"/>
             <pc:sldLayoutMk cId="1124180246" sldId="2147483712"/>
           </pc:sldLayoutMkLst>
-          <pc:cxnChg chg="mod">
-            <ac:chgData name="seungkyun park" userId="f1574e86df6b37cf" providerId="LiveId" clId="{7CCF9389-FC57-442E-8C8F-013ED0D606B0}" dt="2024-12-13T14:02:15.648" v="25"/>
-            <ac:cxnSpMkLst>
-              <pc:docMk/>
-              <pc:sldMasterMk cId="2707882511" sldId="2147483710"/>
-              <pc:sldLayoutMk cId="1124180246" sldId="2147483712"/>
-              <ac:cxnSpMk id="7" creationId="{F4CAE82C-AC94-1260-A065-85206DC09C57}"/>
-            </ac:cxnSpMkLst>
-          </pc:cxnChg>
         </pc:sldLayoutChg>
         <pc:sldLayoutChg chg="modSp">
           <pc:chgData name="seungkyun park" userId="f1574e86df6b37cf" providerId="LiveId" clId="{7CCF9389-FC57-442E-8C8F-013ED0D606B0}" dt="2024-12-13T14:02:15.648" v="25"/>
@@ -2666,24 +1867,6 @@
             <pc:sldMasterMk cId="2707882511" sldId="2147483710"/>
             <pc:sldLayoutMk cId="1647619991" sldId="2147483713"/>
           </pc:sldLayoutMkLst>
-          <pc:spChg chg="mod">
-            <ac:chgData name="seungkyun park" userId="f1574e86df6b37cf" providerId="LiveId" clId="{7CCF9389-FC57-442E-8C8F-013ED0D606B0}" dt="2024-12-13T14:02:15.648" v="25"/>
-            <ac:spMkLst>
-              <pc:docMk/>
-              <pc:sldMasterMk cId="2707882511" sldId="2147483710"/>
-              <pc:sldLayoutMk cId="1647619991" sldId="2147483713"/>
-              <ac:spMk id="2" creationId="{00000000-0000-0000-0000-000000000000}"/>
-            </ac:spMkLst>
-          </pc:spChg>
-          <pc:spChg chg="mod">
-            <ac:chgData name="seungkyun park" userId="f1574e86df6b37cf" providerId="LiveId" clId="{7CCF9389-FC57-442E-8C8F-013ED0D606B0}" dt="2024-12-13T14:02:15.648" v="25"/>
-            <ac:spMkLst>
-              <pc:docMk/>
-              <pc:sldMasterMk cId="2707882511" sldId="2147483710"/>
-              <pc:sldLayoutMk cId="1647619991" sldId="2147483713"/>
-              <ac:spMk id="3" creationId="{00000000-0000-0000-0000-000000000000}"/>
-            </ac:spMkLst>
-          </pc:spChg>
         </pc:sldLayoutChg>
         <pc:sldLayoutChg chg="modSp">
           <pc:chgData name="seungkyun park" userId="f1574e86df6b37cf" providerId="LiveId" clId="{7CCF9389-FC57-442E-8C8F-013ED0D606B0}" dt="2024-12-13T14:02:15.648" v="25"/>
@@ -2692,24 +1875,6 @@
             <pc:sldMasterMk cId="2707882511" sldId="2147483710"/>
             <pc:sldLayoutMk cId="1860660603" sldId="2147483714"/>
           </pc:sldLayoutMkLst>
-          <pc:spChg chg="mod">
-            <ac:chgData name="seungkyun park" userId="f1574e86df6b37cf" providerId="LiveId" clId="{7CCF9389-FC57-442E-8C8F-013ED0D606B0}" dt="2024-12-13T14:02:15.648" v="25"/>
-            <ac:spMkLst>
-              <pc:docMk/>
-              <pc:sldMasterMk cId="2707882511" sldId="2147483710"/>
-              <pc:sldLayoutMk cId="1860660603" sldId="2147483714"/>
-              <ac:spMk id="3" creationId="{00000000-0000-0000-0000-000000000000}"/>
-            </ac:spMkLst>
-          </pc:spChg>
-          <pc:spChg chg="mod">
-            <ac:chgData name="seungkyun park" userId="f1574e86df6b37cf" providerId="LiveId" clId="{7CCF9389-FC57-442E-8C8F-013ED0D606B0}" dt="2024-12-13T14:02:15.648" v="25"/>
-            <ac:spMkLst>
-              <pc:docMk/>
-              <pc:sldMasterMk cId="2707882511" sldId="2147483710"/>
-              <pc:sldLayoutMk cId="1860660603" sldId="2147483714"/>
-              <ac:spMk id="4" creationId="{00000000-0000-0000-0000-000000000000}"/>
-            </ac:spMkLst>
-          </pc:spChg>
         </pc:sldLayoutChg>
         <pc:sldLayoutChg chg="modSp">
           <pc:chgData name="seungkyun park" userId="f1574e86df6b37cf" providerId="LiveId" clId="{7CCF9389-FC57-442E-8C8F-013ED0D606B0}" dt="2024-12-13T14:02:15.648" v="25"/>
@@ -2718,51 +1883,6 @@
             <pc:sldMasterMk cId="2707882511" sldId="2147483710"/>
             <pc:sldLayoutMk cId="1167901597" sldId="2147483715"/>
           </pc:sldLayoutMkLst>
-          <pc:spChg chg="mod">
-            <ac:chgData name="seungkyun park" userId="f1574e86df6b37cf" providerId="LiveId" clId="{7CCF9389-FC57-442E-8C8F-013ED0D606B0}" dt="2024-12-13T14:02:15.648" v="25"/>
-            <ac:spMkLst>
-              <pc:docMk/>
-              <pc:sldMasterMk cId="2707882511" sldId="2147483710"/>
-              <pc:sldLayoutMk cId="1167901597" sldId="2147483715"/>
-              <ac:spMk id="2" creationId="{00000000-0000-0000-0000-000000000000}"/>
-            </ac:spMkLst>
-          </pc:spChg>
-          <pc:spChg chg="mod">
-            <ac:chgData name="seungkyun park" userId="f1574e86df6b37cf" providerId="LiveId" clId="{7CCF9389-FC57-442E-8C8F-013ED0D606B0}" dt="2024-12-13T14:02:15.648" v="25"/>
-            <ac:spMkLst>
-              <pc:docMk/>
-              <pc:sldMasterMk cId="2707882511" sldId="2147483710"/>
-              <pc:sldLayoutMk cId="1167901597" sldId="2147483715"/>
-              <ac:spMk id="3" creationId="{00000000-0000-0000-0000-000000000000}"/>
-            </ac:spMkLst>
-          </pc:spChg>
-          <pc:spChg chg="mod">
-            <ac:chgData name="seungkyun park" userId="f1574e86df6b37cf" providerId="LiveId" clId="{7CCF9389-FC57-442E-8C8F-013ED0D606B0}" dt="2024-12-13T14:02:15.648" v="25"/>
-            <ac:spMkLst>
-              <pc:docMk/>
-              <pc:sldMasterMk cId="2707882511" sldId="2147483710"/>
-              <pc:sldLayoutMk cId="1167901597" sldId="2147483715"/>
-              <ac:spMk id="4" creationId="{00000000-0000-0000-0000-000000000000}"/>
-            </ac:spMkLst>
-          </pc:spChg>
-          <pc:spChg chg="mod">
-            <ac:chgData name="seungkyun park" userId="f1574e86df6b37cf" providerId="LiveId" clId="{7CCF9389-FC57-442E-8C8F-013ED0D606B0}" dt="2024-12-13T14:02:15.648" v="25"/>
-            <ac:spMkLst>
-              <pc:docMk/>
-              <pc:sldMasterMk cId="2707882511" sldId="2147483710"/>
-              <pc:sldLayoutMk cId="1167901597" sldId="2147483715"/>
-              <ac:spMk id="5" creationId="{00000000-0000-0000-0000-000000000000}"/>
-            </ac:spMkLst>
-          </pc:spChg>
-          <pc:spChg chg="mod">
-            <ac:chgData name="seungkyun park" userId="f1574e86df6b37cf" providerId="LiveId" clId="{7CCF9389-FC57-442E-8C8F-013ED0D606B0}" dt="2024-12-13T14:02:15.648" v="25"/>
-            <ac:spMkLst>
-              <pc:docMk/>
-              <pc:sldMasterMk cId="2707882511" sldId="2147483710"/>
-              <pc:sldLayoutMk cId="1167901597" sldId="2147483715"/>
-              <ac:spMk id="6" creationId="{00000000-0000-0000-0000-000000000000}"/>
-            </ac:spMkLst>
-          </pc:spChg>
         </pc:sldLayoutChg>
         <pc:sldLayoutChg chg="modSp">
           <pc:chgData name="seungkyun park" userId="f1574e86df6b37cf" providerId="LiveId" clId="{7CCF9389-FC57-442E-8C8F-013ED0D606B0}" dt="2024-12-13T14:02:15.648" v="25"/>
@@ -2771,33 +1891,6 @@
             <pc:sldMasterMk cId="2707882511" sldId="2147483710"/>
             <pc:sldLayoutMk cId="1103145865" sldId="2147483718"/>
           </pc:sldLayoutMkLst>
-          <pc:spChg chg="mod">
-            <ac:chgData name="seungkyun park" userId="f1574e86df6b37cf" providerId="LiveId" clId="{7CCF9389-FC57-442E-8C8F-013ED0D606B0}" dt="2024-12-13T14:02:15.648" v="25"/>
-            <ac:spMkLst>
-              <pc:docMk/>
-              <pc:sldMasterMk cId="2707882511" sldId="2147483710"/>
-              <pc:sldLayoutMk cId="1103145865" sldId="2147483718"/>
-              <ac:spMk id="2" creationId="{00000000-0000-0000-0000-000000000000}"/>
-            </ac:spMkLst>
-          </pc:spChg>
-          <pc:spChg chg="mod">
-            <ac:chgData name="seungkyun park" userId="f1574e86df6b37cf" providerId="LiveId" clId="{7CCF9389-FC57-442E-8C8F-013ED0D606B0}" dt="2024-12-13T14:02:15.648" v="25"/>
-            <ac:spMkLst>
-              <pc:docMk/>
-              <pc:sldMasterMk cId="2707882511" sldId="2147483710"/>
-              <pc:sldLayoutMk cId="1103145865" sldId="2147483718"/>
-              <ac:spMk id="3" creationId="{00000000-0000-0000-0000-000000000000}"/>
-            </ac:spMkLst>
-          </pc:spChg>
-          <pc:spChg chg="mod">
-            <ac:chgData name="seungkyun park" userId="f1574e86df6b37cf" providerId="LiveId" clId="{7CCF9389-FC57-442E-8C8F-013ED0D606B0}" dt="2024-12-13T14:02:15.648" v="25"/>
-            <ac:spMkLst>
-              <pc:docMk/>
-              <pc:sldMasterMk cId="2707882511" sldId="2147483710"/>
-              <pc:sldLayoutMk cId="1103145865" sldId="2147483718"/>
-              <ac:spMk id="4" creationId="{00000000-0000-0000-0000-000000000000}"/>
-            </ac:spMkLst>
-          </pc:spChg>
         </pc:sldLayoutChg>
         <pc:sldLayoutChg chg="modSp">
           <pc:chgData name="seungkyun park" userId="f1574e86df6b37cf" providerId="LiveId" clId="{7CCF9389-FC57-442E-8C8F-013ED0D606B0}" dt="2024-12-13T14:02:15.648" v="25"/>
@@ -2806,33 +1899,6 @@
             <pc:sldMasterMk cId="2707882511" sldId="2147483710"/>
             <pc:sldLayoutMk cId="3510321581" sldId="2147483719"/>
           </pc:sldLayoutMkLst>
-          <pc:spChg chg="mod">
-            <ac:chgData name="seungkyun park" userId="f1574e86df6b37cf" providerId="LiveId" clId="{7CCF9389-FC57-442E-8C8F-013ED0D606B0}" dt="2024-12-13T14:02:15.648" v="25"/>
-            <ac:spMkLst>
-              <pc:docMk/>
-              <pc:sldMasterMk cId="2707882511" sldId="2147483710"/>
-              <pc:sldLayoutMk cId="3510321581" sldId="2147483719"/>
-              <ac:spMk id="2" creationId="{00000000-0000-0000-0000-000000000000}"/>
-            </ac:spMkLst>
-          </pc:spChg>
-          <pc:spChg chg="mod">
-            <ac:chgData name="seungkyun park" userId="f1574e86df6b37cf" providerId="LiveId" clId="{7CCF9389-FC57-442E-8C8F-013ED0D606B0}" dt="2024-12-13T14:02:15.648" v="25"/>
-            <ac:spMkLst>
-              <pc:docMk/>
-              <pc:sldMasterMk cId="2707882511" sldId="2147483710"/>
-              <pc:sldLayoutMk cId="3510321581" sldId="2147483719"/>
-              <ac:spMk id="3" creationId="{00000000-0000-0000-0000-000000000000}"/>
-            </ac:spMkLst>
-          </pc:spChg>
-          <pc:spChg chg="mod">
-            <ac:chgData name="seungkyun park" userId="f1574e86df6b37cf" providerId="LiveId" clId="{7CCF9389-FC57-442E-8C8F-013ED0D606B0}" dt="2024-12-13T14:02:15.648" v="25"/>
-            <ac:spMkLst>
-              <pc:docMk/>
-              <pc:sldMasterMk cId="2707882511" sldId="2147483710"/>
-              <pc:sldLayoutMk cId="3510321581" sldId="2147483719"/>
-              <ac:spMk id="4" creationId="{00000000-0000-0000-0000-000000000000}"/>
-            </ac:spMkLst>
-          </pc:spChg>
         </pc:sldLayoutChg>
         <pc:sldLayoutChg chg="modSp">
           <pc:chgData name="seungkyun park" userId="f1574e86df6b37cf" providerId="LiveId" clId="{7CCF9389-FC57-442E-8C8F-013ED0D606B0}" dt="2024-12-13T14:02:15.648" v="25"/>
@@ -2841,24 +1907,6 @@
             <pc:sldMasterMk cId="2707882511" sldId="2147483710"/>
             <pc:sldLayoutMk cId="4205644512" sldId="2147483721"/>
           </pc:sldLayoutMkLst>
-          <pc:spChg chg="mod">
-            <ac:chgData name="seungkyun park" userId="f1574e86df6b37cf" providerId="LiveId" clId="{7CCF9389-FC57-442E-8C8F-013ED0D606B0}" dt="2024-12-13T14:02:15.648" v="25"/>
-            <ac:spMkLst>
-              <pc:docMk/>
-              <pc:sldMasterMk cId="2707882511" sldId="2147483710"/>
-              <pc:sldLayoutMk cId="4205644512" sldId="2147483721"/>
-              <ac:spMk id="2" creationId="{00000000-0000-0000-0000-000000000000}"/>
-            </ac:spMkLst>
-          </pc:spChg>
-          <pc:spChg chg="mod">
-            <ac:chgData name="seungkyun park" userId="f1574e86df6b37cf" providerId="LiveId" clId="{7CCF9389-FC57-442E-8C8F-013ED0D606B0}" dt="2024-12-13T14:02:15.648" v="25"/>
-            <ac:spMkLst>
-              <pc:docMk/>
-              <pc:sldMasterMk cId="2707882511" sldId="2147483710"/>
-              <pc:sldLayoutMk cId="4205644512" sldId="2147483721"/>
-              <ac:spMk id="3" creationId="{00000000-0000-0000-0000-000000000000}"/>
-            </ac:spMkLst>
-          </pc:spChg>
         </pc:sldLayoutChg>
       </pc:sldMasterChg>
       <pc:sldMasterChg chg="modSp modSldLayout">
@@ -2867,46 +1915,6 @@
           <pc:docMk/>
           <pc:sldMasterMk cId="3491263652" sldId="2147483710"/>
         </pc:sldMasterMkLst>
-        <pc:spChg chg="mod">
-          <ac:chgData name="seungkyun park" userId="f1574e86df6b37cf" providerId="LiveId" clId="{7CCF9389-FC57-442E-8C8F-013ED0D606B0}" dt="2024-12-13T14:06:26.875" v="37"/>
-          <ac:spMkLst>
-            <pc:docMk/>
-            <pc:sldMasterMk cId="3491263652" sldId="2147483710"/>
-            <ac:spMk id="2" creationId="{00000000-0000-0000-0000-000000000000}"/>
-          </ac:spMkLst>
-        </pc:spChg>
-        <pc:spChg chg="mod">
-          <ac:chgData name="seungkyun park" userId="f1574e86df6b37cf" providerId="LiveId" clId="{7CCF9389-FC57-442E-8C8F-013ED0D606B0}" dt="2024-12-13T14:06:26.875" v="37"/>
-          <ac:spMkLst>
-            <pc:docMk/>
-            <pc:sldMasterMk cId="3491263652" sldId="2147483710"/>
-            <ac:spMk id="3" creationId="{00000000-0000-0000-0000-000000000000}"/>
-          </ac:spMkLst>
-        </pc:spChg>
-        <pc:spChg chg="mod">
-          <ac:chgData name="seungkyun park" userId="f1574e86df6b37cf" providerId="LiveId" clId="{7CCF9389-FC57-442E-8C8F-013ED0D606B0}" dt="2024-12-13T14:06:26.875" v="37"/>
-          <ac:spMkLst>
-            <pc:docMk/>
-            <pc:sldMasterMk cId="3491263652" sldId="2147483710"/>
-            <ac:spMk id="4" creationId="{00000000-0000-0000-0000-000000000000}"/>
-          </ac:spMkLst>
-        </pc:spChg>
-        <pc:spChg chg="mod">
-          <ac:chgData name="seungkyun park" userId="f1574e86df6b37cf" providerId="LiveId" clId="{7CCF9389-FC57-442E-8C8F-013ED0D606B0}" dt="2024-12-13T14:06:26.875" v="37"/>
-          <ac:spMkLst>
-            <pc:docMk/>
-            <pc:sldMasterMk cId="3491263652" sldId="2147483710"/>
-            <ac:spMk id="5" creationId="{00000000-0000-0000-0000-000000000000}"/>
-          </ac:spMkLst>
-        </pc:spChg>
-        <pc:spChg chg="mod">
-          <ac:chgData name="seungkyun park" userId="f1574e86df6b37cf" providerId="LiveId" clId="{7CCF9389-FC57-442E-8C8F-013ED0D606B0}" dt="2024-12-13T14:06:26.875" v="37"/>
-          <ac:spMkLst>
-            <pc:docMk/>
-            <pc:sldMasterMk cId="3491263652" sldId="2147483710"/>
-            <ac:spMk id="6" creationId="{00000000-0000-0000-0000-000000000000}"/>
-          </ac:spMkLst>
-        </pc:spChg>
         <pc:sldLayoutChg chg="modSp">
           <pc:chgData name="seungkyun park" userId="f1574e86df6b37cf" providerId="LiveId" clId="{7CCF9389-FC57-442E-8C8F-013ED0D606B0}" dt="2024-12-13T14:06:26.875" v="37"/>
           <pc:sldLayoutMkLst>
@@ -2993,24 +2001,6 @@
             <pc:sldMasterMk cId="3491263652" sldId="2147483710"/>
             <pc:sldLayoutMk cId="3934495324" sldId="2147483711"/>
           </pc:sldLayoutMkLst>
-          <pc:spChg chg="mod">
-            <ac:chgData name="seungkyun park" userId="f1574e86df6b37cf" providerId="LiveId" clId="{7CCF9389-FC57-442E-8C8F-013ED0D606B0}" dt="2024-12-13T14:06:26.875" v="37"/>
-            <ac:spMkLst>
-              <pc:docMk/>
-              <pc:sldMasterMk cId="3491263652" sldId="2147483710"/>
-              <pc:sldLayoutMk cId="3934495324" sldId="2147483711"/>
-              <ac:spMk id="2" creationId="{00000000-0000-0000-0000-000000000000}"/>
-            </ac:spMkLst>
-          </pc:spChg>
-          <pc:spChg chg="mod">
-            <ac:chgData name="seungkyun park" userId="f1574e86df6b37cf" providerId="LiveId" clId="{7CCF9389-FC57-442E-8C8F-013ED0D606B0}" dt="2024-12-13T14:06:26.875" v="37"/>
-            <ac:spMkLst>
-              <pc:docMk/>
-              <pc:sldMasterMk cId="3491263652" sldId="2147483710"/>
-              <pc:sldLayoutMk cId="3934495324" sldId="2147483711"/>
-              <ac:spMk id="3" creationId="{00000000-0000-0000-0000-000000000000}"/>
-            </ac:spMkLst>
-          </pc:spChg>
         </pc:sldLayoutChg>
         <pc:sldLayoutChg chg="modSp">
           <pc:chgData name="seungkyun park" userId="f1574e86df6b37cf" providerId="LiveId" clId="{7CCF9389-FC57-442E-8C8F-013ED0D606B0}" dt="2024-12-13T14:06:26.875" v="37"/>
@@ -3019,15 +2009,6 @@
             <pc:sldMasterMk cId="3491263652" sldId="2147483710"/>
             <pc:sldLayoutMk cId="1043854388" sldId="2147483712"/>
           </pc:sldLayoutMkLst>
-          <pc:cxnChg chg="mod">
-            <ac:chgData name="seungkyun park" userId="f1574e86df6b37cf" providerId="LiveId" clId="{7CCF9389-FC57-442E-8C8F-013ED0D606B0}" dt="2024-12-13T14:06:26.875" v="37"/>
-            <ac:cxnSpMkLst>
-              <pc:docMk/>
-              <pc:sldMasterMk cId="3491263652" sldId="2147483710"/>
-              <pc:sldLayoutMk cId="1043854388" sldId="2147483712"/>
-              <ac:cxnSpMk id="7" creationId="{4FBB6C56-4C39-3D0D-5B54-ED2352C307A2}"/>
-            </ac:cxnSpMkLst>
-          </pc:cxnChg>
         </pc:sldLayoutChg>
         <pc:sldLayoutChg chg="modSp">
           <pc:chgData name="seungkyun park" userId="f1574e86df6b37cf" providerId="LiveId" clId="{7CCF9389-FC57-442E-8C8F-013ED0D606B0}" dt="2024-12-13T14:06:26.875" v="37"/>
@@ -3036,24 +2017,6 @@
             <pc:sldMasterMk cId="3491263652" sldId="2147483710"/>
             <pc:sldLayoutMk cId="3188203887" sldId="2147483713"/>
           </pc:sldLayoutMkLst>
-          <pc:spChg chg="mod">
-            <ac:chgData name="seungkyun park" userId="f1574e86df6b37cf" providerId="LiveId" clId="{7CCF9389-FC57-442E-8C8F-013ED0D606B0}" dt="2024-12-13T14:06:26.875" v="37"/>
-            <ac:spMkLst>
-              <pc:docMk/>
-              <pc:sldMasterMk cId="3491263652" sldId="2147483710"/>
-              <pc:sldLayoutMk cId="3188203887" sldId="2147483713"/>
-              <ac:spMk id="2" creationId="{00000000-0000-0000-0000-000000000000}"/>
-            </ac:spMkLst>
-          </pc:spChg>
-          <pc:spChg chg="mod">
-            <ac:chgData name="seungkyun park" userId="f1574e86df6b37cf" providerId="LiveId" clId="{7CCF9389-FC57-442E-8C8F-013ED0D606B0}" dt="2024-12-13T14:06:26.875" v="37"/>
-            <ac:spMkLst>
-              <pc:docMk/>
-              <pc:sldMasterMk cId="3491263652" sldId="2147483710"/>
-              <pc:sldLayoutMk cId="3188203887" sldId="2147483713"/>
-              <ac:spMk id="3" creationId="{00000000-0000-0000-0000-000000000000}"/>
-            </ac:spMkLst>
-          </pc:spChg>
         </pc:sldLayoutChg>
         <pc:sldLayoutChg chg="modSp">
           <pc:chgData name="seungkyun park" userId="f1574e86df6b37cf" providerId="LiveId" clId="{7CCF9389-FC57-442E-8C8F-013ED0D606B0}" dt="2024-12-13T14:06:26.875" v="37"/>
@@ -3062,24 +2025,6 @@
             <pc:sldMasterMk cId="3491263652" sldId="2147483710"/>
             <pc:sldLayoutMk cId="1289351189" sldId="2147483714"/>
           </pc:sldLayoutMkLst>
-          <pc:spChg chg="mod">
-            <ac:chgData name="seungkyun park" userId="f1574e86df6b37cf" providerId="LiveId" clId="{7CCF9389-FC57-442E-8C8F-013ED0D606B0}" dt="2024-12-13T14:06:26.875" v="37"/>
-            <ac:spMkLst>
-              <pc:docMk/>
-              <pc:sldMasterMk cId="3491263652" sldId="2147483710"/>
-              <pc:sldLayoutMk cId="1289351189" sldId="2147483714"/>
-              <ac:spMk id="3" creationId="{00000000-0000-0000-0000-000000000000}"/>
-            </ac:spMkLst>
-          </pc:spChg>
-          <pc:spChg chg="mod">
-            <ac:chgData name="seungkyun park" userId="f1574e86df6b37cf" providerId="LiveId" clId="{7CCF9389-FC57-442E-8C8F-013ED0D606B0}" dt="2024-12-13T14:06:26.875" v="37"/>
-            <ac:spMkLst>
-              <pc:docMk/>
-              <pc:sldMasterMk cId="3491263652" sldId="2147483710"/>
-              <pc:sldLayoutMk cId="1289351189" sldId="2147483714"/>
-              <ac:spMk id="4" creationId="{00000000-0000-0000-0000-000000000000}"/>
-            </ac:spMkLst>
-          </pc:spChg>
         </pc:sldLayoutChg>
         <pc:sldLayoutChg chg="modSp">
           <pc:chgData name="seungkyun park" userId="f1574e86df6b37cf" providerId="LiveId" clId="{7CCF9389-FC57-442E-8C8F-013ED0D606B0}" dt="2024-12-13T14:06:26.875" v="37"/>
@@ -3088,51 +2033,6 @@
             <pc:sldMasterMk cId="3491263652" sldId="2147483710"/>
             <pc:sldLayoutMk cId="3726360578" sldId="2147483715"/>
           </pc:sldLayoutMkLst>
-          <pc:spChg chg="mod">
-            <ac:chgData name="seungkyun park" userId="f1574e86df6b37cf" providerId="LiveId" clId="{7CCF9389-FC57-442E-8C8F-013ED0D606B0}" dt="2024-12-13T14:06:26.875" v="37"/>
-            <ac:spMkLst>
-              <pc:docMk/>
-              <pc:sldMasterMk cId="3491263652" sldId="2147483710"/>
-              <pc:sldLayoutMk cId="3726360578" sldId="2147483715"/>
-              <ac:spMk id="2" creationId="{00000000-0000-0000-0000-000000000000}"/>
-            </ac:spMkLst>
-          </pc:spChg>
-          <pc:spChg chg="mod">
-            <ac:chgData name="seungkyun park" userId="f1574e86df6b37cf" providerId="LiveId" clId="{7CCF9389-FC57-442E-8C8F-013ED0D606B0}" dt="2024-12-13T14:06:26.875" v="37"/>
-            <ac:spMkLst>
-              <pc:docMk/>
-              <pc:sldMasterMk cId="3491263652" sldId="2147483710"/>
-              <pc:sldLayoutMk cId="3726360578" sldId="2147483715"/>
-              <ac:spMk id="3" creationId="{00000000-0000-0000-0000-000000000000}"/>
-            </ac:spMkLst>
-          </pc:spChg>
-          <pc:spChg chg="mod">
-            <ac:chgData name="seungkyun park" userId="f1574e86df6b37cf" providerId="LiveId" clId="{7CCF9389-FC57-442E-8C8F-013ED0D606B0}" dt="2024-12-13T14:06:26.875" v="37"/>
-            <ac:spMkLst>
-              <pc:docMk/>
-              <pc:sldMasterMk cId="3491263652" sldId="2147483710"/>
-              <pc:sldLayoutMk cId="3726360578" sldId="2147483715"/>
-              <ac:spMk id="4" creationId="{00000000-0000-0000-0000-000000000000}"/>
-            </ac:spMkLst>
-          </pc:spChg>
-          <pc:spChg chg="mod">
-            <ac:chgData name="seungkyun park" userId="f1574e86df6b37cf" providerId="LiveId" clId="{7CCF9389-FC57-442E-8C8F-013ED0D606B0}" dt="2024-12-13T14:06:26.875" v="37"/>
-            <ac:spMkLst>
-              <pc:docMk/>
-              <pc:sldMasterMk cId="3491263652" sldId="2147483710"/>
-              <pc:sldLayoutMk cId="3726360578" sldId="2147483715"/>
-              <ac:spMk id="5" creationId="{00000000-0000-0000-0000-000000000000}"/>
-            </ac:spMkLst>
-          </pc:spChg>
-          <pc:spChg chg="mod">
-            <ac:chgData name="seungkyun park" userId="f1574e86df6b37cf" providerId="LiveId" clId="{7CCF9389-FC57-442E-8C8F-013ED0D606B0}" dt="2024-12-13T14:06:26.875" v="37"/>
-            <ac:spMkLst>
-              <pc:docMk/>
-              <pc:sldMasterMk cId="3491263652" sldId="2147483710"/>
-              <pc:sldLayoutMk cId="3726360578" sldId="2147483715"/>
-              <ac:spMk id="6" creationId="{00000000-0000-0000-0000-000000000000}"/>
-            </ac:spMkLst>
-          </pc:spChg>
         </pc:sldLayoutChg>
         <pc:sldLayoutChg chg="modSp">
           <pc:chgData name="seungkyun park" userId="f1574e86df6b37cf" providerId="LiveId" clId="{7CCF9389-FC57-442E-8C8F-013ED0D606B0}" dt="2024-12-13T14:06:26.875" v="37"/>
@@ -3141,33 +2041,6 @@
             <pc:sldMasterMk cId="3491263652" sldId="2147483710"/>
             <pc:sldLayoutMk cId="4091557180" sldId="2147483718"/>
           </pc:sldLayoutMkLst>
-          <pc:spChg chg="mod">
-            <ac:chgData name="seungkyun park" userId="f1574e86df6b37cf" providerId="LiveId" clId="{7CCF9389-FC57-442E-8C8F-013ED0D606B0}" dt="2024-12-13T14:06:26.875" v="37"/>
-            <ac:spMkLst>
-              <pc:docMk/>
-              <pc:sldMasterMk cId="3491263652" sldId="2147483710"/>
-              <pc:sldLayoutMk cId="4091557180" sldId="2147483718"/>
-              <ac:spMk id="2" creationId="{00000000-0000-0000-0000-000000000000}"/>
-            </ac:spMkLst>
-          </pc:spChg>
-          <pc:spChg chg="mod">
-            <ac:chgData name="seungkyun park" userId="f1574e86df6b37cf" providerId="LiveId" clId="{7CCF9389-FC57-442E-8C8F-013ED0D606B0}" dt="2024-12-13T14:06:26.875" v="37"/>
-            <ac:spMkLst>
-              <pc:docMk/>
-              <pc:sldMasterMk cId="3491263652" sldId="2147483710"/>
-              <pc:sldLayoutMk cId="4091557180" sldId="2147483718"/>
-              <ac:spMk id="3" creationId="{00000000-0000-0000-0000-000000000000}"/>
-            </ac:spMkLst>
-          </pc:spChg>
-          <pc:spChg chg="mod">
-            <ac:chgData name="seungkyun park" userId="f1574e86df6b37cf" providerId="LiveId" clId="{7CCF9389-FC57-442E-8C8F-013ED0D606B0}" dt="2024-12-13T14:06:26.875" v="37"/>
-            <ac:spMkLst>
-              <pc:docMk/>
-              <pc:sldMasterMk cId="3491263652" sldId="2147483710"/>
-              <pc:sldLayoutMk cId="4091557180" sldId="2147483718"/>
-              <ac:spMk id="4" creationId="{00000000-0000-0000-0000-000000000000}"/>
-            </ac:spMkLst>
-          </pc:spChg>
         </pc:sldLayoutChg>
         <pc:sldLayoutChg chg="modSp">
           <pc:chgData name="seungkyun park" userId="f1574e86df6b37cf" providerId="LiveId" clId="{7CCF9389-FC57-442E-8C8F-013ED0D606B0}" dt="2024-12-13T14:06:26.875" v="37"/>
@@ -3176,33 +2049,6 @@
             <pc:sldMasterMk cId="3491263652" sldId="2147483710"/>
             <pc:sldLayoutMk cId="204264855" sldId="2147483719"/>
           </pc:sldLayoutMkLst>
-          <pc:spChg chg="mod">
-            <ac:chgData name="seungkyun park" userId="f1574e86df6b37cf" providerId="LiveId" clId="{7CCF9389-FC57-442E-8C8F-013ED0D606B0}" dt="2024-12-13T14:06:26.875" v="37"/>
-            <ac:spMkLst>
-              <pc:docMk/>
-              <pc:sldMasterMk cId="3491263652" sldId="2147483710"/>
-              <pc:sldLayoutMk cId="204264855" sldId="2147483719"/>
-              <ac:spMk id="2" creationId="{00000000-0000-0000-0000-000000000000}"/>
-            </ac:spMkLst>
-          </pc:spChg>
-          <pc:spChg chg="mod">
-            <ac:chgData name="seungkyun park" userId="f1574e86df6b37cf" providerId="LiveId" clId="{7CCF9389-FC57-442E-8C8F-013ED0D606B0}" dt="2024-12-13T14:06:26.875" v="37"/>
-            <ac:spMkLst>
-              <pc:docMk/>
-              <pc:sldMasterMk cId="3491263652" sldId="2147483710"/>
-              <pc:sldLayoutMk cId="204264855" sldId="2147483719"/>
-              <ac:spMk id="3" creationId="{00000000-0000-0000-0000-000000000000}"/>
-            </ac:spMkLst>
-          </pc:spChg>
-          <pc:spChg chg="mod">
-            <ac:chgData name="seungkyun park" userId="f1574e86df6b37cf" providerId="LiveId" clId="{7CCF9389-FC57-442E-8C8F-013ED0D606B0}" dt="2024-12-13T14:06:26.875" v="37"/>
-            <ac:spMkLst>
-              <pc:docMk/>
-              <pc:sldMasterMk cId="3491263652" sldId="2147483710"/>
-              <pc:sldLayoutMk cId="204264855" sldId="2147483719"/>
-              <ac:spMk id="4" creationId="{00000000-0000-0000-0000-000000000000}"/>
-            </ac:spMkLst>
-          </pc:spChg>
         </pc:sldLayoutChg>
         <pc:sldLayoutChg chg="modSp">
           <pc:chgData name="seungkyun park" userId="f1574e86df6b37cf" providerId="LiveId" clId="{7CCF9389-FC57-442E-8C8F-013ED0D606B0}" dt="2024-12-13T14:06:26.875" v="37"/>
@@ -3211,24 +2057,6 @@
             <pc:sldMasterMk cId="3491263652" sldId="2147483710"/>
             <pc:sldLayoutMk cId="2933279330" sldId="2147483721"/>
           </pc:sldLayoutMkLst>
-          <pc:spChg chg="mod">
-            <ac:chgData name="seungkyun park" userId="f1574e86df6b37cf" providerId="LiveId" clId="{7CCF9389-FC57-442E-8C8F-013ED0D606B0}" dt="2024-12-13T14:06:26.875" v="37"/>
-            <ac:spMkLst>
-              <pc:docMk/>
-              <pc:sldMasterMk cId="3491263652" sldId="2147483710"/>
-              <pc:sldLayoutMk cId="2933279330" sldId="2147483721"/>
-              <ac:spMk id="2" creationId="{00000000-0000-0000-0000-000000000000}"/>
-            </ac:spMkLst>
-          </pc:spChg>
-          <pc:spChg chg="mod">
-            <ac:chgData name="seungkyun park" userId="f1574e86df6b37cf" providerId="LiveId" clId="{7CCF9389-FC57-442E-8C8F-013ED0D606B0}" dt="2024-12-13T14:06:26.875" v="37"/>
-            <ac:spMkLst>
-              <pc:docMk/>
-              <pc:sldMasterMk cId="3491263652" sldId="2147483710"/>
-              <pc:sldLayoutMk cId="2933279330" sldId="2147483721"/>
-              <ac:spMk id="3" creationId="{00000000-0000-0000-0000-000000000000}"/>
-            </ac:spMkLst>
-          </pc:spChg>
         </pc:sldLayoutChg>
       </pc:sldMasterChg>
     </pc:docChg>
@@ -3367,7 +2195,7 @@
           <a:p>
             <a:fld id="{9A583588-838E-442D-8FB1-DE9DAD4497CA}" type="datetimeFigureOut">
               <a:rPr lang="ko-KR" altLang="en-US" smtClean="0"/>
-              <a:t>2024-12-13</a:t>
+              <a:t>2024-12-15</a:t>
             </a:fld>
             <a:endParaRPr lang="ko-KR" altLang="en-US"/>
           </a:p>
@@ -3537,7 +2365,7 @@
           <a:p>
             <a:fld id="{9A583588-838E-442D-8FB1-DE9DAD4497CA}" type="datetimeFigureOut">
               <a:rPr lang="ko-KR" altLang="en-US" smtClean="0"/>
-              <a:t>2024-12-13</a:t>
+              <a:t>2024-12-15</a:t>
             </a:fld>
             <a:endParaRPr lang="ko-KR" altLang="en-US"/>
           </a:p>
@@ -3717,7 +2545,7 @@
           <a:p>
             <a:fld id="{9A583588-838E-442D-8FB1-DE9DAD4497CA}" type="datetimeFigureOut">
               <a:rPr lang="ko-KR" altLang="en-US" smtClean="0"/>
-              <a:t>2024-12-13</a:t>
+              <a:t>2024-12-15</a:t>
             </a:fld>
             <a:endParaRPr lang="ko-KR" altLang="en-US"/>
           </a:p>
@@ -4075,7 +2903,7 @@
           <a:p>
             <a:fld id="{C764DE79-268F-4C1A-8933-263129D2AF90}" type="datetimeFigureOut">
               <a:rPr lang="en-US" smtClean="0"/>
-              <a:t>12/13/2024</a:t>
+              <a:t>12/15/2024</a:t>
             </a:fld>
             <a:endParaRPr lang="en-US" dirty="0"/>
           </a:p>
@@ -5620,7 +4448,7 @@
           <a:p>
             <a:fld id="{9A583588-838E-442D-8FB1-DE9DAD4497CA}" type="datetimeFigureOut">
               <a:rPr lang="ko-KR" altLang="en-US" smtClean="0"/>
-              <a:t>2024-12-13</a:t>
+              <a:t>2024-12-15</a:t>
             </a:fld>
             <a:endParaRPr lang="ko-KR" altLang="en-US"/>
           </a:p>
@@ -7062,7 +5890,7 @@
           <a:p>
             <a:fld id="{9A583588-838E-442D-8FB1-DE9DAD4497CA}" type="datetimeFigureOut">
               <a:rPr lang="ko-KR" altLang="en-US" smtClean="0"/>
-              <a:t>2024-12-13</a:t>
+              <a:t>2024-12-15</a:t>
             </a:fld>
             <a:endParaRPr lang="ko-KR" altLang="en-US"/>
           </a:p>
@@ -7294,7 +6122,7 @@
           <a:p>
             <a:fld id="{9A583588-838E-442D-8FB1-DE9DAD4497CA}" type="datetimeFigureOut">
               <a:rPr lang="ko-KR" altLang="en-US" smtClean="0"/>
-              <a:t>2024-12-13</a:t>
+              <a:t>2024-12-15</a:t>
             </a:fld>
             <a:endParaRPr lang="ko-KR" altLang="en-US"/>
           </a:p>
@@ -7661,7 +6489,7 @@
           <a:p>
             <a:fld id="{9A583588-838E-442D-8FB1-DE9DAD4497CA}" type="datetimeFigureOut">
               <a:rPr lang="ko-KR" altLang="en-US" smtClean="0"/>
-              <a:t>2024-12-13</a:t>
+              <a:t>2024-12-15</a:t>
             </a:fld>
             <a:endParaRPr lang="ko-KR" altLang="en-US"/>
           </a:p>
@@ -7779,7 +6607,7 @@
           <a:p>
             <a:fld id="{9A583588-838E-442D-8FB1-DE9DAD4497CA}" type="datetimeFigureOut">
               <a:rPr lang="ko-KR" altLang="en-US" smtClean="0"/>
-              <a:t>2024-12-13</a:t>
+              <a:t>2024-12-15</a:t>
             </a:fld>
             <a:endParaRPr lang="ko-KR" altLang="en-US"/>
           </a:p>
@@ -7874,7 +6702,7 @@
           <a:p>
             <a:fld id="{9A583588-838E-442D-8FB1-DE9DAD4497CA}" type="datetimeFigureOut">
               <a:rPr lang="ko-KR" altLang="en-US" smtClean="0"/>
-              <a:t>2024-12-13</a:t>
+              <a:t>2024-12-15</a:t>
             </a:fld>
             <a:endParaRPr lang="ko-KR" altLang="en-US"/>
           </a:p>
@@ -8151,7 +6979,7 @@
           <a:p>
             <a:fld id="{9A583588-838E-442D-8FB1-DE9DAD4497CA}" type="datetimeFigureOut">
               <a:rPr lang="ko-KR" altLang="en-US" smtClean="0"/>
-              <a:t>2024-12-13</a:t>
+              <a:t>2024-12-15</a:t>
             </a:fld>
             <a:endParaRPr lang="ko-KR" altLang="en-US"/>
           </a:p>
@@ -8408,7 +7236,7 @@
           <a:p>
             <a:fld id="{9A583588-838E-442D-8FB1-DE9DAD4497CA}" type="datetimeFigureOut">
               <a:rPr lang="ko-KR" altLang="en-US" smtClean="0"/>
-              <a:t>2024-12-13</a:t>
+              <a:t>2024-12-15</a:t>
             </a:fld>
             <a:endParaRPr lang="ko-KR" altLang="en-US"/>
           </a:p>
@@ -8621,7 +7449,7 @@
           <a:p>
             <a:fld id="{9A583588-838E-442D-8FB1-DE9DAD4497CA}" type="datetimeFigureOut">
               <a:rPr lang="ko-KR" altLang="en-US" smtClean="0"/>
-              <a:t>2024-12-13</a:t>
+              <a:t>2024-12-15</a:t>
             </a:fld>
             <a:endParaRPr lang="ko-KR" altLang="en-US"/>
           </a:p>
@@ -14084,6 +12912,4267 @@
     <p:extLst>
       <p:ext uri="{BB962C8B-B14F-4D97-AF65-F5344CB8AC3E}">
         <p14:creationId xmlns:p14="http://schemas.microsoft.com/office/powerpoint/2010/main" val="68514707"/>
+      </p:ext>
+    </p:extLst>
+  </p:cSld>
+  <p:clrMapOvr>
+    <a:masterClrMapping/>
+  </p:clrMapOvr>
+</p:sld>
+</file>
+
+<file path=ppt/slides/slide3.xml><?xml version="1.0" encoding="utf-8"?>
+<p:sld xmlns:a="http://schemas.openxmlformats.org/drawingml/2006/main" xmlns:r="http://schemas.openxmlformats.org/officeDocument/2006/relationships" xmlns:p="http://schemas.openxmlformats.org/presentationml/2006/main">
+  <p:cSld>
+    <p:spTree>
+      <p:nvGrpSpPr>
+        <p:cNvPr id="1" name="">
+          <a:extLst>
+            <a:ext uri="{FF2B5EF4-FFF2-40B4-BE49-F238E27FC236}">
+              <a16:creationId xmlns:a16="http://schemas.microsoft.com/office/drawing/2014/main" id="{A5F55760-70B5-0417-E4AF-A01E195659B4}"/>
+            </a:ext>
+          </a:extLst>
+        </p:cNvPr>
+        <p:cNvGrpSpPr/>
+        <p:nvPr/>
+      </p:nvGrpSpPr>
+      <p:grpSpPr>
+        <a:xfrm>
+          <a:off x="0" y="0"/>
+          <a:ext cx="0" cy="0"/>
+          <a:chOff x="0" y="0"/>
+          <a:chExt cx="0" cy="0"/>
+        </a:xfrm>
+      </p:grpSpPr>
+      <p:sp>
+        <p:nvSpPr>
+          <p:cNvPr id="4" name="슬라이드 번호 개체 틀 3">
+            <a:extLst>
+              <a:ext uri="{FF2B5EF4-FFF2-40B4-BE49-F238E27FC236}">
+                <a16:creationId xmlns:a16="http://schemas.microsoft.com/office/drawing/2014/main" id="{E76C0DC6-8F80-0ECF-DB71-59A76C2FDC7E}"/>
+              </a:ext>
+            </a:extLst>
+          </p:cNvPr>
+          <p:cNvSpPr>
+            <a:spLocks noGrp="1"/>
+          </p:cNvSpPr>
+          <p:nvPr>
+            <p:ph type="sldNum" sz="quarter" idx="12"/>
+          </p:nvPr>
+        </p:nvSpPr>
+        <p:spPr/>
+        <p:txBody>
+          <a:bodyPr/>
+          <a:lstStyle/>
+          <a:p>
+            <a:pPr defTabSz="418013">
+              <a:defRPr/>
+            </a:pPr>
+            <a:fld id="{6747F477-1FC8-4434-8FCD-351EFB41DA6F}" type="slidenum">
+              <a:rPr lang="ko-KR" altLang="en-US">
+                <a:solidFill>
+                  <a:prstClr val="black"/>
+                </a:solidFill>
+                <a:latin typeface="Calibri" panose="020F0502020204030204"/>
+                <a:ea typeface="맑은 고딕" panose="020B0503020000020004" pitchFamily="50" charset="-127"/>
+              </a:rPr>
+              <a:pPr defTabSz="418013">
+                <a:defRPr/>
+              </a:pPr>
+              <a:t>3</a:t>
+            </a:fld>
+            <a:r>
+              <a:rPr lang="ko-KR" altLang="en-US">
+                <a:solidFill>
+                  <a:prstClr val="black"/>
+                </a:solidFill>
+                <a:latin typeface="Calibri" panose="020F0502020204030204"/>
+                <a:ea typeface="맑은 고딕" panose="020B0503020000020004" pitchFamily="50" charset="-127"/>
+              </a:rPr>
+              <a:t> </a:t>
+            </a:r>
+            <a:r>
+              <a:rPr lang="en-US" altLang="ko-KR">
+                <a:solidFill>
+                  <a:prstClr val="white">
+                    <a:lumMod val="75000"/>
+                  </a:prstClr>
+                </a:solidFill>
+                <a:latin typeface="Calibri" panose="020F0502020204030204"/>
+                <a:ea typeface="맑은 고딕" panose="020B0503020000020004" pitchFamily="50" charset="-127"/>
+              </a:rPr>
+              <a:t>/ 24</a:t>
+            </a:r>
+            <a:endParaRPr lang="ko-KR" altLang="en-US" dirty="0">
+              <a:solidFill>
+                <a:prstClr val="white">
+                  <a:lumMod val="75000"/>
+                </a:prstClr>
+              </a:solidFill>
+              <a:latin typeface="Calibri" panose="020F0502020204030204"/>
+              <a:ea typeface="맑은 고딕" panose="020B0503020000020004" pitchFamily="50" charset="-127"/>
+            </a:endParaRPr>
+          </a:p>
+        </p:txBody>
+      </p:sp>
+      <p:sp>
+        <p:nvSpPr>
+          <p:cNvPr id="11" name="직사각형 10">
+            <a:extLst>
+              <a:ext uri="{FF2B5EF4-FFF2-40B4-BE49-F238E27FC236}">
+                <a16:creationId xmlns:a16="http://schemas.microsoft.com/office/drawing/2014/main" id="{1B589482-A493-93E1-9DE4-853505E0DA7E}"/>
+              </a:ext>
+            </a:extLst>
+          </p:cNvPr>
+          <p:cNvSpPr/>
+          <p:nvPr/>
+        </p:nvSpPr>
+        <p:spPr>
+          <a:xfrm>
+            <a:off x="360181" y="3240350"/>
+            <a:ext cx="5760000" cy="12240000"/>
+          </a:xfrm>
+          <a:prstGeom prst="rect">
+            <a:avLst/>
+          </a:prstGeom>
+          <a:noFill/>
+          <a:ln>
+            <a:solidFill>
+              <a:schemeClr val="tx1"/>
+            </a:solidFill>
+          </a:ln>
+        </p:spPr>
+        <p:style>
+          <a:lnRef idx="2">
+            <a:schemeClr val="accent1">
+              <a:shade val="50000"/>
+            </a:schemeClr>
+          </a:lnRef>
+          <a:fillRef idx="1">
+            <a:schemeClr val="accent1"/>
+          </a:fillRef>
+          <a:effectRef idx="0">
+            <a:schemeClr val="accent1"/>
+          </a:effectRef>
+          <a:fontRef idx="minor">
+            <a:schemeClr val="lt1"/>
+          </a:fontRef>
+        </p:style>
+        <p:txBody>
+          <a:bodyPr lIns="41802" rIns="41802" rtlCol="0" anchor="t"/>
+          <a:lstStyle/>
+          <a:p>
+            <a:pPr defTabSz="418013">
+              <a:defRPr/>
+            </a:pPr>
+            <a:r>
+              <a:rPr lang="en-US" altLang="ko-KR" sz="731" dirty="0" err="1">
+                <a:solidFill>
+                  <a:prstClr val="black"/>
+                </a:solidFill>
+                <a:latin typeface="Calibri" panose="020F0502020204030204"/>
+                <a:ea typeface="맑은 고딕" panose="020B0503020000020004" pitchFamily="50" charset="-127"/>
+              </a:rPr>
+              <a:t>FTrackedActivity</a:t>
+            </a:r>
+            <a:r>
+              <a:rPr lang="en-US" altLang="ko-KR" sz="731" dirty="0">
+                <a:solidFill>
+                  <a:prstClr val="black"/>
+                </a:solidFill>
+                <a:latin typeface="Calibri" panose="020F0502020204030204"/>
+                <a:ea typeface="맑은 고딕" panose="020B0503020000020004" pitchFamily="50" charset="-127"/>
+              </a:rPr>
+              <a:t>::</a:t>
+            </a:r>
+            <a:r>
+              <a:rPr lang="en-US" altLang="ko-KR" sz="731" dirty="0" err="1">
+                <a:solidFill>
+                  <a:prstClr val="black"/>
+                </a:solidFill>
+                <a:latin typeface="Calibri" panose="020F0502020204030204"/>
+                <a:ea typeface="맑은 고딕" panose="020B0503020000020004" pitchFamily="50" charset="-127"/>
+              </a:rPr>
+              <a:t>GetEngineActivity</a:t>
+            </a:r>
+            <a:r>
+              <a:rPr lang="en-US" altLang="ko-KR" sz="731" dirty="0">
+                <a:solidFill>
+                  <a:prstClr val="black"/>
+                </a:solidFill>
+                <a:latin typeface="Calibri" panose="020F0502020204030204"/>
+                <a:ea typeface="맑은 고딕" panose="020B0503020000020004" pitchFamily="50" charset="-127"/>
+              </a:rPr>
+              <a:t>().Update(TEXT("Starting"), </a:t>
+            </a:r>
+            <a:r>
+              <a:rPr lang="en-US" altLang="ko-KR" sz="731" dirty="0" err="1">
+                <a:solidFill>
+                  <a:prstClr val="black"/>
+                </a:solidFill>
+                <a:latin typeface="Calibri" panose="020F0502020204030204"/>
+                <a:ea typeface="맑은 고딕" panose="020B0503020000020004" pitchFamily="50" charset="-127"/>
+              </a:rPr>
+              <a:t>FTrackedActivity</a:t>
+            </a:r>
+            <a:r>
+              <a:rPr lang="en-US" altLang="ko-KR" sz="731" dirty="0">
+                <a:solidFill>
+                  <a:prstClr val="black"/>
+                </a:solidFill>
+                <a:latin typeface="Calibri" panose="020F0502020204030204"/>
+                <a:ea typeface="맑은 고딕" panose="020B0503020000020004" pitchFamily="50" charset="-127"/>
+              </a:rPr>
+              <a:t>::</a:t>
+            </a:r>
+            <a:r>
+              <a:rPr lang="en-US" altLang="ko-KR" sz="731" dirty="0" err="1">
+                <a:solidFill>
+                  <a:prstClr val="black"/>
+                </a:solidFill>
+                <a:latin typeface="Calibri" panose="020F0502020204030204"/>
+                <a:ea typeface="맑은 고딕" panose="020B0503020000020004" pitchFamily="50" charset="-127"/>
+              </a:rPr>
+              <a:t>ELight</a:t>
+            </a:r>
+            <a:r>
+              <a:rPr lang="en-US" altLang="ko-KR" sz="731" dirty="0">
+                <a:solidFill>
+                  <a:prstClr val="black"/>
+                </a:solidFill>
+                <a:latin typeface="Calibri" panose="020F0502020204030204"/>
+                <a:ea typeface="맑은 고딕" panose="020B0503020000020004" pitchFamily="50" charset="-127"/>
+              </a:rPr>
+              <a:t>::Yellow);</a:t>
+            </a:r>
+          </a:p>
+          <a:p>
+            <a:pPr defTabSz="418013">
+              <a:defRPr/>
+            </a:pPr>
+            <a:endParaRPr lang="en-US" altLang="ko-KR" sz="731" dirty="0">
+              <a:solidFill>
+                <a:prstClr val="black"/>
+              </a:solidFill>
+              <a:latin typeface="Calibri" panose="020F0502020204030204"/>
+              <a:ea typeface="맑은 고딕" panose="020B0503020000020004" pitchFamily="50" charset="-127"/>
+            </a:endParaRPr>
+          </a:p>
+          <a:p>
+            <a:pPr defTabSz="418013">
+              <a:defRPr/>
+            </a:pPr>
+            <a:r>
+              <a:rPr lang="en-US" altLang="ko-KR" sz="731" dirty="0">
+                <a:solidFill>
+                  <a:prstClr val="black"/>
+                </a:solidFill>
+                <a:latin typeface="Calibri" panose="020F0502020204030204"/>
+                <a:ea typeface="맑은 고딕" panose="020B0503020000020004" pitchFamily="50" charset="-127"/>
+              </a:rPr>
+              <a:t>  </a:t>
+            </a:r>
+            <a:r>
+              <a:rPr lang="en-US" altLang="ko-KR" sz="731" dirty="0" err="1">
+                <a:solidFill>
+                  <a:prstClr val="black"/>
+                </a:solidFill>
+                <a:latin typeface="Calibri" panose="020F0502020204030204"/>
+                <a:ea typeface="맑은 고딕" panose="020B0503020000020004" pitchFamily="50" charset="-127"/>
+              </a:rPr>
+              <a:t>FTaskTagScope</a:t>
+            </a:r>
+            <a:r>
+              <a:rPr lang="en-US" altLang="ko-KR" sz="731" dirty="0">
+                <a:solidFill>
+                  <a:prstClr val="black"/>
+                </a:solidFill>
+                <a:latin typeface="Calibri" panose="020F0502020204030204"/>
+                <a:ea typeface="맑은 고딕" panose="020B0503020000020004" pitchFamily="50" charset="-127"/>
+              </a:rPr>
+              <a:t> Scope(</a:t>
+            </a:r>
+            <a:r>
+              <a:rPr lang="en-US" altLang="ko-KR" sz="731" dirty="0" err="1">
+                <a:solidFill>
+                  <a:prstClr val="black"/>
+                </a:solidFill>
+                <a:latin typeface="Calibri" panose="020F0502020204030204"/>
+                <a:ea typeface="맑은 고딕" panose="020B0503020000020004" pitchFamily="50" charset="-127"/>
+              </a:rPr>
+              <a:t>ETaskTag</a:t>
+            </a:r>
+            <a:r>
+              <a:rPr lang="en-US" altLang="ko-KR" sz="731" dirty="0">
+                <a:solidFill>
+                  <a:prstClr val="black"/>
+                </a:solidFill>
+                <a:latin typeface="Calibri" panose="020F0502020204030204"/>
+                <a:ea typeface="맑은 고딕" panose="020B0503020000020004" pitchFamily="50" charset="-127"/>
+              </a:rPr>
+              <a:t>::</a:t>
+            </a:r>
+            <a:r>
+              <a:rPr lang="en-US" altLang="ko-KR" sz="731" dirty="0" err="1">
+                <a:solidFill>
+                  <a:prstClr val="black"/>
+                </a:solidFill>
+                <a:latin typeface="Calibri" panose="020F0502020204030204"/>
+                <a:ea typeface="맑은 고딕" panose="020B0503020000020004" pitchFamily="50" charset="-127"/>
+              </a:rPr>
+              <a:t>EGameThread</a:t>
+            </a:r>
+            <a:r>
+              <a:rPr lang="en-US" altLang="ko-KR" sz="731" dirty="0">
+                <a:solidFill>
+                  <a:prstClr val="black"/>
+                </a:solidFill>
+                <a:latin typeface="Calibri" panose="020F0502020204030204"/>
+                <a:ea typeface="맑은 고딕" panose="020B0503020000020004" pitchFamily="50" charset="-127"/>
+              </a:rPr>
+              <a:t>);</a:t>
+            </a:r>
+          </a:p>
+          <a:p>
+            <a:pPr defTabSz="418013">
+              <a:defRPr/>
+            </a:pPr>
+            <a:endParaRPr lang="en-US" altLang="ko-KR" sz="731" dirty="0">
+              <a:solidFill>
+                <a:prstClr val="black"/>
+              </a:solidFill>
+              <a:latin typeface="Calibri" panose="020F0502020204030204"/>
+              <a:ea typeface="맑은 고딕" panose="020B0503020000020004" pitchFamily="50" charset="-127"/>
+            </a:endParaRPr>
+          </a:p>
+          <a:p>
+            <a:pPr defTabSz="418013">
+              <a:defRPr/>
+            </a:pPr>
+            <a:r>
+              <a:rPr lang="en-US" altLang="ko-KR" sz="731" dirty="0">
+                <a:solidFill>
+                  <a:prstClr val="black"/>
+                </a:solidFill>
+                <a:latin typeface="Calibri" panose="020F0502020204030204"/>
+                <a:ea typeface="맑은 고딕" panose="020B0503020000020004" pitchFamily="50" charset="-127"/>
+              </a:rPr>
+              <a:t>#if !(UE_BUILD_SHIPPING)</a:t>
+            </a:r>
+          </a:p>
+          <a:p>
+            <a:pPr defTabSz="418013">
+              <a:defRPr/>
+            </a:pPr>
+            <a:endParaRPr lang="en-US" altLang="ko-KR" sz="731" dirty="0">
+              <a:solidFill>
+                <a:prstClr val="black"/>
+              </a:solidFill>
+              <a:latin typeface="Calibri" panose="020F0502020204030204"/>
+              <a:ea typeface="맑은 고딕" panose="020B0503020000020004" pitchFamily="50" charset="-127"/>
+            </a:endParaRPr>
+          </a:p>
+          <a:p>
+            <a:pPr defTabSz="418013">
+              <a:defRPr/>
+            </a:pPr>
+            <a:r>
+              <a:rPr lang="en-US" altLang="ko-KR" sz="731" dirty="0">
+                <a:solidFill>
+                  <a:prstClr val="black"/>
+                </a:solidFill>
+                <a:latin typeface="Calibri" panose="020F0502020204030204"/>
+                <a:ea typeface="맑은 고딕" panose="020B0503020000020004" pitchFamily="50" charset="-127"/>
+              </a:rPr>
+              <a:t>  // If "-</a:t>
+            </a:r>
+            <a:r>
+              <a:rPr lang="en-US" altLang="ko-KR" sz="731" dirty="0" err="1">
+                <a:solidFill>
+                  <a:prstClr val="black"/>
+                </a:solidFill>
+                <a:latin typeface="Calibri" panose="020F0502020204030204"/>
+                <a:ea typeface="맑은 고딕" panose="020B0503020000020004" pitchFamily="50" charset="-127"/>
+              </a:rPr>
+              <a:t>waitforattach</a:t>
+            </a:r>
+            <a:r>
+              <a:rPr lang="en-US" altLang="ko-KR" sz="731" dirty="0">
+                <a:solidFill>
+                  <a:prstClr val="black"/>
+                </a:solidFill>
+                <a:latin typeface="Calibri" panose="020F0502020204030204"/>
+                <a:ea typeface="맑은 고딕" panose="020B0503020000020004" pitchFamily="50" charset="-127"/>
+              </a:rPr>
+              <a:t>" or "-</a:t>
+            </a:r>
+            <a:r>
+              <a:rPr lang="en-US" altLang="ko-KR" sz="731" dirty="0" err="1">
+                <a:solidFill>
+                  <a:prstClr val="black"/>
+                </a:solidFill>
+                <a:latin typeface="Calibri" panose="020F0502020204030204"/>
+                <a:ea typeface="맑은 고딕" panose="020B0503020000020004" pitchFamily="50" charset="-127"/>
+              </a:rPr>
+              <a:t>WaitForDebugger</a:t>
+            </a:r>
+            <a:r>
+              <a:rPr lang="en-US" altLang="ko-KR" sz="731" dirty="0">
+                <a:solidFill>
+                  <a:prstClr val="black"/>
+                </a:solidFill>
+                <a:latin typeface="Calibri" panose="020F0502020204030204"/>
+                <a:ea typeface="맑은 고딕" panose="020B0503020000020004" pitchFamily="50" charset="-127"/>
+              </a:rPr>
+              <a:t>" was specified, halt startup and wait for a debugger to attach before continuing</a:t>
+            </a:r>
+          </a:p>
+          <a:p>
+            <a:pPr defTabSz="418013">
+              <a:defRPr/>
+            </a:pPr>
+            <a:r>
+              <a:rPr lang="en-US" altLang="ko-KR" sz="731" dirty="0">
+                <a:solidFill>
+                  <a:prstClr val="black"/>
+                </a:solidFill>
+                <a:latin typeface="Calibri" panose="020F0502020204030204"/>
+                <a:ea typeface="맑은 고딕" panose="020B0503020000020004" pitchFamily="50" charset="-127"/>
+              </a:rPr>
+              <a:t>  if (</a:t>
+            </a:r>
+            <a:r>
+              <a:rPr lang="en-US" altLang="ko-KR" sz="731" dirty="0" err="1">
+                <a:solidFill>
+                  <a:prstClr val="black"/>
+                </a:solidFill>
+                <a:latin typeface="Calibri" panose="020F0502020204030204"/>
+                <a:ea typeface="맑은 고딕" panose="020B0503020000020004" pitchFamily="50" charset="-127"/>
+              </a:rPr>
+              <a:t>FParse</a:t>
+            </a:r>
+            <a:r>
+              <a:rPr lang="en-US" altLang="ko-KR" sz="731" dirty="0">
+                <a:solidFill>
+                  <a:prstClr val="black"/>
+                </a:solidFill>
+                <a:latin typeface="Calibri" panose="020F0502020204030204"/>
+                <a:ea typeface="맑은 고딕" panose="020B0503020000020004" pitchFamily="50" charset="-127"/>
+              </a:rPr>
+              <a:t>::Param(</a:t>
+            </a:r>
+            <a:r>
+              <a:rPr lang="en-US" altLang="ko-KR" sz="731" dirty="0" err="1">
+                <a:solidFill>
+                  <a:prstClr val="black"/>
+                </a:solidFill>
+                <a:latin typeface="Calibri" panose="020F0502020204030204"/>
+                <a:ea typeface="맑은 고딕" panose="020B0503020000020004" pitchFamily="50" charset="-127"/>
+              </a:rPr>
+              <a:t>CmdLine</a:t>
+            </a:r>
+            <a:r>
+              <a:rPr lang="en-US" altLang="ko-KR" sz="731" dirty="0">
+                <a:solidFill>
+                  <a:prstClr val="black"/>
+                </a:solidFill>
+                <a:latin typeface="Calibri" panose="020F0502020204030204"/>
+                <a:ea typeface="맑은 고딕" panose="020B0503020000020004" pitchFamily="50" charset="-127"/>
+              </a:rPr>
+              <a:t>, TEXT("</a:t>
+            </a:r>
+            <a:r>
+              <a:rPr lang="en-US" altLang="ko-KR" sz="731" dirty="0" err="1">
+                <a:solidFill>
+                  <a:prstClr val="black"/>
+                </a:solidFill>
+                <a:latin typeface="Calibri" panose="020F0502020204030204"/>
+                <a:ea typeface="맑은 고딕" panose="020B0503020000020004" pitchFamily="50" charset="-127"/>
+              </a:rPr>
+              <a:t>waitforattach</a:t>
+            </a:r>
+            <a:r>
+              <a:rPr lang="en-US" altLang="ko-KR" sz="731" dirty="0">
+                <a:solidFill>
+                  <a:prstClr val="black"/>
+                </a:solidFill>
+                <a:latin typeface="Calibri" panose="020F0502020204030204"/>
+                <a:ea typeface="맑은 고딕" panose="020B0503020000020004" pitchFamily="50" charset="-127"/>
+              </a:rPr>
+              <a:t>")) || </a:t>
+            </a:r>
+            <a:r>
+              <a:rPr lang="en-US" altLang="ko-KR" sz="731" dirty="0" err="1">
+                <a:solidFill>
+                  <a:prstClr val="black"/>
+                </a:solidFill>
+                <a:latin typeface="Calibri" panose="020F0502020204030204"/>
+                <a:ea typeface="맑은 고딕" panose="020B0503020000020004" pitchFamily="50" charset="-127"/>
+              </a:rPr>
+              <a:t>FParse</a:t>
+            </a:r>
+            <a:r>
+              <a:rPr lang="en-US" altLang="ko-KR" sz="731" dirty="0">
+                <a:solidFill>
+                  <a:prstClr val="black"/>
+                </a:solidFill>
+                <a:latin typeface="Calibri" panose="020F0502020204030204"/>
+                <a:ea typeface="맑은 고딕" panose="020B0503020000020004" pitchFamily="50" charset="-127"/>
+              </a:rPr>
+              <a:t>::Param(</a:t>
+            </a:r>
+            <a:r>
+              <a:rPr lang="en-US" altLang="ko-KR" sz="731" dirty="0" err="1">
+                <a:solidFill>
+                  <a:prstClr val="black"/>
+                </a:solidFill>
+                <a:latin typeface="Calibri" panose="020F0502020204030204"/>
+                <a:ea typeface="맑은 고딕" panose="020B0503020000020004" pitchFamily="50" charset="-127"/>
+              </a:rPr>
+              <a:t>CmdLine</a:t>
+            </a:r>
+            <a:r>
+              <a:rPr lang="en-US" altLang="ko-KR" sz="731" dirty="0">
+                <a:solidFill>
+                  <a:prstClr val="black"/>
+                </a:solidFill>
+                <a:latin typeface="Calibri" panose="020F0502020204030204"/>
+                <a:ea typeface="맑은 고딕" panose="020B0503020000020004" pitchFamily="50" charset="-127"/>
+              </a:rPr>
+              <a:t>, TEXT("</a:t>
+            </a:r>
+            <a:r>
+              <a:rPr lang="en-US" altLang="ko-KR" sz="731" dirty="0" err="1">
+                <a:solidFill>
+                  <a:prstClr val="black"/>
+                </a:solidFill>
+                <a:latin typeface="Calibri" panose="020F0502020204030204"/>
+                <a:ea typeface="맑은 고딕" panose="020B0503020000020004" pitchFamily="50" charset="-127"/>
+              </a:rPr>
+              <a:t>WaitForDebugger</a:t>
+            </a:r>
+            <a:r>
+              <a:rPr lang="en-US" altLang="ko-KR" sz="731" dirty="0">
+                <a:solidFill>
+                  <a:prstClr val="black"/>
+                </a:solidFill>
+                <a:latin typeface="Calibri" panose="020F0502020204030204"/>
+                <a:ea typeface="맑은 고딕" panose="020B0503020000020004" pitchFamily="50" charset="-127"/>
+              </a:rPr>
+              <a:t>")))</a:t>
+            </a:r>
+          </a:p>
+          <a:p>
+            <a:pPr defTabSz="418013">
+              <a:defRPr/>
+            </a:pPr>
+            <a:r>
+              <a:rPr lang="en-US" altLang="ko-KR" sz="731" dirty="0">
+                <a:solidFill>
+                  <a:prstClr val="black"/>
+                </a:solidFill>
+                <a:latin typeface="Calibri" panose="020F0502020204030204"/>
+                <a:ea typeface="맑은 고딕" panose="020B0503020000020004" pitchFamily="50" charset="-127"/>
+              </a:rPr>
+              <a:t>  {</a:t>
+            </a:r>
+          </a:p>
+          <a:p>
+            <a:pPr defTabSz="418013">
+              <a:defRPr/>
+            </a:pPr>
+            <a:r>
+              <a:rPr lang="en-US" altLang="ko-KR" sz="731" dirty="0">
+                <a:solidFill>
+                  <a:prstClr val="black"/>
+                </a:solidFill>
+                <a:latin typeface="Calibri" panose="020F0502020204030204"/>
+                <a:ea typeface="맑은 고딕" panose="020B0503020000020004" pitchFamily="50" charset="-127"/>
+              </a:rPr>
+              <a:t>    while (!</a:t>
+            </a:r>
+            <a:r>
+              <a:rPr lang="en-US" altLang="ko-KR" sz="731" dirty="0" err="1">
+                <a:solidFill>
+                  <a:prstClr val="black"/>
+                </a:solidFill>
+                <a:latin typeface="Calibri" panose="020F0502020204030204"/>
+                <a:ea typeface="맑은 고딕" panose="020B0503020000020004" pitchFamily="50" charset="-127"/>
+              </a:rPr>
+              <a:t>FPlatformMisc</a:t>
+            </a:r>
+            <a:r>
+              <a:rPr lang="en-US" altLang="ko-KR" sz="731" dirty="0">
+                <a:solidFill>
+                  <a:prstClr val="black"/>
+                </a:solidFill>
+                <a:latin typeface="Calibri" panose="020F0502020204030204"/>
+                <a:ea typeface="맑은 고딕" panose="020B0503020000020004" pitchFamily="50" charset="-127"/>
+              </a:rPr>
+              <a:t>::</a:t>
+            </a:r>
+            <a:r>
+              <a:rPr lang="en-US" altLang="ko-KR" sz="731" dirty="0" err="1">
+                <a:solidFill>
+                  <a:prstClr val="black"/>
+                </a:solidFill>
+                <a:latin typeface="Calibri" panose="020F0502020204030204"/>
+                <a:ea typeface="맑은 고딕" panose="020B0503020000020004" pitchFamily="50" charset="-127"/>
+              </a:rPr>
+              <a:t>IsDebuggerPresent</a:t>
+            </a:r>
+            <a:r>
+              <a:rPr lang="en-US" altLang="ko-KR" sz="731" dirty="0">
+                <a:solidFill>
+                  <a:prstClr val="black"/>
+                </a:solidFill>
+                <a:latin typeface="Calibri" panose="020F0502020204030204"/>
+                <a:ea typeface="맑은 고딕" panose="020B0503020000020004" pitchFamily="50" charset="-127"/>
+              </a:rPr>
+              <a:t>())</a:t>
+            </a:r>
+          </a:p>
+          <a:p>
+            <a:pPr defTabSz="418013">
+              <a:defRPr/>
+            </a:pPr>
+            <a:r>
+              <a:rPr lang="en-US" altLang="ko-KR" sz="731" dirty="0">
+                <a:solidFill>
+                  <a:prstClr val="black"/>
+                </a:solidFill>
+                <a:latin typeface="Calibri" panose="020F0502020204030204"/>
+                <a:ea typeface="맑은 고딕" panose="020B0503020000020004" pitchFamily="50" charset="-127"/>
+              </a:rPr>
+              <a:t>    {</a:t>
+            </a:r>
+          </a:p>
+          <a:p>
+            <a:pPr defTabSz="418013">
+              <a:defRPr/>
+            </a:pPr>
+            <a:r>
+              <a:rPr lang="en-US" altLang="ko-KR" sz="731" dirty="0">
+                <a:solidFill>
+                  <a:prstClr val="black"/>
+                </a:solidFill>
+                <a:latin typeface="Calibri" panose="020F0502020204030204"/>
+                <a:ea typeface="맑은 고딕" panose="020B0503020000020004" pitchFamily="50" charset="-127"/>
+              </a:rPr>
+              <a:t>      </a:t>
+            </a:r>
+            <a:r>
+              <a:rPr lang="en-US" altLang="ko-KR" sz="731" dirty="0" err="1">
+                <a:solidFill>
+                  <a:prstClr val="black"/>
+                </a:solidFill>
+                <a:latin typeface="Calibri" panose="020F0502020204030204"/>
+                <a:ea typeface="맑은 고딕" panose="020B0503020000020004" pitchFamily="50" charset="-127"/>
+              </a:rPr>
+              <a:t>FPlatformProcess</a:t>
+            </a:r>
+            <a:r>
+              <a:rPr lang="en-US" altLang="ko-KR" sz="731" dirty="0">
+                <a:solidFill>
+                  <a:prstClr val="black"/>
+                </a:solidFill>
+                <a:latin typeface="Calibri" panose="020F0502020204030204"/>
+                <a:ea typeface="맑은 고딕" panose="020B0503020000020004" pitchFamily="50" charset="-127"/>
+              </a:rPr>
+              <a:t>::Sleep(0.1f);</a:t>
+            </a:r>
+          </a:p>
+          <a:p>
+            <a:pPr defTabSz="418013">
+              <a:defRPr/>
+            </a:pPr>
+            <a:r>
+              <a:rPr lang="en-US" altLang="ko-KR" sz="731" dirty="0">
+                <a:solidFill>
+                  <a:prstClr val="black"/>
+                </a:solidFill>
+                <a:latin typeface="Calibri" panose="020F0502020204030204"/>
+                <a:ea typeface="맑은 고딕" panose="020B0503020000020004" pitchFamily="50" charset="-127"/>
+              </a:rPr>
+              <a:t>    }</a:t>
+            </a:r>
+          </a:p>
+          <a:p>
+            <a:pPr defTabSz="418013">
+              <a:defRPr/>
+            </a:pPr>
+            <a:r>
+              <a:rPr lang="en-US" altLang="ko-KR" sz="731" dirty="0">
+                <a:solidFill>
+                  <a:prstClr val="black"/>
+                </a:solidFill>
+                <a:latin typeface="Calibri" panose="020F0502020204030204"/>
+                <a:ea typeface="맑은 고딕" panose="020B0503020000020004" pitchFamily="50" charset="-127"/>
+              </a:rPr>
+              <a:t>    UE_DEBUG_BREAK();</a:t>
+            </a:r>
+          </a:p>
+          <a:p>
+            <a:pPr defTabSz="418013">
+              <a:defRPr/>
+            </a:pPr>
+            <a:r>
+              <a:rPr lang="en-US" altLang="ko-KR" sz="731" dirty="0">
+                <a:solidFill>
+                  <a:prstClr val="black"/>
+                </a:solidFill>
+                <a:latin typeface="Calibri" panose="020F0502020204030204"/>
+                <a:ea typeface="맑은 고딕" panose="020B0503020000020004" pitchFamily="50" charset="-127"/>
+              </a:rPr>
+              <a:t>  }</a:t>
+            </a:r>
+          </a:p>
+          <a:p>
+            <a:pPr defTabSz="418013">
+              <a:defRPr/>
+            </a:pPr>
+            <a:endParaRPr lang="en-US" altLang="ko-KR" sz="731" dirty="0">
+              <a:solidFill>
+                <a:prstClr val="black"/>
+              </a:solidFill>
+              <a:latin typeface="Calibri" panose="020F0502020204030204"/>
+              <a:ea typeface="맑은 고딕" panose="020B0503020000020004" pitchFamily="50" charset="-127"/>
+            </a:endParaRPr>
+          </a:p>
+          <a:p>
+            <a:pPr defTabSz="418013">
+              <a:defRPr/>
+            </a:pPr>
+            <a:r>
+              <a:rPr lang="en-US" altLang="ko-KR" sz="731" dirty="0">
+                <a:solidFill>
+                  <a:prstClr val="black"/>
+                </a:solidFill>
+                <a:latin typeface="Calibri" panose="020F0502020204030204"/>
+                <a:ea typeface="맑은 고딕" panose="020B0503020000020004" pitchFamily="50" charset="-127"/>
+              </a:rPr>
+              <a:t>#endif</a:t>
+            </a:r>
+          </a:p>
+          <a:p>
+            <a:pPr defTabSz="418013">
+              <a:defRPr/>
+            </a:pPr>
+            <a:endParaRPr lang="en-US" altLang="ko-KR" sz="731" dirty="0">
+              <a:solidFill>
+                <a:prstClr val="black"/>
+              </a:solidFill>
+              <a:latin typeface="Calibri" panose="020F0502020204030204"/>
+              <a:ea typeface="맑은 고딕" panose="020B0503020000020004" pitchFamily="50" charset="-127"/>
+            </a:endParaRPr>
+          </a:p>
+          <a:p>
+            <a:pPr defTabSz="418013">
+              <a:defRPr/>
+            </a:pPr>
+            <a:r>
+              <a:rPr lang="en-US" altLang="ko-KR" sz="731" dirty="0">
+                <a:solidFill>
+                  <a:prstClr val="black"/>
+                </a:solidFill>
+                <a:latin typeface="Calibri" panose="020F0502020204030204"/>
+                <a:ea typeface="맑은 고딕" panose="020B0503020000020004" pitchFamily="50" charset="-127"/>
+              </a:rPr>
+              <a:t>  </a:t>
+            </a:r>
+            <a:r>
+              <a:rPr lang="en-US" altLang="ko-KR" sz="731" dirty="0" err="1">
+                <a:solidFill>
+                  <a:prstClr val="black"/>
+                </a:solidFill>
+                <a:latin typeface="Calibri" panose="020F0502020204030204"/>
+                <a:ea typeface="맑은 고딕" panose="020B0503020000020004" pitchFamily="50" charset="-127"/>
+              </a:rPr>
+              <a:t>BootTimingPoint</a:t>
+            </a:r>
+            <a:r>
+              <a:rPr lang="en-US" altLang="ko-KR" sz="731" dirty="0">
+                <a:solidFill>
+                  <a:prstClr val="black"/>
+                </a:solidFill>
+                <a:latin typeface="Calibri" panose="020F0502020204030204"/>
+                <a:ea typeface="맑은 고딕" panose="020B0503020000020004" pitchFamily="50" charset="-127"/>
+              </a:rPr>
+              <a:t>("</a:t>
+            </a:r>
+            <a:r>
+              <a:rPr lang="en-US" altLang="ko-KR" sz="731" dirty="0" err="1">
+                <a:solidFill>
+                  <a:prstClr val="black"/>
+                </a:solidFill>
+                <a:latin typeface="Calibri" panose="020F0502020204030204"/>
+                <a:ea typeface="맑은 고딕" panose="020B0503020000020004" pitchFamily="50" charset="-127"/>
+              </a:rPr>
+              <a:t>DefaultMain</a:t>
+            </a:r>
+            <a:r>
+              <a:rPr lang="en-US" altLang="ko-KR" sz="731" dirty="0">
+                <a:solidFill>
+                  <a:prstClr val="black"/>
+                </a:solidFill>
+                <a:latin typeface="Calibri" panose="020F0502020204030204"/>
+                <a:ea typeface="맑은 고딕" panose="020B0503020000020004" pitchFamily="50" charset="-127"/>
+              </a:rPr>
+              <a:t>");</a:t>
+            </a:r>
+          </a:p>
+          <a:p>
+            <a:pPr defTabSz="418013">
+              <a:defRPr/>
+            </a:pPr>
+            <a:endParaRPr lang="en-US" altLang="ko-KR" sz="731" dirty="0">
+              <a:solidFill>
+                <a:prstClr val="black"/>
+              </a:solidFill>
+              <a:latin typeface="Calibri" panose="020F0502020204030204"/>
+              <a:ea typeface="맑은 고딕" panose="020B0503020000020004" pitchFamily="50" charset="-127"/>
+            </a:endParaRPr>
+          </a:p>
+          <a:p>
+            <a:pPr defTabSz="418013">
+              <a:defRPr/>
+            </a:pPr>
+            <a:r>
+              <a:rPr lang="en-US" altLang="ko-KR" sz="731" dirty="0">
+                <a:solidFill>
+                  <a:prstClr val="black"/>
+                </a:solidFill>
+                <a:latin typeface="Calibri" panose="020F0502020204030204"/>
+                <a:ea typeface="맑은 고딕" panose="020B0503020000020004" pitchFamily="50" charset="-127"/>
+              </a:rPr>
+              <a:t>  // Super early </a:t>
+            </a:r>
+            <a:r>
+              <a:rPr lang="en-US" altLang="ko-KR" sz="731" dirty="0" err="1">
+                <a:solidFill>
+                  <a:prstClr val="black"/>
+                </a:solidFill>
+                <a:latin typeface="Calibri" panose="020F0502020204030204"/>
+                <a:ea typeface="맑은 고딕" panose="020B0503020000020004" pitchFamily="50" charset="-127"/>
+              </a:rPr>
+              <a:t>init</a:t>
+            </a:r>
+            <a:r>
+              <a:rPr lang="en-US" altLang="ko-KR" sz="731" dirty="0">
+                <a:solidFill>
+                  <a:prstClr val="black"/>
+                </a:solidFill>
+                <a:latin typeface="Calibri" panose="020F0502020204030204"/>
+                <a:ea typeface="맑은 고딕" panose="020B0503020000020004" pitchFamily="50" charset="-127"/>
+              </a:rPr>
+              <a:t> code. DO NOT MOVE THIS ANYWHERE ELSE!</a:t>
+            </a:r>
+          </a:p>
+          <a:p>
+            <a:pPr defTabSz="418013">
+              <a:defRPr/>
+            </a:pPr>
+            <a:r>
+              <a:rPr lang="en-US" altLang="ko-KR" sz="731" dirty="0">
+                <a:solidFill>
+                  <a:prstClr val="black"/>
+                </a:solidFill>
+                <a:latin typeface="Calibri" panose="020F0502020204030204"/>
+                <a:ea typeface="맑은 고딕" panose="020B0503020000020004" pitchFamily="50" charset="-127"/>
+              </a:rPr>
+              <a:t>  </a:t>
+            </a:r>
+            <a:r>
+              <a:rPr lang="en-US" altLang="ko-KR" sz="731" dirty="0" err="1">
+                <a:solidFill>
+                  <a:prstClr val="black"/>
+                </a:solidFill>
+                <a:latin typeface="Calibri" panose="020F0502020204030204"/>
+                <a:ea typeface="맑은 고딕" panose="020B0503020000020004" pitchFamily="50" charset="-127"/>
+              </a:rPr>
+              <a:t>FCoreDelegates</a:t>
+            </a:r>
+            <a:r>
+              <a:rPr lang="en-US" altLang="ko-KR" sz="731" dirty="0">
+                <a:solidFill>
+                  <a:prstClr val="black"/>
+                </a:solidFill>
+                <a:latin typeface="Calibri" panose="020F0502020204030204"/>
+                <a:ea typeface="맑은 고딕" panose="020B0503020000020004" pitchFamily="50" charset="-127"/>
+              </a:rPr>
+              <a:t>::</a:t>
+            </a:r>
+            <a:r>
+              <a:rPr lang="en-US" altLang="ko-KR" sz="731" dirty="0" err="1">
+                <a:solidFill>
+                  <a:prstClr val="black"/>
+                </a:solidFill>
+                <a:latin typeface="Calibri" panose="020F0502020204030204"/>
+                <a:ea typeface="맑은 고딕" panose="020B0503020000020004" pitchFamily="50" charset="-127"/>
+              </a:rPr>
+              <a:t>GetPreMainInitDelegate</a:t>
+            </a:r>
+            <a:r>
+              <a:rPr lang="en-US" altLang="ko-KR" sz="731" dirty="0">
+                <a:solidFill>
+                  <a:prstClr val="black"/>
+                </a:solidFill>
+                <a:latin typeface="Calibri" panose="020F0502020204030204"/>
+                <a:ea typeface="맑은 고딕" panose="020B0503020000020004" pitchFamily="50" charset="-127"/>
+              </a:rPr>
+              <a:t>().Broadcast();</a:t>
+            </a:r>
+          </a:p>
+          <a:p>
+            <a:pPr defTabSz="418013">
+              <a:defRPr/>
+            </a:pPr>
+            <a:endParaRPr lang="en-US" altLang="ko-KR" sz="731" dirty="0">
+              <a:solidFill>
+                <a:prstClr val="black"/>
+              </a:solidFill>
+              <a:latin typeface="Calibri" panose="020F0502020204030204"/>
+              <a:ea typeface="맑은 고딕" panose="020B0503020000020004" pitchFamily="50" charset="-127"/>
+            </a:endParaRPr>
+          </a:p>
+          <a:p>
+            <a:pPr defTabSz="418013">
+              <a:defRPr/>
+            </a:pPr>
+            <a:r>
+              <a:rPr lang="en-US" altLang="ko-KR" sz="731" dirty="0">
+                <a:solidFill>
+                  <a:prstClr val="black"/>
+                </a:solidFill>
+                <a:latin typeface="Calibri" panose="020F0502020204030204"/>
+                <a:ea typeface="맑은 고딕" panose="020B0503020000020004" pitchFamily="50" charset="-127"/>
+              </a:rPr>
+              <a:t>  // make sure </a:t>
+            </a:r>
+            <a:r>
+              <a:rPr lang="en-US" altLang="ko-KR" sz="731" dirty="0" err="1">
+                <a:solidFill>
+                  <a:prstClr val="black"/>
+                </a:solidFill>
+                <a:latin typeface="Calibri" panose="020F0502020204030204"/>
+                <a:ea typeface="맑은 고딕" panose="020B0503020000020004" pitchFamily="50" charset="-127"/>
+              </a:rPr>
+              <a:t>GEngineLoop</a:t>
+            </a:r>
+            <a:r>
+              <a:rPr lang="en-US" altLang="ko-KR" sz="731" dirty="0">
+                <a:solidFill>
+                  <a:prstClr val="black"/>
+                </a:solidFill>
+                <a:latin typeface="Calibri" panose="020F0502020204030204"/>
+                <a:ea typeface="맑은 고딕" panose="020B0503020000020004" pitchFamily="50" charset="-127"/>
+              </a:rPr>
+              <a:t>::Exit() is always called.</a:t>
+            </a:r>
+          </a:p>
+          <a:p>
+            <a:pPr defTabSz="418013">
+              <a:defRPr/>
+            </a:pPr>
+            <a:r>
+              <a:rPr lang="en-US" altLang="ko-KR" sz="731" dirty="0">
+                <a:solidFill>
+                  <a:prstClr val="black"/>
+                </a:solidFill>
+                <a:latin typeface="Calibri" panose="020F0502020204030204"/>
+                <a:ea typeface="맑은 고딕" panose="020B0503020000020004" pitchFamily="50" charset="-127"/>
+              </a:rPr>
+              <a:t>  struct </a:t>
+            </a:r>
+            <a:r>
+              <a:rPr lang="en-US" altLang="ko-KR" sz="731" dirty="0" err="1">
+                <a:solidFill>
+                  <a:prstClr val="black"/>
+                </a:solidFill>
+                <a:latin typeface="Calibri" panose="020F0502020204030204"/>
+                <a:ea typeface="맑은 고딕" panose="020B0503020000020004" pitchFamily="50" charset="-127"/>
+              </a:rPr>
+              <a:t>EngineLoopCleanupGuard</a:t>
+            </a:r>
+            <a:r>
+              <a:rPr lang="en-US" altLang="ko-KR" sz="731" dirty="0">
+                <a:solidFill>
+                  <a:prstClr val="black"/>
+                </a:solidFill>
+                <a:latin typeface="Calibri" panose="020F0502020204030204"/>
+                <a:ea typeface="맑은 고딕" panose="020B0503020000020004" pitchFamily="50" charset="-127"/>
+              </a:rPr>
+              <a:t> </a:t>
+            </a:r>
+          </a:p>
+          <a:p>
+            <a:pPr defTabSz="418013">
+              <a:defRPr/>
+            </a:pPr>
+            <a:r>
+              <a:rPr lang="en-US" altLang="ko-KR" sz="731" dirty="0">
+                <a:solidFill>
+                  <a:prstClr val="black"/>
+                </a:solidFill>
+                <a:latin typeface="Calibri" panose="020F0502020204030204"/>
+                <a:ea typeface="맑은 고딕" panose="020B0503020000020004" pitchFamily="50" charset="-127"/>
+              </a:rPr>
+              <a:t>  { </a:t>
+            </a:r>
+          </a:p>
+          <a:p>
+            <a:pPr defTabSz="418013">
+              <a:defRPr/>
+            </a:pPr>
+            <a:r>
+              <a:rPr lang="en-US" altLang="ko-KR" sz="731" dirty="0">
+                <a:solidFill>
+                  <a:prstClr val="black"/>
+                </a:solidFill>
+                <a:latin typeface="Calibri" panose="020F0502020204030204"/>
+                <a:ea typeface="맑은 고딕" panose="020B0503020000020004" pitchFamily="50" charset="-127"/>
+              </a:rPr>
+              <a:t>    ~</a:t>
+            </a:r>
+            <a:r>
+              <a:rPr lang="en-US" altLang="ko-KR" sz="731" dirty="0" err="1">
+                <a:solidFill>
+                  <a:prstClr val="black"/>
+                </a:solidFill>
+                <a:latin typeface="Calibri" panose="020F0502020204030204"/>
+                <a:ea typeface="맑은 고딕" panose="020B0503020000020004" pitchFamily="50" charset="-127"/>
+              </a:rPr>
+              <a:t>EngineLoopCleanupGuard</a:t>
+            </a:r>
+            <a:r>
+              <a:rPr lang="en-US" altLang="ko-KR" sz="731" dirty="0">
+                <a:solidFill>
+                  <a:prstClr val="black"/>
+                </a:solidFill>
+                <a:latin typeface="Calibri" panose="020F0502020204030204"/>
+                <a:ea typeface="맑은 고딕" panose="020B0503020000020004" pitchFamily="50" charset="-127"/>
+              </a:rPr>
+              <a:t>()</a:t>
+            </a:r>
+          </a:p>
+          <a:p>
+            <a:pPr defTabSz="418013">
+              <a:defRPr/>
+            </a:pPr>
+            <a:r>
+              <a:rPr lang="en-US" altLang="ko-KR" sz="731" dirty="0">
+                <a:solidFill>
+                  <a:prstClr val="black"/>
+                </a:solidFill>
+                <a:latin typeface="Calibri" panose="020F0502020204030204"/>
+                <a:ea typeface="맑은 고딕" panose="020B0503020000020004" pitchFamily="50" charset="-127"/>
+              </a:rPr>
+              <a:t>    {</a:t>
+            </a:r>
+          </a:p>
+          <a:p>
+            <a:pPr defTabSz="418013">
+              <a:defRPr/>
+            </a:pPr>
+            <a:r>
+              <a:rPr lang="en-US" altLang="ko-KR" sz="731" dirty="0">
+                <a:solidFill>
+                  <a:prstClr val="black"/>
+                </a:solidFill>
+                <a:latin typeface="Calibri" panose="020F0502020204030204"/>
+                <a:ea typeface="맑은 고딕" panose="020B0503020000020004" pitchFamily="50" charset="-127"/>
+              </a:rPr>
+              <a:t>      // Don't shut down the engine on scope exit when we are running embedded</a:t>
+            </a:r>
+          </a:p>
+          <a:p>
+            <a:pPr defTabSz="418013">
+              <a:defRPr/>
+            </a:pPr>
+            <a:r>
+              <a:rPr lang="en-US" altLang="ko-KR" sz="731" dirty="0">
+                <a:solidFill>
+                  <a:prstClr val="black"/>
+                </a:solidFill>
+                <a:latin typeface="Calibri" panose="020F0502020204030204"/>
+                <a:ea typeface="맑은 고딕" panose="020B0503020000020004" pitchFamily="50" charset="-127"/>
+              </a:rPr>
+              <a:t>      // because the outer application will take care of that.</a:t>
+            </a:r>
+          </a:p>
+          <a:p>
+            <a:pPr defTabSz="418013">
+              <a:defRPr/>
+            </a:pPr>
+            <a:r>
+              <a:rPr lang="en-US" altLang="ko-KR" sz="731" dirty="0">
+                <a:solidFill>
+                  <a:prstClr val="black"/>
+                </a:solidFill>
+                <a:latin typeface="Calibri" panose="020F0502020204030204"/>
+                <a:ea typeface="맑은 고딕" panose="020B0503020000020004" pitchFamily="50" charset="-127"/>
+              </a:rPr>
+              <a:t>      if (!</a:t>
+            </a:r>
+            <a:r>
+              <a:rPr lang="en-US" altLang="ko-KR" sz="731" dirty="0" err="1">
+                <a:solidFill>
+                  <a:prstClr val="black"/>
+                </a:solidFill>
+                <a:latin typeface="Calibri" panose="020F0502020204030204"/>
+                <a:ea typeface="맑은 고딕" panose="020B0503020000020004" pitchFamily="50" charset="-127"/>
+              </a:rPr>
+              <a:t>GUELibraryOverrideSettings.bIsEmbedded</a:t>
+            </a:r>
+            <a:r>
+              <a:rPr lang="en-US" altLang="ko-KR" sz="731" dirty="0">
+                <a:solidFill>
+                  <a:prstClr val="black"/>
+                </a:solidFill>
+                <a:latin typeface="Calibri" panose="020F0502020204030204"/>
+                <a:ea typeface="맑은 고딕" panose="020B0503020000020004" pitchFamily="50" charset="-127"/>
+              </a:rPr>
+              <a:t>)</a:t>
+            </a:r>
+          </a:p>
+          <a:p>
+            <a:pPr defTabSz="418013">
+              <a:defRPr/>
+            </a:pPr>
+            <a:r>
+              <a:rPr lang="en-US" altLang="ko-KR" sz="731" dirty="0">
+                <a:solidFill>
+                  <a:prstClr val="black"/>
+                </a:solidFill>
+                <a:latin typeface="Calibri" panose="020F0502020204030204"/>
+                <a:ea typeface="맑은 고딕" panose="020B0503020000020004" pitchFamily="50" charset="-127"/>
+              </a:rPr>
+              <a:t>      {</a:t>
+            </a:r>
+          </a:p>
+          <a:p>
+            <a:pPr defTabSz="418013">
+              <a:defRPr/>
+            </a:pPr>
+            <a:r>
+              <a:rPr lang="en-US" altLang="ko-KR" sz="731" dirty="0">
+                <a:solidFill>
+                  <a:prstClr val="black"/>
+                </a:solidFill>
+                <a:latin typeface="Calibri" panose="020F0502020204030204"/>
+                <a:ea typeface="맑은 고딕" panose="020B0503020000020004" pitchFamily="50" charset="-127"/>
+              </a:rPr>
+              <a:t>        </a:t>
+            </a:r>
+            <a:r>
+              <a:rPr lang="en-US" altLang="ko-KR" sz="731" dirty="0" err="1">
+                <a:solidFill>
+                  <a:prstClr val="black"/>
+                </a:solidFill>
+                <a:latin typeface="Calibri" panose="020F0502020204030204"/>
+                <a:ea typeface="맑은 고딕" panose="020B0503020000020004" pitchFamily="50" charset="-127"/>
+              </a:rPr>
+              <a:t>EngineExit</a:t>
+            </a:r>
+            <a:r>
+              <a:rPr lang="en-US" altLang="ko-KR" sz="731" dirty="0">
+                <a:solidFill>
+                  <a:prstClr val="black"/>
+                </a:solidFill>
+                <a:latin typeface="Calibri" panose="020F0502020204030204"/>
+                <a:ea typeface="맑은 고딕" panose="020B0503020000020004" pitchFamily="50" charset="-127"/>
+              </a:rPr>
+              <a:t>();</a:t>
+            </a:r>
+          </a:p>
+          <a:p>
+            <a:pPr defTabSz="418013">
+              <a:defRPr/>
+            </a:pPr>
+            <a:r>
+              <a:rPr lang="en-US" altLang="ko-KR" sz="731" dirty="0">
+                <a:solidFill>
+                  <a:prstClr val="black"/>
+                </a:solidFill>
+                <a:latin typeface="Calibri" panose="020F0502020204030204"/>
+                <a:ea typeface="맑은 고딕" panose="020B0503020000020004" pitchFamily="50" charset="-127"/>
+              </a:rPr>
+              <a:t>      }</a:t>
+            </a:r>
+          </a:p>
+          <a:p>
+            <a:pPr defTabSz="418013">
+              <a:defRPr/>
+            </a:pPr>
+            <a:r>
+              <a:rPr lang="en-US" altLang="ko-KR" sz="731" dirty="0">
+                <a:solidFill>
+                  <a:prstClr val="black"/>
+                </a:solidFill>
+                <a:latin typeface="Calibri" panose="020F0502020204030204"/>
+                <a:ea typeface="맑은 고딕" panose="020B0503020000020004" pitchFamily="50" charset="-127"/>
+              </a:rPr>
+              <a:t>    }</a:t>
+            </a:r>
+          </a:p>
+          <a:p>
+            <a:pPr defTabSz="418013">
+              <a:defRPr/>
+            </a:pPr>
+            <a:r>
+              <a:rPr lang="en-US" altLang="ko-KR" sz="731" dirty="0">
+                <a:solidFill>
+                  <a:prstClr val="black"/>
+                </a:solidFill>
+                <a:latin typeface="Calibri" panose="020F0502020204030204"/>
+                <a:ea typeface="맑은 고딕" panose="020B0503020000020004" pitchFamily="50" charset="-127"/>
+              </a:rPr>
+              <a:t>  } </a:t>
+            </a:r>
+            <a:r>
+              <a:rPr lang="en-US" altLang="ko-KR" sz="731" dirty="0" err="1">
+                <a:solidFill>
+                  <a:prstClr val="black"/>
+                </a:solidFill>
+                <a:latin typeface="Calibri" panose="020F0502020204030204"/>
+                <a:ea typeface="맑은 고딕" panose="020B0503020000020004" pitchFamily="50" charset="-127"/>
+              </a:rPr>
+              <a:t>CleanupGuard</a:t>
+            </a:r>
+            <a:r>
+              <a:rPr lang="en-US" altLang="ko-KR" sz="731" dirty="0">
+                <a:solidFill>
+                  <a:prstClr val="black"/>
+                </a:solidFill>
+                <a:latin typeface="Calibri" panose="020F0502020204030204"/>
+                <a:ea typeface="맑은 고딕" panose="020B0503020000020004" pitchFamily="50" charset="-127"/>
+              </a:rPr>
+              <a:t>;</a:t>
+            </a:r>
+          </a:p>
+          <a:p>
+            <a:pPr defTabSz="418013">
+              <a:defRPr/>
+            </a:pPr>
+            <a:endParaRPr lang="en-US" altLang="ko-KR" sz="731" dirty="0">
+              <a:solidFill>
+                <a:prstClr val="black"/>
+              </a:solidFill>
+              <a:latin typeface="Calibri" panose="020F0502020204030204"/>
+              <a:ea typeface="맑은 고딕" panose="020B0503020000020004" pitchFamily="50" charset="-127"/>
+            </a:endParaRPr>
+          </a:p>
+          <a:p>
+            <a:pPr defTabSz="418013">
+              <a:defRPr/>
+            </a:pPr>
+            <a:r>
+              <a:rPr lang="en-US" altLang="ko-KR" sz="731" dirty="0">
+                <a:solidFill>
+                  <a:prstClr val="black"/>
+                </a:solidFill>
+                <a:latin typeface="Calibri" panose="020F0502020204030204"/>
+                <a:ea typeface="맑은 고딕" panose="020B0503020000020004" pitchFamily="50" charset="-127"/>
+              </a:rPr>
+              <a:t>  // Set up minidump filename. We cannot do this directly inside main as we use an </a:t>
+            </a:r>
+            <a:r>
+              <a:rPr lang="en-US" altLang="ko-KR" sz="731" dirty="0" err="1">
+                <a:solidFill>
+                  <a:prstClr val="black"/>
+                </a:solidFill>
+                <a:latin typeface="Calibri" panose="020F0502020204030204"/>
+                <a:ea typeface="맑은 고딕" panose="020B0503020000020004" pitchFamily="50" charset="-127"/>
+              </a:rPr>
+              <a:t>FString</a:t>
+            </a:r>
+            <a:r>
+              <a:rPr lang="en-US" altLang="ko-KR" sz="731" dirty="0">
+                <a:solidFill>
+                  <a:prstClr val="black"/>
+                </a:solidFill>
+                <a:latin typeface="Calibri" panose="020F0502020204030204"/>
+                <a:ea typeface="맑은 고딕" panose="020B0503020000020004" pitchFamily="50" charset="-127"/>
+              </a:rPr>
+              <a:t> that requires </a:t>
+            </a:r>
+          </a:p>
+          <a:p>
+            <a:pPr defTabSz="418013">
+              <a:defRPr/>
+            </a:pPr>
+            <a:r>
+              <a:rPr lang="en-US" altLang="ko-KR" sz="731" dirty="0">
+                <a:solidFill>
+                  <a:prstClr val="black"/>
+                </a:solidFill>
+                <a:latin typeface="Calibri" panose="020F0502020204030204"/>
+                <a:ea typeface="맑은 고딕" panose="020B0503020000020004" pitchFamily="50" charset="-127"/>
+              </a:rPr>
+              <a:t>  // destruction and main uses SEH.</a:t>
+            </a:r>
+          </a:p>
+          <a:p>
+            <a:pPr defTabSz="418013">
+              <a:defRPr/>
+            </a:pPr>
+            <a:r>
+              <a:rPr lang="en-US" altLang="ko-KR" sz="731" dirty="0">
+                <a:solidFill>
+                  <a:prstClr val="black"/>
+                </a:solidFill>
+                <a:latin typeface="Calibri" panose="020F0502020204030204"/>
+                <a:ea typeface="맑은 고딕" panose="020B0503020000020004" pitchFamily="50" charset="-127"/>
+              </a:rPr>
+              <a:t>  // These names will be updated as soon as the </a:t>
+            </a:r>
+            <a:r>
+              <a:rPr lang="en-US" altLang="ko-KR" sz="731" dirty="0" err="1">
+                <a:solidFill>
+                  <a:prstClr val="black"/>
+                </a:solidFill>
+                <a:latin typeface="Calibri" panose="020F0502020204030204"/>
+                <a:ea typeface="맑은 고딕" panose="020B0503020000020004" pitchFamily="50" charset="-127"/>
+              </a:rPr>
+              <a:t>Filemanager</a:t>
+            </a:r>
+            <a:r>
+              <a:rPr lang="en-US" altLang="ko-KR" sz="731" dirty="0">
+                <a:solidFill>
+                  <a:prstClr val="black"/>
+                </a:solidFill>
+                <a:latin typeface="Calibri" panose="020F0502020204030204"/>
+                <a:ea typeface="맑은 고딕" panose="020B0503020000020004" pitchFamily="50" charset="-127"/>
+              </a:rPr>
+              <a:t> is set up so we can write to the log file.</a:t>
+            </a:r>
+          </a:p>
+          <a:p>
+            <a:pPr defTabSz="418013">
+              <a:defRPr/>
+            </a:pPr>
+            <a:r>
+              <a:rPr lang="en-US" altLang="ko-KR" sz="731" dirty="0">
+                <a:solidFill>
+                  <a:prstClr val="black"/>
+                </a:solidFill>
+                <a:latin typeface="Calibri" panose="020F0502020204030204"/>
+                <a:ea typeface="맑은 고딕" panose="020B0503020000020004" pitchFamily="50" charset="-127"/>
+              </a:rPr>
+              <a:t>  // That will also use the user folder for installed builds so we don't write into program files or whatever.</a:t>
+            </a:r>
+          </a:p>
+          <a:p>
+            <a:pPr defTabSz="418013">
+              <a:defRPr/>
+            </a:pPr>
+            <a:r>
+              <a:rPr lang="en-US" altLang="ko-KR" sz="731" dirty="0">
+                <a:solidFill>
+                  <a:prstClr val="black"/>
+                </a:solidFill>
+                <a:latin typeface="Calibri" panose="020F0502020204030204"/>
+                <a:ea typeface="맑은 고딕" panose="020B0503020000020004" pitchFamily="50" charset="-127"/>
+              </a:rPr>
+              <a:t>#if PLATFORM_WINDOWS</a:t>
+            </a:r>
+          </a:p>
+          <a:p>
+            <a:pPr defTabSz="418013">
+              <a:defRPr/>
+            </a:pPr>
+            <a:r>
+              <a:rPr lang="en-US" altLang="ko-KR" sz="731" dirty="0">
+                <a:solidFill>
+                  <a:prstClr val="black"/>
+                </a:solidFill>
+                <a:latin typeface="Calibri" panose="020F0502020204030204"/>
+                <a:ea typeface="맑은 고딕" panose="020B0503020000020004" pitchFamily="50" charset="-127"/>
+              </a:rPr>
+              <a:t>  </a:t>
+            </a:r>
+            <a:r>
+              <a:rPr lang="en-US" altLang="ko-KR" sz="731" dirty="0" err="1">
+                <a:solidFill>
+                  <a:prstClr val="black"/>
+                </a:solidFill>
+                <a:latin typeface="Calibri" panose="020F0502020204030204"/>
+                <a:ea typeface="맑은 고딕" panose="020B0503020000020004" pitchFamily="50" charset="-127"/>
+              </a:rPr>
+              <a:t>FCString</a:t>
+            </a:r>
+            <a:r>
+              <a:rPr lang="en-US" altLang="ko-KR" sz="731" dirty="0">
+                <a:solidFill>
+                  <a:prstClr val="black"/>
+                </a:solidFill>
+                <a:latin typeface="Calibri" panose="020F0502020204030204"/>
+                <a:ea typeface="맑은 고딕" panose="020B0503020000020004" pitchFamily="50" charset="-127"/>
+              </a:rPr>
+              <a:t>::</a:t>
+            </a:r>
+            <a:r>
+              <a:rPr lang="en-US" altLang="ko-KR" sz="731" dirty="0" err="1">
+                <a:solidFill>
+                  <a:prstClr val="black"/>
+                </a:solidFill>
+                <a:latin typeface="Calibri" panose="020F0502020204030204"/>
+                <a:ea typeface="맑은 고딕" panose="020B0503020000020004" pitchFamily="50" charset="-127"/>
+              </a:rPr>
+              <a:t>Strcpy</a:t>
+            </a:r>
+            <a:r>
+              <a:rPr lang="en-US" altLang="ko-KR" sz="731" dirty="0">
+                <a:solidFill>
+                  <a:prstClr val="black"/>
+                </a:solidFill>
+                <a:latin typeface="Calibri" panose="020F0502020204030204"/>
+                <a:ea typeface="맑은 고딕" panose="020B0503020000020004" pitchFamily="50" charset="-127"/>
+              </a:rPr>
+              <a:t>(</a:t>
+            </a:r>
+            <a:r>
+              <a:rPr lang="en-US" altLang="ko-KR" sz="731" dirty="0" err="1">
+                <a:solidFill>
+                  <a:prstClr val="black"/>
+                </a:solidFill>
+                <a:latin typeface="Calibri" panose="020F0502020204030204"/>
+                <a:ea typeface="맑은 고딕" panose="020B0503020000020004" pitchFamily="50" charset="-127"/>
+              </a:rPr>
+              <a:t>MiniDumpFilenameW</a:t>
+            </a:r>
+            <a:r>
+              <a:rPr lang="en-US" altLang="ko-KR" sz="731" dirty="0">
+                <a:solidFill>
+                  <a:prstClr val="black"/>
+                </a:solidFill>
+                <a:latin typeface="Calibri" panose="020F0502020204030204"/>
+                <a:ea typeface="맑은 고딕" panose="020B0503020000020004" pitchFamily="50" charset="-127"/>
+              </a:rPr>
+              <a:t>, *</a:t>
+            </a:r>
+            <a:r>
+              <a:rPr lang="en-US" altLang="ko-KR" sz="731" dirty="0" err="1">
+                <a:solidFill>
+                  <a:prstClr val="black"/>
+                </a:solidFill>
+                <a:latin typeface="Calibri" panose="020F0502020204030204"/>
+                <a:ea typeface="맑은 고딕" panose="020B0503020000020004" pitchFamily="50" charset="-127"/>
+              </a:rPr>
+              <a:t>FString</a:t>
+            </a:r>
+            <a:r>
+              <a:rPr lang="en-US" altLang="ko-KR" sz="731" dirty="0">
+                <a:solidFill>
+                  <a:prstClr val="black"/>
+                </a:solidFill>
+                <a:latin typeface="Calibri" panose="020F0502020204030204"/>
+                <a:ea typeface="맑은 고딕" panose="020B0503020000020004" pitchFamily="50" charset="-127"/>
+              </a:rPr>
+              <a:t>::</a:t>
+            </a:r>
+            <a:r>
+              <a:rPr lang="en-US" altLang="ko-KR" sz="731" dirty="0" err="1">
+                <a:solidFill>
+                  <a:prstClr val="black"/>
+                </a:solidFill>
+                <a:latin typeface="Calibri" panose="020F0502020204030204"/>
+                <a:ea typeface="맑은 고딕" panose="020B0503020000020004" pitchFamily="50" charset="-127"/>
+              </a:rPr>
+              <a:t>Printf</a:t>
+            </a:r>
+            <a:r>
+              <a:rPr lang="en-US" altLang="ko-KR" sz="731" dirty="0">
+                <a:solidFill>
+                  <a:prstClr val="black"/>
+                </a:solidFill>
+                <a:latin typeface="Calibri" panose="020F0502020204030204"/>
+                <a:ea typeface="맑은 고딕" panose="020B0503020000020004" pitchFamily="50" charset="-127"/>
+              </a:rPr>
+              <a:t>(TEXT("</a:t>
+            </a:r>
+            <a:r>
+              <a:rPr lang="en-US" altLang="ko-KR" sz="731" dirty="0" err="1">
+                <a:solidFill>
+                  <a:prstClr val="black"/>
+                </a:solidFill>
+                <a:latin typeface="Calibri" panose="020F0502020204030204"/>
+                <a:ea typeface="맑은 고딕" panose="020B0503020000020004" pitchFamily="50" charset="-127"/>
+              </a:rPr>
+              <a:t>unreal-v%i</a:t>
+            </a:r>
+            <a:r>
+              <a:rPr lang="en-US" altLang="ko-KR" sz="731" dirty="0">
+                <a:solidFill>
+                  <a:prstClr val="black"/>
+                </a:solidFill>
+                <a:latin typeface="Calibri" panose="020F0502020204030204"/>
+                <a:ea typeface="맑은 고딕" panose="020B0503020000020004" pitchFamily="50" charset="-127"/>
+              </a:rPr>
+              <a:t>-%</a:t>
+            </a:r>
+            <a:r>
+              <a:rPr lang="en-US" altLang="ko-KR" sz="731" dirty="0" err="1">
+                <a:solidFill>
+                  <a:prstClr val="black"/>
+                </a:solidFill>
+                <a:latin typeface="Calibri" panose="020F0502020204030204"/>
+                <a:ea typeface="맑은 고딕" panose="020B0503020000020004" pitchFamily="50" charset="-127"/>
+              </a:rPr>
+              <a:t>s.dmp</a:t>
+            </a:r>
+            <a:r>
+              <a:rPr lang="en-US" altLang="ko-KR" sz="731" dirty="0">
+                <a:solidFill>
+                  <a:prstClr val="black"/>
+                </a:solidFill>
+                <a:latin typeface="Calibri" panose="020F0502020204030204"/>
+                <a:ea typeface="맑은 고딕" panose="020B0503020000020004" pitchFamily="50" charset="-127"/>
+              </a:rPr>
+              <a:t>"), </a:t>
+            </a:r>
+            <a:r>
+              <a:rPr lang="en-US" altLang="ko-KR" sz="731" dirty="0" err="1">
+                <a:solidFill>
+                  <a:prstClr val="black"/>
+                </a:solidFill>
+                <a:latin typeface="Calibri" panose="020F0502020204030204"/>
+                <a:ea typeface="맑은 고딕" panose="020B0503020000020004" pitchFamily="50" charset="-127"/>
+              </a:rPr>
+              <a:t>FEngineVersion</a:t>
+            </a:r>
+            <a:r>
+              <a:rPr lang="en-US" altLang="ko-KR" sz="731" dirty="0">
+                <a:solidFill>
+                  <a:prstClr val="black"/>
+                </a:solidFill>
+                <a:latin typeface="Calibri" panose="020F0502020204030204"/>
+                <a:ea typeface="맑은 고딕" panose="020B0503020000020004" pitchFamily="50" charset="-127"/>
+              </a:rPr>
+              <a:t>::Current().</a:t>
+            </a:r>
+            <a:r>
+              <a:rPr lang="en-US" altLang="ko-KR" sz="731" dirty="0" err="1">
+                <a:solidFill>
+                  <a:prstClr val="black"/>
+                </a:solidFill>
+                <a:latin typeface="Calibri" panose="020F0502020204030204"/>
+                <a:ea typeface="맑은 고딕" panose="020B0503020000020004" pitchFamily="50" charset="-127"/>
+              </a:rPr>
+              <a:t>GetChangelist</a:t>
+            </a:r>
+            <a:r>
+              <a:rPr lang="en-US" altLang="ko-KR" sz="731" dirty="0">
+                <a:solidFill>
+                  <a:prstClr val="black"/>
+                </a:solidFill>
+                <a:latin typeface="Calibri" panose="020F0502020204030204"/>
+                <a:ea typeface="맑은 고딕" panose="020B0503020000020004" pitchFamily="50" charset="-127"/>
+              </a:rPr>
+              <a:t>(), *</a:t>
+            </a:r>
+            <a:r>
+              <a:rPr lang="en-US" altLang="ko-KR" sz="731" dirty="0" err="1">
+                <a:solidFill>
+                  <a:prstClr val="black"/>
+                </a:solidFill>
+                <a:latin typeface="Calibri" panose="020F0502020204030204"/>
+                <a:ea typeface="맑은 고딕" panose="020B0503020000020004" pitchFamily="50" charset="-127"/>
+              </a:rPr>
+              <a:t>FDateTime</a:t>
+            </a:r>
+            <a:r>
+              <a:rPr lang="en-US" altLang="ko-KR" sz="731" dirty="0">
+                <a:solidFill>
+                  <a:prstClr val="black"/>
+                </a:solidFill>
+                <a:latin typeface="Calibri" panose="020F0502020204030204"/>
+                <a:ea typeface="맑은 고딕" panose="020B0503020000020004" pitchFamily="50" charset="-127"/>
+              </a:rPr>
+              <a:t>::Now().</a:t>
+            </a:r>
+            <a:r>
+              <a:rPr lang="en-US" altLang="ko-KR" sz="731" dirty="0" err="1">
+                <a:solidFill>
+                  <a:prstClr val="black"/>
+                </a:solidFill>
+                <a:latin typeface="Calibri" panose="020F0502020204030204"/>
+                <a:ea typeface="맑은 고딕" panose="020B0503020000020004" pitchFamily="50" charset="-127"/>
+              </a:rPr>
+              <a:t>ToString</a:t>
+            </a:r>
+            <a:r>
+              <a:rPr lang="en-US" altLang="ko-KR" sz="731" dirty="0">
+                <a:solidFill>
+                  <a:prstClr val="black"/>
+                </a:solidFill>
+                <a:latin typeface="Calibri" panose="020F0502020204030204"/>
+                <a:ea typeface="맑은 고딕" panose="020B0503020000020004" pitchFamily="50" charset="-127"/>
+              </a:rPr>
+              <a:t>()));</a:t>
+            </a:r>
+          </a:p>
+          <a:p>
+            <a:pPr defTabSz="418013">
+              <a:defRPr/>
+            </a:pPr>
+            <a:r>
+              <a:rPr lang="en-US" altLang="ko-KR" sz="731" dirty="0">
+                <a:solidFill>
+                  <a:prstClr val="black"/>
+                </a:solidFill>
+                <a:latin typeface="Calibri" panose="020F0502020204030204"/>
+                <a:ea typeface="맑은 고딕" panose="020B0503020000020004" pitchFamily="50" charset="-127"/>
+              </a:rPr>
+              <a:t>#endif</a:t>
+            </a:r>
+          </a:p>
+          <a:p>
+            <a:pPr defTabSz="418013">
+              <a:defRPr/>
+            </a:pPr>
+            <a:endParaRPr lang="en-US" altLang="ko-KR" sz="731" dirty="0">
+              <a:solidFill>
+                <a:prstClr val="black"/>
+              </a:solidFill>
+              <a:latin typeface="Calibri" panose="020F0502020204030204"/>
+              <a:ea typeface="맑은 고딕" panose="020B0503020000020004" pitchFamily="50" charset="-127"/>
+            </a:endParaRPr>
+          </a:p>
+          <a:p>
+            <a:pPr defTabSz="418013">
+              <a:defRPr/>
+            </a:pPr>
+            <a:r>
+              <a:rPr lang="en-US" altLang="ko-KR" sz="731" dirty="0">
+                <a:solidFill>
+                  <a:prstClr val="black"/>
+                </a:solidFill>
+                <a:latin typeface="Calibri" panose="020F0502020204030204"/>
+                <a:ea typeface="맑은 고딕" panose="020B0503020000020004" pitchFamily="50" charset="-127"/>
+              </a:rPr>
+              <a:t>  </a:t>
+            </a:r>
+            <a:r>
+              <a:rPr lang="en-US" altLang="ko-KR" sz="731" dirty="0" err="1">
+                <a:solidFill>
+                  <a:prstClr val="black"/>
+                </a:solidFill>
+                <a:latin typeface="Calibri" panose="020F0502020204030204"/>
+                <a:ea typeface="맑은 고딕" panose="020B0503020000020004" pitchFamily="50" charset="-127"/>
+              </a:rPr>
+              <a:t>FTrackedActivity</a:t>
+            </a:r>
+            <a:r>
+              <a:rPr lang="en-US" altLang="ko-KR" sz="731" dirty="0">
+                <a:solidFill>
+                  <a:prstClr val="black"/>
+                </a:solidFill>
+                <a:latin typeface="Calibri" panose="020F0502020204030204"/>
+                <a:ea typeface="맑은 고딕" panose="020B0503020000020004" pitchFamily="50" charset="-127"/>
+              </a:rPr>
+              <a:t>::</a:t>
+            </a:r>
+            <a:r>
+              <a:rPr lang="en-US" altLang="ko-KR" sz="731" dirty="0" err="1">
+                <a:solidFill>
+                  <a:prstClr val="black"/>
+                </a:solidFill>
+                <a:latin typeface="Calibri" panose="020F0502020204030204"/>
+                <a:ea typeface="맑은 고딕" panose="020B0503020000020004" pitchFamily="50" charset="-127"/>
+              </a:rPr>
+              <a:t>GetEngineActivity</a:t>
+            </a:r>
+            <a:r>
+              <a:rPr lang="en-US" altLang="ko-KR" sz="731" dirty="0">
+                <a:solidFill>
+                  <a:prstClr val="black"/>
+                </a:solidFill>
+                <a:latin typeface="Calibri" panose="020F0502020204030204"/>
+                <a:ea typeface="맑은 고딕" panose="020B0503020000020004" pitchFamily="50" charset="-127"/>
+              </a:rPr>
+              <a:t>().Update(TEXT("Initializing"));</a:t>
+            </a:r>
+          </a:p>
+          <a:p>
+            <a:pPr defTabSz="418013">
+              <a:defRPr/>
+            </a:pPr>
+            <a:r>
+              <a:rPr lang="en-US" altLang="ko-KR" sz="731" dirty="0">
+                <a:solidFill>
+                  <a:prstClr val="black"/>
+                </a:solidFill>
+                <a:latin typeface="Calibri" panose="020F0502020204030204"/>
+                <a:ea typeface="맑은 고딕" panose="020B0503020000020004" pitchFamily="50" charset="-127"/>
+              </a:rPr>
+              <a:t>  int32 </a:t>
+            </a:r>
+            <a:r>
+              <a:rPr lang="en-US" altLang="ko-KR" sz="731" dirty="0" err="1">
+                <a:solidFill>
+                  <a:prstClr val="black"/>
+                </a:solidFill>
+                <a:latin typeface="Calibri" panose="020F0502020204030204"/>
+                <a:ea typeface="맑은 고딕" panose="020B0503020000020004" pitchFamily="50" charset="-127"/>
+              </a:rPr>
+              <a:t>ErrorLevel</a:t>
+            </a:r>
+            <a:r>
+              <a:rPr lang="en-US" altLang="ko-KR" sz="731" dirty="0">
+                <a:solidFill>
+                  <a:prstClr val="black"/>
+                </a:solidFill>
+                <a:latin typeface="Calibri" panose="020F0502020204030204"/>
+                <a:ea typeface="맑은 고딕" panose="020B0503020000020004" pitchFamily="50" charset="-127"/>
+              </a:rPr>
+              <a:t> = </a:t>
+            </a:r>
+            <a:r>
+              <a:rPr lang="en-US" altLang="ko-KR" sz="731" dirty="0" err="1">
+                <a:solidFill>
+                  <a:prstClr val="black"/>
+                </a:solidFill>
+                <a:latin typeface="Calibri" panose="020F0502020204030204"/>
+                <a:ea typeface="맑은 고딕" panose="020B0503020000020004" pitchFamily="50" charset="-127"/>
+              </a:rPr>
+              <a:t>EnginePreInit</a:t>
+            </a:r>
+            <a:r>
+              <a:rPr lang="en-US" altLang="ko-KR" sz="731" dirty="0">
+                <a:solidFill>
+                  <a:prstClr val="black"/>
+                </a:solidFill>
+                <a:latin typeface="Calibri" panose="020F0502020204030204"/>
+                <a:ea typeface="맑은 고딕" panose="020B0503020000020004" pitchFamily="50" charset="-127"/>
+              </a:rPr>
+              <a:t>( </a:t>
+            </a:r>
+            <a:r>
+              <a:rPr lang="en-US" altLang="ko-KR" sz="731" dirty="0" err="1">
+                <a:solidFill>
+                  <a:prstClr val="black"/>
+                </a:solidFill>
+                <a:latin typeface="Calibri" panose="020F0502020204030204"/>
+                <a:ea typeface="맑은 고딕" panose="020B0503020000020004" pitchFamily="50" charset="-127"/>
+              </a:rPr>
+              <a:t>CmdLine</a:t>
+            </a:r>
+            <a:r>
+              <a:rPr lang="en-US" altLang="ko-KR" sz="731" dirty="0">
+                <a:solidFill>
+                  <a:prstClr val="black"/>
+                </a:solidFill>
+                <a:latin typeface="Calibri" panose="020F0502020204030204"/>
+                <a:ea typeface="맑은 고딕" panose="020B0503020000020004" pitchFamily="50" charset="-127"/>
+              </a:rPr>
+              <a:t> );</a:t>
+            </a:r>
+          </a:p>
+          <a:p>
+            <a:pPr defTabSz="418013">
+              <a:defRPr/>
+            </a:pPr>
+            <a:endParaRPr lang="en-US" altLang="ko-KR" sz="731" dirty="0">
+              <a:solidFill>
+                <a:prstClr val="black"/>
+              </a:solidFill>
+              <a:latin typeface="Calibri" panose="020F0502020204030204"/>
+              <a:ea typeface="맑은 고딕" panose="020B0503020000020004" pitchFamily="50" charset="-127"/>
+            </a:endParaRPr>
+          </a:p>
+          <a:p>
+            <a:pPr defTabSz="418013">
+              <a:defRPr/>
+            </a:pPr>
+            <a:r>
+              <a:rPr lang="en-US" altLang="ko-KR" sz="731" dirty="0">
+                <a:solidFill>
+                  <a:prstClr val="black"/>
+                </a:solidFill>
+                <a:latin typeface="Calibri" panose="020F0502020204030204"/>
+                <a:ea typeface="맑은 고딕" panose="020B0503020000020004" pitchFamily="50" charset="-127"/>
+              </a:rPr>
+              <a:t>  // exit if </a:t>
+            </a:r>
+            <a:r>
+              <a:rPr lang="en-US" altLang="ko-KR" sz="731" dirty="0" err="1">
+                <a:solidFill>
+                  <a:prstClr val="black"/>
+                </a:solidFill>
+                <a:latin typeface="Calibri" panose="020F0502020204030204"/>
+                <a:ea typeface="맑은 고딕" panose="020B0503020000020004" pitchFamily="50" charset="-127"/>
+              </a:rPr>
+              <a:t>PreInit</a:t>
+            </a:r>
+            <a:r>
+              <a:rPr lang="en-US" altLang="ko-KR" sz="731" dirty="0">
+                <a:solidFill>
+                  <a:prstClr val="black"/>
+                </a:solidFill>
+                <a:latin typeface="Calibri" panose="020F0502020204030204"/>
+                <a:ea typeface="맑은 고딕" panose="020B0503020000020004" pitchFamily="50" charset="-127"/>
+              </a:rPr>
+              <a:t> failed.</a:t>
+            </a:r>
+          </a:p>
+          <a:p>
+            <a:pPr defTabSz="418013">
+              <a:defRPr/>
+            </a:pPr>
+            <a:r>
+              <a:rPr lang="en-US" altLang="ko-KR" sz="731" dirty="0">
+                <a:solidFill>
+                  <a:prstClr val="black"/>
+                </a:solidFill>
+                <a:latin typeface="Calibri" panose="020F0502020204030204"/>
+                <a:ea typeface="맑은 고딕" panose="020B0503020000020004" pitchFamily="50" charset="-127"/>
+              </a:rPr>
+              <a:t>  if ( </a:t>
+            </a:r>
+            <a:r>
+              <a:rPr lang="en-US" altLang="ko-KR" sz="731" dirty="0" err="1">
+                <a:solidFill>
+                  <a:prstClr val="black"/>
+                </a:solidFill>
+                <a:latin typeface="Calibri" panose="020F0502020204030204"/>
+                <a:ea typeface="맑은 고딕" panose="020B0503020000020004" pitchFamily="50" charset="-127"/>
+              </a:rPr>
+              <a:t>ErrorLevel</a:t>
+            </a:r>
+            <a:r>
+              <a:rPr lang="en-US" altLang="ko-KR" sz="731" dirty="0">
+                <a:solidFill>
+                  <a:prstClr val="black"/>
+                </a:solidFill>
+                <a:latin typeface="Calibri" panose="020F0502020204030204"/>
+                <a:ea typeface="맑은 고딕" panose="020B0503020000020004" pitchFamily="50" charset="-127"/>
+              </a:rPr>
+              <a:t> != 0 || </a:t>
+            </a:r>
+            <a:r>
+              <a:rPr lang="en-US" altLang="ko-KR" sz="731" dirty="0" err="1">
+                <a:solidFill>
+                  <a:prstClr val="black"/>
+                </a:solidFill>
+                <a:latin typeface="Calibri" panose="020F0502020204030204"/>
+                <a:ea typeface="맑은 고딕" panose="020B0503020000020004" pitchFamily="50" charset="-127"/>
+              </a:rPr>
+              <a:t>IsEngineExitRequested</a:t>
+            </a:r>
+            <a:r>
+              <a:rPr lang="en-US" altLang="ko-KR" sz="731" dirty="0">
+                <a:solidFill>
+                  <a:prstClr val="black"/>
+                </a:solidFill>
+                <a:latin typeface="Calibri" panose="020F0502020204030204"/>
+                <a:ea typeface="맑은 고딕" panose="020B0503020000020004" pitchFamily="50" charset="-127"/>
+              </a:rPr>
+              <a:t>() )</a:t>
+            </a:r>
+          </a:p>
+          <a:p>
+            <a:pPr defTabSz="418013">
+              <a:defRPr/>
+            </a:pPr>
+            <a:r>
+              <a:rPr lang="en-US" altLang="ko-KR" sz="731" dirty="0">
+                <a:solidFill>
+                  <a:prstClr val="black"/>
+                </a:solidFill>
+                <a:latin typeface="Calibri" panose="020F0502020204030204"/>
+                <a:ea typeface="맑은 고딕" panose="020B0503020000020004" pitchFamily="50" charset="-127"/>
+              </a:rPr>
+              <a:t>  {</a:t>
+            </a:r>
+          </a:p>
+          <a:p>
+            <a:pPr defTabSz="418013">
+              <a:defRPr/>
+            </a:pPr>
+            <a:r>
+              <a:rPr lang="en-US" altLang="ko-KR" sz="731" dirty="0">
+                <a:solidFill>
+                  <a:prstClr val="black"/>
+                </a:solidFill>
+                <a:latin typeface="Calibri" panose="020F0502020204030204"/>
+                <a:ea typeface="맑은 고딕" panose="020B0503020000020004" pitchFamily="50" charset="-127"/>
+              </a:rPr>
+              <a:t>    return </a:t>
+            </a:r>
+            <a:r>
+              <a:rPr lang="en-US" altLang="ko-KR" sz="731" dirty="0" err="1">
+                <a:solidFill>
+                  <a:prstClr val="black"/>
+                </a:solidFill>
+                <a:latin typeface="Calibri" panose="020F0502020204030204"/>
+                <a:ea typeface="맑은 고딕" panose="020B0503020000020004" pitchFamily="50" charset="-127"/>
+              </a:rPr>
+              <a:t>ErrorLevel</a:t>
+            </a:r>
+            <a:r>
+              <a:rPr lang="en-US" altLang="ko-KR" sz="731" dirty="0">
+                <a:solidFill>
+                  <a:prstClr val="black"/>
+                </a:solidFill>
+                <a:latin typeface="Calibri" panose="020F0502020204030204"/>
+                <a:ea typeface="맑은 고딕" panose="020B0503020000020004" pitchFamily="50" charset="-127"/>
+              </a:rPr>
+              <a:t>;</a:t>
+            </a:r>
+          </a:p>
+          <a:p>
+            <a:pPr defTabSz="418013">
+              <a:defRPr/>
+            </a:pPr>
+            <a:r>
+              <a:rPr lang="en-US" altLang="ko-KR" sz="731" dirty="0">
+                <a:solidFill>
+                  <a:prstClr val="black"/>
+                </a:solidFill>
+                <a:latin typeface="Calibri" panose="020F0502020204030204"/>
+                <a:ea typeface="맑은 고딕" panose="020B0503020000020004" pitchFamily="50" charset="-127"/>
+              </a:rPr>
+              <a:t>  }</a:t>
+            </a:r>
+          </a:p>
+          <a:p>
+            <a:pPr defTabSz="418013">
+              <a:defRPr/>
+            </a:pPr>
+            <a:endParaRPr lang="en-US" altLang="ko-KR" sz="731" dirty="0">
+              <a:solidFill>
+                <a:prstClr val="black"/>
+              </a:solidFill>
+              <a:latin typeface="Calibri" panose="020F0502020204030204"/>
+              <a:ea typeface="맑은 고딕" panose="020B0503020000020004" pitchFamily="50" charset="-127"/>
+            </a:endParaRPr>
+          </a:p>
+          <a:p>
+            <a:pPr defTabSz="418013">
+              <a:defRPr/>
+            </a:pPr>
+            <a:r>
+              <a:rPr lang="en-US" altLang="ko-KR" sz="731" dirty="0">
+                <a:solidFill>
+                  <a:prstClr val="black"/>
+                </a:solidFill>
+                <a:latin typeface="Calibri" panose="020F0502020204030204"/>
+                <a:ea typeface="맑은 고딕" panose="020B0503020000020004" pitchFamily="50" charset="-127"/>
+              </a:rPr>
+              <a:t>  {</a:t>
+            </a:r>
+          </a:p>
+          <a:p>
+            <a:pPr defTabSz="418013">
+              <a:defRPr/>
+            </a:pPr>
+            <a:r>
+              <a:rPr lang="en-US" altLang="ko-KR" sz="731" dirty="0">
+                <a:solidFill>
+                  <a:prstClr val="black"/>
+                </a:solidFill>
+                <a:latin typeface="Calibri" panose="020F0502020204030204"/>
+                <a:ea typeface="맑은 고딕" panose="020B0503020000020004" pitchFamily="50" charset="-127"/>
+              </a:rPr>
+              <a:t>    </a:t>
+            </a:r>
+            <a:r>
+              <a:rPr lang="en-US" altLang="ko-KR" sz="731" dirty="0" err="1">
+                <a:solidFill>
+                  <a:prstClr val="black"/>
+                </a:solidFill>
+                <a:latin typeface="Calibri" panose="020F0502020204030204"/>
+                <a:ea typeface="맑은 고딕" panose="020B0503020000020004" pitchFamily="50" charset="-127"/>
+              </a:rPr>
+              <a:t>FScopedSlowTask</a:t>
+            </a:r>
+            <a:r>
+              <a:rPr lang="en-US" altLang="ko-KR" sz="731" dirty="0">
+                <a:solidFill>
+                  <a:prstClr val="black"/>
+                </a:solidFill>
+                <a:latin typeface="Calibri" panose="020F0502020204030204"/>
+                <a:ea typeface="맑은 고딕" panose="020B0503020000020004" pitchFamily="50" charset="-127"/>
+              </a:rPr>
+              <a:t> </a:t>
+            </a:r>
+            <a:r>
+              <a:rPr lang="en-US" altLang="ko-KR" sz="731" dirty="0" err="1">
+                <a:solidFill>
+                  <a:prstClr val="black"/>
+                </a:solidFill>
+                <a:latin typeface="Calibri" panose="020F0502020204030204"/>
+                <a:ea typeface="맑은 고딕" panose="020B0503020000020004" pitchFamily="50" charset="-127"/>
+              </a:rPr>
+              <a:t>SlowTask</a:t>
+            </a:r>
+            <a:r>
+              <a:rPr lang="en-US" altLang="ko-KR" sz="731" dirty="0">
+                <a:solidFill>
+                  <a:prstClr val="black"/>
+                </a:solidFill>
+                <a:latin typeface="Calibri" panose="020F0502020204030204"/>
+                <a:ea typeface="맑은 고딕" panose="020B0503020000020004" pitchFamily="50" charset="-127"/>
+              </a:rPr>
+              <a:t>(100, NSLOCTEXT("</a:t>
+            </a:r>
+            <a:r>
+              <a:rPr lang="en-US" altLang="ko-KR" sz="731" dirty="0" err="1">
+                <a:solidFill>
+                  <a:prstClr val="black"/>
+                </a:solidFill>
+                <a:latin typeface="Calibri" panose="020F0502020204030204"/>
+                <a:ea typeface="맑은 고딕" panose="020B0503020000020004" pitchFamily="50" charset="-127"/>
+              </a:rPr>
+              <a:t>EngineInit</a:t>
+            </a:r>
+            <a:r>
+              <a:rPr lang="en-US" altLang="ko-KR" sz="731" dirty="0">
+                <a:solidFill>
+                  <a:prstClr val="black"/>
+                </a:solidFill>
+                <a:latin typeface="Calibri" panose="020F0502020204030204"/>
+                <a:ea typeface="맑은 고딕" panose="020B0503020000020004" pitchFamily="50" charset="-127"/>
+              </a:rPr>
+              <a:t>", "</a:t>
+            </a:r>
+            <a:r>
+              <a:rPr lang="en-US" altLang="ko-KR" sz="731" dirty="0" err="1">
+                <a:solidFill>
+                  <a:prstClr val="black"/>
+                </a:solidFill>
+                <a:latin typeface="Calibri" panose="020F0502020204030204"/>
+                <a:ea typeface="맑은 고딕" panose="020B0503020000020004" pitchFamily="50" charset="-127"/>
+              </a:rPr>
+              <a:t>EngineInit_Loading</a:t>
+            </a:r>
+            <a:r>
+              <a:rPr lang="en-US" altLang="ko-KR" sz="731" dirty="0">
+                <a:solidFill>
+                  <a:prstClr val="black"/>
+                </a:solidFill>
+                <a:latin typeface="Calibri" panose="020F0502020204030204"/>
+                <a:ea typeface="맑은 고딕" panose="020B0503020000020004" pitchFamily="50" charset="-127"/>
+              </a:rPr>
+              <a:t>", "Loading..."));</a:t>
+            </a:r>
+          </a:p>
+          <a:p>
+            <a:pPr defTabSz="418013">
+              <a:defRPr/>
+            </a:pPr>
+            <a:endParaRPr lang="en-US" altLang="ko-KR" sz="731" dirty="0">
+              <a:solidFill>
+                <a:prstClr val="black"/>
+              </a:solidFill>
+              <a:latin typeface="Calibri" panose="020F0502020204030204"/>
+              <a:ea typeface="맑은 고딕" panose="020B0503020000020004" pitchFamily="50" charset="-127"/>
+            </a:endParaRPr>
+          </a:p>
+          <a:p>
+            <a:pPr defTabSz="418013">
+              <a:defRPr/>
+            </a:pPr>
+            <a:r>
+              <a:rPr lang="en-US" altLang="ko-KR" sz="731" dirty="0">
+                <a:solidFill>
+                  <a:prstClr val="black"/>
+                </a:solidFill>
+                <a:latin typeface="Calibri" panose="020F0502020204030204"/>
+                <a:ea typeface="맑은 고딕" panose="020B0503020000020004" pitchFamily="50" charset="-127"/>
+              </a:rPr>
+              <a:t>    // </a:t>
+            </a:r>
+            <a:r>
+              <a:rPr lang="en-US" altLang="ko-KR" sz="731" dirty="0" err="1">
+                <a:solidFill>
+                  <a:prstClr val="black"/>
+                </a:solidFill>
+                <a:latin typeface="Calibri" panose="020F0502020204030204"/>
+                <a:ea typeface="맑은 고딕" panose="020B0503020000020004" pitchFamily="50" charset="-127"/>
+              </a:rPr>
+              <a:t>EnginePreInit</a:t>
+            </a:r>
+            <a:r>
+              <a:rPr lang="en-US" altLang="ko-KR" sz="731" dirty="0">
+                <a:solidFill>
+                  <a:prstClr val="black"/>
+                </a:solidFill>
+                <a:latin typeface="Calibri" panose="020F0502020204030204"/>
+                <a:ea typeface="맑은 고딕" panose="020B0503020000020004" pitchFamily="50" charset="-127"/>
+              </a:rPr>
+              <a:t> leaves 20% unused in its slow task.</a:t>
+            </a:r>
+          </a:p>
+          <a:p>
+            <a:pPr defTabSz="418013">
+              <a:defRPr/>
+            </a:pPr>
+            <a:r>
+              <a:rPr lang="en-US" altLang="ko-KR" sz="731" dirty="0">
+                <a:solidFill>
+                  <a:prstClr val="black"/>
+                </a:solidFill>
+                <a:latin typeface="Calibri" panose="020F0502020204030204"/>
+                <a:ea typeface="맑은 고딕" panose="020B0503020000020004" pitchFamily="50" charset="-127"/>
+              </a:rPr>
+              <a:t>    // Here we consume 80% immediately so that the percentage value on the splash screen doesn't change from one slow task to the next.</a:t>
+            </a:r>
+          </a:p>
+          <a:p>
+            <a:pPr defTabSz="418013">
+              <a:defRPr/>
+            </a:pPr>
+            <a:r>
+              <a:rPr lang="en-US" altLang="ko-KR" sz="731" dirty="0">
+                <a:solidFill>
+                  <a:prstClr val="black"/>
+                </a:solidFill>
+                <a:latin typeface="Calibri" panose="020F0502020204030204"/>
+                <a:ea typeface="맑은 고딕" panose="020B0503020000020004" pitchFamily="50" charset="-127"/>
+              </a:rPr>
+              <a:t>    // (Note, we can't include the call to </a:t>
+            </a:r>
+            <a:r>
+              <a:rPr lang="en-US" altLang="ko-KR" sz="731" dirty="0" err="1">
+                <a:solidFill>
+                  <a:prstClr val="black"/>
+                </a:solidFill>
+                <a:latin typeface="Calibri" panose="020F0502020204030204"/>
+                <a:ea typeface="맑은 고딕" panose="020B0503020000020004" pitchFamily="50" charset="-127"/>
+              </a:rPr>
+              <a:t>EnginePreInit</a:t>
+            </a:r>
+            <a:r>
+              <a:rPr lang="en-US" altLang="ko-KR" sz="731" dirty="0">
+                <a:solidFill>
+                  <a:prstClr val="black"/>
+                </a:solidFill>
+                <a:latin typeface="Calibri" panose="020F0502020204030204"/>
+                <a:ea typeface="맑은 고딕" panose="020B0503020000020004" pitchFamily="50" charset="-127"/>
+              </a:rPr>
+              <a:t> in this </a:t>
+            </a:r>
+            <a:r>
+              <a:rPr lang="en-US" altLang="ko-KR" sz="731" dirty="0" err="1">
+                <a:solidFill>
+                  <a:prstClr val="black"/>
+                </a:solidFill>
+                <a:latin typeface="Calibri" panose="020F0502020204030204"/>
+                <a:ea typeface="맑은 고딕" panose="020B0503020000020004" pitchFamily="50" charset="-127"/>
+              </a:rPr>
+              <a:t>ScopedSlowTask</a:t>
+            </a:r>
+            <a:r>
+              <a:rPr lang="en-US" altLang="ko-KR" sz="731" dirty="0">
+                <a:solidFill>
+                  <a:prstClr val="black"/>
+                </a:solidFill>
+                <a:latin typeface="Calibri" panose="020F0502020204030204"/>
+                <a:ea typeface="맑은 고딕" panose="020B0503020000020004" pitchFamily="50" charset="-127"/>
+              </a:rPr>
+              <a:t>, because the engine isn't fully initialized at that point)</a:t>
+            </a:r>
+          </a:p>
+          <a:p>
+            <a:pPr defTabSz="418013">
+              <a:defRPr/>
+            </a:pPr>
+            <a:r>
+              <a:rPr lang="en-US" altLang="ko-KR" sz="731" dirty="0">
+                <a:solidFill>
+                  <a:prstClr val="black"/>
+                </a:solidFill>
+                <a:latin typeface="Calibri" panose="020F0502020204030204"/>
+                <a:ea typeface="맑은 고딕" panose="020B0503020000020004" pitchFamily="50" charset="-127"/>
+              </a:rPr>
+              <a:t>    </a:t>
+            </a:r>
+            <a:r>
+              <a:rPr lang="en-US" altLang="ko-KR" sz="731" dirty="0" err="1">
+                <a:solidFill>
+                  <a:prstClr val="black"/>
+                </a:solidFill>
+                <a:latin typeface="Calibri" panose="020F0502020204030204"/>
+                <a:ea typeface="맑은 고딕" panose="020B0503020000020004" pitchFamily="50" charset="-127"/>
+              </a:rPr>
+              <a:t>SlowTask.EnterProgressFrame</a:t>
+            </a:r>
+            <a:r>
+              <a:rPr lang="en-US" altLang="ko-KR" sz="731" dirty="0">
+                <a:solidFill>
+                  <a:prstClr val="black"/>
+                </a:solidFill>
+                <a:latin typeface="Calibri" panose="020F0502020204030204"/>
+                <a:ea typeface="맑은 고딕" panose="020B0503020000020004" pitchFamily="50" charset="-127"/>
+              </a:rPr>
+              <a:t>(80);</a:t>
+            </a:r>
+          </a:p>
+          <a:p>
+            <a:pPr defTabSz="418013">
+              <a:defRPr/>
+            </a:pPr>
+            <a:endParaRPr lang="en-US" altLang="ko-KR" sz="731" dirty="0">
+              <a:solidFill>
+                <a:prstClr val="black"/>
+              </a:solidFill>
+              <a:latin typeface="Calibri" panose="020F0502020204030204"/>
+              <a:ea typeface="맑은 고딕" panose="020B0503020000020004" pitchFamily="50" charset="-127"/>
+            </a:endParaRPr>
+          </a:p>
+          <a:p>
+            <a:pPr defTabSz="418013">
+              <a:defRPr/>
+            </a:pPr>
+            <a:r>
+              <a:rPr lang="en-US" altLang="ko-KR" sz="731" dirty="0">
+                <a:solidFill>
+                  <a:prstClr val="black"/>
+                </a:solidFill>
+                <a:latin typeface="Calibri" panose="020F0502020204030204"/>
+                <a:ea typeface="맑은 고딕" panose="020B0503020000020004" pitchFamily="50" charset="-127"/>
+              </a:rPr>
+              <a:t>    </a:t>
+            </a:r>
+            <a:r>
+              <a:rPr lang="en-US" altLang="ko-KR" sz="731" dirty="0" err="1">
+                <a:solidFill>
+                  <a:prstClr val="black"/>
+                </a:solidFill>
+                <a:latin typeface="Calibri" panose="020F0502020204030204"/>
+                <a:ea typeface="맑은 고딕" panose="020B0503020000020004" pitchFamily="50" charset="-127"/>
+              </a:rPr>
+              <a:t>SlowTask.EnterProgressFrame</a:t>
+            </a:r>
+            <a:r>
+              <a:rPr lang="en-US" altLang="ko-KR" sz="731" dirty="0">
+                <a:solidFill>
+                  <a:prstClr val="black"/>
+                </a:solidFill>
+                <a:latin typeface="Calibri" panose="020F0502020204030204"/>
+                <a:ea typeface="맑은 고딕" panose="020B0503020000020004" pitchFamily="50" charset="-127"/>
+              </a:rPr>
+              <a:t>(20);</a:t>
+            </a:r>
+          </a:p>
+          <a:p>
+            <a:pPr defTabSz="418013">
+              <a:defRPr/>
+            </a:pPr>
+            <a:endParaRPr lang="en-US" altLang="ko-KR" sz="731" dirty="0">
+              <a:solidFill>
+                <a:prstClr val="black"/>
+              </a:solidFill>
+              <a:latin typeface="Calibri" panose="020F0502020204030204"/>
+              <a:ea typeface="맑은 고딕" panose="020B0503020000020004" pitchFamily="50" charset="-127"/>
+            </a:endParaRPr>
+          </a:p>
+          <a:p>
+            <a:pPr defTabSz="418013">
+              <a:defRPr/>
+            </a:pPr>
+            <a:r>
+              <a:rPr lang="en-US" altLang="ko-KR" sz="731" dirty="0">
+                <a:solidFill>
+                  <a:prstClr val="black"/>
+                </a:solidFill>
+                <a:latin typeface="Calibri" panose="020F0502020204030204"/>
+                <a:ea typeface="맑은 고딕" panose="020B0503020000020004" pitchFamily="50" charset="-127"/>
+              </a:rPr>
+              <a:t>#if WITH_EDITOR</a:t>
+            </a:r>
+          </a:p>
+          <a:p>
+            <a:pPr defTabSz="418013">
+              <a:defRPr/>
+            </a:pPr>
+            <a:r>
+              <a:rPr lang="en-US" altLang="ko-KR" sz="731" dirty="0">
+                <a:solidFill>
+                  <a:prstClr val="black"/>
+                </a:solidFill>
+                <a:latin typeface="Calibri" panose="020F0502020204030204"/>
+                <a:ea typeface="맑은 고딕" panose="020B0503020000020004" pitchFamily="50" charset="-127"/>
+              </a:rPr>
+              <a:t>    if (</a:t>
+            </a:r>
+            <a:r>
+              <a:rPr lang="en-US" altLang="ko-KR" sz="731" dirty="0" err="1">
+                <a:solidFill>
+                  <a:prstClr val="black"/>
+                </a:solidFill>
+                <a:latin typeface="Calibri" panose="020F0502020204030204"/>
+                <a:ea typeface="맑은 고딕" panose="020B0503020000020004" pitchFamily="50" charset="-127"/>
+              </a:rPr>
+              <a:t>GIsEditor</a:t>
+            </a:r>
+            <a:r>
+              <a:rPr lang="en-US" altLang="ko-KR" sz="731" dirty="0">
+                <a:solidFill>
+                  <a:prstClr val="black"/>
+                </a:solidFill>
+                <a:latin typeface="Calibri" panose="020F0502020204030204"/>
+                <a:ea typeface="맑은 고딕" panose="020B0503020000020004" pitchFamily="50" charset="-127"/>
+              </a:rPr>
+              <a:t>)</a:t>
+            </a:r>
+          </a:p>
+          <a:p>
+            <a:pPr defTabSz="418013">
+              <a:defRPr/>
+            </a:pPr>
+            <a:r>
+              <a:rPr lang="en-US" altLang="ko-KR" sz="731" dirty="0">
+                <a:solidFill>
+                  <a:prstClr val="black"/>
+                </a:solidFill>
+                <a:latin typeface="Calibri" panose="020F0502020204030204"/>
+                <a:ea typeface="맑은 고딕" panose="020B0503020000020004" pitchFamily="50" charset="-127"/>
+              </a:rPr>
+              <a:t>    {</a:t>
+            </a:r>
+          </a:p>
+          <a:p>
+            <a:pPr defTabSz="418013">
+              <a:defRPr/>
+            </a:pPr>
+            <a:r>
+              <a:rPr lang="en-US" altLang="ko-KR" sz="731" dirty="0">
+                <a:solidFill>
+                  <a:prstClr val="black"/>
+                </a:solidFill>
+                <a:latin typeface="Calibri" panose="020F0502020204030204"/>
+                <a:ea typeface="맑은 고딕" panose="020B0503020000020004" pitchFamily="50" charset="-127"/>
+              </a:rPr>
+              <a:t>      </a:t>
+            </a:r>
+            <a:r>
+              <a:rPr lang="en-US" altLang="ko-KR" sz="731" dirty="0" err="1">
+                <a:solidFill>
+                  <a:prstClr val="black"/>
+                </a:solidFill>
+                <a:latin typeface="Calibri" panose="020F0502020204030204"/>
+                <a:ea typeface="맑은 고딕" panose="020B0503020000020004" pitchFamily="50" charset="-127"/>
+              </a:rPr>
+              <a:t>ErrorLevel</a:t>
+            </a:r>
+            <a:r>
+              <a:rPr lang="en-US" altLang="ko-KR" sz="731" dirty="0">
+                <a:solidFill>
+                  <a:prstClr val="black"/>
+                </a:solidFill>
+                <a:latin typeface="Calibri" panose="020F0502020204030204"/>
+                <a:ea typeface="맑은 고딕" panose="020B0503020000020004" pitchFamily="50" charset="-127"/>
+              </a:rPr>
+              <a:t> = </a:t>
+            </a:r>
+            <a:r>
+              <a:rPr lang="en-US" altLang="ko-KR" sz="731" dirty="0" err="1">
+                <a:solidFill>
+                  <a:prstClr val="black"/>
+                </a:solidFill>
+                <a:latin typeface="Calibri" panose="020F0502020204030204"/>
+                <a:ea typeface="맑은 고딕" panose="020B0503020000020004" pitchFamily="50" charset="-127"/>
+              </a:rPr>
+              <a:t>EditorInit</a:t>
+            </a:r>
+            <a:r>
+              <a:rPr lang="en-US" altLang="ko-KR" sz="731" dirty="0">
+                <a:solidFill>
+                  <a:prstClr val="black"/>
+                </a:solidFill>
+                <a:latin typeface="Calibri" panose="020F0502020204030204"/>
+                <a:ea typeface="맑은 고딕" panose="020B0503020000020004" pitchFamily="50" charset="-127"/>
+              </a:rPr>
+              <a:t>(</a:t>
+            </a:r>
+            <a:r>
+              <a:rPr lang="en-US" altLang="ko-KR" sz="731" dirty="0" err="1">
+                <a:solidFill>
+                  <a:prstClr val="black"/>
+                </a:solidFill>
+                <a:latin typeface="Calibri" panose="020F0502020204030204"/>
+                <a:ea typeface="맑은 고딕" panose="020B0503020000020004" pitchFamily="50" charset="-127"/>
+              </a:rPr>
+              <a:t>GEngineLoop</a:t>
+            </a:r>
+            <a:r>
+              <a:rPr lang="en-US" altLang="ko-KR" sz="731" dirty="0">
+                <a:solidFill>
+                  <a:prstClr val="black"/>
+                </a:solidFill>
+                <a:latin typeface="Calibri" panose="020F0502020204030204"/>
+                <a:ea typeface="맑은 고딕" panose="020B0503020000020004" pitchFamily="50" charset="-127"/>
+              </a:rPr>
+              <a:t>);</a:t>
+            </a:r>
+          </a:p>
+          <a:p>
+            <a:pPr defTabSz="418013">
+              <a:defRPr/>
+            </a:pPr>
+            <a:r>
+              <a:rPr lang="en-US" altLang="ko-KR" sz="731" dirty="0">
+                <a:solidFill>
+                  <a:prstClr val="black"/>
+                </a:solidFill>
+                <a:latin typeface="Calibri" panose="020F0502020204030204"/>
+                <a:ea typeface="맑은 고딕" panose="020B0503020000020004" pitchFamily="50" charset="-127"/>
+              </a:rPr>
+              <a:t>    }</a:t>
+            </a:r>
+          </a:p>
+          <a:p>
+            <a:pPr defTabSz="418013">
+              <a:defRPr/>
+            </a:pPr>
+            <a:r>
+              <a:rPr lang="en-US" altLang="ko-KR" sz="731" dirty="0">
+                <a:solidFill>
+                  <a:prstClr val="black"/>
+                </a:solidFill>
+                <a:latin typeface="Calibri" panose="020F0502020204030204"/>
+                <a:ea typeface="맑은 고딕" panose="020B0503020000020004" pitchFamily="50" charset="-127"/>
+              </a:rPr>
+              <a:t>    else</a:t>
+            </a:r>
+          </a:p>
+          <a:p>
+            <a:pPr defTabSz="418013">
+              <a:defRPr/>
+            </a:pPr>
+            <a:r>
+              <a:rPr lang="en-US" altLang="ko-KR" sz="731" dirty="0">
+                <a:solidFill>
+                  <a:prstClr val="black"/>
+                </a:solidFill>
+                <a:latin typeface="Calibri" panose="020F0502020204030204"/>
+                <a:ea typeface="맑은 고딕" panose="020B0503020000020004" pitchFamily="50" charset="-127"/>
+              </a:rPr>
+              <a:t>#endif</a:t>
+            </a:r>
+          </a:p>
+          <a:p>
+            <a:pPr defTabSz="418013">
+              <a:defRPr/>
+            </a:pPr>
+            <a:r>
+              <a:rPr lang="en-US" altLang="ko-KR" sz="731" dirty="0">
+                <a:solidFill>
+                  <a:prstClr val="black"/>
+                </a:solidFill>
+                <a:latin typeface="Calibri" panose="020F0502020204030204"/>
+                <a:ea typeface="맑은 고딕" panose="020B0503020000020004" pitchFamily="50" charset="-127"/>
+              </a:rPr>
+              <a:t>    {</a:t>
+            </a:r>
+          </a:p>
+          <a:p>
+            <a:pPr defTabSz="418013">
+              <a:defRPr/>
+            </a:pPr>
+            <a:r>
+              <a:rPr lang="en-US" altLang="ko-KR" sz="731" dirty="0">
+                <a:solidFill>
+                  <a:prstClr val="black"/>
+                </a:solidFill>
+                <a:latin typeface="Calibri" panose="020F0502020204030204"/>
+                <a:ea typeface="맑은 고딕" panose="020B0503020000020004" pitchFamily="50" charset="-127"/>
+              </a:rPr>
+              <a:t>      </a:t>
+            </a:r>
+            <a:r>
+              <a:rPr lang="en-US" altLang="ko-KR" sz="731" dirty="0" err="1">
+                <a:solidFill>
+                  <a:prstClr val="black"/>
+                </a:solidFill>
+                <a:latin typeface="Calibri" panose="020F0502020204030204"/>
+                <a:ea typeface="맑은 고딕" panose="020B0503020000020004" pitchFamily="50" charset="-127"/>
+              </a:rPr>
+              <a:t>ErrorLevel</a:t>
+            </a:r>
+            <a:r>
+              <a:rPr lang="en-US" altLang="ko-KR" sz="731" dirty="0">
+                <a:solidFill>
+                  <a:prstClr val="black"/>
+                </a:solidFill>
+                <a:latin typeface="Calibri" panose="020F0502020204030204"/>
+                <a:ea typeface="맑은 고딕" panose="020B0503020000020004" pitchFamily="50" charset="-127"/>
+              </a:rPr>
+              <a:t> = </a:t>
+            </a:r>
+            <a:r>
+              <a:rPr lang="en-US" altLang="ko-KR" sz="731" dirty="0" err="1">
+                <a:solidFill>
+                  <a:prstClr val="black"/>
+                </a:solidFill>
+                <a:latin typeface="Calibri" panose="020F0502020204030204"/>
+                <a:ea typeface="맑은 고딕" panose="020B0503020000020004" pitchFamily="50" charset="-127"/>
+              </a:rPr>
+              <a:t>EngineInit</a:t>
+            </a:r>
+            <a:r>
+              <a:rPr lang="en-US" altLang="ko-KR" sz="731" dirty="0">
+                <a:solidFill>
+                  <a:prstClr val="black"/>
+                </a:solidFill>
+                <a:latin typeface="Calibri" panose="020F0502020204030204"/>
+                <a:ea typeface="맑은 고딕" panose="020B0503020000020004" pitchFamily="50" charset="-127"/>
+              </a:rPr>
+              <a:t>();</a:t>
+            </a:r>
+          </a:p>
+          <a:p>
+            <a:pPr defTabSz="418013">
+              <a:defRPr/>
+            </a:pPr>
+            <a:r>
+              <a:rPr lang="en-US" altLang="ko-KR" sz="731" dirty="0">
+                <a:solidFill>
+                  <a:prstClr val="black"/>
+                </a:solidFill>
+                <a:latin typeface="Calibri" panose="020F0502020204030204"/>
+                <a:ea typeface="맑은 고딕" panose="020B0503020000020004" pitchFamily="50" charset="-127"/>
+              </a:rPr>
+              <a:t>    }</a:t>
+            </a:r>
+          </a:p>
+          <a:p>
+            <a:pPr defTabSz="418013">
+              <a:defRPr/>
+            </a:pPr>
+            <a:r>
+              <a:rPr lang="en-US" altLang="ko-KR" sz="731" dirty="0">
+                <a:solidFill>
+                  <a:prstClr val="black"/>
+                </a:solidFill>
+                <a:latin typeface="Calibri" panose="020F0502020204030204"/>
+                <a:ea typeface="맑은 고딕" panose="020B0503020000020004" pitchFamily="50" charset="-127"/>
+              </a:rPr>
+              <a:t>  }</a:t>
+            </a:r>
+          </a:p>
+          <a:p>
+            <a:pPr defTabSz="418013">
+              <a:defRPr/>
+            </a:pPr>
+            <a:endParaRPr lang="en-US" altLang="ko-KR" sz="731" dirty="0">
+              <a:solidFill>
+                <a:prstClr val="black"/>
+              </a:solidFill>
+              <a:latin typeface="Calibri" panose="020F0502020204030204"/>
+              <a:ea typeface="맑은 고딕" panose="020B0503020000020004" pitchFamily="50" charset="-127"/>
+            </a:endParaRPr>
+          </a:p>
+          <a:p>
+            <a:pPr defTabSz="418013">
+              <a:defRPr/>
+            </a:pPr>
+            <a:r>
+              <a:rPr lang="en-US" altLang="ko-KR" sz="731" dirty="0">
+                <a:solidFill>
+                  <a:prstClr val="black"/>
+                </a:solidFill>
+                <a:latin typeface="Calibri" panose="020F0502020204030204"/>
+                <a:ea typeface="맑은 고딕" panose="020B0503020000020004" pitchFamily="50" charset="-127"/>
+              </a:rPr>
+              <a:t>  double </a:t>
+            </a:r>
+            <a:r>
+              <a:rPr lang="en-US" altLang="ko-KR" sz="731" dirty="0" err="1">
+                <a:solidFill>
+                  <a:prstClr val="black"/>
+                </a:solidFill>
+                <a:latin typeface="Calibri" panose="020F0502020204030204"/>
+                <a:ea typeface="맑은 고딕" panose="020B0503020000020004" pitchFamily="50" charset="-127"/>
+              </a:rPr>
+              <a:t>EngineInitializationTime</a:t>
+            </a:r>
+            <a:r>
+              <a:rPr lang="en-US" altLang="ko-KR" sz="731" dirty="0">
+                <a:solidFill>
+                  <a:prstClr val="black"/>
+                </a:solidFill>
+                <a:latin typeface="Calibri" panose="020F0502020204030204"/>
+                <a:ea typeface="맑은 고딕" panose="020B0503020000020004" pitchFamily="50" charset="-127"/>
+              </a:rPr>
+              <a:t> = </a:t>
+            </a:r>
+            <a:r>
+              <a:rPr lang="en-US" altLang="ko-KR" sz="731" dirty="0" err="1">
+                <a:solidFill>
+                  <a:prstClr val="black"/>
+                </a:solidFill>
+                <a:latin typeface="Calibri" panose="020F0502020204030204"/>
+                <a:ea typeface="맑은 고딕" panose="020B0503020000020004" pitchFamily="50" charset="-127"/>
+              </a:rPr>
+              <a:t>FPlatformTime</a:t>
+            </a:r>
+            <a:r>
+              <a:rPr lang="en-US" altLang="ko-KR" sz="731" dirty="0">
+                <a:solidFill>
+                  <a:prstClr val="black"/>
+                </a:solidFill>
+                <a:latin typeface="Calibri" panose="020F0502020204030204"/>
+                <a:ea typeface="맑은 고딕" panose="020B0503020000020004" pitchFamily="50" charset="-127"/>
+              </a:rPr>
+              <a:t>::Seconds() - </a:t>
+            </a:r>
+            <a:r>
+              <a:rPr lang="en-US" altLang="ko-KR" sz="731" dirty="0" err="1">
+                <a:solidFill>
+                  <a:prstClr val="black"/>
+                </a:solidFill>
+                <a:latin typeface="Calibri" panose="020F0502020204030204"/>
+                <a:ea typeface="맑은 고딕" panose="020B0503020000020004" pitchFamily="50" charset="-127"/>
+              </a:rPr>
+              <a:t>GStartTime</a:t>
+            </a:r>
+            <a:r>
+              <a:rPr lang="en-US" altLang="ko-KR" sz="731" dirty="0">
+                <a:solidFill>
+                  <a:prstClr val="black"/>
+                </a:solidFill>
+                <a:latin typeface="Calibri" panose="020F0502020204030204"/>
+                <a:ea typeface="맑은 고딕" panose="020B0503020000020004" pitchFamily="50" charset="-127"/>
+              </a:rPr>
+              <a:t>;</a:t>
+            </a:r>
+          </a:p>
+          <a:p>
+            <a:pPr defTabSz="418013">
+              <a:defRPr/>
+            </a:pPr>
+            <a:r>
+              <a:rPr lang="en-US" altLang="ko-KR" sz="731" dirty="0">
+                <a:solidFill>
+                  <a:prstClr val="black"/>
+                </a:solidFill>
+                <a:latin typeface="Calibri" panose="020F0502020204030204"/>
+                <a:ea typeface="맑은 고딕" panose="020B0503020000020004" pitchFamily="50" charset="-127"/>
+              </a:rPr>
+              <a:t>  UE_LOG(</a:t>
+            </a:r>
+            <a:r>
+              <a:rPr lang="en-US" altLang="ko-KR" sz="731" dirty="0" err="1">
+                <a:solidFill>
+                  <a:prstClr val="black"/>
+                </a:solidFill>
+                <a:latin typeface="Calibri" panose="020F0502020204030204"/>
+                <a:ea typeface="맑은 고딕" panose="020B0503020000020004" pitchFamily="50" charset="-127"/>
+              </a:rPr>
+              <a:t>LogLoad</a:t>
+            </a:r>
+            <a:r>
+              <a:rPr lang="en-US" altLang="ko-KR" sz="731" dirty="0">
+                <a:solidFill>
+                  <a:prstClr val="black"/>
+                </a:solidFill>
+                <a:latin typeface="Calibri" panose="020F0502020204030204"/>
+                <a:ea typeface="맑은 고딕" panose="020B0503020000020004" pitchFamily="50" charset="-127"/>
+              </a:rPr>
+              <a:t>, Log, TEXT("(Engine Initialization) Total time: %.2f seconds"), </a:t>
+            </a:r>
+            <a:r>
+              <a:rPr lang="en-US" altLang="ko-KR" sz="731" dirty="0" err="1">
+                <a:solidFill>
+                  <a:prstClr val="black"/>
+                </a:solidFill>
+                <a:latin typeface="Calibri" panose="020F0502020204030204"/>
+                <a:ea typeface="맑은 고딕" panose="020B0503020000020004" pitchFamily="50" charset="-127"/>
+              </a:rPr>
+              <a:t>EngineInitializationTime</a:t>
+            </a:r>
+            <a:r>
+              <a:rPr lang="en-US" altLang="ko-KR" sz="731" dirty="0">
+                <a:solidFill>
+                  <a:prstClr val="black"/>
+                </a:solidFill>
+                <a:latin typeface="Calibri" panose="020F0502020204030204"/>
+                <a:ea typeface="맑은 고딕" panose="020B0503020000020004" pitchFamily="50" charset="-127"/>
+              </a:rPr>
+              <a:t>);</a:t>
+            </a:r>
+          </a:p>
+          <a:p>
+            <a:pPr defTabSz="418013">
+              <a:defRPr/>
+            </a:pPr>
+            <a:endParaRPr lang="en-US" altLang="ko-KR" sz="731" dirty="0">
+              <a:solidFill>
+                <a:prstClr val="black"/>
+              </a:solidFill>
+              <a:latin typeface="Calibri" panose="020F0502020204030204"/>
+              <a:ea typeface="맑은 고딕" panose="020B0503020000020004" pitchFamily="50" charset="-127"/>
+            </a:endParaRPr>
+          </a:p>
+          <a:p>
+            <a:pPr defTabSz="418013">
+              <a:defRPr/>
+            </a:pPr>
+            <a:r>
+              <a:rPr lang="en-US" altLang="ko-KR" sz="731" dirty="0">
+                <a:solidFill>
+                  <a:prstClr val="black"/>
+                </a:solidFill>
+                <a:latin typeface="Calibri" panose="020F0502020204030204"/>
+                <a:ea typeface="맑은 고딕" panose="020B0503020000020004" pitchFamily="50" charset="-127"/>
+              </a:rPr>
+              <a:t>  ACCUM_LOADTIME(TEXT("</a:t>
+            </a:r>
+            <a:r>
+              <a:rPr lang="en-US" altLang="ko-KR" sz="731" dirty="0" err="1">
+                <a:solidFill>
+                  <a:prstClr val="black"/>
+                </a:solidFill>
+                <a:latin typeface="Calibri" panose="020F0502020204030204"/>
+                <a:ea typeface="맑은 고딕" panose="020B0503020000020004" pitchFamily="50" charset="-127"/>
+              </a:rPr>
+              <a:t>EngineInitialization</a:t>
+            </a:r>
+            <a:r>
+              <a:rPr lang="en-US" altLang="ko-KR" sz="731" dirty="0">
+                <a:solidFill>
+                  <a:prstClr val="black"/>
+                </a:solidFill>
+                <a:latin typeface="Calibri" panose="020F0502020204030204"/>
+                <a:ea typeface="맑은 고딕" panose="020B0503020000020004" pitchFamily="50" charset="-127"/>
+              </a:rPr>
+              <a:t>"), </a:t>
+            </a:r>
+            <a:r>
+              <a:rPr lang="en-US" altLang="ko-KR" sz="731" dirty="0" err="1">
+                <a:solidFill>
+                  <a:prstClr val="black"/>
+                </a:solidFill>
+                <a:latin typeface="Calibri" panose="020F0502020204030204"/>
+                <a:ea typeface="맑은 고딕" panose="020B0503020000020004" pitchFamily="50" charset="-127"/>
+              </a:rPr>
+              <a:t>EngineInitializationTime</a:t>
+            </a:r>
+            <a:r>
+              <a:rPr lang="en-US" altLang="ko-KR" sz="731" dirty="0">
+                <a:solidFill>
+                  <a:prstClr val="black"/>
+                </a:solidFill>
+                <a:latin typeface="Calibri" panose="020F0502020204030204"/>
+                <a:ea typeface="맑은 고딕" panose="020B0503020000020004" pitchFamily="50" charset="-127"/>
+              </a:rPr>
+              <a:t>);</a:t>
+            </a:r>
+          </a:p>
+          <a:p>
+            <a:pPr defTabSz="418013">
+              <a:defRPr/>
+            </a:pPr>
+            <a:endParaRPr lang="en-US" altLang="ko-KR" sz="731" dirty="0">
+              <a:solidFill>
+                <a:prstClr val="black"/>
+              </a:solidFill>
+              <a:latin typeface="Calibri" panose="020F0502020204030204"/>
+              <a:ea typeface="맑은 고딕" panose="020B0503020000020004" pitchFamily="50" charset="-127"/>
+            </a:endParaRPr>
+          </a:p>
+          <a:p>
+            <a:pPr defTabSz="418013">
+              <a:defRPr/>
+            </a:pPr>
+            <a:r>
+              <a:rPr lang="en-US" altLang="ko-KR" sz="731" dirty="0">
+                <a:solidFill>
+                  <a:prstClr val="black"/>
+                </a:solidFill>
+                <a:latin typeface="Calibri" panose="020F0502020204030204"/>
+                <a:ea typeface="맑은 고딕" panose="020B0503020000020004" pitchFamily="50" charset="-127"/>
+              </a:rPr>
+              <a:t>  </a:t>
+            </a:r>
+            <a:r>
+              <a:rPr lang="en-US" altLang="ko-KR" sz="731" dirty="0" err="1">
+                <a:solidFill>
+                  <a:prstClr val="black"/>
+                </a:solidFill>
+                <a:latin typeface="Calibri" panose="020F0502020204030204"/>
+                <a:ea typeface="맑은 고딕" panose="020B0503020000020004" pitchFamily="50" charset="-127"/>
+              </a:rPr>
+              <a:t>BootTimingPoint</a:t>
+            </a:r>
+            <a:r>
+              <a:rPr lang="en-US" altLang="ko-KR" sz="731" dirty="0">
+                <a:solidFill>
+                  <a:prstClr val="black"/>
+                </a:solidFill>
+                <a:latin typeface="Calibri" panose="020F0502020204030204"/>
+                <a:ea typeface="맑은 고딕" panose="020B0503020000020004" pitchFamily="50" charset="-127"/>
+              </a:rPr>
+              <a:t>("Tick loop starting");</a:t>
+            </a:r>
+          </a:p>
+          <a:p>
+            <a:pPr defTabSz="418013">
+              <a:defRPr/>
+            </a:pPr>
+            <a:r>
+              <a:rPr lang="en-US" altLang="ko-KR" sz="731" dirty="0">
+                <a:solidFill>
+                  <a:prstClr val="black"/>
+                </a:solidFill>
+                <a:latin typeface="Calibri" panose="020F0502020204030204"/>
+                <a:ea typeface="맑은 고딕" panose="020B0503020000020004" pitchFamily="50" charset="-127"/>
+              </a:rPr>
+              <a:t>  </a:t>
+            </a:r>
+            <a:r>
+              <a:rPr lang="en-US" altLang="ko-KR" sz="731" dirty="0" err="1">
+                <a:solidFill>
+                  <a:prstClr val="black"/>
+                </a:solidFill>
+                <a:latin typeface="Calibri" panose="020F0502020204030204"/>
+                <a:ea typeface="맑은 고딕" panose="020B0503020000020004" pitchFamily="50" charset="-127"/>
+              </a:rPr>
+              <a:t>DumpBootTiming</a:t>
+            </a:r>
+            <a:r>
+              <a:rPr lang="en-US" altLang="ko-KR" sz="731" dirty="0">
+                <a:solidFill>
+                  <a:prstClr val="black"/>
+                </a:solidFill>
+                <a:latin typeface="Calibri" panose="020F0502020204030204"/>
+                <a:ea typeface="맑은 고딕" panose="020B0503020000020004" pitchFamily="50" charset="-127"/>
+              </a:rPr>
+              <a:t>();</a:t>
+            </a:r>
+          </a:p>
+          <a:p>
+            <a:pPr defTabSz="418013">
+              <a:defRPr/>
+            </a:pPr>
+            <a:endParaRPr lang="en-US" altLang="ko-KR" sz="731" dirty="0">
+              <a:solidFill>
+                <a:prstClr val="black"/>
+              </a:solidFill>
+              <a:latin typeface="Calibri" panose="020F0502020204030204"/>
+              <a:ea typeface="맑은 고딕" panose="020B0503020000020004" pitchFamily="50" charset="-127"/>
+            </a:endParaRPr>
+          </a:p>
+          <a:p>
+            <a:pPr defTabSz="418013">
+              <a:defRPr/>
+            </a:pPr>
+            <a:r>
+              <a:rPr lang="en-US" altLang="ko-KR" sz="731" dirty="0">
+                <a:solidFill>
+                  <a:prstClr val="black"/>
+                </a:solidFill>
+                <a:latin typeface="Calibri" panose="020F0502020204030204"/>
+                <a:ea typeface="맑은 고딕" panose="020B0503020000020004" pitchFamily="50" charset="-127"/>
+              </a:rPr>
+              <a:t>  </a:t>
+            </a:r>
+            <a:r>
+              <a:rPr lang="en-US" altLang="ko-KR" sz="731" dirty="0" err="1">
+                <a:solidFill>
+                  <a:prstClr val="black"/>
+                </a:solidFill>
+                <a:latin typeface="Calibri" panose="020F0502020204030204"/>
+                <a:ea typeface="맑은 고딕" panose="020B0503020000020004" pitchFamily="50" charset="-127"/>
+              </a:rPr>
+              <a:t>FTrackedActivity</a:t>
+            </a:r>
+            <a:r>
+              <a:rPr lang="en-US" altLang="ko-KR" sz="731" dirty="0">
+                <a:solidFill>
+                  <a:prstClr val="black"/>
+                </a:solidFill>
+                <a:latin typeface="Calibri" panose="020F0502020204030204"/>
+                <a:ea typeface="맑은 고딕" panose="020B0503020000020004" pitchFamily="50" charset="-127"/>
+              </a:rPr>
+              <a:t>::</a:t>
+            </a:r>
+            <a:r>
+              <a:rPr lang="en-US" altLang="ko-KR" sz="731" dirty="0" err="1">
+                <a:solidFill>
+                  <a:prstClr val="black"/>
+                </a:solidFill>
+                <a:latin typeface="Calibri" panose="020F0502020204030204"/>
+                <a:ea typeface="맑은 고딕" panose="020B0503020000020004" pitchFamily="50" charset="-127"/>
+              </a:rPr>
+              <a:t>GetEngineActivity</a:t>
+            </a:r>
+            <a:r>
+              <a:rPr lang="en-US" altLang="ko-KR" sz="731" dirty="0">
+                <a:solidFill>
+                  <a:prstClr val="black"/>
+                </a:solidFill>
+                <a:latin typeface="Calibri" panose="020F0502020204030204"/>
+                <a:ea typeface="맑은 고딕" panose="020B0503020000020004" pitchFamily="50" charset="-127"/>
+              </a:rPr>
+              <a:t>().Update(TEXT("Ticking loop"), </a:t>
+            </a:r>
+            <a:r>
+              <a:rPr lang="en-US" altLang="ko-KR" sz="731" dirty="0" err="1">
+                <a:solidFill>
+                  <a:prstClr val="black"/>
+                </a:solidFill>
+                <a:latin typeface="Calibri" panose="020F0502020204030204"/>
+                <a:ea typeface="맑은 고딕" panose="020B0503020000020004" pitchFamily="50" charset="-127"/>
+              </a:rPr>
+              <a:t>FTrackedActivity</a:t>
+            </a:r>
+            <a:r>
+              <a:rPr lang="en-US" altLang="ko-KR" sz="731" dirty="0">
+                <a:solidFill>
+                  <a:prstClr val="black"/>
+                </a:solidFill>
+                <a:latin typeface="Calibri" panose="020F0502020204030204"/>
+                <a:ea typeface="맑은 고딕" panose="020B0503020000020004" pitchFamily="50" charset="-127"/>
+              </a:rPr>
+              <a:t>::</a:t>
+            </a:r>
+            <a:r>
+              <a:rPr lang="en-US" altLang="ko-KR" sz="731" dirty="0" err="1">
+                <a:solidFill>
+                  <a:prstClr val="black"/>
+                </a:solidFill>
+                <a:latin typeface="Calibri" panose="020F0502020204030204"/>
+                <a:ea typeface="맑은 고딕" panose="020B0503020000020004" pitchFamily="50" charset="-127"/>
+              </a:rPr>
+              <a:t>ELight</a:t>
+            </a:r>
+            <a:r>
+              <a:rPr lang="en-US" altLang="ko-KR" sz="731" dirty="0">
+                <a:solidFill>
+                  <a:prstClr val="black"/>
+                </a:solidFill>
+                <a:latin typeface="Calibri" panose="020F0502020204030204"/>
+                <a:ea typeface="맑은 고딕" panose="020B0503020000020004" pitchFamily="50" charset="-127"/>
+              </a:rPr>
+              <a:t>::Green);</a:t>
+            </a:r>
+          </a:p>
+          <a:p>
+            <a:pPr defTabSz="418013">
+              <a:defRPr/>
+            </a:pPr>
+            <a:endParaRPr lang="en-US" altLang="ko-KR" sz="731" dirty="0">
+              <a:solidFill>
+                <a:prstClr val="black"/>
+              </a:solidFill>
+              <a:latin typeface="Calibri" panose="020F0502020204030204"/>
+              <a:ea typeface="맑은 고딕" panose="020B0503020000020004" pitchFamily="50" charset="-127"/>
+            </a:endParaRPr>
+          </a:p>
+          <a:p>
+            <a:pPr defTabSz="418013">
+              <a:defRPr/>
+            </a:pPr>
+            <a:r>
+              <a:rPr lang="en-US" altLang="ko-KR" sz="731" dirty="0">
+                <a:solidFill>
+                  <a:prstClr val="black"/>
+                </a:solidFill>
+                <a:latin typeface="Calibri" panose="020F0502020204030204"/>
+                <a:ea typeface="맑은 고딕" panose="020B0503020000020004" pitchFamily="50" charset="-127"/>
+              </a:rPr>
+              <a:t>  // Don't tick if we're running an embedded engine - we rely on the outer</a:t>
+            </a:r>
+          </a:p>
+          <a:p>
+            <a:pPr defTabSz="418013">
+              <a:defRPr/>
+            </a:pPr>
+            <a:r>
+              <a:rPr lang="en-US" altLang="ko-KR" sz="731" dirty="0">
+                <a:solidFill>
+                  <a:prstClr val="black"/>
+                </a:solidFill>
+                <a:latin typeface="Calibri" panose="020F0502020204030204"/>
+                <a:ea typeface="맑은 고딕" panose="020B0503020000020004" pitchFamily="50" charset="-127"/>
+              </a:rPr>
+              <a:t>  // application ticking us instead.</a:t>
+            </a:r>
+          </a:p>
+          <a:p>
+            <a:pPr defTabSz="418013">
+              <a:defRPr/>
+            </a:pPr>
+            <a:r>
+              <a:rPr lang="en-US" altLang="ko-KR" sz="731" dirty="0">
+                <a:solidFill>
+                  <a:prstClr val="black"/>
+                </a:solidFill>
+                <a:latin typeface="Calibri" panose="020F0502020204030204"/>
+                <a:ea typeface="맑은 고딕" panose="020B0503020000020004" pitchFamily="50" charset="-127"/>
+              </a:rPr>
+              <a:t>  if (!</a:t>
+            </a:r>
+            <a:r>
+              <a:rPr lang="en-US" altLang="ko-KR" sz="731" dirty="0" err="1">
+                <a:solidFill>
+                  <a:prstClr val="black"/>
+                </a:solidFill>
+                <a:latin typeface="Calibri" panose="020F0502020204030204"/>
+                <a:ea typeface="맑은 고딕" panose="020B0503020000020004" pitchFamily="50" charset="-127"/>
+              </a:rPr>
+              <a:t>GUELibraryOverrideSettings.bIsEmbedded</a:t>
+            </a:r>
+            <a:r>
+              <a:rPr lang="en-US" altLang="ko-KR" sz="731" dirty="0">
+                <a:solidFill>
+                  <a:prstClr val="black"/>
+                </a:solidFill>
+                <a:latin typeface="Calibri" panose="020F0502020204030204"/>
+                <a:ea typeface="맑은 고딕" panose="020B0503020000020004" pitchFamily="50" charset="-127"/>
+              </a:rPr>
+              <a:t>)</a:t>
+            </a:r>
+          </a:p>
+          <a:p>
+            <a:pPr defTabSz="418013">
+              <a:defRPr/>
+            </a:pPr>
+            <a:r>
+              <a:rPr lang="en-US" altLang="ko-KR" sz="731" dirty="0">
+                <a:solidFill>
+                  <a:prstClr val="black"/>
+                </a:solidFill>
+                <a:latin typeface="Calibri" panose="020F0502020204030204"/>
+                <a:ea typeface="맑은 고딕" panose="020B0503020000020004" pitchFamily="50" charset="-127"/>
+              </a:rPr>
+              <a:t>  {</a:t>
+            </a:r>
+          </a:p>
+          <a:p>
+            <a:pPr defTabSz="418013">
+              <a:defRPr/>
+            </a:pPr>
+            <a:r>
+              <a:rPr lang="en-US" altLang="ko-KR" sz="731" dirty="0">
+                <a:solidFill>
+                  <a:prstClr val="black"/>
+                </a:solidFill>
+                <a:latin typeface="Calibri" panose="020F0502020204030204"/>
+                <a:ea typeface="맑은 고딕" panose="020B0503020000020004" pitchFamily="50" charset="-127"/>
+              </a:rPr>
+              <a:t>    while( !</a:t>
+            </a:r>
+            <a:r>
+              <a:rPr lang="en-US" altLang="ko-KR" sz="731" dirty="0" err="1">
+                <a:solidFill>
+                  <a:prstClr val="black"/>
+                </a:solidFill>
+                <a:latin typeface="Calibri" panose="020F0502020204030204"/>
+                <a:ea typeface="맑은 고딕" panose="020B0503020000020004" pitchFamily="50" charset="-127"/>
+              </a:rPr>
+              <a:t>IsEngineExitRequested</a:t>
+            </a:r>
+            <a:r>
+              <a:rPr lang="en-US" altLang="ko-KR" sz="731" dirty="0">
+                <a:solidFill>
+                  <a:prstClr val="black"/>
+                </a:solidFill>
+                <a:latin typeface="Calibri" panose="020F0502020204030204"/>
+                <a:ea typeface="맑은 고딕" panose="020B0503020000020004" pitchFamily="50" charset="-127"/>
+              </a:rPr>
+              <a:t>() )</a:t>
+            </a:r>
+          </a:p>
+          <a:p>
+            <a:pPr defTabSz="418013">
+              <a:defRPr/>
+            </a:pPr>
+            <a:r>
+              <a:rPr lang="en-US" altLang="ko-KR" sz="731" dirty="0">
+                <a:solidFill>
+                  <a:prstClr val="black"/>
+                </a:solidFill>
+                <a:latin typeface="Calibri" panose="020F0502020204030204"/>
+                <a:ea typeface="맑은 고딕" panose="020B0503020000020004" pitchFamily="50" charset="-127"/>
+              </a:rPr>
+              <a:t>    {</a:t>
+            </a:r>
+          </a:p>
+          <a:p>
+            <a:pPr defTabSz="418013">
+              <a:defRPr/>
+            </a:pPr>
+            <a:r>
+              <a:rPr lang="en-US" altLang="ko-KR" sz="731" dirty="0">
+                <a:solidFill>
+                  <a:prstClr val="black"/>
+                </a:solidFill>
+                <a:latin typeface="Calibri" panose="020F0502020204030204"/>
+                <a:ea typeface="맑은 고딕" panose="020B0503020000020004" pitchFamily="50" charset="-127"/>
+              </a:rPr>
+              <a:t>      </a:t>
+            </a:r>
+            <a:r>
+              <a:rPr lang="en-US" altLang="ko-KR" sz="731" dirty="0" err="1">
+                <a:solidFill>
+                  <a:prstClr val="black"/>
+                </a:solidFill>
+                <a:latin typeface="Calibri" panose="020F0502020204030204"/>
+                <a:ea typeface="맑은 고딕" panose="020B0503020000020004" pitchFamily="50" charset="-127"/>
+              </a:rPr>
+              <a:t>EngineTick</a:t>
+            </a:r>
+            <a:r>
+              <a:rPr lang="en-US" altLang="ko-KR" sz="731" dirty="0">
+                <a:solidFill>
+                  <a:prstClr val="black"/>
+                </a:solidFill>
+                <a:latin typeface="Calibri" panose="020F0502020204030204"/>
+                <a:ea typeface="맑은 고딕" panose="020B0503020000020004" pitchFamily="50" charset="-127"/>
+              </a:rPr>
+              <a:t>();</a:t>
+            </a:r>
+          </a:p>
+          <a:p>
+            <a:pPr defTabSz="418013">
+              <a:defRPr/>
+            </a:pPr>
+            <a:r>
+              <a:rPr lang="en-US" altLang="ko-KR" sz="731" dirty="0">
+                <a:solidFill>
+                  <a:prstClr val="black"/>
+                </a:solidFill>
+                <a:latin typeface="Calibri" panose="020F0502020204030204"/>
+                <a:ea typeface="맑은 고딕" panose="020B0503020000020004" pitchFamily="50" charset="-127"/>
+              </a:rPr>
+              <a:t>    }</a:t>
+            </a:r>
+          </a:p>
+          <a:p>
+            <a:pPr defTabSz="418013">
+              <a:defRPr/>
+            </a:pPr>
+            <a:r>
+              <a:rPr lang="en-US" altLang="ko-KR" sz="731" dirty="0">
+                <a:solidFill>
+                  <a:prstClr val="black"/>
+                </a:solidFill>
+                <a:latin typeface="Calibri" panose="020F0502020204030204"/>
+                <a:ea typeface="맑은 고딕" panose="020B0503020000020004" pitchFamily="50" charset="-127"/>
+              </a:rPr>
+              <a:t>  }</a:t>
+            </a:r>
+          </a:p>
+          <a:p>
+            <a:pPr defTabSz="418013">
+              <a:defRPr/>
+            </a:pPr>
+            <a:endParaRPr lang="en-US" altLang="ko-KR" sz="731" dirty="0">
+              <a:solidFill>
+                <a:prstClr val="black"/>
+              </a:solidFill>
+              <a:latin typeface="Calibri" panose="020F0502020204030204"/>
+              <a:ea typeface="맑은 고딕" panose="020B0503020000020004" pitchFamily="50" charset="-127"/>
+            </a:endParaRPr>
+          </a:p>
+          <a:p>
+            <a:pPr defTabSz="418013">
+              <a:defRPr/>
+            </a:pPr>
+            <a:r>
+              <a:rPr lang="en-US" altLang="ko-KR" sz="731" dirty="0">
+                <a:solidFill>
+                  <a:prstClr val="black"/>
+                </a:solidFill>
+                <a:latin typeface="Calibri" panose="020F0502020204030204"/>
+                <a:ea typeface="맑은 고딕" panose="020B0503020000020004" pitchFamily="50" charset="-127"/>
+              </a:rPr>
+              <a:t>  TRACE_BOOKMARK(TEXT("Tick loop end"));</a:t>
+            </a:r>
+          </a:p>
+          <a:p>
+            <a:pPr defTabSz="418013">
+              <a:defRPr/>
+            </a:pPr>
+            <a:endParaRPr lang="en-US" altLang="ko-KR" sz="731" dirty="0">
+              <a:solidFill>
+                <a:prstClr val="black"/>
+              </a:solidFill>
+              <a:latin typeface="Calibri" panose="020F0502020204030204"/>
+              <a:ea typeface="맑은 고딕" panose="020B0503020000020004" pitchFamily="50" charset="-127"/>
+            </a:endParaRPr>
+          </a:p>
+          <a:p>
+            <a:pPr defTabSz="418013">
+              <a:defRPr/>
+            </a:pPr>
+            <a:r>
+              <a:rPr lang="en-US" altLang="ko-KR" sz="731" dirty="0">
+                <a:solidFill>
+                  <a:prstClr val="black"/>
+                </a:solidFill>
+                <a:latin typeface="Calibri" panose="020F0502020204030204"/>
+                <a:ea typeface="맑은 고딕" panose="020B0503020000020004" pitchFamily="50" charset="-127"/>
+              </a:rPr>
+              <a:t>#if WITH_EDITOR</a:t>
+            </a:r>
+          </a:p>
+          <a:p>
+            <a:pPr defTabSz="418013">
+              <a:defRPr/>
+            </a:pPr>
+            <a:r>
+              <a:rPr lang="en-US" altLang="ko-KR" sz="731" dirty="0">
+                <a:solidFill>
+                  <a:prstClr val="black"/>
+                </a:solidFill>
+                <a:latin typeface="Calibri" panose="020F0502020204030204"/>
+                <a:ea typeface="맑은 고딕" panose="020B0503020000020004" pitchFamily="50" charset="-127"/>
+              </a:rPr>
+              <a:t>  if( </a:t>
+            </a:r>
+            <a:r>
+              <a:rPr lang="en-US" altLang="ko-KR" sz="731" dirty="0" err="1">
+                <a:solidFill>
+                  <a:prstClr val="black"/>
+                </a:solidFill>
+                <a:latin typeface="Calibri" panose="020F0502020204030204"/>
+                <a:ea typeface="맑은 고딕" panose="020B0503020000020004" pitchFamily="50" charset="-127"/>
+              </a:rPr>
+              <a:t>GIsEditor</a:t>
+            </a:r>
+            <a:r>
+              <a:rPr lang="en-US" altLang="ko-KR" sz="731" dirty="0">
+                <a:solidFill>
+                  <a:prstClr val="black"/>
+                </a:solidFill>
+                <a:latin typeface="Calibri" panose="020F0502020204030204"/>
+                <a:ea typeface="맑은 고딕" panose="020B0503020000020004" pitchFamily="50" charset="-127"/>
+              </a:rPr>
+              <a:t> )</a:t>
+            </a:r>
+          </a:p>
+          <a:p>
+            <a:pPr defTabSz="418013">
+              <a:defRPr/>
+            </a:pPr>
+            <a:r>
+              <a:rPr lang="en-US" altLang="ko-KR" sz="731" dirty="0">
+                <a:solidFill>
+                  <a:prstClr val="black"/>
+                </a:solidFill>
+                <a:latin typeface="Calibri" panose="020F0502020204030204"/>
+                <a:ea typeface="맑은 고딕" panose="020B0503020000020004" pitchFamily="50" charset="-127"/>
+              </a:rPr>
+              <a:t>  {</a:t>
+            </a:r>
+          </a:p>
+          <a:p>
+            <a:pPr defTabSz="418013">
+              <a:defRPr/>
+            </a:pPr>
+            <a:r>
+              <a:rPr lang="en-US" altLang="ko-KR" sz="731" dirty="0">
+                <a:solidFill>
+                  <a:prstClr val="black"/>
+                </a:solidFill>
+                <a:latin typeface="Calibri" panose="020F0502020204030204"/>
+                <a:ea typeface="맑은 고딕" panose="020B0503020000020004" pitchFamily="50" charset="-127"/>
+              </a:rPr>
+              <a:t>    </a:t>
+            </a:r>
+            <a:r>
+              <a:rPr lang="en-US" altLang="ko-KR" sz="731" dirty="0" err="1">
+                <a:solidFill>
+                  <a:prstClr val="black"/>
+                </a:solidFill>
+                <a:latin typeface="Calibri" panose="020F0502020204030204"/>
+                <a:ea typeface="맑은 고딕" panose="020B0503020000020004" pitchFamily="50" charset="-127"/>
+              </a:rPr>
+              <a:t>EditorExit</a:t>
+            </a:r>
+            <a:r>
+              <a:rPr lang="en-US" altLang="ko-KR" sz="731" dirty="0">
+                <a:solidFill>
+                  <a:prstClr val="black"/>
+                </a:solidFill>
+                <a:latin typeface="Calibri" panose="020F0502020204030204"/>
+                <a:ea typeface="맑은 고딕" panose="020B0503020000020004" pitchFamily="50" charset="-127"/>
+              </a:rPr>
+              <a:t>();</a:t>
+            </a:r>
+          </a:p>
+          <a:p>
+            <a:pPr defTabSz="418013">
+              <a:defRPr/>
+            </a:pPr>
+            <a:r>
+              <a:rPr lang="en-US" altLang="ko-KR" sz="731" dirty="0">
+                <a:solidFill>
+                  <a:prstClr val="black"/>
+                </a:solidFill>
+                <a:latin typeface="Calibri" panose="020F0502020204030204"/>
+                <a:ea typeface="맑은 고딕" panose="020B0503020000020004" pitchFamily="50" charset="-127"/>
+              </a:rPr>
+              <a:t>  }</a:t>
+            </a:r>
+          </a:p>
+          <a:p>
+            <a:pPr defTabSz="418013">
+              <a:defRPr/>
+            </a:pPr>
+            <a:r>
+              <a:rPr lang="en-US" altLang="ko-KR" sz="731" dirty="0">
+                <a:solidFill>
+                  <a:prstClr val="black"/>
+                </a:solidFill>
+                <a:latin typeface="Calibri" panose="020F0502020204030204"/>
+                <a:ea typeface="맑은 고딕" panose="020B0503020000020004" pitchFamily="50" charset="-127"/>
+              </a:rPr>
+              <a:t>#endif</a:t>
+            </a:r>
+          </a:p>
+          <a:p>
+            <a:pPr defTabSz="418013">
+              <a:defRPr/>
+            </a:pPr>
+            <a:r>
+              <a:rPr lang="en-US" altLang="ko-KR" sz="731" dirty="0">
+                <a:solidFill>
+                  <a:prstClr val="black"/>
+                </a:solidFill>
+                <a:latin typeface="Calibri" panose="020F0502020204030204"/>
+                <a:ea typeface="맑은 고딕" panose="020B0503020000020004" pitchFamily="50" charset="-127"/>
+              </a:rPr>
+              <a:t>  return </a:t>
+            </a:r>
+            <a:r>
+              <a:rPr lang="en-US" altLang="ko-KR" sz="731" dirty="0" err="1">
+                <a:solidFill>
+                  <a:prstClr val="black"/>
+                </a:solidFill>
+                <a:latin typeface="Calibri" panose="020F0502020204030204"/>
+                <a:ea typeface="맑은 고딕" panose="020B0503020000020004" pitchFamily="50" charset="-127"/>
+              </a:rPr>
+              <a:t>ErrorLevel</a:t>
+            </a:r>
+            <a:r>
+              <a:rPr lang="en-US" altLang="ko-KR" sz="731" dirty="0">
+                <a:solidFill>
+                  <a:prstClr val="black"/>
+                </a:solidFill>
+                <a:latin typeface="Calibri" panose="020F0502020204030204"/>
+                <a:ea typeface="맑은 고딕" panose="020B0503020000020004" pitchFamily="50" charset="-127"/>
+              </a:rPr>
+              <a:t>;</a:t>
+            </a:r>
+          </a:p>
+        </p:txBody>
+      </p:sp>
+      <p:pic>
+        <p:nvPicPr>
+          <p:cNvPr id="3" name="그림 2">
+            <a:extLst>
+              <a:ext uri="{FF2B5EF4-FFF2-40B4-BE49-F238E27FC236}">
+                <a16:creationId xmlns:a16="http://schemas.microsoft.com/office/drawing/2014/main" id="{5BA9A80F-47E7-9F9C-FD1A-BAA42873C648}"/>
+              </a:ext>
+            </a:extLst>
+          </p:cNvPr>
+          <p:cNvPicPr>
+            <a:picLocks/>
+          </p:cNvPicPr>
+          <p:nvPr/>
+        </p:nvPicPr>
+        <p:blipFill>
+          <a:blip r:embed="rId2"/>
+          <a:stretch>
+            <a:fillRect/>
+          </a:stretch>
+        </p:blipFill>
+        <p:spPr>
+          <a:xfrm>
+            <a:off x="14040181" y="2880350"/>
+            <a:ext cx="11880000" cy="1080000"/>
+          </a:xfrm>
+          <a:prstGeom prst="rect">
+            <a:avLst/>
+          </a:prstGeom>
+        </p:spPr>
+      </p:pic>
+      <p:sp>
+        <p:nvSpPr>
+          <p:cNvPr id="5" name="직사각형 4">
+            <a:extLst>
+              <a:ext uri="{FF2B5EF4-FFF2-40B4-BE49-F238E27FC236}">
+                <a16:creationId xmlns:a16="http://schemas.microsoft.com/office/drawing/2014/main" id="{9591C613-1ABB-E01E-D114-98A8918DEC35}"/>
+              </a:ext>
+            </a:extLst>
+          </p:cNvPr>
+          <p:cNvSpPr/>
+          <p:nvPr/>
+        </p:nvSpPr>
+        <p:spPr>
+          <a:xfrm>
+            <a:off x="360181" y="360350"/>
+            <a:ext cx="5760000" cy="1440000"/>
+          </a:xfrm>
+          <a:prstGeom prst="rect">
+            <a:avLst/>
+          </a:prstGeom>
+          <a:noFill/>
+          <a:ln>
+            <a:solidFill>
+              <a:schemeClr val="tx1"/>
+            </a:solidFill>
+          </a:ln>
+        </p:spPr>
+        <p:style>
+          <a:lnRef idx="2">
+            <a:schemeClr val="accent1">
+              <a:shade val="50000"/>
+            </a:schemeClr>
+          </a:lnRef>
+          <a:fillRef idx="1">
+            <a:schemeClr val="accent1"/>
+          </a:fillRef>
+          <a:effectRef idx="0">
+            <a:schemeClr val="accent1"/>
+          </a:effectRef>
+          <a:fontRef idx="minor">
+            <a:schemeClr val="lt1"/>
+          </a:fontRef>
+        </p:style>
+        <p:txBody>
+          <a:bodyPr lIns="41802" rIns="41802" rtlCol="0" anchor="t"/>
+          <a:lstStyle/>
+          <a:p>
+            <a:pPr defTabSz="418013">
+              <a:defRPr/>
+            </a:pPr>
+            <a:r>
+              <a:rPr lang="en-US" altLang="ko-KR" sz="8000" dirty="0">
+                <a:solidFill>
+                  <a:prstClr val="black"/>
+                </a:solidFill>
+                <a:latin typeface="Calibri" panose="020F0502020204030204"/>
+                <a:ea typeface="맑은 고딕" panose="020B0503020000020004" pitchFamily="50" charset="-127"/>
+              </a:rPr>
+              <a:t>Unreal</a:t>
+            </a:r>
+          </a:p>
+        </p:txBody>
+      </p:sp>
+      <p:pic>
+        <p:nvPicPr>
+          <p:cNvPr id="7" name="그림 6">
+            <a:extLst>
+              <a:ext uri="{FF2B5EF4-FFF2-40B4-BE49-F238E27FC236}">
+                <a16:creationId xmlns:a16="http://schemas.microsoft.com/office/drawing/2014/main" id="{D4EB59FA-BE44-37FD-BCEA-9812C10ABAF7}"/>
+              </a:ext>
+            </a:extLst>
+          </p:cNvPr>
+          <p:cNvPicPr>
+            <a:picLocks noChangeAspect="1"/>
+          </p:cNvPicPr>
+          <p:nvPr/>
+        </p:nvPicPr>
+        <p:blipFill>
+          <a:blip r:embed="rId3"/>
+          <a:stretch>
+            <a:fillRect/>
+          </a:stretch>
+        </p:blipFill>
+        <p:spPr>
+          <a:xfrm>
+            <a:off x="23138762" y="2880350"/>
+            <a:ext cx="8373644" cy="819264"/>
+          </a:xfrm>
+          <a:prstGeom prst="rect">
+            <a:avLst/>
+          </a:prstGeom>
+        </p:spPr>
+      </p:pic>
+      <p:sp>
+        <p:nvSpPr>
+          <p:cNvPr id="9" name="직사각형 8">
+            <a:extLst>
+              <a:ext uri="{FF2B5EF4-FFF2-40B4-BE49-F238E27FC236}">
+                <a16:creationId xmlns:a16="http://schemas.microsoft.com/office/drawing/2014/main" id="{06A07F58-889F-8825-389D-ECC4BBC227A0}"/>
+              </a:ext>
+            </a:extLst>
+          </p:cNvPr>
+          <p:cNvSpPr/>
+          <p:nvPr/>
+        </p:nvSpPr>
+        <p:spPr>
+          <a:xfrm>
+            <a:off x="6480181" y="3240350"/>
+            <a:ext cx="2880000" cy="720000"/>
+          </a:xfrm>
+          <a:prstGeom prst="rect">
+            <a:avLst/>
+          </a:prstGeom>
+          <a:noFill/>
+          <a:ln>
+            <a:solidFill>
+              <a:schemeClr val="tx1"/>
+            </a:solidFill>
+          </a:ln>
+        </p:spPr>
+        <p:style>
+          <a:lnRef idx="2">
+            <a:schemeClr val="accent1">
+              <a:shade val="50000"/>
+            </a:schemeClr>
+          </a:lnRef>
+          <a:fillRef idx="1">
+            <a:schemeClr val="accent1"/>
+          </a:fillRef>
+          <a:effectRef idx="0">
+            <a:schemeClr val="accent1"/>
+          </a:effectRef>
+          <a:fontRef idx="minor">
+            <a:schemeClr val="lt1"/>
+          </a:fontRef>
+        </p:style>
+        <p:txBody>
+          <a:bodyPr lIns="41802" rIns="41802" rtlCol="0" anchor="ctr"/>
+          <a:lstStyle/>
+          <a:p>
+            <a:pPr algn="ctr" defTabSz="418013">
+              <a:defRPr/>
+            </a:pPr>
+            <a:r>
+              <a:rPr lang="en-US" altLang="ko-KR" sz="1600" dirty="0" err="1">
+                <a:solidFill>
+                  <a:prstClr val="black"/>
+                </a:solidFill>
+                <a:latin typeface="Calibri" panose="020F0502020204030204"/>
+                <a:ea typeface="맑은 고딕" panose="020B0503020000020004" pitchFamily="50" charset="-127"/>
+              </a:rPr>
+              <a:t>FTrackedActivity.GetEngineActiveity</a:t>
+            </a:r>
+            <a:r>
+              <a:rPr lang="en-US" altLang="ko-KR" sz="1600" dirty="0">
+                <a:solidFill>
+                  <a:prstClr val="black"/>
+                </a:solidFill>
+                <a:latin typeface="Calibri" panose="020F0502020204030204"/>
+                <a:ea typeface="맑은 고딕" panose="020B0503020000020004" pitchFamily="50" charset="-127"/>
+              </a:rPr>
+              <a:t>().Update()</a:t>
+            </a:r>
+          </a:p>
+        </p:txBody>
+      </p:sp>
+      <p:sp>
+        <p:nvSpPr>
+          <p:cNvPr id="24" name="직사각형 23">
+            <a:extLst>
+              <a:ext uri="{FF2B5EF4-FFF2-40B4-BE49-F238E27FC236}">
+                <a16:creationId xmlns:a16="http://schemas.microsoft.com/office/drawing/2014/main" id="{EFC03C75-6535-81B1-6249-36EA302F3BD8}"/>
+              </a:ext>
+            </a:extLst>
+          </p:cNvPr>
+          <p:cNvSpPr/>
+          <p:nvPr/>
+        </p:nvSpPr>
+        <p:spPr>
+          <a:xfrm>
+            <a:off x="6480181" y="4320350"/>
+            <a:ext cx="2880000" cy="720000"/>
+          </a:xfrm>
+          <a:prstGeom prst="rect">
+            <a:avLst/>
+          </a:prstGeom>
+          <a:noFill/>
+          <a:ln>
+            <a:solidFill>
+              <a:schemeClr val="tx1"/>
+            </a:solidFill>
+          </a:ln>
+        </p:spPr>
+        <p:style>
+          <a:lnRef idx="2">
+            <a:schemeClr val="accent1">
+              <a:shade val="50000"/>
+            </a:schemeClr>
+          </a:lnRef>
+          <a:fillRef idx="1">
+            <a:schemeClr val="accent1"/>
+          </a:fillRef>
+          <a:effectRef idx="0">
+            <a:schemeClr val="accent1"/>
+          </a:effectRef>
+          <a:fontRef idx="minor">
+            <a:schemeClr val="lt1"/>
+          </a:fontRef>
+        </p:style>
+        <p:txBody>
+          <a:bodyPr lIns="41802" rIns="41802" rtlCol="0" anchor="ctr"/>
+          <a:lstStyle/>
+          <a:p>
+            <a:pPr algn="ctr" defTabSz="418013">
+              <a:defRPr/>
+            </a:pPr>
+            <a:r>
+              <a:rPr lang="en-US" altLang="ko-KR" sz="1600" dirty="0" err="1">
+                <a:solidFill>
+                  <a:prstClr val="black"/>
+                </a:solidFill>
+                <a:latin typeface="Calibri" panose="020F0502020204030204"/>
+                <a:ea typeface="맑은 고딕" panose="020B0503020000020004" pitchFamily="50" charset="-127"/>
+              </a:rPr>
+              <a:t>ErrorLevel</a:t>
+            </a:r>
+            <a:endParaRPr lang="en-US" altLang="ko-KR" sz="1600" dirty="0">
+              <a:solidFill>
+                <a:prstClr val="black"/>
+              </a:solidFill>
+              <a:latin typeface="Calibri" panose="020F0502020204030204"/>
+              <a:ea typeface="맑은 고딕" panose="020B0503020000020004" pitchFamily="50" charset="-127"/>
+            </a:endParaRPr>
+          </a:p>
+        </p:txBody>
+      </p:sp>
+      <p:sp>
+        <p:nvSpPr>
+          <p:cNvPr id="29" name="직사각형 28">
+            <a:extLst>
+              <a:ext uri="{FF2B5EF4-FFF2-40B4-BE49-F238E27FC236}">
+                <a16:creationId xmlns:a16="http://schemas.microsoft.com/office/drawing/2014/main" id="{772C92AA-4AE6-E77A-0843-CEC935EE1B2A}"/>
+              </a:ext>
+            </a:extLst>
+          </p:cNvPr>
+          <p:cNvSpPr/>
+          <p:nvPr/>
+        </p:nvSpPr>
+        <p:spPr>
+          <a:xfrm>
+            <a:off x="9360181" y="5400350"/>
+            <a:ext cx="2880000" cy="720000"/>
+          </a:xfrm>
+          <a:prstGeom prst="rect">
+            <a:avLst/>
+          </a:prstGeom>
+          <a:noFill/>
+          <a:ln>
+            <a:solidFill>
+              <a:schemeClr val="tx1"/>
+            </a:solidFill>
+          </a:ln>
+        </p:spPr>
+        <p:style>
+          <a:lnRef idx="2">
+            <a:schemeClr val="accent1">
+              <a:shade val="50000"/>
+            </a:schemeClr>
+          </a:lnRef>
+          <a:fillRef idx="1">
+            <a:schemeClr val="accent1"/>
+          </a:fillRef>
+          <a:effectRef idx="0">
+            <a:schemeClr val="accent1"/>
+          </a:effectRef>
+          <a:fontRef idx="minor">
+            <a:schemeClr val="lt1"/>
+          </a:fontRef>
+        </p:style>
+        <p:txBody>
+          <a:bodyPr lIns="41802" rIns="41802" rtlCol="0" anchor="ctr"/>
+          <a:lstStyle/>
+          <a:p>
+            <a:pPr algn="ctr" defTabSz="418013">
+              <a:defRPr/>
+            </a:pPr>
+            <a:r>
+              <a:rPr lang="en-US" altLang="ko-KR" sz="1600" dirty="0" err="1">
+                <a:solidFill>
+                  <a:prstClr val="black"/>
+                </a:solidFill>
+                <a:latin typeface="Calibri" panose="020F0502020204030204"/>
+                <a:ea typeface="맑은 고딕" panose="020B0503020000020004" pitchFamily="50" charset="-127"/>
+              </a:rPr>
+              <a:t>PreInit</a:t>
+            </a:r>
+            <a:endParaRPr lang="en-US" altLang="ko-KR" sz="1600" dirty="0">
+              <a:solidFill>
+                <a:prstClr val="black"/>
+              </a:solidFill>
+              <a:latin typeface="Calibri" panose="020F0502020204030204"/>
+              <a:ea typeface="맑은 고딕" panose="020B0503020000020004" pitchFamily="50" charset="-127"/>
+            </a:endParaRPr>
+          </a:p>
+        </p:txBody>
+      </p:sp>
+      <p:sp>
+        <p:nvSpPr>
+          <p:cNvPr id="32" name="직사각형 31">
+            <a:extLst>
+              <a:ext uri="{FF2B5EF4-FFF2-40B4-BE49-F238E27FC236}">
+                <a16:creationId xmlns:a16="http://schemas.microsoft.com/office/drawing/2014/main" id="{0E6D1CBC-8F51-7E18-BECC-72DE39FA6725}"/>
+              </a:ext>
+            </a:extLst>
+          </p:cNvPr>
+          <p:cNvSpPr/>
+          <p:nvPr/>
+        </p:nvSpPr>
+        <p:spPr>
+          <a:xfrm>
+            <a:off x="6480181" y="2520350"/>
+            <a:ext cx="2880000" cy="360000"/>
+          </a:xfrm>
+          <a:prstGeom prst="rect">
+            <a:avLst/>
+          </a:prstGeom>
+          <a:noFill/>
+          <a:ln>
+            <a:solidFill>
+              <a:schemeClr val="tx1"/>
+            </a:solidFill>
+          </a:ln>
+        </p:spPr>
+        <p:style>
+          <a:lnRef idx="2">
+            <a:schemeClr val="accent1">
+              <a:shade val="50000"/>
+            </a:schemeClr>
+          </a:lnRef>
+          <a:fillRef idx="1">
+            <a:schemeClr val="accent1"/>
+          </a:fillRef>
+          <a:effectRef idx="0">
+            <a:schemeClr val="accent1"/>
+          </a:effectRef>
+          <a:fontRef idx="minor">
+            <a:schemeClr val="lt1"/>
+          </a:fontRef>
+        </p:style>
+        <p:txBody>
+          <a:bodyPr lIns="41802" rIns="41802" rtlCol="0" anchor="ctr"/>
+          <a:lstStyle/>
+          <a:p>
+            <a:pPr algn="ctr" defTabSz="418013">
+              <a:defRPr/>
+            </a:pPr>
+            <a:r>
+              <a:rPr lang="en-US" altLang="ko-KR" sz="1600" dirty="0">
+                <a:solidFill>
+                  <a:prstClr val="black"/>
+                </a:solidFill>
+                <a:latin typeface="Calibri" panose="020F0502020204030204"/>
+                <a:ea typeface="맑은 고딕" panose="020B0503020000020004" pitchFamily="50" charset="-127"/>
+              </a:rPr>
+              <a:t>Launch</a:t>
+            </a:r>
+          </a:p>
+        </p:txBody>
+      </p:sp>
+      <p:sp>
+        <p:nvSpPr>
+          <p:cNvPr id="33" name="직사각형 32">
+            <a:extLst>
+              <a:ext uri="{FF2B5EF4-FFF2-40B4-BE49-F238E27FC236}">
+                <a16:creationId xmlns:a16="http://schemas.microsoft.com/office/drawing/2014/main" id="{C246FF22-4EDD-7876-CF92-B3DE80691544}"/>
+              </a:ext>
+            </a:extLst>
+          </p:cNvPr>
+          <p:cNvSpPr/>
+          <p:nvPr/>
+        </p:nvSpPr>
+        <p:spPr>
+          <a:xfrm>
+            <a:off x="9360181" y="2520350"/>
+            <a:ext cx="2880000" cy="360000"/>
+          </a:xfrm>
+          <a:prstGeom prst="rect">
+            <a:avLst/>
+          </a:prstGeom>
+          <a:noFill/>
+          <a:ln>
+            <a:solidFill>
+              <a:schemeClr val="tx1"/>
+            </a:solidFill>
+          </a:ln>
+        </p:spPr>
+        <p:style>
+          <a:lnRef idx="2">
+            <a:schemeClr val="accent1">
+              <a:shade val="50000"/>
+            </a:schemeClr>
+          </a:lnRef>
+          <a:fillRef idx="1">
+            <a:schemeClr val="accent1"/>
+          </a:fillRef>
+          <a:effectRef idx="0">
+            <a:schemeClr val="accent1"/>
+          </a:effectRef>
+          <a:fontRef idx="minor">
+            <a:schemeClr val="lt1"/>
+          </a:fontRef>
+        </p:style>
+        <p:txBody>
+          <a:bodyPr lIns="41802" rIns="41802" rtlCol="0" anchor="ctr"/>
+          <a:lstStyle/>
+          <a:p>
+            <a:pPr algn="ctr" defTabSz="418013">
+              <a:defRPr/>
+            </a:pPr>
+            <a:r>
+              <a:rPr lang="en-US" altLang="ko-KR" sz="1600" dirty="0" err="1">
+                <a:solidFill>
+                  <a:prstClr val="black"/>
+                </a:solidFill>
+                <a:latin typeface="Calibri" panose="020F0502020204030204"/>
+                <a:ea typeface="맑은 고딕" panose="020B0503020000020004" pitchFamily="50" charset="-127"/>
+              </a:rPr>
+              <a:t>FEngineLoop</a:t>
+            </a:r>
+            <a:endParaRPr lang="en-US" altLang="ko-KR" sz="1600" dirty="0">
+              <a:solidFill>
+                <a:prstClr val="black"/>
+              </a:solidFill>
+              <a:latin typeface="Calibri" panose="020F0502020204030204"/>
+              <a:ea typeface="맑은 고딕" panose="020B0503020000020004" pitchFamily="50" charset="-127"/>
+            </a:endParaRPr>
+          </a:p>
+        </p:txBody>
+      </p:sp>
+      <p:sp>
+        <p:nvSpPr>
+          <p:cNvPr id="34" name="직사각형 33">
+            <a:extLst>
+              <a:ext uri="{FF2B5EF4-FFF2-40B4-BE49-F238E27FC236}">
+                <a16:creationId xmlns:a16="http://schemas.microsoft.com/office/drawing/2014/main" id="{1485CC3B-E283-538C-270F-AF31649FD14F}"/>
+              </a:ext>
+            </a:extLst>
+          </p:cNvPr>
+          <p:cNvSpPr/>
+          <p:nvPr/>
+        </p:nvSpPr>
+        <p:spPr>
+          <a:xfrm>
+            <a:off x="12600181" y="5400350"/>
+            <a:ext cx="2880000" cy="720000"/>
+          </a:xfrm>
+          <a:prstGeom prst="rect">
+            <a:avLst/>
+          </a:prstGeom>
+          <a:noFill/>
+          <a:ln>
+            <a:solidFill>
+              <a:schemeClr val="tx1"/>
+            </a:solidFill>
+          </a:ln>
+        </p:spPr>
+        <p:style>
+          <a:lnRef idx="2">
+            <a:schemeClr val="accent1">
+              <a:shade val="50000"/>
+            </a:schemeClr>
+          </a:lnRef>
+          <a:fillRef idx="1">
+            <a:schemeClr val="accent1"/>
+          </a:fillRef>
+          <a:effectRef idx="0">
+            <a:schemeClr val="accent1"/>
+          </a:effectRef>
+          <a:fontRef idx="minor">
+            <a:schemeClr val="lt1"/>
+          </a:fontRef>
+        </p:style>
+        <p:txBody>
+          <a:bodyPr lIns="41802" rIns="41802" rtlCol="0" anchor="ctr"/>
+          <a:lstStyle/>
+          <a:p>
+            <a:pPr algn="ctr" defTabSz="418013">
+              <a:defRPr/>
+            </a:pPr>
+            <a:r>
+              <a:rPr lang="en-US" altLang="ko-KR" sz="1600" dirty="0" err="1">
+                <a:solidFill>
+                  <a:prstClr val="black"/>
+                </a:solidFill>
+                <a:latin typeface="Calibri" panose="020F0502020204030204"/>
+                <a:ea typeface="맑은 고딕" panose="020B0503020000020004" pitchFamily="50" charset="-127"/>
+              </a:rPr>
+              <a:t>PreInitPreStartupScreen</a:t>
+            </a:r>
+            <a:endParaRPr lang="en-US" altLang="ko-KR" sz="1600" dirty="0">
+              <a:solidFill>
+                <a:prstClr val="black"/>
+              </a:solidFill>
+              <a:latin typeface="Calibri" panose="020F0502020204030204"/>
+              <a:ea typeface="맑은 고딕" panose="020B0503020000020004" pitchFamily="50" charset="-127"/>
+            </a:endParaRPr>
+          </a:p>
+        </p:txBody>
+      </p:sp>
+      <p:sp>
+        <p:nvSpPr>
+          <p:cNvPr id="35" name="직사각형 34">
+            <a:extLst>
+              <a:ext uri="{FF2B5EF4-FFF2-40B4-BE49-F238E27FC236}">
+                <a16:creationId xmlns:a16="http://schemas.microsoft.com/office/drawing/2014/main" id="{23CE7577-1349-FCA4-F1B5-2F3F99FD8CC7}"/>
+              </a:ext>
+            </a:extLst>
+          </p:cNvPr>
+          <p:cNvSpPr/>
+          <p:nvPr/>
+        </p:nvSpPr>
+        <p:spPr>
+          <a:xfrm>
+            <a:off x="12600181" y="8280350"/>
+            <a:ext cx="2880000" cy="720000"/>
+          </a:xfrm>
+          <a:prstGeom prst="rect">
+            <a:avLst/>
+          </a:prstGeom>
+          <a:noFill/>
+          <a:ln>
+            <a:solidFill>
+              <a:schemeClr val="tx1"/>
+            </a:solidFill>
+          </a:ln>
+        </p:spPr>
+        <p:style>
+          <a:lnRef idx="2">
+            <a:schemeClr val="accent1">
+              <a:shade val="50000"/>
+            </a:schemeClr>
+          </a:lnRef>
+          <a:fillRef idx="1">
+            <a:schemeClr val="accent1"/>
+          </a:fillRef>
+          <a:effectRef idx="0">
+            <a:schemeClr val="accent1"/>
+          </a:effectRef>
+          <a:fontRef idx="minor">
+            <a:schemeClr val="lt1"/>
+          </a:fontRef>
+        </p:style>
+        <p:txBody>
+          <a:bodyPr lIns="41802" rIns="41802" rtlCol="0" anchor="ctr"/>
+          <a:lstStyle/>
+          <a:p>
+            <a:pPr algn="ctr" defTabSz="418013">
+              <a:defRPr/>
+            </a:pPr>
+            <a:r>
+              <a:rPr lang="en-US" altLang="ko-KR" sz="1600" dirty="0" err="1">
+                <a:solidFill>
+                  <a:prstClr val="black"/>
+                </a:solidFill>
+                <a:latin typeface="Calibri" panose="020F0502020204030204"/>
+                <a:ea typeface="맑은 고딕" panose="020B0503020000020004" pitchFamily="50" charset="-127"/>
+              </a:rPr>
+              <a:t>PreInitPreStartupScreen</a:t>
+            </a:r>
+            <a:endParaRPr lang="en-US" altLang="ko-KR" sz="1600" dirty="0">
+              <a:solidFill>
+                <a:prstClr val="black"/>
+              </a:solidFill>
+              <a:latin typeface="Calibri" panose="020F0502020204030204"/>
+              <a:ea typeface="맑은 고딕" panose="020B0503020000020004" pitchFamily="50" charset="-127"/>
+            </a:endParaRPr>
+          </a:p>
+        </p:txBody>
+      </p:sp>
+      <p:sp>
+        <p:nvSpPr>
+          <p:cNvPr id="41" name="직사각형 40">
+            <a:extLst>
+              <a:ext uri="{FF2B5EF4-FFF2-40B4-BE49-F238E27FC236}">
+                <a16:creationId xmlns:a16="http://schemas.microsoft.com/office/drawing/2014/main" id="{3A31B2B8-7E63-4379-0A5E-B7B2626D14D7}"/>
+              </a:ext>
+            </a:extLst>
+          </p:cNvPr>
+          <p:cNvSpPr/>
+          <p:nvPr/>
+        </p:nvSpPr>
+        <p:spPr>
+          <a:xfrm>
+            <a:off x="15840181" y="5400350"/>
+            <a:ext cx="3960000" cy="3240000"/>
+          </a:xfrm>
+          <a:prstGeom prst="rect">
+            <a:avLst/>
+          </a:prstGeom>
+          <a:noFill/>
+          <a:ln>
+            <a:solidFill>
+              <a:schemeClr val="tx1"/>
+            </a:solidFill>
+          </a:ln>
+        </p:spPr>
+        <p:style>
+          <a:lnRef idx="2">
+            <a:schemeClr val="accent1">
+              <a:shade val="50000"/>
+            </a:schemeClr>
+          </a:lnRef>
+          <a:fillRef idx="1">
+            <a:schemeClr val="accent1"/>
+          </a:fillRef>
+          <a:effectRef idx="0">
+            <a:schemeClr val="accent1"/>
+          </a:effectRef>
+          <a:fontRef idx="minor">
+            <a:schemeClr val="lt1"/>
+          </a:fontRef>
+        </p:style>
+        <p:txBody>
+          <a:bodyPr lIns="41802" rIns="41802" rtlCol="0" anchor="t"/>
+          <a:lstStyle/>
+          <a:p>
+            <a:pPr marL="342900" indent="-342900" defTabSz="418013">
+              <a:buAutoNum type="arabicPeriod"/>
+              <a:defRPr/>
+            </a:pPr>
+            <a:r>
+              <a:rPr lang="en-US" altLang="ko-KR" sz="1600" dirty="0" err="1">
+                <a:solidFill>
+                  <a:prstClr val="black"/>
+                </a:solidFill>
+                <a:latin typeface="Calibri" panose="020F0502020204030204"/>
+                <a:ea typeface="맑은 고딕" panose="020B0503020000020004" pitchFamily="50" charset="-127"/>
+              </a:rPr>
+              <a:t>FDelayedAutoRegisterHelper</a:t>
+            </a:r>
+            <a:r>
+              <a:rPr lang="en-US" altLang="ko-KR" sz="1600" dirty="0">
+                <a:solidFill>
+                  <a:prstClr val="black"/>
+                </a:solidFill>
+                <a:latin typeface="Calibri" panose="020F0502020204030204"/>
+                <a:ea typeface="맑은 고딕" panose="020B0503020000020004" pitchFamily="50" charset="-127"/>
+              </a:rPr>
+              <a:t> </a:t>
+            </a:r>
+            <a:r>
+              <a:rPr lang="ko-KR" altLang="en-US" sz="1600" dirty="0">
+                <a:solidFill>
+                  <a:prstClr val="black"/>
+                </a:solidFill>
+                <a:latin typeface="Calibri" panose="020F0502020204030204"/>
+                <a:ea typeface="맑은 고딕" panose="020B0503020000020004" pitchFamily="50" charset="-127"/>
+              </a:rPr>
+              <a:t>에서 </a:t>
+            </a:r>
+            <a:r>
+              <a:rPr lang="en-US" altLang="ko-KR" sz="1600" dirty="0">
+                <a:solidFill>
+                  <a:prstClr val="black"/>
+                </a:solidFill>
+                <a:latin typeface="Calibri" panose="020F0502020204030204"/>
+                <a:ea typeface="맑은 고딕" panose="020B0503020000020004" pitchFamily="50" charset="-127"/>
+              </a:rPr>
+              <a:t>Phase </a:t>
+            </a:r>
+            <a:r>
+              <a:rPr lang="ko-KR" altLang="en-US" sz="1600" dirty="0">
+                <a:solidFill>
+                  <a:prstClr val="black"/>
+                </a:solidFill>
+                <a:latin typeface="Calibri" panose="020F0502020204030204"/>
+                <a:ea typeface="맑은 고딕" panose="020B0503020000020004" pitchFamily="50" charset="-127"/>
+              </a:rPr>
+              <a:t>단계 설정</a:t>
+            </a:r>
+            <a:br>
+              <a:rPr lang="en-US" altLang="ko-KR" sz="1600" dirty="0">
+                <a:solidFill>
+                  <a:prstClr val="black"/>
+                </a:solidFill>
+                <a:latin typeface="Calibri" panose="020F0502020204030204"/>
+                <a:ea typeface="맑은 고딕" panose="020B0503020000020004" pitchFamily="50" charset="-127"/>
+              </a:rPr>
+            </a:br>
+            <a:r>
+              <a:rPr lang="en-US" altLang="ko-KR" sz="1600" dirty="0">
+                <a:solidFill>
+                  <a:prstClr val="black"/>
+                </a:solidFill>
+                <a:latin typeface="Calibri" panose="020F0502020204030204"/>
+                <a:ea typeface="맑은 고딕" panose="020B0503020000020004" pitchFamily="50" charset="-127"/>
+              </a:rPr>
+              <a:t>-&gt; </a:t>
+            </a:r>
+            <a:r>
+              <a:rPr lang="ko-KR" altLang="en-US" sz="1600" dirty="0">
+                <a:solidFill>
+                  <a:prstClr val="black"/>
+                </a:solidFill>
+                <a:latin typeface="Calibri" panose="020F0502020204030204"/>
+                <a:ea typeface="맑은 고딕" panose="020B0503020000020004" pitchFamily="50" charset="-127"/>
+              </a:rPr>
+              <a:t>단계 설정 후 </a:t>
+            </a:r>
+            <a:r>
+              <a:rPr lang="en-US" altLang="ko-KR" sz="1600" dirty="0">
+                <a:solidFill>
+                  <a:prstClr val="black"/>
+                </a:solidFill>
+                <a:latin typeface="Calibri" panose="020F0502020204030204"/>
+                <a:ea typeface="맑은 고딕" panose="020B0503020000020004" pitchFamily="50" charset="-127"/>
+              </a:rPr>
+              <a:t>Broadcast </a:t>
+            </a:r>
+            <a:r>
+              <a:rPr lang="ko-KR" altLang="en-US" sz="1600" dirty="0">
+                <a:solidFill>
+                  <a:prstClr val="black"/>
+                </a:solidFill>
+                <a:latin typeface="Calibri" panose="020F0502020204030204"/>
+                <a:ea typeface="맑은 고딕" panose="020B0503020000020004" pitchFamily="50" charset="-127"/>
+              </a:rPr>
+              <a:t>및 </a:t>
+            </a:r>
+            <a:r>
+              <a:rPr lang="en-US" altLang="ko-KR" sz="1600" dirty="0">
+                <a:solidFill>
+                  <a:prstClr val="black"/>
+                </a:solidFill>
+                <a:latin typeface="Calibri" panose="020F0502020204030204"/>
+                <a:ea typeface="맑은 고딕" panose="020B0503020000020004" pitchFamily="50" charset="-127"/>
+              </a:rPr>
+              <a:t>clear </a:t>
+            </a:r>
+            <a:r>
+              <a:rPr lang="ko-KR" altLang="en-US" sz="1600" dirty="0">
+                <a:solidFill>
+                  <a:prstClr val="black"/>
+                </a:solidFill>
+                <a:latin typeface="Calibri" panose="020F0502020204030204"/>
+                <a:ea typeface="맑은 고딕" panose="020B0503020000020004" pitchFamily="50" charset="-127"/>
+              </a:rPr>
+              <a:t>수행</a:t>
+            </a:r>
+            <a:br>
+              <a:rPr lang="en-US" altLang="ko-KR" sz="1600" dirty="0">
+                <a:solidFill>
+                  <a:prstClr val="black"/>
+                </a:solidFill>
+                <a:latin typeface="Calibri" panose="020F0502020204030204"/>
+                <a:ea typeface="맑은 고딕" panose="020B0503020000020004" pitchFamily="50" charset="-127"/>
+              </a:rPr>
+            </a:br>
+            <a:r>
+              <a:rPr lang="en-US" altLang="ko-KR" sz="1600" dirty="0">
+                <a:solidFill>
+                  <a:prstClr val="black"/>
+                </a:solidFill>
+                <a:latin typeface="Calibri" panose="020F0502020204030204"/>
+                <a:ea typeface="맑은 고딕" panose="020B0503020000020004" pitchFamily="50" charset="-127"/>
+              </a:rPr>
+              <a:t>-&gt; </a:t>
+            </a:r>
+            <a:r>
+              <a:rPr lang="en-US" altLang="ko-KR" sz="1600" dirty="0" err="1">
+                <a:solidFill>
+                  <a:prstClr val="black"/>
+                </a:solidFill>
+                <a:latin typeface="Calibri" panose="020F0502020204030204"/>
+                <a:ea typeface="맑은 고딕" panose="020B0503020000020004" pitchFamily="50" charset="-127"/>
+              </a:rPr>
+              <a:t>Tset</a:t>
+            </a:r>
+            <a:r>
+              <a:rPr lang="ko-KR" altLang="en-US" sz="1600" dirty="0">
+                <a:solidFill>
+                  <a:prstClr val="black"/>
+                </a:solidFill>
+                <a:latin typeface="Calibri" panose="020F0502020204030204"/>
+                <a:ea typeface="맑은 고딕" panose="020B0503020000020004" pitchFamily="50" charset="-127"/>
+              </a:rPr>
+              <a:t>에 </a:t>
+            </a:r>
+            <a:r>
+              <a:rPr lang="en-US" altLang="ko-KR" sz="1600" dirty="0">
+                <a:solidFill>
+                  <a:prstClr val="black"/>
+                </a:solidFill>
+                <a:latin typeface="Calibri" panose="020F0502020204030204"/>
+                <a:ea typeface="맑은 고딕" panose="020B0503020000020004" pitchFamily="50" charset="-127"/>
+              </a:rPr>
+              <a:t>Phase </a:t>
+            </a:r>
+            <a:r>
+              <a:rPr lang="ko-KR" altLang="en-US" sz="1600">
+                <a:solidFill>
+                  <a:prstClr val="black"/>
+                </a:solidFill>
+                <a:latin typeface="Calibri" panose="020F0502020204030204"/>
+                <a:ea typeface="맑은 고딕" panose="020B0503020000020004" pitchFamily="50" charset="-127"/>
+              </a:rPr>
+              <a:t>추가</a:t>
+            </a:r>
+            <a:endParaRPr lang="en-US" altLang="ko-KR" sz="1600" dirty="0">
+              <a:solidFill>
+                <a:prstClr val="black"/>
+              </a:solidFill>
+              <a:latin typeface="Calibri" panose="020F0502020204030204"/>
+              <a:ea typeface="맑은 고딕" panose="020B0503020000020004" pitchFamily="50" charset="-127"/>
+            </a:endParaRPr>
+          </a:p>
+          <a:p>
+            <a:pPr marL="342900" indent="-342900" defTabSz="418013">
+              <a:buAutoNum type="arabicPeriod"/>
+              <a:defRPr/>
+            </a:pPr>
+            <a:endParaRPr lang="en-US" altLang="ko-KR" sz="1600" dirty="0">
+              <a:solidFill>
+                <a:prstClr val="black"/>
+              </a:solidFill>
+              <a:latin typeface="Calibri" panose="020F0502020204030204"/>
+              <a:ea typeface="맑은 고딕" panose="020B0503020000020004" pitchFamily="50" charset="-127"/>
+            </a:endParaRPr>
+          </a:p>
+          <a:p>
+            <a:pPr marL="342900" indent="-342900" defTabSz="418013">
+              <a:buAutoNum type="arabicPeriod"/>
+              <a:defRPr/>
+            </a:pPr>
+            <a:endParaRPr lang="en-US" altLang="ko-KR" sz="1600" dirty="0">
+              <a:solidFill>
+                <a:prstClr val="black"/>
+              </a:solidFill>
+              <a:latin typeface="Calibri" panose="020F0502020204030204"/>
+              <a:ea typeface="맑은 고딕" panose="020B0503020000020004" pitchFamily="50" charset="-127"/>
+            </a:endParaRPr>
+          </a:p>
+        </p:txBody>
+      </p:sp>
+      <p:pic>
+        <p:nvPicPr>
+          <p:cNvPr id="64" name="그림 63">
+            <a:extLst>
+              <a:ext uri="{FF2B5EF4-FFF2-40B4-BE49-F238E27FC236}">
+                <a16:creationId xmlns:a16="http://schemas.microsoft.com/office/drawing/2014/main" id="{E76E8A22-DF52-1EDB-5703-A92A003ECDF1}"/>
+              </a:ext>
+            </a:extLst>
+          </p:cNvPr>
+          <p:cNvPicPr>
+            <a:picLocks/>
+          </p:cNvPicPr>
+          <p:nvPr/>
+        </p:nvPicPr>
+        <p:blipFill>
+          <a:blip r:embed="rId4"/>
+          <a:stretch>
+            <a:fillRect/>
+          </a:stretch>
+        </p:blipFill>
+        <p:spPr>
+          <a:xfrm>
+            <a:off x="25200181" y="4680350"/>
+            <a:ext cx="7920000" cy="576000"/>
+          </a:xfrm>
+          <a:prstGeom prst="rect">
+            <a:avLst/>
+          </a:prstGeom>
+        </p:spPr>
+      </p:pic>
+    </p:spTree>
+    <p:extLst>
+      <p:ext uri="{BB962C8B-B14F-4D97-AF65-F5344CB8AC3E}">
+        <p14:creationId xmlns:p14="http://schemas.microsoft.com/office/powerpoint/2010/main" val="3377727067"/>
       </p:ext>
     </p:extLst>
   </p:cSld>

--- a/Doc/Architecture.pptx
+++ b/Doc/Architecture.pptx
@@ -109,7 +109,18 @@
   </p:defaultTextStyle>
   <p:extLst>
     <p:ext uri="{EFAFB233-063F-42B5-8137-9DF3F51BA10A}">
-      <p15:sldGuideLst xmlns:p15="http://schemas.microsoft.com/office/powerpoint/2012/main"/>
+      <p15:sldGuideLst xmlns:p15="http://schemas.microsoft.com/office/powerpoint/2012/main">
+        <p15:guide id="1" orient="horz" pos="8164" userDrawn="1">
+          <p15:clr>
+            <a:srgbClr val="A4A3A4"/>
+          </p15:clr>
+        </p15:guide>
+        <p15:guide id="2" pos="14513" userDrawn="1">
+          <p15:clr>
+            <a:srgbClr val="A4A3A4"/>
+          </p15:clr>
+        </p15:guide>
+      </p15:sldGuideLst>
     </p:ext>
   </p:extLst>
 </p:presentation>
@@ -118,13 +129,133 @@
 <file path=ppt/revisionInfo.xml><?xml version="1.0" encoding="utf-8"?>
 <p1510:revInfo xmlns:a="http://schemas.openxmlformats.org/drawingml/2006/main" xmlns:r="http://schemas.openxmlformats.org/officeDocument/2006/relationships" xmlns:p1510="http://schemas.microsoft.com/office/powerpoint/2015/10/main">
   <p1510:revLst>
-    <p1510:client id="{7CCF9389-FC57-442E-8C8F-013ED0D606B0}" v="43" dt="2024-12-15T14:26:04.920"/>
+    <p1510:client id="{3A2A9901-1F52-4855-B492-9D7FB880BEF1}" v="2" dt="2025-06-03T03:25:50.751"/>
   </p1510:revLst>
 </p1510:revInfo>
 </file>
 
 <file path=ppt/changesInfos/changesInfo1.xml><?xml version="1.0" encoding="utf-8"?>
 <pc:chgInfo xmlns:a="http://schemas.openxmlformats.org/drawingml/2006/main" xmlns:r="http://schemas.openxmlformats.org/officeDocument/2006/relationships" xmlns:ac="http://schemas.microsoft.com/office/drawing/2013/main/command" xmlns:pc="http://schemas.microsoft.com/office/powerpoint/2013/main/command">
+  <pc:docChgLst>
+    <pc:chgData name="seungkyun park" userId="f1574e86df6b37cf" providerId="LiveId" clId="{3A2A9901-1F52-4855-B492-9D7FB880BEF1}"/>
+    <pc:docChg chg="undo custSel mod modSld">
+      <pc:chgData name="seungkyun park" userId="f1574e86df6b37cf" providerId="LiveId" clId="{3A2A9901-1F52-4855-B492-9D7FB880BEF1}" dt="2025-06-03T03:26:45.555" v="59" actId="1035"/>
+      <pc:docMkLst>
+        <pc:docMk/>
+      </pc:docMkLst>
+      <pc:sldChg chg="addSp delSp modSp mod">
+        <pc:chgData name="seungkyun park" userId="f1574e86df6b37cf" providerId="LiveId" clId="{3A2A9901-1F52-4855-B492-9D7FB880BEF1}" dt="2025-06-03T03:26:45.555" v="59" actId="1035"/>
+        <pc:sldMkLst>
+          <pc:docMk/>
+          <pc:sldMk cId="68514707" sldId="280"/>
+        </pc:sldMkLst>
+        <pc:spChg chg="add mod">
+          <ac:chgData name="seungkyun park" userId="f1574e86df6b37cf" providerId="LiveId" clId="{3A2A9901-1F52-4855-B492-9D7FB880BEF1}" dt="2025-06-03T03:26:45.555" v="59" actId="1035"/>
+          <ac:spMkLst>
+            <pc:docMk/>
+            <pc:sldMk cId="68514707" sldId="280"/>
+            <ac:spMk id="2" creationId="{2E29D2D8-5D6F-A753-CBB0-8F09B9476F26}"/>
+          </ac:spMkLst>
+        </pc:spChg>
+        <pc:spChg chg="add mod">
+          <ac:chgData name="seungkyun park" userId="f1574e86df6b37cf" providerId="LiveId" clId="{3A2A9901-1F52-4855-B492-9D7FB880BEF1}" dt="2025-06-03T03:26:45.555" v="59" actId="1035"/>
+          <ac:spMkLst>
+            <pc:docMk/>
+            <pc:sldMk cId="68514707" sldId="280"/>
+            <ac:spMk id="3" creationId="{63256327-21B8-CCBA-58A0-C9C75ECD3E27}"/>
+          </ac:spMkLst>
+        </pc:spChg>
+        <pc:spChg chg="mod">
+          <ac:chgData name="seungkyun park" userId="f1574e86df6b37cf" providerId="LiveId" clId="{3A2A9901-1F52-4855-B492-9D7FB880BEF1}" dt="2025-06-03T03:26:35.887" v="50" actId="14100"/>
+          <ac:spMkLst>
+            <pc:docMk/>
+            <pc:sldMk cId="68514707" sldId="280"/>
+            <ac:spMk id="11" creationId="{C3DA3025-5F2E-2B64-70F8-F82C364BE52E}"/>
+          </ac:spMkLst>
+        </pc:spChg>
+        <pc:spChg chg="add del mod">
+          <ac:chgData name="seungkyun park" userId="f1574e86df6b37cf" providerId="LiveId" clId="{3A2A9901-1F52-4855-B492-9D7FB880BEF1}" dt="2025-06-03T03:26:45.555" v="59" actId="1035"/>
+          <ac:spMkLst>
+            <pc:docMk/>
+            <pc:sldMk cId="68514707" sldId="280"/>
+            <ac:spMk id="12" creationId="{2A68B112-0680-DD83-7082-70D00A5C1410}"/>
+          </ac:spMkLst>
+        </pc:spChg>
+        <pc:spChg chg="del mod">
+          <ac:chgData name="seungkyun park" userId="f1574e86df6b37cf" providerId="LiveId" clId="{3A2A9901-1F52-4855-B492-9D7FB880BEF1}" dt="2025-06-03T03:26:29.196" v="49" actId="478"/>
+          <ac:spMkLst>
+            <pc:docMk/>
+            <pc:sldMk cId="68514707" sldId="280"/>
+            <ac:spMk id="13" creationId="{E13BF029-A5FF-1BDC-803C-5E6D813FCAA2}"/>
+          </ac:spMkLst>
+        </pc:spChg>
+        <pc:spChg chg="del">
+          <ac:chgData name="seungkyun park" userId="f1574e86df6b37cf" providerId="LiveId" clId="{3A2A9901-1F52-4855-B492-9D7FB880BEF1}" dt="2025-06-03T03:26:29.196" v="49" actId="478"/>
+          <ac:spMkLst>
+            <pc:docMk/>
+            <pc:sldMk cId="68514707" sldId="280"/>
+            <ac:spMk id="14" creationId="{DA7C7103-EDFA-4437-8A79-8BF4A42028AA}"/>
+          </ac:spMkLst>
+        </pc:spChg>
+        <pc:spChg chg="del">
+          <ac:chgData name="seungkyun park" userId="f1574e86df6b37cf" providerId="LiveId" clId="{3A2A9901-1F52-4855-B492-9D7FB880BEF1}" dt="2025-06-03T03:26:29.196" v="49" actId="478"/>
+          <ac:spMkLst>
+            <pc:docMk/>
+            <pc:sldMk cId="68514707" sldId="280"/>
+            <ac:spMk id="15" creationId="{690DC43D-3873-BF18-7D8E-5821B830E368}"/>
+          </ac:spMkLst>
+        </pc:spChg>
+        <pc:spChg chg="del">
+          <ac:chgData name="seungkyun park" userId="f1574e86df6b37cf" providerId="LiveId" clId="{3A2A9901-1F52-4855-B492-9D7FB880BEF1}" dt="2025-06-03T03:26:29.196" v="49" actId="478"/>
+          <ac:spMkLst>
+            <pc:docMk/>
+            <pc:sldMk cId="68514707" sldId="280"/>
+            <ac:spMk id="19" creationId="{343A864D-3840-2A53-D0F3-832217D9E899}"/>
+          </ac:spMkLst>
+        </pc:spChg>
+        <pc:spChg chg="del">
+          <ac:chgData name="seungkyun park" userId="f1574e86df6b37cf" providerId="LiveId" clId="{3A2A9901-1F52-4855-B492-9D7FB880BEF1}" dt="2025-06-03T03:25:12.047" v="8" actId="478"/>
+          <ac:spMkLst>
+            <pc:docMk/>
+            <pc:sldMk cId="68514707" sldId="280"/>
+            <ac:spMk id="22" creationId="{9E85322E-BB6A-CEDD-F030-C89EB5E232D8}"/>
+          </ac:spMkLst>
+        </pc:spChg>
+        <pc:spChg chg="del">
+          <ac:chgData name="seungkyun park" userId="f1574e86df6b37cf" providerId="LiveId" clId="{3A2A9901-1F52-4855-B492-9D7FB880BEF1}" dt="2025-06-03T03:25:12.047" v="8" actId="478"/>
+          <ac:spMkLst>
+            <pc:docMk/>
+            <pc:sldMk cId="68514707" sldId="280"/>
+            <ac:spMk id="25" creationId="{B09414AB-1C38-CFB5-E219-DF3DE31C62FC}"/>
+          </ac:spMkLst>
+        </pc:spChg>
+        <pc:spChg chg="del">
+          <ac:chgData name="seungkyun park" userId="f1574e86df6b37cf" providerId="LiveId" clId="{3A2A9901-1F52-4855-B492-9D7FB880BEF1}" dt="2025-06-03T03:25:12.047" v="8" actId="478"/>
+          <ac:spMkLst>
+            <pc:docMk/>
+            <pc:sldMk cId="68514707" sldId="280"/>
+            <ac:spMk id="26" creationId="{EB65880B-245E-51A3-268E-37C2F85A7ED1}"/>
+          </ac:spMkLst>
+        </pc:spChg>
+        <pc:spChg chg="del">
+          <ac:chgData name="seungkyun park" userId="f1574e86df6b37cf" providerId="LiveId" clId="{3A2A9901-1F52-4855-B492-9D7FB880BEF1}" dt="2025-06-03T03:25:12.047" v="8" actId="478"/>
+          <ac:spMkLst>
+            <pc:docMk/>
+            <pc:sldMk cId="68514707" sldId="280"/>
+            <ac:spMk id="27" creationId="{EA4051E5-16DD-CE54-B6FB-BA8B87BADEB5}"/>
+          </ac:spMkLst>
+        </pc:spChg>
+        <pc:spChg chg="del">
+          <ac:chgData name="seungkyun park" userId="f1574e86df6b37cf" providerId="LiveId" clId="{3A2A9901-1F52-4855-B492-9D7FB880BEF1}" dt="2025-06-03T03:25:12.047" v="8" actId="478"/>
+          <ac:spMkLst>
+            <pc:docMk/>
+            <pc:sldMk cId="68514707" sldId="280"/>
+            <ac:spMk id="28" creationId="{4A2CCAB9-F0A4-5314-7F98-B27C4775D707}"/>
+          </ac:spMkLst>
+        </pc:spChg>
+      </pc:sldChg>
+    </pc:docChg>
+  </pc:docChgLst>
   <pc:docChgLst>
     <pc:chgData name="seungkyun park" userId="f1574e86df6b37cf" providerId="LiveId" clId="{7CCF9389-FC57-442E-8C8F-013ED0D606B0}"/>
     <pc:docChg chg="undo redo custSel mod addSld delSld modSld delMainMaster modMainMaster">
@@ -138,14 +269,6 @@
           <pc:docMk/>
           <pc:sldMk cId="837102360" sldId="256"/>
         </pc:sldMkLst>
-        <pc:spChg chg="mod">
-          <ac:chgData name="seungkyun park" userId="f1574e86df6b37cf" providerId="LiveId" clId="{7CCF9389-FC57-442E-8C8F-013ED0D606B0}" dt="2024-12-13T14:06:26.875" v="37"/>
-          <ac:spMkLst>
-            <pc:docMk/>
-            <pc:sldMk cId="837102360" sldId="256"/>
-            <ac:spMk id="2" creationId="{554B5361-4E89-484E-9801-F239DFBFABEA}"/>
-          </ac:spMkLst>
-        </pc:spChg>
       </pc:sldChg>
       <pc:sldChg chg="del">
         <pc:chgData name="seungkyun park" userId="f1574e86df6b37cf" providerId="LiveId" clId="{7CCF9389-FC57-442E-8C8F-013ED0D606B0}" dt="2024-12-11T16:53:52.756" v="17" actId="47"/>
@@ -209,502 +332,6 @@
           <pc:docMk/>
           <pc:sldMk cId="68514707" sldId="280"/>
         </pc:sldMkLst>
-        <pc:spChg chg="mod">
-          <ac:chgData name="seungkyun park" userId="f1574e86df6b37cf" providerId="LiveId" clId="{7CCF9389-FC57-442E-8C8F-013ED0D606B0}" dt="2024-12-13T14:06:26.875" v="37"/>
-          <ac:spMkLst>
-            <pc:docMk/>
-            <pc:sldMk cId="68514707" sldId="280"/>
-            <ac:spMk id="4" creationId="{F0FE6A13-BDF1-7242-D5F3-CBDCB3FFCCD4}"/>
-          </ac:spMkLst>
-        </pc:spChg>
-        <pc:spChg chg="mod">
-          <ac:chgData name="seungkyun park" userId="f1574e86df6b37cf" providerId="LiveId" clId="{7CCF9389-FC57-442E-8C8F-013ED0D606B0}" dt="2024-12-13T14:14:47.183" v="238" actId="1076"/>
-          <ac:spMkLst>
-            <pc:docMk/>
-            <pc:sldMk cId="68514707" sldId="280"/>
-            <ac:spMk id="8" creationId="{EB39365E-C944-74CF-3368-57FF28418F7E}"/>
-          </ac:spMkLst>
-        </pc:spChg>
-        <pc:spChg chg="mod">
-          <ac:chgData name="seungkyun park" userId="f1574e86df6b37cf" providerId="LiveId" clId="{7CCF9389-FC57-442E-8C8F-013ED0D606B0}" dt="2024-12-13T14:14:47.183" v="238" actId="1076"/>
-          <ac:spMkLst>
-            <pc:docMk/>
-            <pc:sldMk cId="68514707" sldId="280"/>
-            <ac:spMk id="10" creationId="{76B0CEE8-34FD-B353-BFBB-685ACBF04495}"/>
-          </ac:spMkLst>
-        </pc:spChg>
-        <pc:spChg chg="add mod">
-          <ac:chgData name="seungkyun park" userId="f1574e86df6b37cf" providerId="LiveId" clId="{7CCF9389-FC57-442E-8C8F-013ED0D606B0}" dt="2024-12-13T14:14:54.852" v="239" actId="1076"/>
-          <ac:spMkLst>
-            <pc:docMk/>
-            <pc:sldMk cId="68514707" sldId="280"/>
-            <ac:spMk id="11" creationId="{C3DA3025-5F2E-2B64-70F8-F82C364BE52E}"/>
-          </ac:spMkLst>
-        </pc:spChg>
-        <pc:spChg chg="add mod">
-          <ac:chgData name="seungkyun park" userId="f1574e86df6b37cf" providerId="LiveId" clId="{7CCF9389-FC57-442E-8C8F-013ED0D606B0}" dt="2024-12-13T14:14:54.852" v="239" actId="1076"/>
-          <ac:spMkLst>
-            <pc:docMk/>
-            <pc:sldMk cId="68514707" sldId="280"/>
-            <ac:spMk id="12" creationId="{2A68B112-0680-DD83-7082-70D00A5C1410}"/>
-          </ac:spMkLst>
-        </pc:spChg>
-        <pc:spChg chg="add mod">
-          <ac:chgData name="seungkyun park" userId="f1574e86df6b37cf" providerId="LiveId" clId="{7CCF9389-FC57-442E-8C8F-013ED0D606B0}" dt="2024-12-13T14:14:54.852" v="239" actId="1076"/>
-          <ac:spMkLst>
-            <pc:docMk/>
-            <pc:sldMk cId="68514707" sldId="280"/>
-            <ac:spMk id="13" creationId="{E13BF029-A5FF-1BDC-803C-5E6D813FCAA2}"/>
-          </ac:spMkLst>
-        </pc:spChg>
-        <pc:spChg chg="add mod">
-          <ac:chgData name="seungkyun park" userId="f1574e86df6b37cf" providerId="LiveId" clId="{7CCF9389-FC57-442E-8C8F-013ED0D606B0}" dt="2024-12-13T14:14:54.852" v="239" actId="1076"/>
-          <ac:spMkLst>
-            <pc:docMk/>
-            <pc:sldMk cId="68514707" sldId="280"/>
-            <ac:spMk id="14" creationId="{DA7C7103-EDFA-4437-8A79-8BF4A42028AA}"/>
-          </ac:spMkLst>
-        </pc:spChg>
-        <pc:spChg chg="add mod">
-          <ac:chgData name="seungkyun park" userId="f1574e86df6b37cf" providerId="LiveId" clId="{7CCF9389-FC57-442E-8C8F-013ED0D606B0}" dt="2024-12-13T14:14:54.852" v="239" actId="1076"/>
-          <ac:spMkLst>
-            <pc:docMk/>
-            <pc:sldMk cId="68514707" sldId="280"/>
-            <ac:spMk id="15" creationId="{690DC43D-3873-BF18-7D8E-5821B830E368}"/>
-          </ac:spMkLst>
-        </pc:spChg>
-        <pc:spChg chg="mod">
-          <ac:chgData name="seungkyun park" userId="f1574e86df6b37cf" providerId="LiveId" clId="{7CCF9389-FC57-442E-8C8F-013ED0D606B0}" dt="2024-12-13T14:14:47.183" v="238" actId="1076"/>
-          <ac:spMkLst>
-            <pc:docMk/>
-            <pc:sldMk cId="68514707" sldId="280"/>
-            <ac:spMk id="16" creationId="{8400C1EB-516E-4C57-2974-E448ED99A9FE}"/>
-          </ac:spMkLst>
-        </pc:spChg>
-        <pc:spChg chg="mod">
-          <ac:chgData name="seungkyun park" userId="f1574e86df6b37cf" providerId="LiveId" clId="{7CCF9389-FC57-442E-8C8F-013ED0D606B0}" dt="2024-12-13T14:14:47.183" v="238" actId="1076"/>
-          <ac:spMkLst>
-            <pc:docMk/>
-            <pc:sldMk cId="68514707" sldId="280"/>
-            <ac:spMk id="17" creationId="{A1C261F9-BEF6-4DEA-90CB-17B093F97F06}"/>
-          </ac:spMkLst>
-        </pc:spChg>
-        <pc:spChg chg="mod">
-          <ac:chgData name="seungkyun park" userId="f1574e86df6b37cf" providerId="LiveId" clId="{7CCF9389-FC57-442E-8C8F-013ED0D606B0}" dt="2024-12-13T14:14:47.183" v="238" actId="1076"/>
-          <ac:spMkLst>
-            <pc:docMk/>
-            <pc:sldMk cId="68514707" sldId="280"/>
-            <ac:spMk id="18" creationId="{82136F7E-F766-1595-7B80-01669D05FCDD}"/>
-          </ac:spMkLst>
-        </pc:spChg>
-        <pc:spChg chg="add mod">
-          <ac:chgData name="seungkyun park" userId="f1574e86df6b37cf" providerId="LiveId" clId="{7CCF9389-FC57-442E-8C8F-013ED0D606B0}" dt="2024-12-13T14:14:54.852" v="239" actId="1076"/>
-          <ac:spMkLst>
-            <pc:docMk/>
-            <pc:sldMk cId="68514707" sldId="280"/>
-            <ac:spMk id="19" creationId="{343A864D-3840-2A53-D0F3-832217D9E899}"/>
-          </ac:spMkLst>
-        </pc:spChg>
-        <pc:spChg chg="mod">
-          <ac:chgData name="seungkyun park" userId="f1574e86df6b37cf" providerId="LiveId" clId="{7CCF9389-FC57-442E-8C8F-013ED0D606B0}" dt="2024-12-13T14:14:47.183" v="238" actId="1076"/>
-          <ac:spMkLst>
-            <pc:docMk/>
-            <pc:sldMk cId="68514707" sldId="280"/>
-            <ac:spMk id="20" creationId="{72DEFC06-0363-90F0-474F-6507F2D1B7FA}"/>
-          </ac:spMkLst>
-        </pc:spChg>
-        <pc:spChg chg="mod">
-          <ac:chgData name="seungkyun park" userId="f1574e86df6b37cf" providerId="LiveId" clId="{7CCF9389-FC57-442E-8C8F-013ED0D606B0}" dt="2024-12-13T14:14:47.183" v="238" actId="1076"/>
-          <ac:spMkLst>
-            <pc:docMk/>
-            <pc:sldMk cId="68514707" sldId="280"/>
-            <ac:spMk id="21" creationId="{9A8DA0C9-A85D-E60D-CE63-D0FD67454783}"/>
-          </ac:spMkLst>
-        </pc:spChg>
-        <pc:spChg chg="add mod">
-          <ac:chgData name="seungkyun park" userId="f1574e86df6b37cf" providerId="LiveId" clId="{7CCF9389-FC57-442E-8C8F-013ED0D606B0}" dt="2024-12-13T14:15:09.224" v="256" actId="6549"/>
-          <ac:spMkLst>
-            <pc:docMk/>
-            <pc:sldMk cId="68514707" sldId="280"/>
-            <ac:spMk id="22" creationId="{9E85322E-BB6A-CEDD-F030-C89EB5E232D8}"/>
-          </ac:spMkLst>
-        </pc:spChg>
-        <pc:spChg chg="mod">
-          <ac:chgData name="seungkyun park" userId="f1574e86df6b37cf" providerId="LiveId" clId="{7CCF9389-FC57-442E-8C8F-013ED0D606B0}" dt="2024-12-13T14:14:47.183" v="238" actId="1076"/>
-          <ac:spMkLst>
-            <pc:docMk/>
-            <pc:sldMk cId="68514707" sldId="280"/>
-            <ac:spMk id="23" creationId="{794B3F60-7121-E60B-3643-BB41F5985F5F}"/>
-          </ac:spMkLst>
-        </pc:spChg>
-        <pc:spChg chg="add mod">
-          <ac:chgData name="seungkyun park" userId="f1574e86df6b37cf" providerId="LiveId" clId="{7CCF9389-FC57-442E-8C8F-013ED0D606B0}" dt="2024-12-13T14:15:17.629" v="258" actId="1038"/>
-          <ac:spMkLst>
-            <pc:docMk/>
-            <pc:sldMk cId="68514707" sldId="280"/>
-            <ac:spMk id="25" creationId="{B09414AB-1C38-CFB5-E219-DF3DE31C62FC}"/>
-          </ac:spMkLst>
-        </pc:spChg>
-        <pc:spChg chg="add mod">
-          <ac:chgData name="seungkyun park" userId="f1574e86df6b37cf" providerId="LiveId" clId="{7CCF9389-FC57-442E-8C8F-013ED0D606B0}" dt="2024-12-13T14:15:17.629" v="258" actId="1038"/>
-          <ac:spMkLst>
-            <pc:docMk/>
-            <pc:sldMk cId="68514707" sldId="280"/>
-            <ac:spMk id="26" creationId="{EB65880B-245E-51A3-268E-37C2F85A7ED1}"/>
-          </ac:spMkLst>
-        </pc:spChg>
-        <pc:spChg chg="add mod">
-          <ac:chgData name="seungkyun park" userId="f1574e86df6b37cf" providerId="LiveId" clId="{7CCF9389-FC57-442E-8C8F-013ED0D606B0}" dt="2024-12-13T14:15:17.629" v="258" actId="1038"/>
-          <ac:spMkLst>
-            <pc:docMk/>
-            <pc:sldMk cId="68514707" sldId="280"/>
-            <ac:spMk id="27" creationId="{EA4051E5-16DD-CE54-B6FB-BA8B87BADEB5}"/>
-          </ac:spMkLst>
-        </pc:spChg>
-        <pc:spChg chg="add mod">
-          <ac:chgData name="seungkyun park" userId="f1574e86df6b37cf" providerId="LiveId" clId="{7CCF9389-FC57-442E-8C8F-013ED0D606B0}" dt="2024-12-13T14:15:17.629" v="258" actId="1038"/>
-          <ac:spMkLst>
-            <pc:docMk/>
-            <pc:sldMk cId="68514707" sldId="280"/>
-            <ac:spMk id="28" creationId="{4A2CCAB9-F0A4-5314-7F98-B27C4775D707}"/>
-          </ac:spMkLst>
-        </pc:spChg>
-        <pc:spChg chg="mod">
-          <ac:chgData name="seungkyun park" userId="f1574e86df6b37cf" providerId="LiveId" clId="{7CCF9389-FC57-442E-8C8F-013ED0D606B0}" dt="2024-12-13T14:14:47.183" v="238" actId="1076"/>
-          <ac:spMkLst>
-            <pc:docMk/>
-            <pc:sldMk cId="68514707" sldId="280"/>
-            <ac:spMk id="30" creationId="{638A027E-0A92-C0D3-8078-A226CAB8B2FA}"/>
-          </ac:spMkLst>
-        </pc:spChg>
-        <pc:spChg chg="mod">
-          <ac:chgData name="seungkyun park" userId="f1574e86df6b37cf" providerId="LiveId" clId="{7CCF9389-FC57-442E-8C8F-013ED0D606B0}" dt="2024-12-13T14:14:47.183" v="238" actId="1076"/>
-          <ac:spMkLst>
-            <pc:docMk/>
-            <pc:sldMk cId="68514707" sldId="280"/>
-            <ac:spMk id="31" creationId="{93243ECD-5D54-7756-65C0-99E59BACEFBB}"/>
-          </ac:spMkLst>
-        </pc:spChg>
-        <pc:spChg chg="mod">
-          <ac:chgData name="seungkyun park" userId="f1574e86df6b37cf" providerId="LiveId" clId="{7CCF9389-FC57-442E-8C8F-013ED0D606B0}" dt="2024-12-13T14:14:47.183" v="238" actId="1076"/>
-          <ac:spMkLst>
-            <pc:docMk/>
-            <pc:sldMk cId="68514707" sldId="280"/>
-            <ac:spMk id="36" creationId="{58160FB7-5587-D4E0-10FE-0887BB5838CB}"/>
-          </ac:spMkLst>
-        </pc:spChg>
-        <pc:spChg chg="mod">
-          <ac:chgData name="seungkyun park" userId="f1574e86df6b37cf" providerId="LiveId" clId="{7CCF9389-FC57-442E-8C8F-013ED0D606B0}" dt="2024-12-13T14:14:47.183" v="238" actId="1076"/>
-          <ac:spMkLst>
-            <pc:docMk/>
-            <pc:sldMk cId="68514707" sldId="280"/>
-            <ac:spMk id="37" creationId="{71CA061A-8C47-6F39-8382-5BEB90D922E1}"/>
-          </ac:spMkLst>
-        </pc:spChg>
-        <pc:spChg chg="mod">
-          <ac:chgData name="seungkyun park" userId="f1574e86df6b37cf" providerId="LiveId" clId="{7CCF9389-FC57-442E-8C8F-013ED0D606B0}" dt="2024-12-13T14:14:47.183" v="238" actId="1076"/>
-          <ac:spMkLst>
-            <pc:docMk/>
-            <pc:sldMk cId="68514707" sldId="280"/>
-            <ac:spMk id="38" creationId="{257F4115-E946-A6D8-5B87-C0B3D058B90A}"/>
-          </ac:spMkLst>
-        </pc:spChg>
-        <pc:spChg chg="mod">
-          <ac:chgData name="seungkyun park" userId="f1574e86df6b37cf" providerId="LiveId" clId="{7CCF9389-FC57-442E-8C8F-013ED0D606B0}" dt="2024-12-13T14:14:47.183" v="238" actId="1076"/>
-          <ac:spMkLst>
-            <pc:docMk/>
-            <pc:sldMk cId="68514707" sldId="280"/>
-            <ac:spMk id="39" creationId="{2F96DB3A-C472-7864-2FA5-ED18718BE63D}"/>
-          </ac:spMkLst>
-        </pc:spChg>
-        <pc:spChg chg="mod">
-          <ac:chgData name="seungkyun park" userId="f1574e86df6b37cf" providerId="LiveId" clId="{7CCF9389-FC57-442E-8C8F-013ED0D606B0}" dt="2024-12-13T14:14:47.183" v="238" actId="1076"/>
-          <ac:spMkLst>
-            <pc:docMk/>
-            <pc:sldMk cId="68514707" sldId="280"/>
-            <ac:spMk id="40" creationId="{FA5CEF9F-A401-78AA-D224-BF90974B3503}"/>
-          </ac:spMkLst>
-        </pc:spChg>
-        <pc:spChg chg="mod">
-          <ac:chgData name="seungkyun park" userId="f1574e86df6b37cf" providerId="LiveId" clId="{7CCF9389-FC57-442E-8C8F-013ED0D606B0}" dt="2024-12-13T14:14:47.183" v="238" actId="1076"/>
-          <ac:spMkLst>
-            <pc:docMk/>
-            <pc:sldMk cId="68514707" sldId="280"/>
-            <ac:spMk id="42" creationId="{0CCF7E0A-0EEA-6D90-0CC8-8B011D4B23F0}"/>
-          </ac:spMkLst>
-        </pc:spChg>
-        <pc:spChg chg="mod">
-          <ac:chgData name="seungkyun park" userId="f1574e86df6b37cf" providerId="LiveId" clId="{7CCF9389-FC57-442E-8C8F-013ED0D606B0}" dt="2024-12-13T14:14:47.183" v="238" actId="1076"/>
-          <ac:spMkLst>
-            <pc:docMk/>
-            <pc:sldMk cId="68514707" sldId="280"/>
-            <ac:spMk id="43" creationId="{042F7780-BB7C-5ECA-EA05-01D1D9EF9612}"/>
-          </ac:spMkLst>
-        </pc:spChg>
-        <pc:spChg chg="mod">
-          <ac:chgData name="seungkyun park" userId="f1574e86df6b37cf" providerId="LiveId" clId="{7CCF9389-FC57-442E-8C8F-013ED0D606B0}" dt="2024-12-13T14:14:47.183" v="238" actId="1076"/>
-          <ac:spMkLst>
-            <pc:docMk/>
-            <pc:sldMk cId="68514707" sldId="280"/>
-            <ac:spMk id="45" creationId="{4CF7594E-D678-E0BB-4C83-5C01CE3C5AA9}"/>
-          </ac:spMkLst>
-        </pc:spChg>
-        <pc:spChg chg="mod">
-          <ac:chgData name="seungkyun park" userId="f1574e86df6b37cf" providerId="LiveId" clId="{7CCF9389-FC57-442E-8C8F-013ED0D606B0}" dt="2024-12-13T14:14:47.183" v="238" actId="1076"/>
-          <ac:spMkLst>
-            <pc:docMk/>
-            <pc:sldMk cId="68514707" sldId="280"/>
-            <ac:spMk id="46" creationId="{990DF948-F355-8C66-D9E5-E86FBBCE1A0E}"/>
-          </ac:spMkLst>
-        </pc:spChg>
-        <pc:spChg chg="mod">
-          <ac:chgData name="seungkyun park" userId="f1574e86df6b37cf" providerId="LiveId" clId="{7CCF9389-FC57-442E-8C8F-013ED0D606B0}" dt="2024-12-13T14:14:47.183" v="238" actId="1076"/>
-          <ac:spMkLst>
-            <pc:docMk/>
-            <pc:sldMk cId="68514707" sldId="280"/>
-            <ac:spMk id="47" creationId="{A58C58EE-7015-EF12-3B13-8D376C76AA5F}"/>
-          </ac:spMkLst>
-        </pc:spChg>
-        <pc:spChg chg="mod">
-          <ac:chgData name="seungkyun park" userId="f1574e86df6b37cf" providerId="LiveId" clId="{7CCF9389-FC57-442E-8C8F-013ED0D606B0}" dt="2024-12-13T14:14:47.183" v="238" actId="1076"/>
-          <ac:spMkLst>
-            <pc:docMk/>
-            <pc:sldMk cId="68514707" sldId="280"/>
-            <ac:spMk id="48" creationId="{525D13D1-8E8A-9EC6-67C0-AD1F4EDB8269}"/>
-          </ac:spMkLst>
-        </pc:spChg>
-        <pc:spChg chg="mod">
-          <ac:chgData name="seungkyun park" userId="f1574e86df6b37cf" providerId="LiveId" clId="{7CCF9389-FC57-442E-8C8F-013ED0D606B0}" dt="2024-12-13T14:14:47.183" v="238" actId="1076"/>
-          <ac:spMkLst>
-            <pc:docMk/>
-            <pc:sldMk cId="68514707" sldId="280"/>
-            <ac:spMk id="49" creationId="{510B80FC-57B4-ACE1-F8EE-0981E7A25497}"/>
-          </ac:spMkLst>
-        </pc:spChg>
-        <pc:spChg chg="mod">
-          <ac:chgData name="seungkyun park" userId="f1574e86df6b37cf" providerId="LiveId" clId="{7CCF9389-FC57-442E-8C8F-013ED0D606B0}" dt="2024-12-13T14:14:47.183" v="238" actId="1076"/>
-          <ac:spMkLst>
-            <pc:docMk/>
-            <pc:sldMk cId="68514707" sldId="280"/>
-            <ac:spMk id="50" creationId="{B7EA36CD-5C48-F621-6EDB-4306F91FE504}"/>
-          </ac:spMkLst>
-        </pc:spChg>
-        <pc:spChg chg="mod">
-          <ac:chgData name="seungkyun park" userId="f1574e86df6b37cf" providerId="LiveId" clId="{7CCF9389-FC57-442E-8C8F-013ED0D606B0}" dt="2024-12-13T14:14:47.183" v="238" actId="1076"/>
-          <ac:spMkLst>
-            <pc:docMk/>
-            <pc:sldMk cId="68514707" sldId="280"/>
-            <ac:spMk id="51" creationId="{E144D844-C6FB-00AF-E7C7-91DA8E1F4E72}"/>
-          </ac:spMkLst>
-        </pc:spChg>
-        <pc:spChg chg="mod">
-          <ac:chgData name="seungkyun park" userId="f1574e86df6b37cf" providerId="LiveId" clId="{7CCF9389-FC57-442E-8C8F-013ED0D606B0}" dt="2024-12-13T14:14:47.183" v="238" actId="1076"/>
-          <ac:spMkLst>
-            <pc:docMk/>
-            <pc:sldMk cId="68514707" sldId="280"/>
-            <ac:spMk id="52" creationId="{86325E8D-5ECC-5E5C-FC31-90F1C16F11BA}"/>
-          </ac:spMkLst>
-        </pc:spChg>
-        <pc:spChg chg="mod">
-          <ac:chgData name="seungkyun park" userId="f1574e86df6b37cf" providerId="LiveId" clId="{7CCF9389-FC57-442E-8C8F-013ED0D606B0}" dt="2024-12-13T14:14:47.183" v="238" actId="1076"/>
-          <ac:spMkLst>
-            <pc:docMk/>
-            <pc:sldMk cId="68514707" sldId="280"/>
-            <ac:spMk id="53" creationId="{A0290976-B66B-9C3E-9097-FBAFD600CCA4}"/>
-          </ac:spMkLst>
-        </pc:spChg>
-        <pc:spChg chg="mod">
-          <ac:chgData name="seungkyun park" userId="f1574e86df6b37cf" providerId="LiveId" clId="{7CCF9389-FC57-442E-8C8F-013ED0D606B0}" dt="2024-12-13T14:14:47.183" v="238" actId="1076"/>
-          <ac:spMkLst>
-            <pc:docMk/>
-            <pc:sldMk cId="68514707" sldId="280"/>
-            <ac:spMk id="54" creationId="{73079C37-52D7-2B2B-432E-562CE3090733}"/>
-          </ac:spMkLst>
-        </pc:spChg>
-        <pc:spChg chg="mod">
-          <ac:chgData name="seungkyun park" userId="f1574e86df6b37cf" providerId="LiveId" clId="{7CCF9389-FC57-442E-8C8F-013ED0D606B0}" dt="2024-12-13T14:14:47.183" v="238" actId="1076"/>
-          <ac:spMkLst>
-            <pc:docMk/>
-            <pc:sldMk cId="68514707" sldId="280"/>
-            <ac:spMk id="55" creationId="{CBD9CFFC-B091-7FF7-DABE-B9BC0D2C2681}"/>
-          </ac:spMkLst>
-        </pc:spChg>
-        <pc:spChg chg="mod">
-          <ac:chgData name="seungkyun park" userId="f1574e86df6b37cf" providerId="LiveId" clId="{7CCF9389-FC57-442E-8C8F-013ED0D606B0}" dt="2024-12-13T14:14:47.183" v="238" actId="1076"/>
-          <ac:spMkLst>
-            <pc:docMk/>
-            <pc:sldMk cId="68514707" sldId="280"/>
-            <ac:spMk id="56" creationId="{6271941A-07E1-60D3-134B-77D9CE8C2120}"/>
-          </ac:spMkLst>
-        </pc:spChg>
-        <pc:spChg chg="mod">
-          <ac:chgData name="seungkyun park" userId="f1574e86df6b37cf" providerId="LiveId" clId="{7CCF9389-FC57-442E-8C8F-013ED0D606B0}" dt="2024-12-13T14:14:47.183" v="238" actId="1076"/>
-          <ac:spMkLst>
-            <pc:docMk/>
-            <pc:sldMk cId="68514707" sldId="280"/>
-            <ac:spMk id="57" creationId="{66F352F2-3B2A-B4D3-C6AF-72C3485D3C73}"/>
-          </ac:spMkLst>
-        </pc:spChg>
-        <pc:spChg chg="mod">
-          <ac:chgData name="seungkyun park" userId="f1574e86df6b37cf" providerId="LiveId" clId="{7CCF9389-FC57-442E-8C8F-013ED0D606B0}" dt="2024-12-13T14:14:47.183" v="238" actId="1076"/>
-          <ac:spMkLst>
-            <pc:docMk/>
-            <pc:sldMk cId="68514707" sldId="280"/>
-            <ac:spMk id="58" creationId="{A2DCE384-ACE2-84B7-05B1-12C550627661}"/>
-          </ac:spMkLst>
-        </pc:spChg>
-        <pc:spChg chg="mod">
-          <ac:chgData name="seungkyun park" userId="f1574e86df6b37cf" providerId="LiveId" clId="{7CCF9389-FC57-442E-8C8F-013ED0D606B0}" dt="2024-12-13T14:14:47.183" v="238" actId="1076"/>
-          <ac:spMkLst>
-            <pc:docMk/>
-            <pc:sldMk cId="68514707" sldId="280"/>
-            <ac:spMk id="59" creationId="{24694BCA-54EE-6296-E155-9F753A2BB73C}"/>
-          </ac:spMkLst>
-        </pc:spChg>
-        <pc:spChg chg="mod">
-          <ac:chgData name="seungkyun park" userId="f1574e86df6b37cf" providerId="LiveId" clId="{7CCF9389-FC57-442E-8C8F-013ED0D606B0}" dt="2024-12-13T14:14:47.183" v="238" actId="1076"/>
-          <ac:spMkLst>
-            <pc:docMk/>
-            <pc:sldMk cId="68514707" sldId="280"/>
-            <ac:spMk id="60" creationId="{6DECB82C-0110-88FA-4F23-4FFCDB8CDD59}"/>
-          </ac:spMkLst>
-        </pc:spChg>
-        <pc:spChg chg="mod">
-          <ac:chgData name="seungkyun park" userId="f1574e86df6b37cf" providerId="LiveId" clId="{7CCF9389-FC57-442E-8C8F-013ED0D606B0}" dt="2024-12-13T14:14:47.183" v="238" actId="1076"/>
-          <ac:spMkLst>
-            <pc:docMk/>
-            <pc:sldMk cId="68514707" sldId="280"/>
-            <ac:spMk id="61" creationId="{53EA2C03-8B37-F357-34D6-92275A002288}"/>
-          </ac:spMkLst>
-        </pc:spChg>
-        <pc:spChg chg="mod">
-          <ac:chgData name="seungkyun park" userId="f1574e86df6b37cf" providerId="LiveId" clId="{7CCF9389-FC57-442E-8C8F-013ED0D606B0}" dt="2024-12-13T14:14:47.183" v="238" actId="1076"/>
-          <ac:spMkLst>
-            <pc:docMk/>
-            <pc:sldMk cId="68514707" sldId="280"/>
-            <ac:spMk id="62" creationId="{5361B7F9-89BB-6E5A-F807-D441D86AFAAF}"/>
-          </ac:spMkLst>
-        </pc:spChg>
-        <pc:spChg chg="mod">
-          <ac:chgData name="seungkyun park" userId="f1574e86df6b37cf" providerId="LiveId" clId="{7CCF9389-FC57-442E-8C8F-013ED0D606B0}" dt="2024-12-13T14:14:47.183" v="238" actId="1076"/>
-          <ac:spMkLst>
-            <pc:docMk/>
-            <pc:sldMk cId="68514707" sldId="280"/>
-            <ac:spMk id="63" creationId="{34E8D36E-390A-0FA9-94E6-FD95908B8113}"/>
-          </ac:spMkLst>
-        </pc:spChg>
-        <pc:spChg chg="mod">
-          <ac:chgData name="seungkyun park" userId="f1574e86df6b37cf" providerId="LiveId" clId="{7CCF9389-FC57-442E-8C8F-013ED0D606B0}" dt="2024-12-13T14:14:47.183" v="238" actId="1076"/>
-          <ac:spMkLst>
-            <pc:docMk/>
-            <pc:sldMk cId="68514707" sldId="280"/>
-            <ac:spMk id="67" creationId="{34ECA601-CBD6-58E3-8F55-6DC0E9B1CF19}"/>
-          </ac:spMkLst>
-        </pc:spChg>
-        <pc:spChg chg="mod">
-          <ac:chgData name="seungkyun park" userId="f1574e86df6b37cf" providerId="LiveId" clId="{7CCF9389-FC57-442E-8C8F-013ED0D606B0}" dt="2024-12-13T14:14:47.183" v="238" actId="1076"/>
-          <ac:spMkLst>
-            <pc:docMk/>
-            <pc:sldMk cId="68514707" sldId="280"/>
-            <ac:spMk id="69" creationId="{74022F84-A1F9-19F4-0340-449FB3B25953}"/>
-          </ac:spMkLst>
-        </pc:spChg>
-        <pc:spChg chg="mod">
-          <ac:chgData name="seungkyun park" userId="f1574e86df6b37cf" providerId="LiveId" clId="{7CCF9389-FC57-442E-8C8F-013ED0D606B0}" dt="2024-12-13T14:14:47.183" v="238" actId="1076"/>
-          <ac:spMkLst>
-            <pc:docMk/>
-            <pc:sldMk cId="68514707" sldId="280"/>
-            <ac:spMk id="79" creationId="{D064E524-94A4-AB54-B81D-84177B2213F0}"/>
-          </ac:spMkLst>
-        </pc:spChg>
-        <pc:spChg chg="mod">
-          <ac:chgData name="seungkyun park" userId="f1574e86df6b37cf" providerId="LiveId" clId="{7CCF9389-FC57-442E-8C8F-013ED0D606B0}" dt="2024-12-13T14:14:47.183" v="238" actId="1076"/>
-          <ac:spMkLst>
-            <pc:docMk/>
-            <pc:sldMk cId="68514707" sldId="280"/>
-            <ac:spMk id="80" creationId="{50C6E1C1-9774-054E-447B-9852E1DC7330}"/>
-          </ac:spMkLst>
-        </pc:spChg>
-        <pc:spChg chg="mod">
-          <ac:chgData name="seungkyun park" userId="f1574e86df6b37cf" providerId="LiveId" clId="{7CCF9389-FC57-442E-8C8F-013ED0D606B0}" dt="2024-12-13T14:14:47.183" v="238" actId="1076"/>
-          <ac:spMkLst>
-            <pc:docMk/>
-            <pc:sldMk cId="68514707" sldId="280"/>
-            <ac:spMk id="81" creationId="{73A649D8-D40B-21D7-0FF4-6619FAF1E995}"/>
-          </ac:spMkLst>
-        </pc:spChg>
-        <pc:spChg chg="mod">
-          <ac:chgData name="seungkyun park" userId="f1574e86df6b37cf" providerId="LiveId" clId="{7CCF9389-FC57-442E-8C8F-013ED0D606B0}" dt="2024-12-13T14:14:47.183" v="238" actId="1076"/>
-          <ac:spMkLst>
-            <pc:docMk/>
-            <pc:sldMk cId="68514707" sldId="280"/>
-            <ac:spMk id="83" creationId="{4904DB52-F074-FCAF-761E-B9FA49D103EC}"/>
-          </ac:spMkLst>
-        </pc:spChg>
-        <pc:spChg chg="mod">
-          <ac:chgData name="seungkyun park" userId="f1574e86df6b37cf" providerId="LiveId" clId="{7CCF9389-FC57-442E-8C8F-013ED0D606B0}" dt="2024-12-13T14:14:47.183" v="238" actId="1076"/>
-          <ac:spMkLst>
-            <pc:docMk/>
-            <pc:sldMk cId="68514707" sldId="280"/>
-            <ac:spMk id="84" creationId="{3BC9B34D-D860-C863-6639-F7C760F69CEC}"/>
-          </ac:spMkLst>
-        </pc:spChg>
-        <pc:spChg chg="mod">
-          <ac:chgData name="seungkyun park" userId="f1574e86df6b37cf" providerId="LiveId" clId="{7CCF9389-FC57-442E-8C8F-013ED0D606B0}" dt="2024-12-13T14:14:47.183" v="238" actId="1076"/>
-          <ac:spMkLst>
-            <pc:docMk/>
-            <pc:sldMk cId="68514707" sldId="280"/>
-            <ac:spMk id="85" creationId="{F877F3C1-7A72-5A3D-551C-70E24B8BBE75}"/>
-          </ac:spMkLst>
-        </pc:spChg>
-        <pc:spChg chg="mod">
-          <ac:chgData name="seungkyun park" userId="f1574e86df6b37cf" providerId="LiveId" clId="{7CCF9389-FC57-442E-8C8F-013ED0D606B0}" dt="2024-12-13T14:14:47.183" v="238" actId="1076"/>
-          <ac:spMkLst>
-            <pc:docMk/>
-            <pc:sldMk cId="68514707" sldId="280"/>
-            <ac:spMk id="87" creationId="{79292DB5-6855-563A-EB22-1BEA751A8C38}"/>
-          </ac:spMkLst>
-        </pc:spChg>
-        <pc:spChg chg="mod">
-          <ac:chgData name="seungkyun park" userId="f1574e86df6b37cf" providerId="LiveId" clId="{7CCF9389-FC57-442E-8C8F-013ED0D606B0}" dt="2024-12-13T14:14:47.183" v="238" actId="1076"/>
-          <ac:spMkLst>
-            <pc:docMk/>
-            <pc:sldMk cId="68514707" sldId="280"/>
-            <ac:spMk id="90" creationId="{98621A85-E85A-2739-BBED-0F2359B558A0}"/>
-          </ac:spMkLst>
-        </pc:spChg>
-        <pc:spChg chg="mod">
-          <ac:chgData name="seungkyun park" userId="f1574e86df6b37cf" providerId="LiveId" clId="{7CCF9389-FC57-442E-8C8F-013ED0D606B0}" dt="2024-12-13T14:14:47.183" v="238" actId="1076"/>
-          <ac:spMkLst>
-            <pc:docMk/>
-            <pc:sldMk cId="68514707" sldId="280"/>
-            <ac:spMk id="91" creationId="{B90AB261-BB91-D66A-9A6E-EF1CAD0F882E}"/>
-          </ac:spMkLst>
-        </pc:spChg>
-        <pc:spChg chg="mod">
-          <ac:chgData name="seungkyun park" userId="f1574e86df6b37cf" providerId="LiveId" clId="{7CCF9389-FC57-442E-8C8F-013ED0D606B0}" dt="2024-12-13T14:14:47.183" v="238" actId="1076"/>
-          <ac:spMkLst>
-            <pc:docMk/>
-            <pc:sldMk cId="68514707" sldId="280"/>
-            <ac:spMk id="92" creationId="{ABED644C-EBD0-51C0-02B5-573F063203CF}"/>
-          </ac:spMkLst>
-        </pc:spChg>
-        <pc:spChg chg="mod">
-          <ac:chgData name="seungkyun park" userId="f1574e86df6b37cf" providerId="LiveId" clId="{7CCF9389-FC57-442E-8C8F-013ED0D606B0}" dt="2024-12-13T14:14:47.183" v="238" actId="1076"/>
-          <ac:spMkLst>
-            <pc:docMk/>
-            <pc:sldMk cId="68514707" sldId="280"/>
-            <ac:spMk id="93" creationId="{3EAA08D1-0CE1-8FBF-C3ED-7A800DD570F1}"/>
-          </ac:spMkLst>
-        </pc:spChg>
-        <pc:spChg chg="mod">
-          <ac:chgData name="seungkyun park" userId="f1574e86df6b37cf" providerId="LiveId" clId="{7CCF9389-FC57-442E-8C8F-013ED0D606B0}" dt="2024-12-13T14:14:47.183" v="238" actId="1076"/>
-          <ac:spMkLst>
-            <pc:docMk/>
-            <pc:sldMk cId="68514707" sldId="280"/>
-            <ac:spMk id="94" creationId="{E627F512-1481-EE8C-56EC-36884F3D125D}"/>
-          </ac:spMkLst>
-        </pc:spChg>
       </pc:sldChg>
       <pc:sldChg chg="modSp add del">
         <pc:chgData name="seungkyun park" userId="f1574e86df6b37cf" providerId="LiveId" clId="{7CCF9389-FC57-442E-8C8F-013ED0D606B0}" dt="2024-12-13T14:02:16.490" v="27"/>
@@ -726,590 +353,6 @@
           <pc:docMk/>
           <pc:sldMk cId="3377727067" sldId="281"/>
         </pc:sldMkLst>
-        <pc:spChg chg="add mod">
-          <ac:chgData name="seungkyun park" userId="f1574e86df6b37cf" providerId="LiveId" clId="{7CCF9389-FC57-442E-8C8F-013ED0D606B0}" dt="2024-12-15T13:40:24.430" v="488" actId="14100"/>
-          <ac:spMkLst>
-            <pc:docMk/>
-            <pc:sldMk cId="3377727067" sldId="281"/>
-            <ac:spMk id="5" creationId="{9591C613-1ABB-E01E-D114-98A8918DEC35}"/>
-          </ac:spMkLst>
-        </pc:spChg>
-        <pc:spChg chg="add del">
-          <ac:chgData name="seungkyun park" userId="f1574e86df6b37cf" providerId="LiveId" clId="{7CCF9389-FC57-442E-8C8F-013ED0D606B0}" dt="2024-12-15T13:29:23.790" v="376" actId="478"/>
-          <ac:spMkLst>
-            <pc:docMk/>
-            <pc:sldMk cId="3377727067" sldId="281"/>
-            <ac:spMk id="8" creationId="{6A10F452-0A74-AA5B-33EF-207B012894BC}"/>
-          </ac:spMkLst>
-        </pc:spChg>
-        <pc:spChg chg="add mod">
-          <ac:chgData name="seungkyun park" userId="f1574e86df6b37cf" providerId="LiveId" clId="{7CCF9389-FC57-442E-8C8F-013ED0D606B0}" dt="2024-12-15T14:09:01.174" v="747" actId="14100"/>
-          <ac:spMkLst>
-            <pc:docMk/>
-            <pc:sldMk cId="3377727067" sldId="281"/>
-            <ac:spMk id="9" creationId="{06A07F58-889F-8825-389D-ECC4BBC227A0}"/>
-          </ac:spMkLst>
-        </pc:spChg>
-        <pc:spChg chg="add del">
-          <ac:chgData name="seungkyun park" userId="f1574e86df6b37cf" providerId="LiveId" clId="{7CCF9389-FC57-442E-8C8F-013ED0D606B0}" dt="2024-12-15T13:29:23.790" v="376" actId="478"/>
-          <ac:spMkLst>
-            <pc:docMk/>
-            <pc:sldMk cId="3377727067" sldId="281"/>
-            <ac:spMk id="10" creationId="{4670B29A-A38B-D481-51C1-1733904DCD16}"/>
-          </ac:spMkLst>
-        </pc:spChg>
-        <pc:spChg chg="mod">
-          <ac:chgData name="seungkyun park" userId="f1574e86df6b37cf" providerId="LiveId" clId="{7CCF9389-FC57-442E-8C8F-013ED0D606B0}" dt="2024-12-15T13:52:41.970" v="648" actId="1036"/>
-          <ac:spMkLst>
-            <pc:docMk/>
-            <pc:sldMk cId="3377727067" sldId="281"/>
-            <ac:spMk id="11" creationId="{1B589482-A493-93E1-9DE4-853505E0DA7E}"/>
-          </ac:spMkLst>
-        </pc:spChg>
-        <pc:spChg chg="del mod">
-          <ac:chgData name="seungkyun park" userId="f1574e86df6b37cf" providerId="LiveId" clId="{7CCF9389-FC57-442E-8C8F-013ED0D606B0}" dt="2024-12-15T13:37:51.516" v="453" actId="478"/>
-          <ac:spMkLst>
-            <pc:docMk/>
-            <pc:sldMk cId="3377727067" sldId="281"/>
-            <ac:spMk id="12" creationId="{A89CB89F-22EC-AB2C-E9C7-9D3DEB7B7AEC}"/>
-          </ac:spMkLst>
-        </pc:spChg>
-        <pc:spChg chg="del mod">
-          <ac:chgData name="seungkyun park" userId="f1574e86df6b37cf" providerId="LiveId" clId="{7CCF9389-FC57-442E-8C8F-013ED0D606B0}" dt="2024-12-15T13:37:51.516" v="453" actId="478"/>
-          <ac:spMkLst>
-            <pc:docMk/>
-            <pc:sldMk cId="3377727067" sldId="281"/>
-            <ac:spMk id="13" creationId="{E366E2DB-AA1C-7365-F99B-F26BA8BD2161}"/>
-          </ac:spMkLst>
-        </pc:spChg>
-        <pc:spChg chg="del mod">
-          <ac:chgData name="seungkyun park" userId="f1574e86df6b37cf" providerId="LiveId" clId="{7CCF9389-FC57-442E-8C8F-013ED0D606B0}" dt="2024-12-15T13:37:51.516" v="453" actId="478"/>
-          <ac:spMkLst>
-            <pc:docMk/>
-            <pc:sldMk cId="3377727067" sldId="281"/>
-            <ac:spMk id="14" creationId="{FB39896F-0BF5-0754-C922-4FBE7CB325AE}"/>
-          </ac:spMkLst>
-        </pc:spChg>
-        <pc:spChg chg="del mod">
-          <ac:chgData name="seungkyun park" userId="f1574e86df6b37cf" providerId="LiveId" clId="{7CCF9389-FC57-442E-8C8F-013ED0D606B0}" dt="2024-12-15T13:37:51.516" v="453" actId="478"/>
-          <ac:spMkLst>
-            <pc:docMk/>
-            <pc:sldMk cId="3377727067" sldId="281"/>
-            <ac:spMk id="15" creationId="{75343EAB-5173-B75C-F2DC-304BF7AF091A}"/>
-          </ac:spMkLst>
-        </pc:spChg>
-        <pc:spChg chg="add del">
-          <ac:chgData name="seungkyun park" userId="f1574e86df6b37cf" providerId="LiveId" clId="{7CCF9389-FC57-442E-8C8F-013ED0D606B0}" dt="2024-12-15T13:29:23.790" v="376" actId="478"/>
-          <ac:spMkLst>
-            <pc:docMk/>
-            <pc:sldMk cId="3377727067" sldId="281"/>
-            <ac:spMk id="16" creationId="{817FFF4D-AB3D-F133-A362-E4F5FAC0180A}"/>
-          </ac:spMkLst>
-        </pc:spChg>
-        <pc:spChg chg="add del">
-          <ac:chgData name="seungkyun park" userId="f1574e86df6b37cf" providerId="LiveId" clId="{7CCF9389-FC57-442E-8C8F-013ED0D606B0}" dt="2024-12-15T13:29:23.790" v="376" actId="478"/>
-          <ac:spMkLst>
-            <pc:docMk/>
-            <pc:sldMk cId="3377727067" sldId="281"/>
-            <ac:spMk id="17" creationId="{ACB37743-F079-D498-A6F7-40E92CF9D0C8}"/>
-          </ac:spMkLst>
-        </pc:spChg>
-        <pc:spChg chg="add del">
-          <ac:chgData name="seungkyun park" userId="f1574e86df6b37cf" providerId="LiveId" clId="{7CCF9389-FC57-442E-8C8F-013ED0D606B0}" dt="2024-12-15T13:29:23.790" v="376" actId="478"/>
-          <ac:spMkLst>
-            <pc:docMk/>
-            <pc:sldMk cId="3377727067" sldId="281"/>
-            <ac:spMk id="18" creationId="{AE4C0A92-D24E-3A27-2CA0-ECEA37620D2B}"/>
-          </ac:spMkLst>
-        </pc:spChg>
-        <pc:spChg chg="del mod">
-          <ac:chgData name="seungkyun park" userId="f1574e86df6b37cf" providerId="LiveId" clId="{7CCF9389-FC57-442E-8C8F-013ED0D606B0}" dt="2024-12-15T13:37:51.516" v="453" actId="478"/>
-          <ac:spMkLst>
-            <pc:docMk/>
-            <pc:sldMk cId="3377727067" sldId="281"/>
-            <ac:spMk id="19" creationId="{FE19E3B2-4C3B-4728-7A13-390A0CC5C26B}"/>
-          </ac:spMkLst>
-        </pc:spChg>
-        <pc:spChg chg="add del">
-          <ac:chgData name="seungkyun park" userId="f1574e86df6b37cf" providerId="LiveId" clId="{7CCF9389-FC57-442E-8C8F-013ED0D606B0}" dt="2024-12-15T13:29:23.790" v="376" actId="478"/>
-          <ac:spMkLst>
-            <pc:docMk/>
-            <pc:sldMk cId="3377727067" sldId="281"/>
-            <ac:spMk id="20" creationId="{F27C3A18-8C25-E0B0-89C6-98D251706810}"/>
-          </ac:spMkLst>
-        </pc:spChg>
-        <pc:spChg chg="add del">
-          <ac:chgData name="seungkyun park" userId="f1574e86df6b37cf" providerId="LiveId" clId="{7CCF9389-FC57-442E-8C8F-013ED0D606B0}" dt="2024-12-15T13:29:23.790" v="376" actId="478"/>
-          <ac:spMkLst>
-            <pc:docMk/>
-            <pc:sldMk cId="3377727067" sldId="281"/>
-            <ac:spMk id="21" creationId="{194B82F3-1217-7CA1-F646-4BA4BDC4326E}"/>
-          </ac:spMkLst>
-        </pc:spChg>
-        <pc:spChg chg="add del">
-          <ac:chgData name="seungkyun park" userId="f1574e86df6b37cf" providerId="LiveId" clId="{7CCF9389-FC57-442E-8C8F-013ED0D606B0}" dt="2024-12-15T13:21:59.367" v="264" actId="478"/>
-          <ac:spMkLst>
-            <pc:docMk/>
-            <pc:sldMk cId="3377727067" sldId="281"/>
-            <ac:spMk id="22" creationId="{8648270C-AF5D-FFF3-2C62-680905FF4F3E}"/>
-          </ac:spMkLst>
-        </pc:spChg>
-        <pc:spChg chg="add del">
-          <ac:chgData name="seungkyun park" userId="f1574e86df6b37cf" providerId="LiveId" clId="{7CCF9389-FC57-442E-8C8F-013ED0D606B0}" dt="2024-12-15T13:29:23.790" v="376" actId="478"/>
-          <ac:spMkLst>
-            <pc:docMk/>
-            <pc:sldMk cId="3377727067" sldId="281"/>
-            <ac:spMk id="23" creationId="{2DD6024B-5950-24FC-ABB1-027F23E90E6B}"/>
-          </ac:spMkLst>
-        </pc:spChg>
-        <pc:spChg chg="add mod">
-          <ac:chgData name="seungkyun park" userId="f1574e86df6b37cf" providerId="LiveId" clId="{7CCF9389-FC57-442E-8C8F-013ED0D606B0}" dt="2024-12-15T14:09:02.603" v="748" actId="1035"/>
-          <ac:spMkLst>
-            <pc:docMk/>
-            <pc:sldMk cId="3377727067" sldId="281"/>
-            <ac:spMk id="24" creationId="{EFC03C75-6535-81B1-6249-36EA302F3BD8}"/>
-          </ac:spMkLst>
-        </pc:spChg>
-        <pc:spChg chg="add del">
-          <ac:chgData name="seungkyun park" userId="f1574e86df6b37cf" providerId="LiveId" clId="{7CCF9389-FC57-442E-8C8F-013ED0D606B0}" dt="2024-12-15T13:21:59.367" v="264" actId="478"/>
-          <ac:spMkLst>
-            <pc:docMk/>
-            <pc:sldMk cId="3377727067" sldId="281"/>
-            <ac:spMk id="25" creationId="{E3A06A33-9A07-1E8F-20DC-DA2B51113606}"/>
-          </ac:spMkLst>
-        </pc:spChg>
-        <pc:spChg chg="add del">
-          <ac:chgData name="seungkyun park" userId="f1574e86df6b37cf" providerId="LiveId" clId="{7CCF9389-FC57-442E-8C8F-013ED0D606B0}" dt="2024-12-15T13:21:59.367" v="264" actId="478"/>
-          <ac:spMkLst>
-            <pc:docMk/>
-            <pc:sldMk cId="3377727067" sldId="281"/>
-            <ac:spMk id="26" creationId="{BE1AC8D1-193F-1D46-46AA-1DFCD37C0533}"/>
-          </ac:spMkLst>
-        </pc:spChg>
-        <pc:spChg chg="add del">
-          <ac:chgData name="seungkyun park" userId="f1574e86df6b37cf" providerId="LiveId" clId="{7CCF9389-FC57-442E-8C8F-013ED0D606B0}" dt="2024-12-15T13:21:59.367" v="264" actId="478"/>
-          <ac:spMkLst>
-            <pc:docMk/>
-            <pc:sldMk cId="3377727067" sldId="281"/>
-            <ac:spMk id="27" creationId="{033B8F2F-C6E7-4C55-2DFA-A6CDAE923F7B}"/>
-          </ac:spMkLst>
-        </pc:spChg>
-        <pc:spChg chg="add del">
-          <ac:chgData name="seungkyun park" userId="f1574e86df6b37cf" providerId="LiveId" clId="{7CCF9389-FC57-442E-8C8F-013ED0D606B0}" dt="2024-12-15T13:21:59.367" v="264" actId="478"/>
-          <ac:spMkLst>
-            <pc:docMk/>
-            <pc:sldMk cId="3377727067" sldId="281"/>
-            <ac:spMk id="28" creationId="{C239FDDD-7F49-B0C1-ACE1-49C8EB0DEDB8}"/>
-          </ac:spMkLst>
-        </pc:spChg>
-        <pc:spChg chg="add mod">
-          <ac:chgData name="seungkyun park" userId="f1574e86df6b37cf" providerId="LiveId" clId="{7CCF9389-FC57-442E-8C8F-013ED0D606B0}" dt="2024-12-15T14:09:03.819" v="750" actId="1035"/>
-          <ac:spMkLst>
-            <pc:docMk/>
-            <pc:sldMk cId="3377727067" sldId="281"/>
-            <ac:spMk id="29" creationId="{772C92AA-4AE6-E77A-0843-CEC935EE1B2A}"/>
-          </ac:spMkLst>
-        </pc:spChg>
-        <pc:spChg chg="add del">
-          <ac:chgData name="seungkyun park" userId="f1574e86df6b37cf" providerId="LiveId" clId="{7CCF9389-FC57-442E-8C8F-013ED0D606B0}" dt="2024-12-15T13:29:23.790" v="376" actId="478"/>
-          <ac:spMkLst>
-            <pc:docMk/>
-            <pc:sldMk cId="3377727067" sldId="281"/>
-            <ac:spMk id="30" creationId="{C0160DC9-AF2D-55E4-1A87-7E6CCB6C78D6}"/>
-          </ac:spMkLst>
-        </pc:spChg>
-        <pc:spChg chg="add del">
-          <ac:chgData name="seungkyun park" userId="f1574e86df6b37cf" providerId="LiveId" clId="{7CCF9389-FC57-442E-8C8F-013ED0D606B0}" dt="2024-12-15T13:29:23.790" v="376" actId="478"/>
-          <ac:spMkLst>
-            <pc:docMk/>
-            <pc:sldMk cId="3377727067" sldId="281"/>
-            <ac:spMk id="31" creationId="{52EBA7FF-1656-DDDD-19C3-22B4ECD8EFFA}"/>
-          </ac:spMkLst>
-        </pc:spChg>
-        <pc:spChg chg="add mod">
-          <ac:chgData name="seungkyun park" userId="f1574e86df6b37cf" providerId="LiveId" clId="{7CCF9389-FC57-442E-8C8F-013ED0D606B0}" dt="2024-12-15T13:52:41.970" v="648" actId="1036"/>
-          <ac:spMkLst>
-            <pc:docMk/>
-            <pc:sldMk cId="3377727067" sldId="281"/>
-            <ac:spMk id="32" creationId="{0E6D1CBC-8F51-7E18-BECC-72DE39FA6725}"/>
-          </ac:spMkLst>
-        </pc:spChg>
-        <pc:spChg chg="add mod">
-          <ac:chgData name="seungkyun park" userId="f1574e86df6b37cf" providerId="LiveId" clId="{7CCF9389-FC57-442E-8C8F-013ED0D606B0}" dt="2024-12-15T13:53:06.581" v="661" actId="20577"/>
-          <ac:spMkLst>
-            <pc:docMk/>
-            <pc:sldMk cId="3377727067" sldId="281"/>
-            <ac:spMk id="33" creationId="{C246FF22-4EDD-7876-CF92-B3DE80691544}"/>
-          </ac:spMkLst>
-        </pc:spChg>
-        <pc:spChg chg="add mod">
-          <ac:chgData name="seungkyun park" userId="f1574e86df6b37cf" providerId="LiveId" clId="{7CCF9389-FC57-442E-8C8F-013ED0D606B0}" dt="2024-12-15T14:09:06.306" v="752" actId="1035"/>
-          <ac:spMkLst>
-            <pc:docMk/>
-            <pc:sldMk cId="3377727067" sldId="281"/>
-            <ac:spMk id="34" creationId="{1485CC3B-E283-538C-270F-AF31649FD14F}"/>
-          </ac:spMkLst>
-        </pc:spChg>
-        <pc:spChg chg="add mod">
-          <ac:chgData name="seungkyun park" userId="f1574e86df6b37cf" providerId="LiveId" clId="{7CCF9389-FC57-442E-8C8F-013ED0D606B0}" dt="2024-12-15T14:09:10.522" v="762" actId="1036"/>
-          <ac:spMkLst>
-            <pc:docMk/>
-            <pc:sldMk cId="3377727067" sldId="281"/>
-            <ac:spMk id="35" creationId="{23CE7577-1349-FCA4-F1B5-2F3F99FD8CC7}"/>
-          </ac:spMkLst>
-        </pc:spChg>
-        <pc:spChg chg="add del">
-          <ac:chgData name="seungkyun park" userId="f1574e86df6b37cf" providerId="LiveId" clId="{7CCF9389-FC57-442E-8C8F-013ED0D606B0}" dt="2024-12-15T13:29:23.790" v="376" actId="478"/>
-          <ac:spMkLst>
-            <pc:docMk/>
-            <pc:sldMk cId="3377727067" sldId="281"/>
-            <ac:spMk id="36" creationId="{5F3D9E26-5911-42D6-E6FF-CDFAB0A0CFD1}"/>
-          </ac:spMkLst>
-        </pc:spChg>
-        <pc:spChg chg="add del">
-          <ac:chgData name="seungkyun park" userId="f1574e86df6b37cf" providerId="LiveId" clId="{7CCF9389-FC57-442E-8C8F-013ED0D606B0}" dt="2024-12-15T13:29:23.790" v="376" actId="478"/>
-          <ac:spMkLst>
-            <pc:docMk/>
-            <pc:sldMk cId="3377727067" sldId="281"/>
-            <ac:spMk id="37" creationId="{087A5208-293A-B2D9-F618-0699290C747D}"/>
-          </ac:spMkLst>
-        </pc:spChg>
-        <pc:spChg chg="add del">
-          <ac:chgData name="seungkyun park" userId="f1574e86df6b37cf" providerId="LiveId" clId="{7CCF9389-FC57-442E-8C8F-013ED0D606B0}" dt="2024-12-15T13:29:23.790" v="376" actId="478"/>
-          <ac:spMkLst>
-            <pc:docMk/>
-            <pc:sldMk cId="3377727067" sldId="281"/>
-            <ac:spMk id="38" creationId="{902D8CA8-42C5-E6EC-21D7-1BDC1DA88E5A}"/>
-          </ac:spMkLst>
-        </pc:spChg>
-        <pc:spChg chg="add del">
-          <ac:chgData name="seungkyun park" userId="f1574e86df6b37cf" providerId="LiveId" clId="{7CCF9389-FC57-442E-8C8F-013ED0D606B0}" dt="2024-12-15T13:29:23.790" v="376" actId="478"/>
-          <ac:spMkLst>
-            <pc:docMk/>
-            <pc:sldMk cId="3377727067" sldId="281"/>
-            <ac:spMk id="39" creationId="{C8E0DFDD-931F-9597-7217-3907C7C83D1D}"/>
-          </ac:spMkLst>
-        </pc:spChg>
-        <pc:spChg chg="add del">
-          <ac:chgData name="seungkyun park" userId="f1574e86df6b37cf" providerId="LiveId" clId="{7CCF9389-FC57-442E-8C8F-013ED0D606B0}" dt="2024-12-15T13:29:23.790" v="376" actId="478"/>
-          <ac:spMkLst>
-            <pc:docMk/>
-            <pc:sldMk cId="3377727067" sldId="281"/>
-            <ac:spMk id="40" creationId="{E5F9ACE4-AA14-B931-105F-D9E96AEBD8C1}"/>
-          </ac:spMkLst>
-        </pc:spChg>
-        <pc:spChg chg="add mod">
-          <ac:chgData name="seungkyun park" userId="f1574e86df6b37cf" providerId="LiveId" clId="{7CCF9389-FC57-442E-8C8F-013ED0D606B0}" dt="2024-12-15T14:26:04.919" v="934"/>
-          <ac:spMkLst>
-            <pc:docMk/>
-            <pc:sldMk cId="3377727067" sldId="281"/>
-            <ac:spMk id="41" creationId="{3A31B2B8-7E63-4379-0A5E-B7B2626D14D7}"/>
-          </ac:spMkLst>
-        </pc:spChg>
-        <pc:spChg chg="add del">
-          <ac:chgData name="seungkyun park" userId="f1574e86df6b37cf" providerId="LiveId" clId="{7CCF9389-FC57-442E-8C8F-013ED0D606B0}" dt="2024-12-15T13:29:23.790" v="376" actId="478"/>
-          <ac:spMkLst>
-            <pc:docMk/>
-            <pc:sldMk cId="3377727067" sldId="281"/>
-            <ac:spMk id="42" creationId="{77F983E7-F353-1BEF-BC4E-989BC26B309C}"/>
-          </ac:spMkLst>
-        </pc:spChg>
-        <pc:spChg chg="add del">
-          <ac:chgData name="seungkyun park" userId="f1574e86df6b37cf" providerId="LiveId" clId="{7CCF9389-FC57-442E-8C8F-013ED0D606B0}" dt="2024-12-15T13:29:23.790" v="376" actId="478"/>
-          <ac:spMkLst>
-            <pc:docMk/>
-            <pc:sldMk cId="3377727067" sldId="281"/>
-            <ac:spMk id="43" creationId="{D80C312F-4CBE-658B-F0EF-3469818B0A43}"/>
-          </ac:spMkLst>
-        </pc:spChg>
-        <pc:spChg chg="add del">
-          <ac:chgData name="seungkyun park" userId="f1574e86df6b37cf" providerId="LiveId" clId="{7CCF9389-FC57-442E-8C8F-013ED0D606B0}" dt="2024-12-15T13:29:23.790" v="376" actId="478"/>
-          <ac:spMkLst>
-            <pc:docMk/>
-            <pc:sldMk cId="3377727067" sldId="281"/>
-            <ac:spMk id="45" creationId="{DA10CED8-782F-D106-8977-9CE278226A87}"/>
-          </ac:spMkLst>
-        </pc:spChg>
-        <pc:spChg chg="add del">
-          <ac:chgData name="seungkyun park" userId="f1574e86df6b37cf" providerId="LiveId" clId="{7CCF9389-FC57-442E-8C8F-013ED0D606B0}" dt="2024-12-15T13:29:23.790" v="376" actId="478"/>
-          <ac:spMkLst>
-            <pc:docMk/>
-            <pc:sldMk cId="3377727067" sldId="281"/>
-            <ac:spMk id="46" creationId="{55C209F9-065E-C98A-E53B-EA46185641F2}"/>
-          </ac:spMkLst>
-        </pc:spChg>
-        <pc:spChg chg="add del">
-          <ac:chgData name="seungkyun park" userId="f1574e86df6b37cf" providerId="LiveId" clId="{7CCF9389-FC57-442E-8C8F-013ED0D606B0}" dt="2024-12-15T13:29:23.790" v="376" actId="478"/>
-          <ac:spMkLst>
-            <pc:docMk/>
-            <pc:sldMk cId="3377727067" sldId="281"/>
-            <ac:spMk id="47" creationId="{057AB4DC-14CA-FB19-794E-5ED9936016D0}"/>
-          </ac:spMkLst>
-        </pc:spChg>
-        <pc:spChg chg="add del">
-          <ac:chgData name="seungkyun park" userId="f1574e86df6b37cf" providerId="LiveId" clId="{7CCF9389-FC57-442E-8C8F-013ED0D606B0}" dt="2024-12-15T13:29:23.790" v="376" actId="478"/>
-          <ac:spMkLst>
-            <pc:docMk/>
-            <pc:sldMk cId="3377727067" sldId="281"/>
-            <ac:spMk id="48" creationId="{5122B5FF-3FB5-BD2A-A097-ED958DD78F56}"/>
-          </ac:spMkLst>
-        </pc:spChg>
-        <pc:spChg chg="add del">
-          <ac:chgData name="seungkyun park" userId="f1574e86df6b37cf" providerId="LiveId" clId="{7CCF9389-FC57-442E-8C8F-013ED0D606B0}" dt="2024-12-15T13:29:23.790" v="376" actId="478"/>
-          <ac:spMkLst>
-            <pc:docMk/>
-            <pc:sldMk cId="3377727067" sldId="281"/>
-            <ac:spMk id="49" creationId="{22F11521-BCB5-E778-84A9-A76DAD882E68}"/>
-          </ac:spMkLst>
-        </pc:spChg>
-        <pc:spChg chg="add del">
-          <ac:chgData name="seungkyun park" userId="f1574e86df6b37cf" providerId="LiveId" clId="{7CCF9389-FC57-442E-8C8F-013ED0D606B0}" dt="2024-12-15T13:29:23.790" v="376" actId="478"/>
-          <ac:spMkLst>
-            <pc:docMk/>
-            <pc:sldMk cId="3377727067" sldId="281"/>
-            <ac:spMk id="50" creationId="{B89D2213-C360-A0B1-C5CA-49C760A5CFFA}"/>
-          </ac:spMkLst>
-        </pc:spChg>
-        <pc:spChg chg="add del">
-          <ac:chgData name="seungkyun park" userId="f1574e86df6b37cf" providerId="LiveId" clId="{7CCF9389-FC57-442E-8C8F-013ED0D606B0}" dt="2024-12-15T13:29:23.790" v="376" actId="478"/>
-          <ac:spMkLst>
-            <pc:docMk/>
-            <pc:sldMk cId="3377727067" sldId="281"/>
-            <ac:spMk id="51" creationId="{5CE361C8-BFA9-D3B5-B942-6F7A9CEDE93C}"/>
-          </ac:spMkLst>
-        </pc:spChg>
-        <pc:spChg chg="add del">
-          <ac:chgData name="seungkyun park" userId="f1574e86df6b37cf" providerId="LiveId" clId="{7CCF9389-FC57-442E-8C8F-013ED0D606B0}" dt="2024-12-15T13:29:23.790" v="376" actId="478"/>
-          <ac:spMkLst>
-            <pc:docMk/>
-            <pc:sldMk cId="3377727067" sldId="281"/>
-            <ac:spMk id="52" creationId="{20FD700F-FDFB-0142-403D-001D6CBCB286}"/>
-          </ac:spMkLst>
-        </pc:spChg>
-        <pc:spChg chg="add del">
-          <ac:chgData name="seungkyun park" userId="f1574e86df6b37cf" providerId="LiveId" clId="{7CCF9389-FC57-442E-8C8F-013ED0D606B0}" dt="2024-12-15T13:29:23.790" v="376" actId="478"/>
-          <ac:spMkLst>
-            <pc:docMk/>
-            <pc:sldMk cId="3377727067" sldId="281"/>
-            <ac:spMk id="53" creationId="{57A7B79E-B0C3-F655-79C9-039B4EFC71F2}"/>
-          </ac:spMkLst>
-        </pc:spChg>
-        <pc:spChg chg="add del">
-          <ac:chgData name="seungkyun park" userId="f1574e86df6b37cf" providerId="LiveId" clId="{7CCF9389-FC57-442E-8C8F-013ED0D606B0}" dt="2024-12-15T13:29:23.790" v="376" actId="478"/>
-          <ac:spMkLst>
-            <pc:docMk/>
-            <pc:sldMk cId="3377727067" sldId="281"/>
-            <ac:spMk id="54" creationId="{35AADAA5-E864-7091-6FBB-FEAAB0970F75}"/>
-          </ac:spMkLst>
-        </pc:spChg>
-        <pc:spChg chg="add del">
-          <ac:chgData name="seungkyun park" userId="f1574e86df6b37cf" providerId="LiveId" clId="{7CCF9389-FC57-442E-8C8F-013ED0D606B0}" dt="2024-12-15T13:29:23.790" v="376" actId="478"/>
-          <ac:spMkLst>
-            <pc:docMk/>
-            <pc:sldMk cId="3377727067" sldId="281"/>
-            <ac:spMk id="55" creationId="{805B412E-CDA5-7993-33B6-6D623D0A25C4}"/>
-          </ac:spMkLst>
-        </pc:spChg>
-        <pc:spChg chg="add del">
-          <ac:chgData name="seungkyun park" userId="f1574e86df6b37cf" providerId="LiveId" clId="{7CCF9389-FC57-442E-8C8F-013ED0D606B0}" dt="2024-12-15T13:29:23.790" v="376" actId="478"/>
-          <ac:spMkLst>
-            <pc:docMk/>
-            <pc:sldMk cId="3377727067" sldId="281"/>
-            <ac:spMk id="56" creationId="{7C63E631-D58F-6D01-1761-633E2CF0357D}"/>
-          </ac:spMkLst>
-        </pc:spChg>
-        <pc:spChg chg="add del">
-          <ac:chgData name="seungkyun park" userId="f1574e86df6b37cf" providerId="LiveId" clId="{7CCF9389-FC57-442E-8C8F-013ED0D606B0}" dt="2024-12-15T13:29:23.790" v="376" actId="478"/>
-          <ac:spMkLst>
-            <pc:docMk/>
-            <pc:sldMk cId="3377727067" sldId="281"/>
-            <ac:spMk id="57" creationId="{6EB9830E-0321-DC7E-2BEE-D2D687778234}"/>
-          </ac:spMkLst>
-        </pc:spChg>
-        <pc:spChg chg="add del">
-          <ac:chgData name="seungkyun park" userId="f1574e86df6b37cf" providerId="LiveId" clId="{7CCF9389-FC57-442E-8C8F-013ED0D606B0}" dt="2024-12-15T13:29:23.790" v="376" actId="478"/>
-          <ac:spMkLst>
-            <pc:docMk/>
-            <pc:sldMk cId="3377727067" sldId="281"/>
-            <ac:spMk id="58" creationId="{E1DE5937-6F21-6AD7-55A0-B215A0334BE1}"/>
-          </ac:spMkLst>
-        </pc:spChg>
-        <pc:spChg chg="add del">
-          <ac:chgData name="seungkyun park" userId="f1574e86df6b37cf" providerId="LiveId" clId="{7CCF9389-FC57-442E-8C8F-013ED0D606B0}" dt="2024-12-15T13:29:23.790" v="376" actId="478"/>
-          <ac:spMkLst>
-            <pc:docMk/>
-            <pc:sldMk cId="3377727067" sldId="281"/>
-            <ac:spMk id="59" creationId="{F84208C5-E491-9739-017B-C1657AECC0AB}"/>
-          </ac:spMkLst>
-        </pc:spChg>
-        <pc:spChg chg="add del">
-          <ac:chgData name="seungkyun park" userId="f1574e86df6b37cf" providerId="LiveId" clId="{7CCF9389-FC57-442E-8C8F-013ED0D606B0}" dt="2024-12-15T13:29:23.790" v="376" actId="478"/>
-          <ac:spMkLst>
-            <pc:docMk/>
-            <pc:sldMk cId="3377727067" sldId="281"/>
-            <ac:spMk id="60" creationId="{E17BABC0-AD8F-427A-739D-DEBF64C23C40}"/>
-          </ac:spMkLst>
-        </pc:spChg>
-        <pc:spChg chg="add del">
-          <ac:chgData name="seungkyun park" userId="f1574e86df6b37cf" providerId="LiveId" clId="{7CCF9389-FC57-442E-8C8F-013ED0D606B0}" dt="2024-12-15T13:29:23.790" v="376" actId="478"/>
-          <ac:spMkLst>
-            <pc:docMk/>
-            <pc:sldMk cId="3377727067" sldId="281"/>
-            <ac:spMk id="61" creationId="{446F51FB-45DA-0351-B4C1-4B4B6D60BC42}"/>
-          </ac:spMkLst>
-        </pc:spChg>
-        <pc:spChg chg="add del">
-          <ac:chgData name="seungkyun park" userId="f1574e86df6b37cf" providerId="LiveId" clId="{7CCF9389-FC57-442E-8C8F-013ED0D606B0}" dt="2024-12-15T13:29:23.790" v="376" actId="478"/>
-          <ac:spMkLst>
-            <pc:docMk/>
-            <pc:sldMk cId="3377727067" sldId="281"/>
-            <ac:spMk id="62" creationId="{AFDF1A5C-3FD2-D4DD-54F7-76B9DEC2EF85}"/>
-          </ac:spMkLst>
-        </pc:spChg>
-        <pc:spChg chg="add del">
-          <ac:chgData name="seungkyun park" userId="f1574e86df6b37cf" providerId="LiveId" clId="{7CCF9389-FC57-442E-8C8F-013ED0D606B0}" dt="2024-12-15T13:29:23.790" v="376" actId="478"/>
-          <ac:spMkLst>
-            <pc:docMk/>
-            <pc:sldMk cId="3377727067" sldId="281"/>
-            <ac:spMk id="63" creationId="{E332DB9B-3DAE-721F-D14D-F09E7B9B5E84}"/>
-          </ac:spMkLst>
-        </pc:spChg>
-        <pc:spChg chg="add del">
-          <ac:chgData name="seungkyun park" userId="f1574e86df6b37cf" providerId="LiveId" clId="{7CCF9389-FC57-442E-8C8F-013ED0D606B0}" dt="2024-12-15T13:29:23.790" v="376" actId="478"/>
-          <ac:spMkLst>
-            <pc:docMk/>
-            <pc:sldMk cId="3377727067" sldId="281"/>
-            <ac:spMk id="67" creationId="{B40CD3CB-99BC-E462-3BE0-269028322CF8}"/>
-          </ac:spMkLst>
-        </pc:spChg>
-        <pc:spChg chg="add del">
-          <ac:chgData name="seungkyun park" userId="f1574e86df6b37cf" providerId="LiveId" clId="{7CCF9389-FC57-442E-8C8F-013ED0D606B0}" dt="2024-12-15T13:29:23.790" v="376" actId="478"/>
-          <ac:spMkLst>
-            <pc:docMk/>
-            <pc:sldMk cId="3377727067" sldId="281"/>
-            <ac:spMk id="69" creationId="{00E67241-4624-4305-C1AC-C50AE8B55AC9}"/>
-          </ac:spMkLst>
-        </pc:spChg>
-        <pc:spChg chg="add del">
-          <ac:chgData name="seungkyun park" userId="f1574e86df6b37cf" providerId="LiveId" clId="{7CCF9389-FC57-442E-8C8F-013ED0D606B0}" dt="2024-12-15T13:29:23.790" v="376" actId="478"/>
-          <ac:spMkLst>
-            <pc:docMk/>
-            <pc:sldMk cId="3377727067" sldId="281"/>
-            <ac:spMk id="79" creationId="{ABD77993-9C3E-8BF0-D6E8-83998EF8FE15}"/>
-          </ac:spMkLst>
-        </pc:spChg>
-        <pc:spChg chg="add del">
-          <ac:chgData name="seungkyun park" userId="f1574e86df6b37cf" providerId="LiveId" clId="{7CCF9389-FC57-442E-8C8F-013ED0D606B0}" dt="2024-12-15T13:29:23.790" v="376" actId="478"/>
-          <ac:spMkLst>
-            <pc:docMk/>
-            <pc:sldMk cId="3377727067" sldId="281"/>
-            <ac:spMk id="80" creationId="{8962BFA5-B362-60C7-4E28-61EB21DFB675}"/>
-          </ac:spMkLst>
-        </pc:spChg>
-        <pc:spChg chg="add del">
-          <ac:chgData name="seungkyun park" userId="f1574e86df6b37cf" providerId="LiveId" clId="{7CCF9389-FC57-442E-8C8F-013ED0D606B0}" dt="2024-12-15T13:29:23.790" v="376" actId="478"/>
-          <ac:spMkLst>
-            <pc:docMk/>
-            <pc:sldMk cId="3377727067" sldId="281"/>
-            <ac:spMk id="81" creationId="{4760DFFB-F4CB-2667-E1BC-7F7E00AB9E03}"/>
-          </ac:spMkLst>
-        </pc:spChg>
-        <pc:spChg chg="add del">
-          <ac:chgData name="seungkyun park" userId="f1574e86df6b37cf" providerId="LiveId" clId="{7CCF9389-FC57-442E-8C8F-013ED0D606B0}" dt="2024-12-15T13:29:23.790" v="376" actId="478"/>
-          <ac:spMkLst>
-            <pc:docMk/>
-            <pc:sldMk cId="3377727067" sldId="281"/>
-            <ac:spMk id="83" creationId="{C6D149CE-2427-45A8-B476-E09DE949C6CB}"/>
-          </ac:spMkLst>
-        </pc:spChg>
-        <pc:spChg chg="add del">
-          <ac:chgData name="seungkyun park" userId="f1574e86df6b37cf" providerId="LiveId" clId="{7CCF9389-FC57-442E-8C8F-013ED0D606B0}" dt="2024-12-15T13:29:23.790" v="376" actId="478"/>
-          <ac:spMkLst>
-            <pc:docMk/>
-            <pc:sldMk cId="3377727067" sldId="281"/>
-            <ac:spMk id="84" creationId="{1D4FA4F0-001A-C22D-0AB3-95ABE81AAFEB}"/>
-          </ac:spMkLst>
-        </pc:spChg>
-        <pc:spChg chg="add del">
-          <ac:chgData name="seungkyun park" userId="f1574e86df6b37cf" providerId="LiveId" clId="{7CCF9389-FC57-442E-8C8F-013ED0D606B0}" dt="2024-12-15T13:29:23.790" v="376" actId="478"/>
-          <ac:spMkLst>
-            <pc:docMk/>
-            <pc:sldMk cId="3377727067" sldId="281"/>
-            <ac:spMk id="85" creationId="{742FF32F-1076-E749-1E12-22AACEA79CFD}"/>
-          </ac:spMkLst>
-        </pc:spChg>
-        <pc:spChg chg="add del">
-          <ac:chgData name="seungkyun park" userId="f1574e86df6b37cf" providerId="LiveId" clId="{7CCF9389-FC57-442E-8C8F-013ED0D606B0}" dt="2024-12-15T13:29:23.790" v="376" actId="478"/>
-          <ac:spMkLst>
-            <pc:docMk/>
-            <pc:sldMk cId="3377727067" sldId="281"/>
-            <ac:spMk id="87" creationId="{728CF6BB-DC95-3812-27AF-D40204437E41}"/>
-          </ac:spMkLst>
-        </pc:spChg>
-        <pc:spChg chg="add del">
-          <ac:chgData name="seungkyun park" userId="f1574e86df6b37cf" providerId="LiveId" clId="{7CCF9389-FC57-442E-8C8F-013ED0D606B0}" dt="2024-12-15T13:29:23.790" v="376" actId="478"/>
-          <ac:spMkLst>
-            <pc:docMk/>
-            <pc:sldMk cId="3377727067" sldId="281"/>
-            <ac:spMk id="90" creationId="{298938B9-925B-80DA-4E8B-2F71C6BD416D}"/>
-          </ac:spMkLst>
-        </pc:spChg>
-        <pc:spChg chg="add del">
-          <ac:chgData name="seungkyun park" userId="f1574e86df6b37cf" providerId="LiveId" clId="{7CCF9389-FC57-442E-8C8F-013ED0D606B0}" dt="2024-12-15T13:29:23.790" v="376" actId="478"/>
-          <ac:spMkLst>
-            <pc:docMk/>
-            <pc:sldMk cId="3377727067" sldId="281"/>
-            <ac:spMk id="91" creationId="{A444FEDC-AFA6-B617-FD7F-EF48A6FA686D}"/>
-          </ac:spMkLst>
-        </pc:spChg>
-        <pc:spChg chg="add del">
-          <ac:chgData name="seungkyun park" userId="f1574e86df6b37cf" providerId="LiveId" clId="{7CCF9389-FC57-442E-8C8F-013ED0D606B0}" dt="2024-12-15T13:29:23.790" v="376" actId="478"/>
-          <ac:spMkLst>
-            <pc:docMk/>
-            <pc:sldMk cId="3377727067" sldId="281"/>
-            <ac:spMk id="92" creationId="{2F3B5ED7-AF50-C091-8115-1F76C5F73400}"/>
-          </ac:spMkLst>
-        </pc:spChg>
-        <pc:spChg chg="add del">
-          <ac:chgData name="seungkyun park" userId="f1574e86df6b37cf" providerId="LiveId" clId="{7CCF9389-FC57-442E-8C8F-013ED0D606B0}" dt="2024-12-15T13:29:23.790" v="376" actId="478"/>
-          <ac:spMkLst>
-            <pc:docMk/>
-            <pc:sldMk cId="3377727067" sldId="281"/>
-            <ac:spMk id="93" creationId="{7EDB930F-21D0-07AE-460F-FCA66A8E1A00}"/>
-          </ac:spMkLst>
-        </pc:spChg>
-        <pc:spChg chg="add del">
-          <ac:chgData name="seungkyun park" userId="f1574e86df6b37cf" providerId="LiveId" clId="{7CCF9389-FC57-442E-8C8F-013ED0D606B0}" dt="2024-12-15T13:29:23.790" v="376" actId="478"/>
-          <ac:spMkLst>
-            <pc:docMk/>
-            <pc:sldMk cId="3377727067" sldId="281"/>
-            <ac:spMk id="94" creationId="{4F600A06-FF3D-2868-3483-2DC26F85D128}"/>
-          </ac:spMkLst>
-        </pc:spChg>
-        <pc:picChg chg="add mod">
-          <ac:chgData name="seungkyun park" userId="f1574e86df6b37cf" providerId="LiveId" clId="{7CCF9389-FC57-442E-8C8F-013ED0D606B0}" dt="2024-12-15T13:44:06.186" v="494" actId="1076"/>
-          <ac:picMkLst>
-            <pc:docMk/>
-            <pc:sldMk cId="3377727067" sldId="281"/>
-            <ac:picMk id="3" creationId="{5BA9A80F-47E7-9F9C-FD1A-BAA42873C648}"/>
-          </ac:picMkLst>
-        </pc:picChg>
-        <pc:picChg chg="add mod">
-          <ac:chgData name="seungkyun park" userId="f1574e86df6b37cf" providerId="LiveId" clId="{7CCF9389-FC57-442E-8C8F-013ED0D606B0}" dt="2024-12-15T13:44:06.186" v="494" actId="1076"/>
-          <ac:picMkLst>
-            <pc:docMk/>
-            <pc:sldMk cId="3377727067" sldId="281"/>
-            <ac:picMk id="7" creationId="{D4EB59FA-BE44-37FD-BCEA-9812C10ABAF7}"/>
-          </ac:picMkLst>
-        </pc:picChg>
-        <pc:picChg chg="add mod">
-          <ac:chgData name="seungkyun park" userId="f1574e86df6b37cf" providerId="LiveId" clId="{7CCF9389-FC57-442E-8C8F-013ED0D606B0}" dt="2024-12-15T14:20:52.469" v="811" actId="14100"/>
-          <ac:picMkLst>
-            <pc:docMk/>
-            <pc:sldMk cId="3377727067" sldId="281"/>
-            <ac:picMk id="64" creationId="{E76E8A22-DF52-1EDB-5703-A92A003ECDF1}"/>
-          </ac:picMkLst>
-        </pc:picChg>
       </pc:sldChg>
       <pc:sldChg chg="del">
         <pc:chgData name="seungkyun park" userId="f1574e86df6b37cf" providerId="LiveId" clId="{7CCF9389-FC57-442E-8C8F-013ED0D606B0}" dt="2024-12-11T16:53:52.756" v="17" actId="47"/>
@@ -1512,42 +555,6 @@
             <pc:sldMasterMk cId="1496743938" sldId="2147483734"/>
             <pc:sldLayoutMk cId="3744608823" sldId="2147483687"/>
           </pc:sldLayoutMkLst>
-          <pc:spChg chg="mod">
-            <ac:chgData name="seungkyun park" userId="f1574e86df6b37cf" providerId="LiveId" clId="{7CCF9389-FC57-442E-8C8F-013ED0D606B0}" dt="2024-12-13T14:02:16.100" v="26"/>
-            <ac:spMkLst>
-              <pc:docMk/>
-              <pc:sldMasterMk cId="1496743938" sldId="2147483734"/>
-              <pc:sldLayoutMk cId="3744608823" sldId="2147483687"/>
-              <ac:spMk id="8" creationId="{47915EE1-091F-6174-1328-0BBFB2AB7B8F}"/>
-            </ac:spMkLst>
-          </pc:spChg>
-          <pc:spChg chg="mod">
-            <ac:chgData name="seungkyun park" userId="f1574e86df6b37cf" providerId="LiveId" clId="{7CCF9389-FC57-442E-8C8F-013ED0D606B0}" dt="2024-12-13T14:02:16.100" v="26"/>
-            <ac:spMkLst>
-              <pc:docMk/>
-              <pc:sldMasterMk cId="1496743938" sldId="2147483734"/>
-              <pc:sldLayoutMk cId="3744608823" sldId="2147483687"/>
-              <ac:spMk id="9" creationId="{677FD0E3-8019-0FAA-BA75-4FB0210992B7}"/>
-            </ac:spMkLst>
-          </pc:spChg>
-          <pc:spChg chg="mod">
-            <ac:chgData name="seungkyun park" userId="f1574e86df6b37cf" providerId="LiveId" clId="{7CCF9389-FC57-442E-8C8F-013ED0D606B0}" dt="2024-12-13T14:02:16.100" v="26"/>
-            <ac:spMkLst>
-              <pc:docMk/>
-              <pc:sldMasterMk cId="1496743938" sldId="2147483734"/>
-              <pc:sldLayoutMk cId="3744608823" sldId="2147483687"/>
-              <ac:spMk id="11" creationId="{2CCA825A-CDED-45F2-337B-18BA7A3D2A26}"/>
-            </ac:spMkLst>
-          </pc:spChg>
-          <pc:cxnChg chg="mod">
-            <ac:chgData name="seungkyun park" userId="f1574e86df6b37cf" providerId="LiveId" clId="{7CCF9389-FC57-442E-8C8F-013ED0D606B0}" dt="2024-12-13T14:02:16.100" v="26"/>
-            <ac:cxnSpMkLst>
-              <pc:docMk/>
-              <pc:sldMasterMk cId="1496743938" sldId="2147483734"/>
-              <pc:sldLayoutMk cId="3744608823" sldId="2147483687"/>
-              <ac:cxnSpMk id="10" creationId="{47EE7609-8BE8-BF71-38C5-9E780A7FA007}"/>
-            </ac:cxnSpMkLst>
-          </pc:cxnChg>
         </pc:sldLayoutChg>
         <pc:sldLayoutChg chg="modSp">
           <pc:chgData name="seungkyun park" userId="f1574e86df6b37cf" providerId="LiveId" clId="{7CCF9389-FC57-442E-8C8F-013ED0D606B0}" dt="2024-12-13T14:02:16.100" v="26"/>
@@ -1604,33 +611,6 @@
             <pc:sldMasterMk cId="1496743938" sldId="2147483734"/>
             <pc:sldLayoutMk cId="3533516051" sldId="2147483697"/>
           </pc:sldLayoutMkLst>
-          <pc:spChg chg="mod">
-            <ac:chgData name="seungkyun park" userId="f1574e86df6b37cf" providerId="LiveId" clId="{7CCF9389-FC57-442E-8C8F-013ED0D606B0}" dt="2024-12-13T14:02:16.100" v="26"/>
-            <ac:spMkLst>
-              <pc:docMk/>
-              <pc:sldMasterMk cId="1496743938" sldId="2147483734"/>
-              <pc:sldLayoutMk cId="3533516051" sldId="2147483697"/>
-              <ac:spMk id="2" creationId="{00000000-0000-0000-0000-000000000000}"/>
-            </ac:spMkLst>
-          </pc:spChg>
-          <pc:spChg chg="mod">
-            <ac:chgData name="seungkyun park" userId="f1574e86df6b37cf" providerId="LiveId" clId="{7CCF9389-FC57-442E-8C8F-013ED0D606B0}" dt="2024-12-13T14:02:16.100" v="26"/>
-            <ac:spMkLst>
-              <pc:docMk/>
-              <pc:sldMasterMk cId="1496743938" sldId="2147483734"/>
-              <pc:sldLayoutMk cId="3533516051" sldId="2147483697"/>
-              <ac:spMk id="3" creationId="{00000000-0000-0000-0000-000000000000}"/>
-            </ac:spMkLst>
-          </pc:spChg>
-          <pc:cxnChg chg="mod">
-            <ac:chgData name="seungkyun park" userId="f1574e86df6b37cf" providerId="LiveId" clId="{7CCF9389-FC57-442E-8C8F-013ED0D606B0}" dt="2024-12-13T14:02:16.100" v="26"/>
-            <ac:cxnSpMkLst>
-              <pc:docMk/>
-              <pc:sldMasterMk cId="1496743938" sldId="2147483734"/>
-              <pc:sldLayoutMk cId="3533516051" sldId="2147483697"/>
-              <ac:cxnSpMk id="8" creationId="{78D13F8B-F663-40A6-88ED-109568B87A9E}"/>
-            </ac:cxnSpMkLst>
-          </pc:cxnChg>
         </pc:sldLayoutChg>
       </pc:sldMasterChg>
       <pc:sldMasterChg chg="modSp modSldLayout">
@@ -1772,42 +752,6 @@
             <pc:sldMasterMk cId="1496743938" sldId="2147483734"/>
             <pc:sldLayoutMk cId="3744608823" sldId="2147483687"/>
           </pc:sldLayoutMkLst>
-          <pc:spChg chg="mod">
-            <ac:chgData name="seungkyun park" userId="f1574e86df6b37cf" providerId="LiveId" clId="{7CCF9389-FC57-442E-8C8F-013ED0D606B0}" dt="2024-12-13T14:02:15.648" v="25"/>
-            <ac:spMkLst>
-              <pc:docMk/>
-              <pc:sldMasterMk cId="1496743938" sldId="2147483734"/>
-              <pc:sldLayoutMk cId="3744608823" sldId="2147483687"/>
-              <ac:spMk id="8" creationId="{47915EE1-091F-6174-1328-0BBFB2AB7B8F}"/>
-            </ac:spMkLst>
-          </pc:spChg>
-          <pc:spChg chg="mod">
-            <ac:chgData name="seungkyun park" userId="f1574e86df6b37cf" providerId="LiveId" clId="{7CCF9389-FC57-442E-8C8F-013ED0D606B0}" dt="2024-12-13T14:02:15.648" v="25"/>
-            <ac:spMkLst>
-              <pc:docMk/>
-              <pc:sldMasterMk cId="1496743938" sldId="2147483734"/>
-              <pc:sldLayoutMk cId="3744608823" sldId="2147483687"/>
-              <ac:spMk id="9" creationId="{677FD0E3-8019-0FAA-BA75-4FB0210992B7}"/>
-            </ac:spMkLst>
-          </pc:spChg>
-          <pc:spChg chg="mod">
-            <ac:chgData name="seungkyun park" userId="f1574e86df6b37cf" providerId="LiveId" clId="{7CCF9389-FC57-442E-8C8F-013ED0D606B0}" dt="2024-12-13T14:02:15.648" v="25"/>
-            <ac:spMkLst>
-              <pc:docMk/>
-              <pc:sldMasterMk cId="1496743938" sldId="2147483734"/>
-              <pc:sldLayoutMk cId="3744608823" sldId="2147483687"/>
-              <ac:spMk id="11" creationId="{2CCA825A-CDED-45F2-337B-18BA7A3D2A26}"/>
-            </ac:spMkLst>
-          </pc:spChg>
-          <pc:cxnChg chg="mod">
-            <ac:chgData name="seungkyun park" userId="f1574e86df6b37cf" providerId="LiveId" clId="{7CCF9389-FC57-442E-8C8F-013ED0D606B0}" dt="2024-12-13T14:02:15.648" v="25"/>
-            <ac:cxnSpMkLst>
-              <pc:docMk/>
-              <pc:sldMasterMk cId="1496743938" sldId="2147483734"/>
-              <pc:sldLayoutMk cId="3744608823" sldId="2147483687"/>
-              <ac:cxnSpMk id="10" creationId="{47EE7609-8BE8-BF71-38C5-9E780A7FA007}"/>
-            </ac:cxnSpMkLst>
-          </pc:cxnChg>
         </pc:sldLayoutChg>
         <pc:sldLayoutChg chg="modSp">
           <pc:chgData name="seungkyun park" userId="f1574e86df6b37cf" providerId="LiveId" clId="{7CCF9389-FC57-442E-8C8F-013ED0D606B0}" dt="2024-12-13T14:02:15.648" v="25"/>
@@ -1816,33 +760,6 @@
             <pc:sldMasterMk cId="1496743938" sldId="2147483734"/>
             <pc:sldLayoutMk cId="3533516051" sldId="2147483697"/>
           </pc:sldLayoutMkLst>
-          <pc:spChg chg="mod">
-            <ac:chgData name="seungkyun park" userId="f1574e86df6b37cf" providerId="LiveId" clId="{7CCF9389-FC57-442E-8C8F-013ED0D606B0}" dt="2024-12-13T14:02:15.648" v="25"/>
-            <ac:spMkLst>
-              <pc:docMk/>
-              <pc:sldMasterMk cId="1496743938" sldId="2147483734"/>
-              <pc:sldLayoutMk cId="3533516051" sldId="2147483697"/>
-              <ac:spMk id="2" creationId="{00000000-0000-0000-0000-000000000000}"/>
-            </ac:spMkLst>
-          </pc:spChg>
-          <pc:spChg chg="mod">
-            <ac:chgData name="seungkyun park" userId="f1574e86df6b37cf" providerId="LiveId" clId="{7CCF9389-FC57-442E-8C8F-013ED0D606B0}" dt="2024-12-13T14:02:15.648" v="25"/>
-            <ac:spMkLst>
-              <pc:docMk/>
-              <pc:sldMasterMk cId="1496743938" sldId="2147483734"/>
-              <pc:sldLayoutMk cId="3533516051" sldId="2147483697"/>
-              <ac:spMk id="3" creationId="{00000000-0000-0000-0000-000000000000}"/>
-            </ac:spMkLst>
-          </pc:spChg>
-          <pc:cxnChg chg="mod">
-            <ac:chgData name="seungkyun park" userId="f1574e86df6b37cf" providerId="LiveId" clId="{7CCF9389-FC57-442E-8C8F-013ED0D606B0}" dt="2024-12-13T14:02:15.648" v="25"/>
-            <ac:cxnSpMkLst>
-              <pc:docMk/>
-              <pc:sldMasterMk cId="1496743938" sldId="2147483734"/>
-              <pc:sldLayoutMk cId="3533516051" sldId="2147483697"/>
-              <ac:cxnSpMk id="8" creationId="{78D13F8B-F663-40A6-88ED-109568B87A9E}"/>
-            </ac:cxnSpMkLst>
-          </pc:cxnChg>
         </pc:sldLayoutChg>
         <pc:sldLayoutChg chg="modSp">
           <pc:chgData name="seungkyun park" userId="f1574e86df6b37cf" providerId="LiveId" clId="{7CCF9389-FC57-442E-8C8F-013ED0D606B0}" dt="2024-12-13T14:02:15.648" v="25"/>
@@ -1922,42 +839,6 @@
             <pc:sldMasterMk cId="1496743938" sldId="2147483734"/>
             <pc:sldLayoutMk cId="3744608823" sldId="2147483687"/>
           </pc:sldLayoutMkLst>
-          <pc:spChg chg="mod">
-            <ac:chgData name="seungkyun park" userId="f1574e86df6b37cf" providerId="LiveId" clId="{7CCF9389-FC57-442E-8C8F-013ED0D606B0}" dt="2024-12-13T14:06:26.875" v="37"/>
-            <ac:spMkLst>
-              <pc:docMk/>
-              <pc:sldMasterMk cId="1496743938" sldId="2147483734"/>
-              <pc:sldLayoutMk cId="3744608823" sldId="2147483687"/>
-              <ac:spMk id="8" creationId="{47915EE1-091F-6174-1328-0BBFB2AB7B8F}"/>
-            </ac:spMkLst>
-          </pc:spChg>
-          <pc:spChg chg="mod">
-            <ac:chgData name="seungkyun park" userId="f1574e86df6b37cf" providerId="LiveId" clId="{7CCF9389-FC57-442E-8C8F-013ED0D606B0}" dt="2024-12-13T14:06:26.875" v="37"/>
-            <ac:spMkLst>
-              <pc:docMk/>
-              <pc:sldMasterMk cId="1496743938" sldId="2147483734"/>
-              <pc:sldLayoutMk cId="3744608823" sldId="2147483687"/>
-              <ac:spMk id="9" creationId="{677FD0E3-8019-0FAA-BA75-4FB0210992B7}"/>
-            </ac:spMkLst>
-          </pc:spChg>
-          <pc:spChg chg="mod">
-            <ac:chgData name="seungkyun park" userId="f1574e86df6b37cf" providerId="LiveId" clId="{7CCF9389-FC57-442E-8C8F-013ED0D606B0}" dt="2024-12-13T14:06:26.875" v="37"/>
-            <ac:spMkLst>
-              <pc:docMk/>
-              <pc:sldMasterMk cId="1496743938" sldId="2147483734"/>
-              <pc:sldLayoutMk cId="3744608823" sldId="2147483687"/>
-              <ac:spMk id="11" creationId="{2CCA825A-CDED-45F2-337B-18BA7A3D2A26}"/>
-            </ac:spMkLst>
-          </pc:spChg>
-          <pc:cxnChg chg="mod">
-            <ac:chgData name="seungkyun park" userId="f1574e86df6b37cf" providerId="LiveId" clId="{7CCF9389-FC57-442E-8C8F-013ED0D606B0}" dt="2024-12-13T14:06:26.875" v="37"/>
-            <ac:cxnSpMkLst>
-              <pc:docMk/>
-              <pc:sldMasterMk cId="1496743938" sldId="2147483734"/>
-              <pc:sldLayoutMk cId="3744608823" sldId="2147483687"/>
-              <ac:cxnSpMk id="10" creationId="{47EE7609-8BE8-BF71-38C5-9E780A7FA007}"/>
-            </ac:cxnSpMkLst>
-          </pc:cxnChg>
         </pc:sldLayoutChg>
         <pc:sldLayoutChg chg="modSp">
           <pc:chgData name="seungkyun park" userId="f1574e86df6b37cf" providerId="LiveId" clId="{7CCF9389-FC57-442E-8C8F-013ED0D606B0}" dt="2024-12-13T14:06:26.875" v="37"/>
@@ -1966,33 +847,6 @@
             <pc:sldMasterMk cId="1496743938" sldId="2147483734"/>
             <pc:sldLayoutMk cId="3533516051" sldId="2147483697"/>
           </pc:sldLayoutMkLst>
-          <pc:spChg chg="mod">
-            <ac:chgData name="seungkyun park" userId="f1574e86df6b37cf" providerId="LiveId" clId="{7CCF9389-FC57-442E-8C8F-013ED0D606B0}" dt="2024-12-13T14:06:26.875" v="37"/>
-            <ac:spMkLst>
-              <pc:docMk/>
-              <pc:sldMasterMk cId="1496743938" sldId="2147483734"/>
-              <pc:sldLayoutMk cId="3533516051" sldId="2147483697"/>
-              <ac:spMk id="2" creationId="{00000000-0000-0000-0000-000000000000}"/>
-            </ac:spMkLst>
-          </pc:spChg>
-          <pc:spChg chg="mod">
-            <ac:chgData name="seungkyun park" userId="f1574e86df6b37cf" providerId="LiveId" clId="{7CCF9389-FC57-442E-8C8F-013ED0D606B0}" dt="2024-12-13T14:06:26.875" v="37"/>
-            <ac:spMkLst>
-              <pc:docMk/>
-              <pc:sldMasterMk cId="1496743938" sldId="2147483734"/>
-              <pc:sldLayoutMk cId="3533516051" sldId="2147483697"/>
-              <ac:spMk id="3" creationId="{00000000-0000-0000-0000-000000000000}"/>
-            </ac:spMkLst>
-          </pc:spChg>
-          <pc:cxnChg chg="mod">
-            <ac:chgData name="seungkyun park" userId="f1574e86df6b37cf" providerId="LiveId" clId="{7CCF9389-FC57-442E-8C8F-013ED0D606B0}" dt="2024-12-13T14:06:26.875" v="37"/>
-            <ac:cxnSpMkLst>
-              <pc:docMk/>
-              <pc:sldMasterMk cId="1496743938" sldId="2147483734"/>
-              <pc:sldLayoutMk cId="3533516051" sldId="2147483697"/>
-              <ac:cxnSpMk id="8" creationId="{78D13F8B-F663-40A6-88ED-109568B87A9E}"/>
-            </ac:cxnSpMkLst>
-          </pc:cxnChg>
         </pc:sldLayoutChg>
         <pc:sldLayoutChg chg="modSp">
           <pc:chgData name="seungkyun park" userId="f1574e86df6b37cf" providerId="LiveId" clId="{7CCF9389-FC57-442E-8C8F-013ED0D606B0}" dt="2024-12-13T14:06:26.875" v="37"/>
@@ -2195,7 +1049,7 @@
           <a:p>
             <a:fld id="{9A583588-838E-442D-8FB1-DE9DAD4497CA}" type="datetimeFigureOut">
               <a:rPr lang="ko-KR" altLang="en-US" smtClean="0"/>
-              <a:t>2024-12-15</a:t>
+              <a:t>2025-06-03</a:t>
             </a:fld>
             <a:endParaRPr lang="ko-KR" altLang="en-US"/>
           </a:p>
@@ -2365,7 +1219,7 @@
           <a:p>
             <a:fld id="{9A583588-838E-442D-8FB1-DE9DAD4497CA}" type="datetimeFigureOut">
               <a:rPr lang="ko-KR" altLang="en-US" smtClean="0"/>
-              <a:t>2024-12-15</a:t>
+              <a:t>2025-06-03</a:t>
             </a:fld>
             <a:endParaRPr lang="ko-KR" altLang="en-US"/>
           </a:p>
@@ -2545,7 +1399,7 @@
           <a:p>
             <a:fld id="{9A583588-838E-442D-8FB1-DE9DAD4497CA}" type="datetimeFigureOut">
               <a:rPr lang="ko-KR" altLang="en-US" smtClean="0"/>
-              <a:t>2024-12-15</a:t>
+              <a:t>2025-06-03</a:t>
             </a:fld>
             <a:endParaRPr lang="ko-KR" altLang="en-US"/>
           </a:p>
@@ -2903,7 +1757,7 @@
           <a:p>
             <a:fld id="{C764DE79-268F-4C1A-8933-263129D2AF90}" type="datetimeFigureOut">
               <a:rPr lang="en-US" smtClean="0"/>
-              <a:t>12/15/2024</a:t>
+              <a:t>6/3/2025</a:t>
             </a:fld>
             <a:endParaRPr lang="en-US" dirty="0"/>
           </a:p>
@@ -4448,7 +3302,7 @@
           <a:p>
             <a:fld id="{9A583588-838E-442D-8FB1-DE9DAD4497CA}" type="datetimeFigureOut">
               <a:rPr lang="ko-KR" altLang="en-US" smtClean="0"/>
-              <a:t>2024-12-15</a:t>
+              <a:t>2025-06-03</a:t>
             </a:fld>
             <a:endParaRPr lang="ko-KR" altLang="en-US"/>
           </a:p>
@@ -5890,7 +4744,7 @@
           <a:p>
             <a:fld id="{9A583588-838E-442D-8FB1-DE9DAD4497CA}" type="datetimeFigureOut">
               <a:rPr lang="ko-KR" altLang="en-US" smtClean="0"/>
-              <a:t>2024-12-15</a:t>
+              <a:t>2025-06-03</a:t>
             </a:fld>
             <a:endParaRPr lang="ko-KR" altLang="en-US"/>
           </a:p>
@@ -6122,7 +4976,7 @@
           <a:p>
             <a:fld id="{9A583588-838E-442D-8FB1-DE9DAD4497CA}" type="datetimeFigureOut">
               <a:rPr lang="ko-KR" altLang="en-US" smtClean="0"/>
-              <a:t>2024-12-15</a:t>
+              <a:t>2025-06-03</a:t>
             </a:fld>
             <a:endParaRPr lang="ko-KR" altLang="en-US"/>
           </a:p>
@@ -6489,7 +5343,7 @@
           <a:p>
             <a:fld id="{9A583588-838E-442D-8FB1-DE9DAD4497CA}" type="datetimeFigureOut">
               <a:rPr lang="ko-KR" altLang="en-US" smtClean="0"/>
-              <a:t>2024-12-15</a:t>
+              <a:t>2025-06-03</a:t>
             </a:fld>
             <a:endParaRPr lang="ko-KR" altLang="en-US"/>
           </a:p>
@@ -6607,7 +5461,7 @@
           <a:p>
             <a:fld id="{9A583588-838E-442D-8FB1-DE9DAD4497CA}" type="datetimeFigureOut">
               <a:rPr lang="ko-KR" altLang="en-US" smtClean="0"/>
-              <a:t>2024-12-15</a:t>
+              <a:t>2025-06-03</a:t>
             </a:fld>
             <a:endParaRPr lang="ko-KR" altLang="en-US"/>
           </a:p>
@@ -6702,7 +5556,7 @@
           <a:p>
             <a:fld id="{9A583588-838E-442D-8FB1-DE9DAD4497CA}" type="datetimeFigureOut">
               <a:rPr lang="ko-KR" altLang="en-US" smtClean="0"/>
-              <a:t>2024-12-15</a:t>
+              <a:t>2025-06-03</a:t>
             </a:fld>
             <a:endParaRPr lang="ko-KR" altLang="en-US"/>
           </a:p>
@@ -6979,7 +5833,7 @@
           <a:p>
             <a:fld id="{9A583588-838E-442D-8FB1-DE9DAD4497CA}" type="datetimeFigureOut">
               <a:rPr lang="ko-KR" altLang="en-US" smtClean="0"/>
-              <a:t>2024-12-15</a:t>
+              <a:t>2025-06-03</a:t>
             </a:fld>
             <a:endParaRPr lang="ko-KR" altLang="en-US"/>
           </a:p>
@@ -7236,7 +6090,7 @@
           <a:p>
             <a:fld id="{9A583588-838E-442D-8FB1-DE9DAD4497CA}" type="datetimeFigureOut">
               <a:rPr lang="ko-KR" altLang="en-US" smtClean="0"/>
-              <a:t>2024-12-15</a:t>
+              <a:t>2025-06-03</a:t>
             </a:fld>
             <a:endParaRPr lang="ko-KR" altLang="en-US"/>
           </a:p>
@@ -7449,7 +6303,7 @@
           <a:p>
             <a:fld id="{9A583588-838E-442D-8FB1-DE9DAD4497CA}" type="datetimeFigureOut">
               <a:rPr lang="ko-KR" altLang="en-US" smtClean="0"/>
-              <a:t>2024-12-15</a:t>
+              <a:t>2025-06-03</a:t>
             </a:fld>
             <a:endParaRPr lang="ko-KR" altLang="en-US"/>
           </a:p>
@@ -12129,8 +10983,8 @@
         </p:nvSpPr>
         <p:spPr>
           <a:xfrm>
-            <a:off x="1003668" y="2688186"/>
-            <a:ext cx="2232000" cy="5693814"/>
+            <a:off x="1003667" y="2688186"/>
+            <a:ext cx="8932514" cy="5693814"/>
           </a:xfrm>
           <a:prstGeom prst="rect">
             <a:avLst/>
@@ -12166,22 +11020,15 @@
               <a:defRPr/>
             </a:pPr>
             <a:r>
-              <a:rPr lang="en-US" altLang="ko-KR" sz="731" dirty="0" err="1">
-                <a:solidFill>
-                  <a:prstClr val="black"/>
-                </a:solidFill>
-                <a:latin typeface="Calibri" panose="020F0502020204030204"/>
-                <a:ea typeface="맑은 고딕" panose="020B0503020000020004" pitchFamily="50" charset="-127"/>
-              </a:rPr>
-              <a:t>AppBase</a:t>
-            </a:r>
-            <a:endParaRPr lang="en-US" altLang="ko-KR" sz="731" dirty="0">
-              <a:solidFill>
-                <a:prstClr val="black"/>
-              </a:solidFill>
-              <a:latin typeface="Calibri" panose="020F0502020204030204"/>
-              <a:ea typeface="맑은 고딕" panose="020B0503020000020004" pitchFamily="50" charset="-127"/>
-            </a:endParaRPr>
+              <a:rPr lang="en-US" altLang="ko-KR" sz="731" dirty="0">
+                <a:solidFill>
+                  <a:prstClr val="black"/>
+                </a:solidFill>
+                <a:latin typeface="Calibri" panose="020F0502020204030204"/>
+                <a:ea typeface="맑은 고딕" panose="020B0503020000020004" pitchFamily="50" charset="-127"/>
+              </a:rPr>
+              <a:t>ECS Core</a:t>
+            </a:r>
           </a:p>
         </p:txBody>
       </p:sp>
@@ -12199,8 +11046,8 @@
         </p:nvSpPr>
         <p:spPr>
           <a:xfrm>
-            <a:off x="1147668" y="3152532"/>
-            <a:ext cx="1944000" cy="4065132"/>
+            <a:off x="1291668" y="3024350"/>
+            <a:ext cx="1944000" cy="4176000"/>
           </a:xfrm>
           <a:prstGeom prst="rect">
             <a:avLst/>
@@ -12241,24 +11088,31 @@
               <a:defRPr/>
             </a:pPr>
             <a:r>
-              <a:rPr lang="en-US" altLang="ko-KR" sz="731" dirty="0">
-                <a:solidFill>
-                  <a:prstClr val="black"/>
-                </a:solidFill>
-                <a:latin typeface="Calibri" panose="020F0502020204030204"/>
-                <a:ea typeface="맑은 고딕" panose="020B0503020000020004" pitchFamily="50" charset="-127"/>
-              </a:rPr>
-              <a:t>Initialize</a:t>
-            </a:r>
-          </a:p>
-        </p:txBody>
-      </p:sp>
-      <p:sp>
-        <p:nvSpPr>
-          <p:cNvPr id="13" name="직사각형 12">
+              <a:rPr lang="en-US" altLang="ko-KR" sz="731" dirty="0" err="1">
+                <a:solidFill>
+                  <a:prstClr val="black"/>
+                </a:solidFill>
+                <a:latin typeface="Calibri" panose="020F0502020204030204"/>
+                <a:ea typeface="맑은 고딕" panose="020B0503020000020004" pitchFamily="50" charset="-127"/>
+              </a:rPr>
+              <a:t>Entriy</a:t>
+            </a:r>
+            <a:endParaRPr lang="en-US" altLang="ko-KR" sz="731" dirty="0">
+              <a:solidFill>
+                <a:prstClr val="black"/>
+              </a:solidFill>
+              <a:latin typeface="Calibri" panose="020F0502020204030204"/>
+              <a:ea typeface="맑은 고딕" panose="020B0503020000020004" pitchFamily="50" charset="-127"/>
+            </a:endParaRPr>
+          </a:p>
+        </p:txBody>
+      </p:sp>
+      <p:sp>
+        <p:nvSpPr>
+          <p:cNvPr id="2" name="직사각형 11">
             <a:extLst>
               <a:ext uri="{FF2B5EF4-FFF2-40B4-BE49-F238E27FC236}">
-                <a16:creationId xmlns:a16="http://schemas.microsoft.com/office/drawing/2014/main" id="{E13BF029-A5FF-1BDC-803C-5E6D813FCAA2}"/>
+                <a16:creationId xmlns:a16="http://schemas.microsoft.com/office/drawing/2014/main" id="{2E29D2D8-5D6F-A753-CBB0-8F09B9476F26}"/>
               </a:ext>
             </a:extLst>
           </p:cNvPr>
@@ -12267,8 +11121,8 @@
         </p:nvSpPr>
         <p:spPr>
           <a:xfrm>
-            <a:off x="1291668" y="3449572"/>
-            <a:ext cx="1656000" cy="717378"/>
+            <a:off x="3528181" y="3024350"/>
+            <a:ext cx="1944000" cy="4176000"/>
           </a:xfrm>
           <a:prstGeom prst="rect">
             <a:avLst/>
@@ -12309,31 +11163,24 @@
               <a:defRPr/>
             </a:pPr>
             <a:r>
-              <a:rPr lang="en-US" altLang="ko-KR" sz="731" dirty="0" err="1">
-                <a:solidFill>
-                  <a:prstClr val="black"/>
-                </a:solidFill>
-                <a:latin typeface="Calibri" panose="020F0502020204030204"/>
-                <a:ea typeface="맑은 고딕" panose="020B0503020000020004" pitchFamily="50" charset="-127"/>
-              </a:rPr>
-              <a:t>InitMainWindow</a:t>
-            </a:r>
-            <a:endParaRPr lang="en-US" altLang="ko-KR" sz="731" dirty="0">
-              <a:solidFill>
-                <a:prstClr val="black"/>
-              </a:solidFill>
-              <a:latin typeface="Calibri" panose="020F0502020204030204"/>
-              <a:ea typeface="맑은 고딕" panose="020B0503020000020004" pitchFamily="50" charset="-127"/>
-            </a:endParaRPr>
-          </a:p>
-        </p:txBody>
-      </p:sp>
-      <p:sp>
-        <p:nvSpPr>
-          <p:cNvPr id="14" name="직사각형 13">
+              <a:rPr lang="en-US" altLang="ko-KR" sz="731" dirty="0">
+                <a:solidFill>
+                  <a:prstClr val="black"/>
+                </a:solidFill>
+                <a:latin typeface="Calibri" panose="020F0502020204030204"/>
+                <a:ea typeface="맑은 고딕" panose="020B0503020000020004" pitchFamily="50" charset="-127"/>
+              </a:rPr>
+              <a:t>Component</a:t>
+            </a:r>
+          </a:p>
+        </p:txBody>
+      </p:sp>
+      <p:sp>
+        <p:nvSpPr>
+          <p:cNvPr id="3" name="직사각형 11">
             <a:extLst>
               <a:ext uri="{FF2B5EF4-FFF2-40B4-BE49-F238E27FC236}">
-                <a16:creationId xmlns:a16="http://schemas.microsoft.com/office/drawing/2014/main" id="{DA7C7103-EDFA-4437-8A79-8BF4A42028AA}"/>
+                <a16:creationId xmlns:a16="http://schemas.microsoft.com/office/drawing/2014/main" id="{63256327-21B8-CCBA-58A0-C9C75ECD3E27}"/>
               </a:ext>
             </a:extLst>
           </p:cNvPr>
@@ -12342,8 +11189,8 @@
         </p:nvSpPr>
         <p:spPr>
           <a:xfrm>
-            <a:off x="1291668" y="4405301"/>
-            <a:ext cx="1656000" cy="717378"/>
+            <a:off x="5760181" y="3024350"/>
+            <a:ext cx="1944000" cy="4176000"/>
           </a:xfrm>
           <a:prstGeom prst="rect">
             <a:avLst/>
@@ -12391,519 +11238,7 @@
                 <a:latin typeface="Calibri" panose="020F0502020204030204"/>
                 <a:ea typeface="맑은 고딕" panose="020B0503020000020004" pitchFamily="50" charset="-127"/>
               </a:rPr>
-              <a:t>InitDirect3D</a:t>
-            </a:r>
-          </a:p>
-        </p:txBody>
-      </p:sp>
-      <p:sp>
-        <p:nvSpPr>
-          <p:cNvPr id="15" name="직사각형 14">
-            <a:extLst>
-              <a:ext uri="{FF2B5EF4-FFF2-40B4-BE49-F238E27FC236}">
-                <a16:creationId xmlns:a16="http://schemas.microsoft.com/office/drawing/2014/main" id="{690DC43D-3873-BF18-7D8E-5821B830E368}"/>
-              </a:ext>
-            </a:extLst>
-          </p:cNvPr>
-          <p:cNvSpPr/>
-          <p:nvPr/>
-        </p:nvSpPr>
-        <p:spPr>
-          <a:xfrm>
-            <a:off x="1291668" y="5361030"/>
-            <a:ext cx="1656000" cy="717378"/>
-          </a:xfrm>
-          <a:prstGeom prst="rect">
-            <a:avLst/>
-          </a:prstGeom>
-          <a:solidFill>
-            <a:schemeClr val="accent2">
-              <a:lumMod val="40000"/>
-              <a:lumOff val="60000"/>
-            </a:schemeClr>
-          </a:solidFill>
-          <a:ln w="9525">
-            <a:solidFill>
-              <a:schemeClr val="tx1"/>
-            </a:solidFill>
-          </a:ln>
-        </p:spPr>
-        <p:style>
-          <a:lnRef idx="2">
-            <a:schemeClr val="accent1">
-              <a:shade val="50000"/>
-            </a:schemeClr>
-          </a:lnRef>
-          <a:fillRef idx="1">
-            <a:schemeClr val="accent1"/>
-          </a:fillRef>
-          <a:effectRef idx="0">
-            <a:schemeClr val="accent1"/>
-          </a:effectRef>
-          <a:fontRef idx="minor">
-            <a:schemeClr val="lt1"/>
-          </a:fontRef>
-        </p:style>
-        <p:txBody>
-          <a:bodyPr lIns="41802" rIns="41802" rtlCol="0" anchor="t"/>
-          <a:lstStyle/>
-          <a:p>
-            <a:pPr algn="ctr" defTabSz="418013">
-              <a:defRPr/>
-            </a:pPr>
-            <a:r>
-              <a:rPr lang="en-US" altLang="ko-KR" sz="731" dirty="0" err="1">
-                <a:solidFill>
-                  <a:prstClr val="black"/>
-                </a:solidFill>
-                <a:latin typeface="Calibri" panose="020F0502020204030204"/>
-                <a:ea typeface="맑은 고딕" panose="020B0503020000020004" pitchFamily="50" charset="-127"/>
-              </a:rPr>
-              <a:t>InitGUI</a:t>
-            </a:r>
-            <a:endParaRPr lang="en-US" altLang="ko-KR" sz="731" dirty="0">
-              <a:solidFill>
-                <a:prstClr val="black"/>
-              </a:solidFill>
-              <a:latin typeface="Calibri" panose="020F0502020204030204"/>
-              <a:ea typeface="맑은 고딕" panose="020B0503020000020004" pitchFamily="50" charset="-127"/>
-            </a:endParaRPr>
-          </a:p>
-        </p:txBody>
-      </p:sp>
-      <p:sp>
-        <p:nvSpPr>
-          <p:cNvPr id="19" name="직사각형 18">
-            <a:extLst>
-              <a:ext uri="{FF2B5EF4-FFF2-40B4-BE49-F238E27FC236}">
-                <a16:creationId xmlns:a16="http://schemas.microsoft.com/office/drawing/2014/main" id="{343A864D-3840-2A53-D0F3-832217D9E899}"/>
-              </a:ext>
-            </a:extLst>
-          </p:cNvPr>
-          <p:cNvSpPr/>
-          <p:nvPr/>
-        </p:nvSpPr>
-        <p:spPr>
-          <a:xfrm>
-            <a:off x="1291668" y="6316760"/>
-            <a:ext cx="1656000" cy="717378"/>
-          </a:xfrm>
-          <a:prstGeom prst="rect">
-            <a:avLst/>
-          </a:prstGeom>
-          <a:solidFill>
-            <a:schemeClr val="accent2">
-              <a:lumMod val="40000"/>
-              <a:lumOff val="60000"/>
-            </a:schemeClr>
-          </a:solidFill>
-          <a:ln w="9525">
-            <a:solidFill>
-              <a:schemeClr val="tx1"/>
-            </a:solidFill>
-          </a:ln>
-        </p:spPr>
-        <p:style>
-          <a:lnRef idx="2">
-            <a:schemeClr val="accent1">
-              <a:shade val="50000"/>
-            </a:schemeClr>
-          </a:lnRef>
-          <a:fillRef idx="1">
-            <a:schemeClr val="accent1"/>
-          </a:fillRef>
-          <a:effectRef idx="0">
-            <a:schemeClr val="accent1"/>
-          </a:effectRef>
-          <a:fontRef idx="minor">
-            <a:schemeClr val="lt1"/>
-          </a:fontRef>
-        </p:style>
-        <p:txBody>
-          <a:bodyPr lIns="41802" rIns="41802" rtlCol="0" anchor="t"/>
-          <a:lstStyle/>
-          <a:p>
-            <a:pPr algn="ctr" defTabSz="418013">
-              <a:defRPr/>
-            </a:pPr>
-            <a:r>
-              <a:rPr lang="en-US" altLang="ko-KR" sz="731" dirty="0" err="1">
-                <a:solidFill>
-                  <a:prstClr val="black"/>
-                </a:solidFill>
-                <a:latin typeface="Calibri" panose="020F0502020204030204"/>
-                <a:ea typeface="맑은 고딕" panose="020B0503020000020004" pitchFamily="50" charset="-127"/>
-              </a:rPr>
-              <a:t>InitScene</a:t>
-            </a:r>
-            <a:r>
-              <a:rPr lang="en-US" altLang="ko-KR" sz="731" dirty="0">
-                <a:solidFill>
-                  <a:prstClr val="black"/>
-                </a:solidFill>
-                <a:latin typeface="Calibri" panose="020F0502020204030204"/>
-                <a:ea typeface="맑은 고딕" panose="020B0503020000020004" pitchFamily="50" charset="-127"/>
-              </a:rPr>
-              <a:t>()</a:t>
-            </a:r>
-          </a:p>
-        </p:txBody>
-      </p:sp>
-      <p:sp>
-        <p:nvSpPr>
-          <p:cNvPr id="22" name="직사각형 21">
-            <a:extLst>
-              <a:ext uri="{FF2B5EF4-FFF2-40B4-BE49-F238E27FC236}">
-                <a16:creationId xmlns:a16="http://schemas.microsoft.com/office/drawing/2014/main" id="{9E85322E-BB6A-CEDD-F030-C89EB5E232D8}"/>
-              </a:ext>
-            </a:extLst>
-          </p:cNvPr>
-          <p:cNvSpPr/>
-          <p:nvPr/>
-        </p:nvSpPr>
-        <p:spPr>
-          <a:xfrm>
-            <a:off x="3813924" y="2688186"/>
-            <a:ext cx="2232000" cy="5693814"/>
-          </a:xfrm>
-          <a:prstGeom prst="rect">
-            <a:avLst/>
-          </a:prstGeom>
-          <a:noFill/>
-          <a:ln>
-            <a:solidFill>
-              <a:schemeClr val="tx1"/>
-            </a:solidFill>
-          </a:ln>
-        </p:spPr>
-        <p:style>
-          <a:lnRef idx="2">
-            <a:schemeClr val="accent1">
-              <a:shade val="50000"/>
-            </a:schemeClr>
-          </a:lnRef>
-          <a:fillRef idx="1">
-            <a:schemeClr val="accent1"/>
-          </a:fillRef>
-          <a:effectRef idx="0">
-            <a:schemeClr val="accent1"/>
-          </a:effectRef>
-          <a:fontRef idx="minor">
-            <a:schemeClr val="lt1"/>
-          </a:fontRef>
-        </p:style>
-        <p:txBody>
-          <a:bodyPr lIns="41802" rIns="41802" rtlCol="0" anchor="t"/>
-          <a:lstStyle/>
-          <a:p>
-            <a:pPr algn="ctr" defTabSz="418013">
-              <a:defRPr/>
-            </a:pPr>
-            <a:r>
-              <a:rPr lang="en-US" altLang="ko-KR" sz="731" dirty="0">
-                <a:solidFill>
-                  <a:prstClr val="black"/>
-                </a:solidFill>
-                <a:latin typeface="Calibri" panose="020F0502020204030204"/>
-                <a:ea typeface="맑은 고딕" panose="020B0503020000020004" pitchFamily="50" charset="-127"/>
-              </a:rPr>
-              <a:t>D3D12Utils.h</a:t>
-            </a:r>
-          </a:p>
-        </p:txBody>
-      </p:sp>
-      <p:sp>
-        <p:nvSpPr>
-          <p:cNvPr id="25" name="직사각형 24">
-            <a:extLst>
-              <a:ext uri="{FF2B5EF4-FFF2-40B4-BE49-F238E27FC236}">
-                <a16:creationId xmlns:a16="http://schemas.microsoft.com/office/drawing/2014/main" id="{B09414AB-1C38-CFB5-E219-DF3DE31C62FC}"/>
-              </a:ext>
-            </a:extLst>
-          </p:cNvPr>
-          <p:cNvSpPr/>
-          <p:nvPr/>
-        </p:nvSpPr>
-        <p:spPr>
-          <a:xfrm>
-            <a:off x="4108020" y="3455668"/>
-            <a:ext cx="1656000" cy="717378"/>
-          </a:xfrm>
-          <a:prstGeom prst="rect">
-            <a:avLst/>
-          </a:prstGeom>
-          <a:solidFill>
-            <a:schemeClr val="accent2">
-              <a:lumMod val="40000"/>
-              <a:lumOff val="60000"/>
-            </a:schemeClr>
-          </a:solidFill>
-          <a:ln w="9525">
-            <a:solidFill>
-              <a:schemeClr val="tx1"/>
-            </a:solidFill>
-          </a:ln>
-        </p:spPr>
-        <p:style>
-          <a:lnRef idx="2">
-            <a:schemeClr val="accent1">
-              <a:shade val="50000"/>
-            </a:schemeClr>
-          </a:lnRef>
-          <a:fillRef idx="1">
-            <a:schemeClr val="accent1"/>
-          </a:fillRef>
-          <a:effectRef idx="0">
-            <a:schemeClr val="accent1"/>
-          </a:effectRef>
-          <a:fontRef idx="minor">
-            <a:schemeClr val="lt1"/>
-          </a:fontRef>
-        </p:style>
-        <p:txBody>
-          <a:bodyPr lIns="41802" rIns="41802" rtlCol="0" anchor="t"/>
-          <a:lstStyle/>
-          <a:p>
-            <a:pPr algn="ctr" defTabSz="418013">
-              <a:defRPr/>
-            </a:pPr>
-            <a:r>
-              <a:rPr lang="en-US" altLang="ko-KR" sz="731" dirty="0" err="1">
-                <a:solidFill>
-                  <a:prstClr val="black"/>
-                </a:solidFill>
-                <a:latin typeface="Calibri" panose="020F0502020204030204"/>
-                <a:ea typeface="맑은 고딕" panose="020B0503020000020004" pitchFamily="50" charset="-127"/>
-              </a:rPr>
-              <a:t>InitMainWindow</a:t>
-            </a:r>
-            <a:endParaRPr lang="en-US" altLang="ko-KR" sz="731" dirty="0">
-              <a:solidFill>
-                <a:prstClr val="black"/>
-              </a:solidFill>
-              <a:latin typeface="Calibri" panose="020F0502020204030204"/>
-              <a:ea typeface="맑은 고딕" panose="020B0503020000020004" pitchFamily="50" charset="-127"/>
-            </a:endParaRPr>
-          </a:p>
-        </p:txBody>
-      </p:sp>
-      <p:sp>
-        <p:nvSpPr>
-          <p:cNvPr id="26" name="직사각형 25">
-            <a:extLst>
-              <a:ext uri="{FF2B5EF4-FFF2-40B4-BE49-F238E27FC236}">
-                <a16:creationId xmlns:a16="http://schemas.microsoft.com/office/drawing/2014/main" id="{EB65880B-245E-51A3-268E-37C2F85A7ED1}"/>
-              </a:ext>
-            </a:extLst>
-          </p:cNvPr>
-          <p:cNvSpPr/>
-          <p:nvPr/>
-        </p:nvSpPr>
-        <p:spPr>
-          <a:xfrm>
-            <a:off x="4108020" y="4411397"/>
-            <a:ext cx="1656000" cy="717378"/>
-          </a:xfrm>
-          <a:prstGeom prst="rect">
-            <a:avLst/>
-          </a:prstGeom>
-          <a:solidFill>
-            <a:schemeClr val="accent2">
-              <a:lumMod val="40000"/>
-              <a:lumOff val="60000"/>
-            </a:schemeClr>
-          </a:solidFill>
-          <a:ln w="9525">
-            <a:solidFill>
-              <a:schemeClr val="tx1"/>
-            </a:solidFill>
-          </a:ln>
-        </p:spPr>
-        <p:style>
-          <a:lnRef idx="2">
-            <a:schemeClr val="accent1">
-              <a:shade val="50000"/>
-            </a:schemeClr>
-          </a:lnRef>
-          <a:fillRef idx="1">
-            <a:schemeClr val="accent1"/>
-          </a:fillRef>
-          <a:effectRef idx="0">
-            <a:schemeClr val="accent1"/>
-          </a:effectRef>
-          <a:fontRef idx="minor">
-            <a:schemeClr val="lt1"/>
-          </a:fontRef>
-        </p:style>
-        <p:txBody>
-          <a:bodyPr lIns="41802" rIns="41802" rtlCol="0" anchor="t"/>
-          <a:lstStyle/>
-          <a:p>
-            <a:pPr algn="ctr" defTabSz="418013">
-              <a:defRPr/>
-            </a:pPr>
-            <a:r>
-              <a:rPr lang="en-US" altLang="ko-KR" sz="731" dirty="0">
-                <a:solidFill>
-                  <a:prstClr val="black"/>
-                </a:solidFill>
-                <a:latin typeface="Calibri" panose="020F0502020204030204"/>
-                <a:ea typeface="맑은 고딕" panose="020B0503020000020004" pitchFamily="50" charset="-127"/>
-              </a:rPr>
-              <a:t>InitDirect3D</a:t>
-            </a:r>
-          </a:p>
-        </p:txBody>
-      </p:sp>
-      <p:sp>
-        <p:nvSpPr>
-          <p:cNvPr id="27" name="직사각형 26">
-            <a:extLst>
-              <a:ext uri="{FF2B5EF4-FFF2-40B4-BE49-F238E27FC236}">
-                <a16:creationId xmlns:a16="http://schemas.microsoft.com/office/drawing/2014/main" id="{EA4051E5-16DD-CE54-B6FB-BA8B87BADEB5}"/>
-              </a:ext>
-            </a:extLst>
-          </p:cNvPr>
-          <p:cNvSpPr/>
-          <p:nvPr/>
-        </p:nvSpPr>
-        <p:spPr>
-          <a:xfrm>
-            <a:off x="4108020" y="5367126"/>
-            <a:ext cx="1656000" cy="717378"/>
-          </a:xfrm>
-          <a:prstGeom prst="rect">
-            <a:avLst/>
-          </a:prstGeom>
-          <a:solidFill>
-            <a:schemeClr val="accent2">
-              <a:lumMod val="40000"/>
-              <a:lumOff val="60000"/>
-            </a:schemeClr>
-          </a:solidFill>
-          <a:ln w="9525">
-            <a:solidFill>
-              <a:schemeClr val="tx1"/>
-            </a:solidFill>
-          </a:ln>
-        </p:spPr>
-        <p:style>
-          <a:lnRef idx="2">
-            <a:schemeClr val="accent1">
-              <a:shade val="50000"/>
-            </a:schemeClr>
-          </a:lnRef>
-          <a:fillRef idx="1">
-            <a:schemeClr val="accent1"/>
-          </a:fillRef>
-          <a:effectRef idx="0">
-            <a:schemeClr val="accent1"/>
-          </a:effectRef>
-          <a:fontRef idx="minor">
-            <a:schemeClr val="lt1"/>
-          </a:fontRef>
-        </p:style>
-        <p:txBody>
-          <a:bodyPr lIns="41802" rIns="41802" rtlCol="0" anchor="t"/>
-          <a:lstStyle/>
-          <a:p>
-            <a:pPr algn="ctr" defTabSz="418013">
-              <a:defRPr/>
-            </a:pPr>
-            <a:r>
-              <a:rPr lang="en-US" altLang="ko-KR" sz="731" dirty="0" err="1">
-                <a:solidFill>
-                  <a:prstClr val="black"/>
-                </a:solidFill>
-                <a:latin typeface="Calibri" panose="020F0502020204030204"/>
-                <a:ea typeface="맑은 고딕" panose="020B0503020000020004" pitchFamily="50" charset="-127"/>
-              </a:rPr>
-              <a:t>InitGUI</a:t>
-            </a:r>
-            <a:endParaRPr lang="en-US" altLang="ko-KR" sz="731" dirty="0">
-              <a:solidFill>
-                <a:prstClr val="black"/>
-              </a:solidFill>
-              <a:latin typeface="Calibri" panose="020F0502020204030204"/>
-              <a:ea typeface="맑은 고딕" panose="020B0503020000020004" pitchFamily="50" charset="-127"/>
-            </a:endParaRPr>
-          </a:p>
-        </p:txBody>
-      </p:sp>
-      <p:sp>
-        <p:nvSpPr>
-          <p:cNvPr id="28" name="직사각형 27">
-            <a:extLst>
-              <a:ext uri="{FF2B5EF4-FFF2-40B4-BE49-F238E27FC236}">
-                <a16:creationId xmlns:a16="http://schemas.microsoft.com/office/drawing/2014/main" id="{4A2CCAB9-F0A4-5314-7F98-B27C4775D707}"/>
-              </a:ext>
-            </a:extLst>
-          </p:cNvPr>
-          <p:cNvSpPr/>
-          <p:nvPr/>
-        </p:nvSpPr>
-        <p:spPr>
-          <a:xfrm>
-            <a:off x="4108020" y="6322856"/>
-            <a:ext cx="1656000" cy="717378"/>
-          </a:xfrm>
-          <a:prstGeom prst="rect">
-            <a:avLst/>
-          </a:prstGeom>
-          <a:solidFill>
-            <a:schemeClr val="accent2">
-              <a:lumMod val="40000"/>
-              <a:lumOff val="60000"/>
-            </a:schemeClr>
-          </a:solidFill>
-          <a:ln w="9525">
-            <a:solidFill>
-              <a:schemeClr val="tx1"/>
-            </a:solidFill>
-          </a:ln>
-        </p:spPr>
-        <p:style>
-          <a:lnRef idx="2">
-            <a:schemeClr val="accent1">
-              <a:shade val="50000"/>
-            </a:schemeClr>
-          </a:lnRef>
-          <a:fillRef idx="1">
-            <a:schemeClr val="accent1"/>
-          </a:fillRef>
-          <a:effectRef idx="0">
-            <a:schemeClr val="accent1"/>
-          </a:effectRef>
-          <a:fontRef idx="minor">
-            <a:schemeClr val="lt1"/>
-          </a:fontRef>
-        </p:style>
-        <p:txBody>
-          <a:bodyPr lIns="41802" rIns="41802" rtlCol="0" anchor="t"/>
-          <a:lstStyle/>
-          <a:p>
-            <a:pPr algn="ctr" defTabSz="418013">
-              <a:defRPr/>
-            </a:pPr>
-            <a:r>
-              <a:rPr lang="en-US" altLang="ko-KR" sz="731" dirty="0" err="1">
-                <a:solidFill>
-                  <a:prstClr val="black"/>
-                </a:solidFill>
-                <a:latin typeface="Calibri" panose="020F0502020204030204"/>
-                <a:ea typeface="맑은 고딕" panose="020B0503020000020004" pitchFamily="50" charset="-127"/>
-              </a:rPr>
-              <a:t>InitScene</a:t>
-            </a:r>
-            <a:r>
-              <a:rPr lang="en-US" altLang="ko-KR" sz="731" dirty="0">
-                <a:solidFill>
-                  <a:prstClr val="black"/>
-                </a:solidFill>
-                <a:latin typeface="Calibri" panose="020F0502020204030204"/>
-                <a:ea typeface="맑은 고딕" panose="020B0503020000020004" pitchFamily="50" charset="-127"/>
-              </a:rPr>
-              <a:t>()</a:t>
+              <a:t>System</a:t>
             </a:r>
           </a:p>
         </p:txBody>
